--- a/AttendanceTracker/Web Adresi.pptx
+++ b/AttendanceTracker/Web Adresi.pptx
@@ -5,7 +5,7 @@
     <p:sldMasterId id="2147483648" r:id="rId1"/>
   </p:sldMasterIdLst>
   <p:notesMasterIdLst>
-    <p:notesMasterId r:id="rId34"/>
+    <p:notesMasterId r:id="rId35"/>
   </p:notesMasterIdLst>
   <p:sldIdLst>
     <p:sldId id="256" r:id="rId2"/>
@@ -20,26 +20,27 @@
     <p:sldId id="263" r:id="rId11"/>
     <p:sldId id="272" r:id="rId12"/>
     <p:sldId id="264" r:id="rId13"/>
-    <p:sldId id="265" r:id="rId14"/>
-    <p:sldId id="266" r:id="rId15"/>
-    <p:sldId id="273" r:id="rId16"/>
-    <p:sldId id="267" r:id="rId17"/>
-    <p:sldId id="274" r:id="rId18"/>
-    <p:sldId id="275" r:id="rId19"/>
-    <p:sldId id="281" r:id="rId20"/>
-    <p:sldId id="268" r:id="rId21"/>
-    <p:sldId id="282" r:id="rId22"/>
-    <p:sldId id="283" r:id="rId23"/>
-    <p:sldId id="284" r:id="rId24"/>
-    <p:sldId id="285" r:id="rId25"/>
-    <p:sldId id="286" r:id="rId26"/>
-    <p:sldId id="287" r:id="rId27"/>
-    <p:sldId id="289" r:id="rId28"/>
-    <p:sldId id="278" r:id="rId29"/>
-    <p:sldId id="279" r:id="rId30"/>
-    <p:sldId id="261" r:id="rId31"/>
-    <p:sldId id="277" r:id="rId32"/>
-    <p:sldId id="280" r:id="rId33"/>
+    <p:sldId id="290" r:id="rId14"/>
+    <p:sldId id="265" r:id="rId15"/>
+    <p:sldId id="266" r:id="rId16"/>
+    <p:sldId id="273" r:id="rId17"/>
+    <p:sldId id="267" r:id="rId18"/>
+    <p:sldId id="274" r:id="rId19"/>
+    <p:sldId id="275" r:id="rId20"/>
+    <p:sldId id="281" r:id="rId21"/>
+    <p:sldId id="268" r:id="rId22"/>
+    <p:sldId id="282" r:id="rId23"/>
+    <p:sldId id="283" r:id="rId24"/>
+    <p:sldId id="284" r:id="rId25"/>
+    <p:sldId id="285" r:id="rId26"/>
+    <p:sldId id="286" r:id="rId27"/>
+    <p:sldId id="287" r:id="rId28"/>
+    <p:sldId id="289" r:id="rId29"/>
+    <p:sldId id="278" r:id="rId30"/>
+    <p:sldId id="279" r:id="rId31"/>
+    <p:sldId id="261" r:id="rId32"/>
+    <p:sldId id="277" r:id="rId33"/>
+    <p:sldId id="280" r:id="rId34"/>
   </p:sldIdLst>
   <p:sldSz cx="9144000" cy="6858000" type="screen4x3"/>
   <p:notesSz cx="6858000" cy="9144000"/>
@@ -1845,6 +1846,56 @@
           <a:lstStyle/>
           <a:p>
             <a:r>
+              <a:rPr lang="tr-TR" sz="1200" b="0" dirty="0" smtClean="0">
+                <a:solidFill>
+                  <a:schemeClr val="accent3">
+                    <a:lumMod val="75000"/>
+                  </a:schemeClr>
+                </a:solidFill>
+              </a:rPr>
+              <a:t>Sorgu metni (</a:t>
+            </a:r>
+            <a:r>
+              <a:rPr lang="tr-TR" sz="1200" b="1" dirty="0" err="1" smtClean="0">
+                <a:solidFill>
+                  <a:schemeClr val="accent3">
+                    <a:lumMod val="75000"/>
+                  </a:schemeClr>
+                </a:solidFill>
+              </a:rPr>
+              <a:t>query</a:t>
+            </a:r>
+            <a:r>
+              <a:rPr lang="tr-TR" sz="1200" b="1" dirty="0" smtClean="0">
+                <a:solidFill>
+                  <a:schemeClr val="accent3">
+                    <a:lumMod val="75000"/>
+                  </a:schemeClr>
+                </a:solidFill>
+              </a:rPr>
+              <a:t> </a:t>
+            </a:r>
+            <a:r>
+              <a:rPr lang="tr-TR" sz="1200" b="1" dirty="0" err="1" smtClean="0">
+                <a:solidFill>
+                  <a:schemeClr val="accent3">
+                    <a:lumMod val="75000"/>
+                  </a:schemeClr>
+                </a:solidFill>
+              </a:rPr>
+              <a:t>string</a:t>
+            </a:r>
+            <a:r>
+              <a:rPr lang="tr-TR" sz="1200" b="0" dirty="0" smtClean="0">
+                <a:solidFill>
+                  <a:schemeClr val="accent3">
+                    <a:lumMod val="75000"/>
+                  </a:schemeClr>
+                </a:solidFill>
+              </a:rPr>
+              <a:t>) çeşitli kaynaklar arasında hangi kaynağı</a:t>
+            </a:r>
+            <a:r>
               <a:rPr lang="tr-TR" sz="1200" b="0" baseline="0" dirty="0" smtClean="0">
                 <a:solidFill>
                   <a:schemeClr val="accent3">
@@ -1852,20 +1903,49 @@
                   </a:schemeClr>
                 </a:solidFill>
               </a:rPr>
-              <a:t>Parça tanıtıcı / bölüm tanıtıcı (</a:t>
-            </a:r>
-            <a:r>
-              <a:rPr lang="tr-TR" sz="1200" b="1" baseline="0" dirty="0" err="1" smtClean="0">
-                <a:solidFill>
-                  <a:schemeClr val="accent3">
-                    <a:lumMod val="75000"/>
-                  </a:schemeClr>
-                </a:solidFill>
-              </a:rPr>
-              <a:t>fragment</a:t>
-            </a:r>
-            <a:r>
-              <a:rPr lang="tr-TR" sz="1200" b="1" baseline="0" dirty="0" smtClean="0">
+              <a:t> erişileceğini belirleyen diğer bir unsurdur.</a:t>
+            </a:r>
+          </a:p>
+          <a:p>
+            <a:pPr marL="0" marR="0" indent="0" algn="l" defTabSz="914400" rtl="0" eaLnBrk="1" fontAlgn="auto" latinLnBrk="0" hangingPunct="1">
+              <a:lnSpc>
+                <a:spcPct val="100000"/>
+              </a:lnSpc>
+              <a:spcBef>
+                <a:spcPts val="0"/>
+              </a:spcBef>
+              <a:spcAft>
+                <a:spcPts val="0"/>
+              </a:spcAft>
+              <a:buClrTx/>
+              <a:buSzTx/>
+              <a:buFontTx/>
+              <a:buNone/>
+              <a:tabLst/>
+              <a:defRPr/>
+            </a:pPr>
+            <a:r>
+              <a:rPr lang="tr-TR" sz="1200" b="0" dirty="0" smtClean="0">
+                <a:solidFill>
+                  <a:schemeClr val="accent3">
+                    <a:lumMod val="75000"/>
+                  </a:schemeClr>
+                </a:solidFill>
+              </a:rPr>
+              <a:t>Sorgu</a:t>
+            </a:r>
+            <a:r>
+              <a:rPr lang="tr-TR" sz="1200" b="0" baseline="0" dirty="0" smtClean="0">
+                <a:solidFill>
+                  <a:schemeClr val="accent3">
+                    <a:lumMod val="75000"/>
+                  </a:schemeClr>
+                </a:solidFill>
+              </a:rPr>
+              <a:t> metnine </a:t>
+            </a:r>
+            <a:r>
+              <a:rPr lang="tr-TR" sz="1200" b="1" dirty="0" smtClean="0">
                 <a:solidFill>
                   <a:schemeClr val="accent3">
                     <a:lumMod val="75000"/>
@@ -1875,15 +1955,73 @@
               <a:t> </a:t>
             </a:r>
             <a:r>
-              <a:rPr lang="tr-TR" sz="1200" b="1" baseline="0" dirty="0" err="1" smtClean="0">
-                <a:solidFill>
-                  <a:schemeClr val="accent3">
-                    <a:lumMod val="75000"/>
-                  </a:schemeClr>
-                </a:solidFill>
-              </a:rPr>
-              <a:t>identifier</a:t>
-            </a:r>
+              <a:rPr lang="tr-TR" sz="1200" b="1" dirty="0" err="1" smtClean="0">
+                <a:solidFill>
+                  <a:schemeClr val="accent3">
+                    <a:lumMod val="75000"/>
+                  </a:schemeClr>
+                </a:solidFill>
+              </a:rPr>
+              <a:t>cgi</a:t>
+            </a:r>
+            <a:r>
+              <a:rPr lang="tr-TR" sz="1200" b="1" dirty="0" smtClean="0">
+                <a:solidFill>
+                  <a:schemeClr val="accent3">
+                    <a:lumMod val="75000"/>
+                  </a:schemeClr>
+                </a:solidFill>
+              </a:rPr>
+              <a:t> </a:t>
+            </a:r>
+            <a:r>
+              <a:rPr lang="tr-TR" sz="1200" b="1" dirty="0" err="1" smtClean="0">
+                <a:solidFill>
+                  <a:schemeClr val="accent3">
+                    <a:lumMod val="75000"/>
+                  </a:schemeClr>
+                </a:solidFill>
+              </a:rPr>
+              <a:t>paremeters</a:t>
+            </a:r>
+            <a:r>
+              <a:rPr lang="tr-TR" sz="1200" b="1" dirty="0" smtClean="0">
+                <a:solidFill>
+                  <a:schemeClr val="accent3">
+                    <a:lumMod val="75000"/>
+                  </a:schemeClr>
+                </a:solidFill>
+              </a:rPr>
+              <a:t>  </a:t>
+            </a:r>
+            <a:r>
+              <a:rPr lang="tr-TR" sz="1200" b="0" dirty="0" smtClean="0">
+                <a:solidFill>
+                  <a:schemeClr val="accent3">
+                    <a:lumMod val="75000"/>
+                  </a:schemeClr>
+                </a:solidFill>
+              </a:rPr>
+              <a:t>de denir.</a:t>
+            </a:r>
+            <a:endParaRPr lang="tr-TR" sz="1200" b="0" baseline="0" dirty="0" smtClean="0">
+              <a:solidFill>
+                <a:schemeClr val="accent3">
+                  <a:lumMod val="75000"/>
+                </a:schemeClr>
+              </a:solidFill>
+            </a:endParaRPr>
+          </a:p>
+          <a:p>
+            <a:endParaRPr lang="tr-TR" sz="1200" b="0" baseline="0" dirty="0" smtClean="0">
+              <a:solidFill>
+                <a:schemeClr val="accent3">
+                  <a:lumMod val="75000"/>
+                </a:schemeClr>
+              </a:solidFill>
+            </a:endParaRPr>
+          </a:p>
+          <a:p>
             <a:r>
               <a:rPr lang="tr-TR" sz="1200" b="0" baseline="0" dirty="0" smtClean="0">
                 <a:solidFill>
@@ -1892,47 +2030,7 @@
                   </a:schemeClr>
                 </a:solidFill>
               </a:rPr>
-              <a:t>  / </a:t>
-            </a:r>
-            <a:r>
-              <a:rPr lang="tr-TR" sz="1200" b="0" baseline="0" dirty="0" err="1" smtClean="0">
-                <a:solidFill>
-                  <a:schemeClr val="accent3">
-                    <a:lumMod val="75000"/>
-                  </a:schemeClr>
-                </a:solidFill>
-              </a:rPr>
-              <a:t>section</a:t>
-            </a:r>
-            <a:r>
-              <a:rPr lang="tr-TR" sz="1200" b="0" baseline="0" dirty="0" smtClean="0">
-                <a:solidFill>
-                  <a:schemeClr val="accent3">
-                    <a:lumMod val="75000"/>
-                  </a:schemeClr>
-                </a:solidFill>
-              </a:rPr>
-              <a:t> </a:t>
-            </a:r>
-            <a:r>
-              <a:rPr lang="tr-TR" sz="1200" b="0" baseline="0" dirty="0" err="1" smtClean="0">
-                <a:solidFill>
-                  <a:schemeClr val="accent3">
-                    <a:lumMod val="75000"/>
-                  </a:schemeClr>
-                </a:solidFill>
-              </a:rPr>
-              <a:t>identifier</a:t>
-            </a:r>
-            <a:r>
-              <a:rPr lang="tr-TR" sz="1200" b="0" baseline="0" dirty="0" smtClean="0">
-                <a:solidFill>
-                  <a:schemeClr val="accent3">
-                    <a:lumMod val="75000"/>
-                  </a:schemeClr>
-                </a:solidFill>
-              </a:rPr>
-              <a:t>)</a:t>
+              <a:t>Sorgu metni :</a:t>
             </a:r>
           </a:p>
           <a:p>
@@ -1948,7 +2046,27 @@
                   </a:schemeClr>
                 </a:solidFill>
               </a:rPr>
-              <a:t># işaretiyle başlar, </a:t>
+              <a:t>Bir veya daha fazla sayıda «</a:t>
+            </a:r>
+            <a:r>
+              <a:rPr lang="tr-TR" sz="1200" b="1" baseline="0" dirty="0" smtClean="0">
+                <a:solidFill>
+                  <a:schemeClr val="accent3">
+                    <a:lumMod val="75000"/>
+                  </a:schemeClr>
+                </a:solidFill>
+              </a:rPr>
+              <a:t>parametre</a:t>
+            </a:r>
+            <a:r>
+              <a:rPr lang="tr-TR" sz="1200" b="0" baseline="0" dirty="0" smtClean="0">
+                <a:solidFill>
+                  <a:schemeClr val="accent3">
+                    <a:lumMod val="75000"/>
+                  </a:schemeClr>
+                </a:solidFill>
+              </a:rPr>
+              <a:t>» içerebilir.</a:t>
             </a:r>
           </a:p>
           <a:p>
@@ -1964,13 +2082,161 @@
                   </a:schemeClr>
                 </a:solidFill>
               </a:rPr>
-              <a:t>Ardından tanıtıcı adı gelir.</a:t>
-            </a:r>
-          </a:p>
-          <a:p>
-            <a:pPr marL="0" indent="0">
+              <a:t>Parametre ad (</a:t>
+            </a:r>
+            <a:r>
+              <a:rPr lang="tr-TR" sz="1200" b="1" baseline="0" dirty="0" smtClean="0">
+                <a:solidFill>
+                  <a:schemeClr val="accent3">
+                    <a:lumMod val="75000"/>
+                  </a:schemeClr>
+                </a:solidFill>
+              </a:rPr>
+              <a:t>name</a:t>
+            </a:r>
+            <a:r>
+              <a:rPr lang="tr-TR" sz="1200" b="0" baseline="0" dirty="0" smtClean="0">
+                <a:solidFill>
+                  <a:schemeClr val="accent3">
+                    <a:lumMod val="75000"/>
+                  </a:schemeClr>
+                </a:solidFill>
+              </a:rPr>
+              <a:t>) ve değer (</a:t>
+            </a:r>
+            <a:r>
+              <a:rPr lang="tr-TR" sz="1200" b="1" baseline="0" dirty="0" err="1" smtClean="0">
+                <a:solidFill>
+                  <a:schemeClr val="accent3">
+                    <a:lumMod val="75000"/>
+                  </a:schemeClr>
+                </a:solidFill>
+              </a:rPr>
+              <a:t>value</a:t>
+            </a:r>
+            <a:r>
+              <a:rPr lang="tr-TR" sz="1200" b="0" baseline="0" dirty="0" smtClean="0">
+                <a:solidFill>
+                  <a:schemeClr val="accent3">
+                    <a:lumMod val="75000"/>
+                  </a:schemeClr>
+                </a:solidFill>
+              </a:rPr>
+              <a:t>) çiftinden (</a:t>
+            </a:r>
+            <a:r>
+              <a:rPr lang="tr-TR" sz="1200" b="1" baseline="0" dirty="0" err="1" smtClean="0">
+                <a:solidFill>
+                  <a:schemeClr val="accent3">
+                    <a:lumMod val="75000"/>
+                  </a:schemeClr>
+                </a:solidFill>
+              </a:rPr>
+              <a:t>pair</a:t>
+            </a:r>
+            <a:r>
+              <a:rPr lang="tr-TR" sz="1200" b="0" baseline="0" dirty="0" smtClean="0">
+                <a:solidFill>
+                  <a:schemeClr val="accent3">
+                    <a:lumMod val="75000"/>
+                  </a:schemeClr>
+                </a:solidFill>
+              </a:rPr>
+              <a:t>) oluşur.</a:t>
+            </a:r>
+          </a:p>
+          <a:p>
+            <a:pPr marL="171450" indent="-171450">
               <a:buFont typeface="Arial" charset="0"/>
-              <a:buNone/>
+              <a:buChar char="•"/>
+            </a:pPr>
+            <a:r>
+              <a:rPr lang="tr-TR" sz="1200" b="0" baseline="0" dirty="0" smtClean="0">
+                <a:solidFill>
+                  <a:schemeClr val="accent3">
+                    <a:lumMod val="75000"/>
+                  </a:schemeClr>
+                </a:solidFill>
+              </a:rPr>
+              <a:t>Ad ve değer birbirlerinden = (eşit) işareti ile ayrılır.</a:t>
+            </a:r>
+          </a:p>
+          <a:p>
+            <a:pPr marL="171450" indent="-171450">
+              <a:buFont typeface="Arial" charset="0"/>
+              <a:buChar char="•"/>
+            </a:pPr>
+            <a:r>
+              <a:rPr lang="tr-TR" sz="1200" b="0" baseline="0" dirty="0" smtClean="0">
+                <a:solidFill>
+                  <a:schemeClr val="accent3">
+                    <a:lumMod val="75000"/>
+                  </a:schemeClr>
+                </a:solidFill>
+              </a:rPr>
+              <a:t>ilk </a:t>
+            </a:r>
+            <a:r>
+              <a:rPr lang="tr-TR" sz="1200" b="0" baseline="0" dirty="0" err="1" smtClean="0">
+                <a:solidFill>
+                  <a:schemeClr val="accent3">
+                    <a:lumMod val="75000"/>
+                  </a:schemeClr>
+                </a:solidFill>
+              </a:rPr>
+              <a:t>paremetre</a:t>
+            </a:r>
+            <a:r>
+              <a:rPr lang="tr-TR" sz="1200" b="0" baseline="0" dirty="0" smtClean="0">
+                <a:solidFill>
+                  <a:schemeClr val="accent3">
+                    <a:lumMod val="75000"/>
+                  </a:schemeClr>
+                </a:solidFill>
+              </a:rPr>
+              <a:t> ? (soru) işaretinden sonra başlar.</a:t>
+            </a:r>
+          </a:p>
+          <a:p>
+            <a:pPr marL="171450" indent="-171450">
+              <a:buFont typeface="Arial" charset="0"/>
+              <a:buChar char="•"/>
+            </a:pPr>
+            <a:r>
+              <a:rPr lang="tr-TR" sz="1200" b="0" baseline="0" dirty="0" smtClean="0">
+                <a:solidFill>
+                  <a:schemeClr val="accent3">
+                    <a:lumMod val="75000"/>
+                  </a:schemeClr>
+                </a:solidFill>
+              </a:rPr>
+              <a:t>Birden fazla sayıda parametre &amp; (</a:t>
+            </a:r>
+            <a:r>
+              <a:rPr lang="tr-TR" sz="1200" b="0" baseline="0" dirty="0" err="1" smtClean="0">
+                <a:solidFill>
+                  <a:schemeClr val="accent3">
+                    <a:lumMod val="75000"/>
+                  </a:schemeClr>
+                </a:solidFill>
+              </a:rPr>
+              <a:t>ampersand</a:t>
+            </a:r>
+            <a:r>
+              <a:rPr lang="tr-TR" sz="1200" b="0" baseline="0" dirty="0" smtClean="0">
+                <a:solidFill>
+                  <a:schemeClr val="accent3">
+                    <a:lumMod val="75000"/>
+                  </a:schemeClr>
+                </a:solidFill>
+              </a:rPr>
+              <a:t>/ve) işareti ile ayrılır.</a:t>
+            </a:r>
+          </a:p>
+          <a:p>
+            <a:pPr marL="171450" indent="-171450">
+              <a:buFont typeface="Arial" charset="0"/>
+              <a:buChar char="•"/>
             </a:pPr>
             <a:endParaRPr lang="tr-TR" sz="1200" b="0" baseline="0" dirty="0" smtClean="0">
               <a:solidFill>
@@ -1981,9 +2247,9 @@
             </a:endParaRPr>
           </a:p>
           <a:p>
-            <a:pPr marL="0" indent="0">
+            <a:pPr marL="171450" indent="-171450">
               <a:buFont typeface="Arial" charset="0"/>
-              <a:buNone/>
+              <a:buChar char="•"/>
             </a:pPr>
             <a:r>
               <a:rPr lang="tr-TR" sz="1200" b="0" baseline="0" dirty="0" smtClean="0">
@@ -1993,15 +2259,25 @@
                   </a:schemeClr>
                 </a:solidFill>
               </a:rPr>
-              <a:t>Html sayfası içinde konum belirler.</a:t>
-            </a:r>
-          </a:p>
-          <a:p>
-            <a:pPr marL="0" indent="0">
+              <a:t>İki parametre</a:t>
+            </a:r>
+          </a:p>
+          <a:p>
+            <a:pPr marL="171450" indent="-171450">
               <a:buFont typeface="Arial" charset="0"/>
-              <a:buNone/>
+              <a:buChar char="•"/>
             </a:pPr>
             <a:r>
+              <a:rPr lang="tr-TR" sz="1200" b="0" baseline="0" dirty="0" err="1" smtClean="0">
+                <a:solidFill>
+                  <a:schemeClr val="accent3">
+                    <a:lumMod val="75000"/>
+                  </a:schemeClr>
+                </a:solidFill>
+              </a:rPr>
+              <a:t>id</a:t>
+            </a:r>
+            <a:r>
               <a:rPr lang="tr-TR" sz="1200" b="0" baseline="0" dirty="0" smtClean="0">
                 <a:solidFill>
                   <a:schemeClr val="accent3">
@@ -2009,26 +2285,57 @@
                   </a:schemeClr>
                 </a:solidFill>
               </a:rPr>
-              <a:t>Aynı sayfa içerisinde farklı adlarda birden fazla sayıda parça tanıtıcı olabilir.</a:t>
-            </a:r>
-          </a:p>
-          <a:p>
-            <a:endParaRPr lang="tr-TR" sz="1200" b="0" baseline="0" dirty="0" smtClean="0">
-              <a:solidFill>
-                <a:schemeClr val="accent3">
-                  <a:lumMod val="75000"/>
-                </a:schemeClr>
-              </a:solidFill>
-            </a:endParaRPr>
-          </a:p>
-          <a:p>
-            <a:endParaRPr lang="tr-TR" sz="1200" b="0" dirty="0" smtClean="0">
-              <a:solidFill>
-                <a:schemeClr val="accent3">
-                  <a:lumMod val="75000"/>
-                </a:schemeClr>
-              </a:solidFill>
-            </a:endParaRPr>
+              <a:t> = 12</a:t>
+            </a:r>
+          </a:p>
+          <a:p>
+            <a:pPr marL="171450" indent="-171450">
+              <a:buFont typeface="Arial" charset="0"/>
+              <a:buChar char="•"/>
+            </a:pPr>
+            <a:r>
+              <a:rPr lang="tr-TR" sz="1200" b="0" baseline="0" dirty="0" err="1" smtClean="0">
+                <a:solidFill>
+                  <a:schemeClr val="accent3">
+                    <a:lumMod val="75000"/>
+                  </a:schemeClr>
+                </a:solidFill>
+              </a:rPr>
+              <a:t>all</a:t>
+            </a:r>
+            <a:r>
+              <a:rPr lang="tr-TR" sz="1200" b="0" baseline="0" dirty="0" smtClean="0">
+                <a:solidFill>
+                  <a:schemeClr val="accent3">
+                    <a:lumMod val="75000"/>
+                  </a:schemeClr>
+                </a:solidFill>
+              </a:rPr>
+              <a:t> = </a:t>
+            </a:r>
+            <a:r>
+              <a:rPr lang="tr-TR" sz="1200" b="0" baseline="0" dirty="0" err="1" smtClean="0">
+                <a:solidFill>
+                  <a:schemeClr val="accent3">
+                    <a:lumMod val="75000"/>
+                  </a:schemeClr>
+                </a:solidFill>
+              </a:rPr>
+              <a:t>true</a:t>
+            </a:r>
+            <a:r>
+              <a:rPr lang="tr-TR" sz="1200" b="0" baseline="0" dirty="0" smtClean="0">
+                <a:solidFill>
+                  <a:schemeClr val="accent3">
+                    <a:lumMod val="75000"/>
+                  </a:schemeClr>
+                </a:solidFill>
+              </a:rPr>
+              <a:t> </a:t>
+            </a:r>
+          </a:p>
+          <a:p>
+            <a:endParaRPr lang="tr-TR" dirty="0"/>
           </a:p>
         </p:txBody>
       </p:sp>
@@ -2058,7 +2365,7 @@
     </p:spTree>
     <p:extLst>
       <p:ext uri="{BB962C8B-B14F-4D97-AF65-F5344CB8AC3E}">
-        <p14:creationId xmlns:p14="http://schemas.microsoft.com/office/powerpoint/2010/main" val="4021739919"/>
+        <p14:creationId xmlns:p14="http://schemas.microsoft.com/office/powerpoint/2010/main" val="1493289535"/>
       </p:ext>
     </p:extLst>
   </p:cSld>
@@ -2113,32 +2420,94 @@
           <a:lstStyle/>
           <a:p>
             <a:r>
-              <a:rPr lang="tr-TR" dirty="0" smtClean="0"/>
-              <a:t>Domain Name </a:t>
-            </a:r>
-            <a:r>
-              <a:rPr lang="tr-TR" dirty="0" err="1" smtClean="0"/>
-              <a:t>System</a:t>
-            </a:r>
-            <a:r>
-              <a:rPr lang="tr-TR" baseline="0" dirty="0" smtClean="0"/>
-              <a:t> (Alan Adı Sistemi) : </a:t>
-            </a:r>
-            <a:r>
-              <a:rPr lang="tr-TR" dirty="0" smtClean="0"/>
-              <a:t>İnternetin</a:t>
-            </a:r>
-            <a:r>
-              <a:rPr lang="tr-TR" baseline="0" dirty="0" smtClean="0"/>
-              <a:t> telefon rehberi servisidir. Sunucusunun adı da DNS (Domain Name Server) </a:t>
-            </a:r>
-            <a:r>
-              <a:rPr lang="tr-TR" baseline="0" dirty="0" err="1" smtClean="0"/>
-              <a:t>dir</a:t>
-            </a:r>
-            <a:r>
-              <a:rPr lang="tr-TR" baseline="0" dirty="0" smtClean="0"/>
-              <a:t>.</a:t>
+              <a:rPr lang="tr-TR" sz="1200" b="0" baseline="0" dirty="0" smtClean="0">
+                <a:solidFill>
+                  <a:schemeClr val="accent3">
+                    <a:lumMod val="75000"/>
+                  </a:schemeClr>
+                </a:solidFill>
+              </a:rPr>
+              <a:t>Parça tanıtıcı / bölüm tanıtıcı (</a:t>
+            </a:r>
+            <a:r>
+              <a:rPr lang="tr-TR" sz="1200" b="1" baseline="0" dirty="0" err="1" smtClean="0">
+                <a:solidFill>
+                  <a:schemeClr val="accent3">
+                    <a:lumMod val="75000"/>
+                  </a:schemeClr>
+                </a:solidFill>
+              </a:rPr>
+              <a:t>fragment</a:t>
+            </a:r>
+            <a:r>
+              <a:rPr lang="tr-TR" sz="1200" b="1" baseline="0" dirty="0" smtClean="0">
+                <a:solidFill>
+                  <a:schemeClr val="accent3">
+                    <a:lumMod val="75000"/>
+                  </a:schemeClr>
+                </a:solidFill>
+              </a:rPr>
+              <a:t> </a:t>
+            </a:r>
+            <a:r>
+              <a:rPr lang="tr-TR" sz="1200" b="1" baseline="0" dirty="0" err="1" smtClean="0">
+                <a:solidFill>
+                  <a:schemeClr val="accent3">
+                    <a:lumMod val="75000"/>
+                  </a:schemeClr>
+                </a:solidFill>
+              </a:rPr>
+              <a:t>identifier</a:t>
+            </a:r>
+            <a:r>
+              <a:rPr lang="tr-TR" sz="1200" b="0" baseline="0" dirty="0" smtClean="0">
+                <a:solidFill>
+                  <a:schemeClr val="accent3">
+                    <a:lumMod val="75000"/>
+                  </a:schemeClr>
+                </a:solidFill>
+              </a:rPr>
+              <a:t>  / </a:t>
+            </a:r>
+            <a:r>
+              <a:rPr lang="tr-TR" sz="1200" b="0" baseline="0" dirty="0" err="1" smtClean="0">
+                <a:solidFill>
+                  <a:schemeClr val="accent3">
+                    <a:lumMod val="75000"/>
+                  </a:schemeClr>
+                </a:solidFill>
+              </a:rPr>
+              <a:t>section</a:t>
+            </a:r>
+            <a:r>
+              <a:rPr lang="tr-TR" sz="1200" b="0" baseline="0" dirty="0" smtClean="0">
+                <a:solidFill>
+                  <a:schemeClr val="accent3">
+                    <a:lumMod val="75000"/>
+                  </a:schemeClr>
+                </a:solidFill>
+              </a:rPr>
+              <a:t> </a:t>
+            </a:r>
+            <a:r>
+              <a:rPr lang="tr-TR" sz="1200" b="0" baseline="0" dirty="0" err="1" smtClean="0">
+                <a:solidFill>
+                  <a:schemeClr val="accent3">
+                    <a:lumMod val="75000"/>
+                  </a:schemeClr>
+                </a:solidFill>
+              </a:rPr>
+              <a:t>identifier</a:t>
+            </a:r>
+            <a:r>
+              <a:rPr lang="tr-TR" sz="1200" b="0" baseline="0" dirty="0" smtClean="0">
+                <a:solidFill>
+                  <a:schemeClr val="accent3">
+                    <a:lumMod val="75000"/>
+                  </a:schemeClr>
+                </a:solidFill>
+              </a:rPr>
+              <a:t>)</a:t>
             </a:r>
           </a:p>
           <a:p>
@@ -2147,8 +2516,14 @@
               <a:buChar char="•"/>
             </a:pPr>
             <a:r>
-              <a:rPr lang="tr-TR" baseline="0" dirty="0" smtClean="0"/>
-              <a:t>DNS, Alan Adlarına (Domain Name) karşılık gelen IP (Internet Protokol) adreslerini tutar.</a:t>
+              <a:rPr lang="tr-TR" sz="1200" b="0" baseline="0" dirty="0" smtClean="0">
+                <a:solidFill>
+                  <a:schemeClr val="accent3">
+                    <a:lumMod val="75000"/>
+                  </a:schemeClr>
+                </a:solidFill>
+              </a:rPr>
+              <a:t># işaretiyle başlar, </a:t>
             </a:r>
           </a:p>
           <a:p>
@@ -2157,78 +2532,78 @@
               <a:buChar char="•"/>
             </a:pPr>
             <a:r>
-              <a:rPr lang="tr-TR" baseline="0" dirty="0" smtClean="0"/>
-              <a:t>Internet Protokol (IP) adresi dört parçaya ayrılarak yazılan 32 bitlik işaretsiz tamsayıdır (192.168.34.1).</a:t>
-            </a:r>
-          </a:p>
-          <a:p>
-            <a:pPr marL="171450" indent="-171450">
+              <a:rPr lang="tr-TR" sz="1200" b="0" baseline="0" dirty="0" smtClean="0">
+                <a:solidFill>
+                  <a:schemeClr val="accent3">
+                    <a:lumMod val="75000"/>
+                  </a:schemeClr>
+                </a:solidFill>
+              </a:rPr>
+              <a:t>Ardından tanıtıcı adı gelir.</a:t>
+            </a:r>
+          </a:p>
+          <a:p>
+            <a:pPr marL="0" indent="0">
               <a:buFont typeface="Arial" charset="0"/>
-              <a:buChar char="•"/>
+              <a:buNone/>
             </a:pPr>
-            <a:r>
-              <a:rPr lang="tr-TR" dirty="0" smtClean="0"/>
-              <a:t>Alan adının karşılık</a:t>
-            </a:r>
-            <a:r>
-              <a:rPr lang="tr-TR" baseline="0" dirty="0" smtClean="0"/>
-              <a:t> geldiği IP adresini öğrenme eylemine DNS Sorgusu denir.</a:t>
-            </a:r>
-          </a:p>
-          <a:p>
-            <a:pPr marL="171450" indent="-171450">
+            <a:endParaRPr lang="tr-TR" sz="1200" b="0" baseline="0" dirty="0" smtClean="0">
+              <a:solidFill>
+                <a:schemeClr val="accent3">
+                  <a:lumMod val="75000"/>
+                </a:schemeClr>
+              </a:solidFill>
+            </a:endParaRPr>
+          </a:p>
+          <a:p>
+            <a:pPr marL="0" indent="0">
               <a:buFont typeface="Arial" charset="0"/>
-              <a:buChar char="•"/>
+              <a:buNone/>
             </a:pPr>
             <a:r>
-              <a:rPr lang="tr-TR" baseline="0" dirty="0" smtClean="0"/>
-              <a:t>Alan adı kullanarak internet üzerindeki kaynaklara erişim için alan adları IP adreslerin çevrilmelidir.</a:t>
-            </a:r>
-          </a:p>
-          <a:p>
-            <a:pPr marL="171450" marR="0" indent="-171450" algn="l" defTabSz="914400" rtl="0" eaLnBrk="1" fontAlgn="auto" latinLnBrk="0" hangingPunct="1">
-              <a:lnSpc>
-                <a:spcPct val="100000"/>
-              </a:lnSpc>
-              <a:spcBef>
-                <a:spcPts val="0"/>
-              </a:spcBef>
-              <a:spcAft>
-                <a:spcPts val="0"/>
-              </a:spcAft>
-              <a:buClrTx/>
-              <a:buSzTx/>
+              <a:rPr lang="tr-TR" sz="1200" b="0" baseline="0" dirty="0" smtClean="0">
+                <a:solidFill>
+                  <a:schemeClr val="accent3">
+                    <a:lumMod val="75000"/>
+                  </a:schemeClr>
+                </a:solidFill>
+              </a:rPr>
+              <a:t>Html sayfası içinde konum belirler.</a:t>
+            </a:r>
+          </a:p>
+          <a:p>
+            <a:pPr marL="0" indent="0">
               <a:buFont typeface="Arial" charset="0"/>
-              <a:buChar char="•"/>
-              <a:tabLst/>
-              <a:defRPr/>
+              <a:buNone/>
             </a:pPr>
             <a:r>
-              <a:rPr lang="tr-TR" baseline="0" dirty="0" smtClean="0"/>
-              <a:t>Internet trafiğini yöneten modemler, yönlendirici donanımlar (</a:t>
-            </a:r>
-            <a:r>
-              <a:rPr lang="tr-TR" b="1" baseline="0" dirty="0" err="1" smtClean="0"/>
-              <a:t>router</a:t>
-            </a:r>
-            <a:r>
-              <a:rPr lang="tr-TR" baseline="0" dirty="0" smtClean="0"/>
-              <a:t>) sadece IP adresini tanır ve kullanabilir.</a:t>
-            </a:r>
-          </a:p>
-          <a:p>
-            <a:pPr marL="171450" indent="-171450">
-              <a:buFont typeface="Arial" charset="0"/>
-              <a:buChar char="•"/>
-            </a:pPr>
-            <a:endParaRPr lang="tr-TR" baseline="0" dirty="0" smtClean="0"/>
-          </a:p>
-          <a:p>
-            <a:pPr marL="171450" indent="-171450">
-              <a:buFont typeface="Arial" charset="0"/>
-              <a:buChar char="•"/>
-            </a:pPr>
-            <a:endParaRPr lang="tr-TR" dirty="0"/>
+              <a:rPr lang="tr-TR" sz="1200" b="0" baseline="0" dirty="0" smtClean="0">
+                <a:solidFill>
+                  <a:schemeClr val="accent3">
+                    <a:lumMod val="75000"/>
+                  </a:schemeClr>
+                </a:solidFill>
+              </a:rPr>
+              <a:t>Aynı sayfa içerisinde farklı adlarda birden fazla sayıda parça tanıtıcı olabilir.</a:t>
+            </a:r>
+          </a:p>
+          <a:p>
+            <a:endParaRPr lang="tr-TR" sz="1200" b="0" baseline="0" dirty="0" smtClean="0">
+              <a:solidFill>
+                <a:schemeClr val="accent3">
+                  <a:lumMod val="75000"/>
+                </a:schemeClr>
+              </a:solidFill>
+            </a:endParaRPr>
+          </a:p>
+          <a:p>
+            <a:endParaRPr lang="tr-TR" sz="1200" b="0" dirty="0" smtClean="0">
+              <a:solidFill>
+                <a:schemeClr val="accent3">
+                  <a:lumMod val="75000"/>
+                </a:schemeClr>
+              </a:solidFill>
+            </a:endParaRPr>
           </a:p>
         </p:txBody>
       </p:sp>
@@ -2258,7 +2633,7 @@
     </p:spTree>
     <p:extLst>
       <p:ext uri="{BB962C8B-B14F-4D97-AF65-F5344CB8AC3E}">
-        <p14:creationId xmlns:p14="http://schemas.microsoft.com/office/powerpoint/2010/main" val="3200313170"/>
+        <p14:creationId xmlns:p14="http://schemas.microsoft.com/office/powerpoint/2010/main" val="4021739919"/>
       </p:ext>
     </p:extLst>
   </p:cSld>
@@ -2428,9 +2803,6 @@
               <a:buFont typeface="Arial" charset="0"/>
               <a:buChar char="•"/>
             </a:pPr>
-            <a:endParaRPr lang="tr-TR" dirty="0" smtClean="0"/>
-          </a:p>
-          <a:p>
             <a:endParaRPr lang="tr-TR" dirty="0"/>
           </a:p>
         </p:txBody>
@@ -2461,7 +2833,7 @@
     </p:spTree>
     <p:extLst>
       <p:ext uri="{BB962C8B-B14F-4D97-AF65-F5344CB8AC3E}">
-        <p14:creationId xmlns:p14="http://schemas.microsoft.com/office/powerpoint/2010/main" val="2737061126"/>
+        <p14:creationId xmlns:p14="http://schemas.microsoft.com/office/powerpoint/2010/main" val="3200313170"/>
       </p:ext>
     </p:extLst>
   </p:cSld>
@@ -2516,29 +2888,80 @@
           <a:lstStyle/>
           <a:p>
             <a:r>
+              <a:rPr lang="tr-TR" dirty="0" smtClean="0"/>
+              <a:t>Domain Name </a:t>
+            </a:r>
+            <a:r>
               <a:rPr lang="tr-TR" dirty="0" err="1" smtClean="0"/>
-              <a:t>windows+R</a:t>
+              <a:t>System</a:t>
+            </a:r>
+            <a:r>
+              <a:rPr lang="tr-TR" baseline="0" dirty="0" smtClean="0"/>
+              <a:t> (Alan Adı Sistemi) : </a:t>
             </a:r>
             <a:r>
               <a:rPr lang="tr-TR" dirty="0" smtClean="0"/>
-              <a:t> cmd.exe</a:t>
-            </a:r>
-          </a:p>
-          <a:p>
-            <a:r>
-              <a:rPr lang="tr-TR" dirty="0" err="1" smtClean="0"/>
-              <a:t>nslookup</a:t>
-            </a:r>
+              <a:t>İnternetin</a:t>
+            </a:r>
+            <a:r>
+              <a:rPr lang="tr-TR" baseline="0" dirty="0" smtClean="0"/>
+              <a:t> telefon rehberi servisidir. Sunucusunun adı da DNS (Domain Name Server) </a:t>
+            </a:r>
+            <a:r>
+              <a:rPr lang="tr-TR" baseline="0" dirty="0" err="1" smtClean="0"/>
+              <a:t>dir</a:t>
+            </a:r>
+            <a:r>
+              <a:rPr lang="tr-TR" baseline="0" dirty="0" smtClean="0"/>
+              <a:t>.</a:t>
+            </a:r>
+          </a:p>
+          <a:p>
+            <a:pPr marL="171450" indent="-171450">
+              <a:buFont typeface="Arial" charset="0"/>
+              <a:buChar char="•"/>
+            </a:pPr>
+            <a:r>
+              <a:rPr lang="tr-TR" baseline="0" dirty="0" smtClean="0"/>
+              <a:t>DNS, Alan Adlarına (Domain Name) karşılık gelen IP (Internet Protokol) adreslerini tutar.</a:t>
+            </a:r>
+          </a:p>
+          <a:p>
+            <a:pPr marL="171450" indent="-171450">
+              <a:buFont typeface="Arial" charset="0"/>
+              <a:buChar char="•"/>
+            </a:pPr>
+            <a:r>
+              <a:rPr lang="tr-TR" baseline="0" dirty="0" smtClean="0"/>
+              <a:t>Internet Protokol (IP) adresi dört parçaya ayrılarak yazılan 32 bitlik işaretsiz tamsayıdır (192.168.34.1).</a:t>
+            </a:r>
+          </a:p>
+          <a:p>
+            <a:pPr marL="171450" indent="-171450">
+              <a:buFont typeface="Arial" charset="0"/>
+              <a:buChar char="•"/>
+            </a:pPr>
             <a:r>
               <a:rPr lang="tr-TR" dirty="0" smtClean="0"/>
-              <a:t> google.com</a:t>
-            </a:r>
-          </a:p>
-          <a:p>
-            <a:endParaRPr lang="tr-TR" dirty="0" smtClean="0"/>
-          </a:p>
-          <a:p>
-            <a:pPr marL="0" marR="0" indent="0" algn="l" defTabSz="914400" rtl="0" eaLnBrk="1" fontAlgn="auto" latinLnBrk="0" hangingPunct="1">
+              <a:t>Alan adının karşılık</a:t>
+            </a:r>
+            <a:r>
+              <a:rPr lang="tr-TR" baseline="0" dirty="0" smtClean="0"/>
+              <a:t> geldiği IP adresini öğrenme eylemine DNS Sorgusu denir.</a:t>
+            </a:r>
+          </a:p>
+          <a:p>
+            <a:pPr marL="171450" indent="-171450">
+              <a:buFont typeface="Arial" charset="0"/>
+              <a:buChar char="•"/>
+            </a:pPr>
+            <a:r>
+              <a:rPr lang="tr-TR" baseline="0" dirty="0" smtClean="0"/>
+              <a:t>Alan adı kullanarak internet üzerindeki kaynaklara erişim için alan adları IP adreslerin çevrilmelidir.</a:t>
+            </a:r>
+          </a:p>
+          <a:p>
+            <a:pPr marL="171450" marR="0" indent="-171450" algn="l" defTabSz="914400" rtl="0" eaLnBrk="1" fontAlgn="auto" latinLnBrk="0" hangingPunct="1">
               <a:lnSpc>
                 <a:spcPct val="100000"/>
               </a:lnSpc>
@@ -2550,38 +2973,36 @@
               </a:spcAft>
               <a:buClrTx/>
               <a:buSzTx/>
-              <a:buFontTx/>
-              <a:buNone/>
+              <a:buFont typeface="Arial" charset="0"/>
+              <a:buChar char="•"/>
               <a:tabLst/>
               <a:defRPr/>
             </a:pPr>
             <a:r>
-              <a:rPr lang="tr-TR" dirty="0" smtClean="0"/>
-              <a:t>DNS sunucu olarak</a:t>
-            </a:r>
-            <a:r>
               <a:rPr lang="tr-TR" baseline="0" dirty="0" smtClean="0"/>
-              <a:t>  8.8.8.8 (</a:t>
-            </a:r>
-            <a:r>
-              <a:rPr lang="tr-TR" baseline="0" dirty="0" err="1" smtClean="0"/>
-              <a:t>google</a:t>
+              <a:t>Internet trafiğini yöneten modemler, yönlendirici donanımlar (</a:t>
+            </a:r>
+            <a:r>
+              <a:rPr lang="tr-TR" b="1" baseline="0" dirty="0" err="1" smtClean="0"/>
+              <a:t>router</a:t>
             </a:r>
             <a:r>
               <a:rPr lang="tr-TR" baseline="0" dirty="0" smtClean="0"/>
-              <a:t> </a:t>
-            </a:r>
-            <a:r>
-              <a:rPr lang="tr-TR" baseline="0" dirty="0" err="1" smtClean="0"/>
-              <a:t>dns</a:t>
-            </a:r>
-            <a:r>
-              <a:rPr lang="tr-TR" baseline="0" dirty="0" smtClean="0"/>
-              <a:t>) kullanılıyor</a:t>
-            </a:r>
-            <a:endParaRPr lang="tr-TR" dirty="0" smtClean="0"/>
-          </a:p>
-          <a:p>
+              <a:t>) sadece IP adresini tanır ve kullanabilir.</a:t>
+            </a:r>
+          </a:p>
+          <a:p>
+            <a:pPr marL="171450" indent="-171450">
+              <a:buFont typeface="Arial" charset="0"/>
+              <a:buChar char="•"/>
+            </a:pPr>
+            <a:endParaRPr lang="tr-TR" baseline="0" dirty="0" smtClean="0"/>
+          </a:p>
+          <a:p>
+            <a:pPr marL="171450" indent="-171450">
+              <a:buFont typeface="Arial" charset="0"/>
+              <a:buChar char="•"/>
+            </a:pPr>
             <a:endParaRPr lang="tr-TR" dirty="0" smtClean="0"/>
           </a:p>
           <a:p>
@@ -2606,7 +3027,7 @@
           <a:p>
             <a:fld id="{B8FE99EC-B6B9-469D-A2EB-8DDD57864557}" type="slidenum">
               <a:rPr lang="tr-TR" smtClean="0"/>
-              <a:t>17</a:t>
+              <a:t>16</a:t>
             </a:fld>
             <a:endParaRPr lang="tr-TR"/>
           </a:p>
@@ -2615,7 +3036,7 @@
     </p:spTree>
     <p:extLst>
       <p:ext uri="{BB962C8B-B14F-4D97-AF65-F5344CB8AC3E}">
-        <p14:creationId xmlns:p14="http://schemas.microsoft.com/office/powerpoint/2010/main" val="3827891043"/>
+        <p14:creationId xmlns:p14="http://schemas.microsoft.com/office/powerpoint/2010/main" val="2737061126"/>
       </p:ext>
     </p:extLst>
   </p:cSld>
@@ -2670,9 +3091,26 @@
           <a:lstStyle/>
           <a:p>
             <a:r>
+              <a:rPr lang="tr-TR" dirty="0" err="1" smtClean="0"/>
+              <a:t>windows+R</a:t>
+            </a:r>
+            <a:r>
               <a:rPr lang="tr-TR" dirty="0" smtClean="0"/>
-              <a:t>Google arama motoruna doğrudan Internet Protokol adresi ile erişim DNS sorgusu oluşturmaz.</a:t>
-            </a:r>
+              <a:t> cmd.exe</a:t>
+            </a:r>
+          </a:p>
+          <a:p>
+            <a:r>
+              <a:rPr lang="tr-TR" dirty="0" err="1" smtClean="0"/>
+              <a:t>nslookup</a:t>
+            </a:r>
+            <a:r>
+              <a:rPr lang="tr-TR" dirty="0" smtClean="0"/>
+              <a:t> google.com</a:t>
+            </a:r>
+          </a:p>
+          <a:p>
+            <a:endParaRPr lang="tr-TR" dirty="0" smtClean="0"/>
           </a:p>
           <a:p>
             <a:pPr marL="0" marR="0" indent="0" algn="l" defTabSz="914400" rtl="0" eaLnBrk="1" fontAlgn="auto" latinLnBrk="0" hangingPunct="1">
@@ -2693,28 +3131,33 @@
               <a:defRPr/>
             </a:pPr>
             <a:r>
-              <a:rPr lang="tr-TR" sz="1200" b="0" dirty="0" smtClean="0">
-                <a:solidFill>
-                  <a:srgbClr val="7030A0"/>
-                </a:solidFill>
-              </a:rPr>
-              <a:t>IP adresi</a:t>
-            </a:r>
-            <a:r>
-              <a:rPr lang="tr-TR" sz="1200" b="0" baseline="0" dirty="0" smtClean="0">
-                <a:solidFill>
-                  <a:srgbClr val="7030A0"/>
-                </a:solidFill>
-              </a:rPr>
-              <a:t> içeren URL geçerli bir URL biçimidir.</a:t>
-            </a:r>
-            <a:endParaRPr lang="tr-TR" sz="1200" b="0" dirty="0" smtClean="0">
-              <a:solidFill>
-                <a:schemeClr val="accent3">
-                  <a:lumMod val="75000"/>
-                </a:schemeClr>
-              </a:solidFill>
-            </a:endParaRPr>
+              <a:rPr lang="tr-TR" dirty="0" smtClean="0"/>
+              <a:t>DNS sunucu olarak</a:t>
+            </a:r>
+            <a:r>
+              <a:rPr lang="tr-TR" baseline="0" dirty="0" smtClean="0"/>
+              <a:t>  8.8.8.8 (</a:t>
+            </a:r>
+            <a:r>
+              <a:rPr lang="tr-TR" baseline="0" dirty="0" err="1" smtClean="0"/>
+              <a:t>google</a:t>
+            </a:r>
+            <a:r>
+              <a:rPr lang="tr-TR" baseline="0" dirty="0" smtClean="0"/>
+              <a:t> </a:t>
+            </a:r>
+            <a:r>
+              <a:rPr lang="tr-TR" baseline="0" dirty="0" err="1" smtClean="0"/>
+              <a:t>dns</a:t>
+            </a:r>
+            <a:r>
+              <a:rPr lang="tr-TR" baseline="0" dirty="0" smtClean="0"/>
+              <a:t>) kullanılıyor</a:t>
+            </a:r>
+            <a:endParaRPr lang="tr-TR" dirty="0" smtClean="0"/>
+          </a:p>
+          <a:p>
+            <a:endParaRPr lang="tr-TR" dirty="0" smtClean="0"/>
           </a:p>
           <a:p>
             <a:endParaRPr lang="tr-TR" dirty="0"/>
@@ -2747,7 +3190,7 @@
     </p:spTree>
     <p:extLst>
       <p:ext uri="{BB962C8B-B14F-4D97-AF65-F5344CB8AC3E}">
-        <p14:creationId xmlns:p14="http://schemas.microsoft.com/office/powerpoint/2010/main" val="188727415"/>
+        <p14:creationId xmlns:p14="http://schemas.microsoft.com/office/powerpoint/2010/main" val="3827891043"/>
       </p:ext>
     </p:extLst>
   </p:cSld>
@@ -2802,152 +3245,12 @@
           <a:lstStyle/>
           <a:p>
             <a:r>
-              <a:rPr lang="tr-TR" sz="1200" b="0" dirty="0" smtClean="0">
-                <a:solidFill>
-                  <a:srgbClr val="7030A0"/>
-                </a:solidFill>
-              </a:rPr>
-              <a:t>DNS sorgusundan sonra URL’in dönüşeceği biçim… </a:t>
-            </a:r>
-          </a:p>
-          <a:p>
-            <a:r>
-              <a:rPr lang="tr-TR" sz="1200" b="0" dirty="0" smtClean="0">
-                <a:solidFill>
-                  <a:srgbClr val="7030A0"/>
-                </a:solidFill>
-              </a:rPr>
-              <a:t>IP adresi</a:t>
-            </a:r>
-            <a:r>
-              <a:rPr lang="tr-TR" sz="1200" b="0" baseline="0" dirty="0" smtClean="0">
-                <a:solidFill>
-                  <a:srgbClr val="7030A0"/>
-                </a:solidFill>
-              </a:rPr>
-              <a:t> içeren URL geçerli bir URL biçimidir.</a:t>
-            </a:r>
-          </a:p>
-          <a:p>
-            <a:r>
-              <a:rPr lang="tr-TR" sz="1200" b="1" baseline="0" dirty="0" smtClean="0">
-                <a:solidFill>
-                  <a:srgbClr val="7030A0"/>
-                </a:solidFill>
-              </a:rPr>
-              <a:t>234.126.98.111</a:t>
-            </a:r>
-            <a:r>
-              <a:rPr lang="tr-TR" sz="1200" b="0" baseline="0" dirty="0" smtClean="0">
-                <a:solidFill>
-                  <a:srgbClr val="7030A0"/>
-                </a:solidFill>
-              </a:rPr>
-              <a:t> IP adresi ağ üzerinde </a:t>
-            </a:r>
-            <a:r>
-              <a:rPr lang="tr-TR" sz="1200" b="1" baseline="0" dirty="0" smtClean="0">
-                <a:solidFill>
-                  <a:srgbClr val="7030A0"/>
-                </a:solidFill>
-              </a:rPr>
-              <a:t>www</a:t>
-            </a:r>
-            <a:r>
-              <a:rPr lang="tr-TR" sz="1200" b="0" baseline="0" dirty="0" smtClean="0">
-                <a:solidFill>
-                  <a:srgbClr val="7030A0"/>
-                </a:solidFill>
-              </a:rPr>
-              <a:t> adlı fiziksel sunucuya karşılık gelir.</a:t>
-            </a:r>
-          </a:p>
-          <a:p>
-            <a:r>
-              <a:rPr lang="tr-TR" sz="1200" b="0" baseline="0" dirty="0" smtClean="0">
-                <a:solidFill>
-                  <a:srgbClr val="7030A0"/>
-                </a:solidFill>
-              </a:rPr>
-              <a:t>Sunucuya </a:t>
-            </a:r>
-            <a:r>
-              <a:rPr lang="tr-TR" sz="1200" b="1" baseline="0" dirty="0" smtClean="0">
-                <a:solidFill>
-                  <a:srgbClr val="7030A0"/>
-                </a:solidFill>
-              </a:rPr>
-              <a:t>http </a:t>
-            </a:r>
-            <a:r>
-              <a:rPr lang="tr-TR" sz="1200" b="0" baseline="0" dirty="0" smtClean="0">
-                <a:solidFill>
-                  <a:srgbClr val="7030A0"/>
-                </a:solidFill>
-              </a:rPr>
-              <a:t>protokolü kullanılarak 80. kapıdan (port) ulaşılmalıdır. </a:t>
-            </a:r>
-          </a:p>
-          <a:p>
-            <a:r>
-              <a:rPr lang="tr-TR" sz="1200" b="0" baseline="0" dirty="0" smtClean="0">
-                <a:solidFill>
-                  <a:srgbClr val="7030A0"/>
-                </a:solidFill>
-              </a:rPr>
-              <a:t>80. port </a:t>
-            </a:r>
-            <a:r>
-              <a:rPr lang="tr-TR" sz="1200" b="1" baseline="0" dirty="0" smtClean="0">
-                <a:solidFill>
-                  <a:srgbClr val="7030A0"/>
-                </a:solidFill>
-              </a:rPr>
-              <a:t>http</a:t>
-            </a:r>
-            <a:r>
-              <a:rPr lang="tr-TR" sz="1200" b="0" baseline="0" dirty="0" smtClean="0">
-                <a:solidFill>
-                  <a:srgbClr val="7030A0"/>
-                </a:solidFill>
-              </a:rPr>
-              <a:t>  protokolü sunucusuna standart tarafından (IANA) atanmış varsayılan kapı </a:t>
-            </a:r>
-            <a:r>
-              <a:rPr lang="tr-TR" sz="1200" b="0" baseline="0" dirty="0" err="1" smtClean="0">
-                <a:solidFill>
-                  <a:srgbClr val="7030A0"/>
-                </a:solidFill>
-              </a:rPr>
-              <a:t>numasıdır</a:t>
-            </a:r>
-            <a:r>
-              <a:rPr lang="tr-TR" sz="1200" b="0" baseline="0" dirty="0" smtClean="0">
-                <a:solidFill>
-                  <a:srgbClr val="7030A0"/>
-                </a:solidFill>
-              </a:rPr>
-              <a:t>.</a:t>
-            </a:r>
-            <a:endParaRPr lang="tr-TR" sz="1200" b="1" dirty="0" smtClean="0">
-              <a:solidFill>
-                <a:schemeClr val="accent3">
-                  <a:lumMod val="75000"/>
-                </a:schemeClr>
-              </a:solidFill>
-            </a:endParaRPr>
-          </a:p>
-          <a:p>
-            <a:endParaRPr lang="tr-TR" sz="1200" b="0" dirty="0" smtClean="0">
-              <a:solidFill>
-                <a:schemeClr val="accent3">
-                  <a:lumMod val="75000"/>
-                </a:schemeClr>
-              </a:solidFill>
-            </a:endParaRPr>
-          </a:p>
-          <a:p>
-            <a:pPr marL="171450" marR="0" indent="-171450" algn="l" defTabSz="914400" rtl="0" eaLnBrk="1" fontAlgn="auto" latinLnBrk="0" hangingPunct="1">
+              <a:rPr lang="tr-TR" dirty="0" smtClean="0"/>
+              <a:t>Google arama motoruna doğrudan Internet Protokol adresi ile erişim DNS sorgusu oluşturmaz.</a:t>
+            </a:r>
+          </a:p>
+          <a:p>
+            <a:pPr marL="0" marR="0" indent="0" algn="l" defTabSz="914400" rtl="0" eaLnBrk="1" fontAlgn="auto" latinLnBrk="0" hangingPunct="1">
               <a:lnSpc>
                 <a:spcPct val="100000"/>
               </a:lnSpc>
@@ -2959,11 +3262,27 @@
               </a:spcAft>
               <a:buClrTx/>
               <a:buSzTx/>
-              <a:buFont typeface="Arial" charset="0"/>
-              <a:buChar char="•"/>
+              <a:buFontTx/>
+              <a:buNone/>
               <a:tabLst/>
               <a:defRPr/>
             </a:pPr>
+            <a:r>
+              <a:rPr lang="tr-TR" sz="1200" b="0" dirty="0" smtClean="0">
+                <a:solidFill>
+                  <a:srgbClr val="7030A0"/>
+                </a:solidFill>
+              </a:rPr>
+              <a:t>IP adresi</a:t>
+            </a:r>
+            <a:r>
+              <a:rPr lang="tr-TR" sz="1200" b="0" baseline="0" dirty="0" smtClean="0">
+                <a:solidFill>
+                  <a:srgbClr val="7030A0"/>
+                </a:solidFill>
+              </a:rPr>
+              <a:t> içeren URL geçerli bir URL biçimidir.</a:t>
+            </a:r>
             <a:endParaRPr lang="tr-TR" sz="1200" b="0" dirty="0" smtClean="0">
               <a:solidFill>
                 <a:schemeClr val="accent3">
@@ -2973,33 +3292,7 @@
             </a:endParaRPr>
           </a:p>
           <a:p>
-            <a:pPr marL="171450" indent="-171450">
-              <a:buFont typeface="Arial" charset="0"/>
-              <a:buChar char="•"/>
-            </a:pPr>
-            <a:endParaRPr lang="tr-TR" sz="1200" b="0" dirty="0" smtClean="0">
-              <a:solidFill>
-                <a:schemeClr val="accent3">
-                  <a:lumMod val="75000"/>
-                </a:schemeClr>
-              </a:solidFill>
-            </a:endParaRPr>
-          </a:p>
-          <a:p>
-            <a:pPr marL="171450" indent="-171450">
-              <a:buFont typeface="Arial" charset="0"/>
-              <a:buChar char="•"/>
-            </a:pPr>
-            <a:endParaRPr lang="tr-TR" sz="1200" b="0" dirty="0" smtClean="0">
-              <a:solidFill>
-                <a:schemeClr val="accent3">
-                  <a:lumMod val="75000"/>
-                </a:schemeClr>
-              </a:solidFill>
-            </a:endParaRPr>
-          </a:p>
-          <a:p>
-            <a:endParaRPr lang="tr-TR" b="0" dirty="0"/>
+            <a:endParaRPr lang="tr-TR" dirty="0"/>
           </a:p>
         </p:txBody>
       </p:sp>
@@ -3029,7 +3322,7 @@
     </p:spTree>
     <p:extLst>
       <p:ext uri="{BB962C8B-B14F-4D97-AF65-F5344CB8AC3E}">
-        <p14:creationId xmlns:p14="http://schemas.microsoft.com/office/powerpoint/2010/main" val="1942680718"/>
+        <p14:creationId xmlns:p14="http://schemas.microsoft.com/office/powerpoint/2010/main" val="188727415"/>
       </p:ext>
     </p:extLst>
   </p:cSld>
@@ -3089,81 +3382,137 @@
                   <a:srgbClr val="7030A0"/>
                 </a:solidFill>
               </a:rPr>
-              <a:t>DNS sorgusundan sonra URL’in dönüşeceği </a:t>
-            </a:r>
+              <a:t>DNS sorgusundan sonra URL’in dönüşeceği biçim… </a:t>
+            </a:r>
+          </a:p>
+          <a:p>
             <a:r>
               <a:rPr lang="tr-TR" sz="1200" b="0" dirty="0" smtClean="0">
                 <a:solidFill>
                   <a:srgbClr val="7030A0"/>
                 </a:solidFill>
               </a:rPr>
-              <a:t>biçim…</a:t>
-            </a:r>
-            <a:endParaRPr lang="tr-TR" sz="1200" b="0" dirty="0" smtClean="0">
+              <a:t>IP adresi</a:t>
+            </a:r>
+            <a:r>
+              <a:rPr lang="tr-TR" sz="1200" b="0" baseline="0" dirty="0" smtClean="0">
+                <a:solidFill>
+                  <a:srgbClr val="7030A0"/>
+                </a:solidFill>
+              </a:rPr>
+              <a:t> içeren URL geçerli bir URL biçimidir.</a:t>
+            </a:r>
+          </a:p>
+          <a:p>
+            <a:r>
+              <a:rPr lang="tr-TR" sz="1200" b="1" baseline="0" dirty="0" smtClean="0">
+                <a:solidFill>
+                  <a:srgbClr val="7030A0"/>
+                </a:solidFill>
+              </a:rPr>
+              <a:t>234.126.98.111</a:t>
+            </a:r>
+            <a:r>
+              <a:rPr lang="tr-TR" sz="1200" b="0" baseline="0" dirty="0" smtClean="0">
+                <a:solidFill>
+                  <a:srgbClr val="7030A0"/>
+                </a:solidFill>
+              </a:rPr>
+              <a:t> IP adresi ağ üzerinde </a:t>
+            </a:r>
+            <a:r>
+              <a:rPr lang="tr-TR" sz="1200" b="1" baseline="0" dirty="0" smtClean="0">
+                <a:solidFill>
+                  <a:srgbClr val="7030A0"/>
+                </a:solidFill>
+              </a:rPr>
+              <a:t>www</a:t>
+            </a:r>
+            <a:r>
+              <a:rPr lang="tr-TR" sz="1200" b="0" baseline="0" dirty="0" smtClean="0">
+                <a:solidFill>
+                  <a:srgbClr val="7030A0"/>
+                </a:solidFill>
+              </a:rPr>
+              <a:t> adlı fiziksel sunucuya karşılık gelir.</a:t>
+            </a:r>
+          </a:p>
+          <a:p>
+            <a:r>
+              <a:rPr lang="tr-TR" sz="1200" b="0" baseline="0" dirty="0" smtClean="0">
+                <a:solidFill>
+                  <a:srgbClr val="7030A0"/>
+                </a:solidFill>
+              </a:rPr>
+              <a:t>Sunucuya </a:t>
+            </a:r>
+            <a:r>
+              <a:rPr lang="tr-TR" sz="1200" b="1" baseline="0" dirty="0" smtClean="0">
+                <a:solidFill>
+                  <a:srgbClr val="7030A0"/>
+                </a:solidFill>
+              </a:rPr>
+              <a:t>http </a:t>
+            </a:r>
+            <a:r>
+              <a:rPr lang="tr-TR" sz="1200" b="0" baseline="0" dirty="0" smtClean="0">
+                <a:solidFill>
+                  <a:srgbClr val="7030A0"/>
+                </a:solidFill>
+              </a:rPr>
+              <a:t>protokolü kullanılarak 80. kapıdan (port) ulaşılmalıdır. </a:t>
+            </a:r>
+          </a:p>
+          <a:p>
+            <a:r>
+              <a:rPr lang="tr-TR" sz="1200" b="0" baseline="0" dirty="0" smtClean="0">
+                <a:solidFill>
+                  <a:srgbClr val="7030A0"/>
+                </a:solidFill>
+              </a:rPr>
+              <a:t>80. port </a:t>
+            </a:r>
+            <a:r>
+              <a:rPr lang="tr-TR" sz="1200" b="1" baseline="0" dirty="0" smtClean="0">
+                <a:solidFill>
+                  <a:srgbClr val="7030A0"/>
+                </a:solidFill>
+              </a:rPr>
+              <a:t>http</a:t>
+            </a:r>
+            <a:r>
+              <a:rPr lang="tr-TR" sz="1200" b="0" baseline="0" dirty="0" smtClean="0">
+                <a:solidFill>
+                  <a:srgbClr val="7030A0"/>
+                </a:solidFill>
+              </a:rPr>
+              <a:t>  protokolü sunucusuna standart tarafından (IANA) atanmış varsayılan kapı </a:t>
+            </a:r>
+            <a:r>
+              <a:rPr lang="tr-TR" sz="1200" b="0" baseline="0" dirty="0" err="1" smtClean="0">
+                <a:solidFill>
+                  <a:srgbClr val="7030A0"/>
+                </a:solidFill>
+              </a:rPr>
+              <a:t>numasıdır</a:t>
+            </a:r>
+            <a:r>
+              <a:rPr lang="tr-TR" sz="1200" b="0" baseline="0" dirty="0" smtClean="0">
+                <a:solidFill>
+                  <a:srgbClr val="7030A0"/>
+                </a:solidFill>
+              </a:rPr>
+              <a:t>.</a:t>
+            </a:r>
+            <a:endParaRPr lang="tr-TR" sz="1200" b="1" dirty="0" smtClean="0">
               <a:solidFill>
-                <a:srgbClr val="7030A0"/>
+                <a:schemeClr val="accent3">
+                  <a:lumMod val="75000"/>
+                </a:schemeClr>
               </a:solidFill>
             </a:endParaRPr>
           </a:p>
           <a:p>
-            <a:r>
-              <a:rPr lang="tr-TR" sz="1200" b="0" dirty="0" smtClean="0">
-                <a:solidFill>
-                  <a:srgbClr val="7030A0"/>
-                </a:solidFill>
-              </a:rPr>
-              <a:t>IP adresi</a:t>
-            </a:r>
-            <a:r>
-              <a:rPr lang="tr-TR" sz="1200" b="0" baseline="0" dirty="0" smtClean="0">
-                <a:solidFill>
-                  <a:srgbClr val="7030A0"/>
-                </a:solidFill>
-              </a:rPr>
-              <a:t> içeren URL geçerli bir URL biçimidir</a:t>
-            </a:r>
-            <a:r>
-              <a:rPr lang="tr-TR" sz="1200" b="0" baseline="0" dirty="0" smtClean="0">
-                <a:solidFill>
-                  <a:srgbClr val="7030A0"/>
-                </a:solidFill>
-              </a:rPr>
-              <a:t>.</a:t>
-            </a:r>
-          </a:p>
-          <a:p>
-            <a:r>
-              <a:rPr lang="tr-TR" sz="1200" b="1" baseline="0" dirty="0" smtClean="0">
-                <a:solidFill>
-                  <a:srgbClr val="7030A0"/>
-                </a:solidFill>
-              </a:rPr>
-              <a:t>234.126.98.111</a:t>
-            </a:r>
-            <a:r>
-              <a:rPr lang="tr-TR" sz="1200" b="0" baseline="0" dirty="0" smtClean="0">
-                <a:solidFill>
-                  <a:srgbClr val="7030A0"/>
-                </a:solidFill>
-              </a:rPr>
-              <a:t> IP adresi ağ üzerinde </a:t>
-            </a:r>
-            <a:r>
-              <a:rPr lang="tr-TR" sz="1200" b="1" baseline="0" dirty="0" smtClean="0">
-                <a:solidFill>
-                  <a:srgbClr val="7030A0"/>
-                </a:solidFill>
-              </a:rPr>
-              <a:t>www</a:t>
-            </a:r>
-            <a:r>
-              <a:rPr lang="tr-TR" sz="1200" b="0" baseline="0" dirty="0" smtClean="0">
-                <a:solidFill>
-                  <a:srgbClr val="7030A0"/>
-                </a:solidFill>
-              </a:rPr>
-              <a:t> adlı fiziksel sunucuya karşılık gelir</a:t>
-            </a:r>
             <a:endParaRPr lang="tr-TR" sz="1200" b="0" dirty="0" smtClean="0">
               <a:solidFill>
                 <a:schemeClr val="accent3">
@@ -3380,7 +3729,7 @@
                   <a:srgbClr val="7030A0"/>
                 </a:solidFill>
               </a:rPr>
-              <a:t>gazete </a:t>
+              <a:t>www</a:t>
             </a:r>
             <a:r>
               <a:rPr lang="tr-TR" sz="1200" b="0" baseline="0" dirty="0" smtClean="0">
@@ -3388,77 +3737,9 @@
                   <a:srgbClr val="7030A0"/>
                 </a:solidFill>
               </a:rPr>
-              <a:t>adlı fiziksel sunucuya karşılık gelir</a:t>
-            </a:r>
-          </a:p>
-          <a:p>
-            <a:r>
-              <a:rPr lang="tr-TR" sz="1200" b="0" baseline="0" dirty="0" smtClean="0">
-                <a:solidFill>
-                  <a:srgbClr val="7030A0"/>
-                </a:solidFill>
-              </a:rPr>
-              <a:t>Sunucuya </a:t>
-            </a:r>
-            <a:r>
-              <a:rPr lang="tr-TR" sz="1200" b="1" baseline="0" dirty="0" smtClean="0">
-                <a:solidFill>
-                  <a:srgbClr val="7030A0"/>
-                </a:solidFill>
-              </a:rPr>
-              <a:t>http </a:t>
-            </a:r>
-            <a:r>
-              <a:rPr lang="tr-TR" sz="1200" b="0" baseline="0" dirty="0" smtClean="0">
-                <a:solidFill>
-                  <a:srgbClr val="7030A0"/>
-                </a:solidFill>
-              </a:rPr>
-              <a:t>protokolü kullanılarak 80. kapıdan (port) ulaşılmalıdır. </a:t>
-            </a:r>
-          </a:p>
-          <a:p>
-            <a:r>
-              <a:rPr lang="tr-TR" sz="1200" b="0" baseline="0" dirty="0" smtClean="0">
-                <a:solidFill>
-                  <a:srgbClr val="7030A0"/>
-                </a:solidFill>
-              </a:rPr>
-              <a:t>80. port </a:t>
-            </a:r>
-            <a:r>
-              <a:rPr lang="tr-TR" sz="1200" b="1" baseline="0" dirty="0" smtClean="0">
-                <a:solidFill>
-                  <a:srgbClr val="7030A0"/>
-                </a:solidFill>
-              </a:rPr>
-              <a:t>http</a:t>
-            </a:r>
-            <a:r>
-              <a:rPr lang="tr-TR" sz="1200" b="0" baseline="0" dirty="0" smtClean="0">
-                <a:solidFill>
-                  <a:srgbClr val="7030A0"/>
-                </a:solidFill>
-              </a:rPr>
-              <a:t>  protokolü sunucusuna standart tarafından (IANA) atanmış varsayılan kapı </a:t>
-            </a:r>
-            <a:r>
-              <a:rPr lang="tr-TR" sz="1200" b="0" baseline="0" dirty="0" err="1" smtClean="0">
-                <a:solidFill>
-                  <a:srgbClr val="7030A0"/>
-                </a:solidFill>
-              </a:rPr>
-              <a:t>numasıdır</a:t>
-            </a:r>
-            <a:r>
-              <a:rPr lang="tr-TR" sz="1200" b="0" baseline="0" dirty="0" smtClean="0">
-                <a:solidFill>
-                  <a:srgbClr val="7030A0"/>
-                </a:solidFill>
-              </a:rPr>
-              <a:t>.</a:t>
-            </a:r>
-            <a:endParaRPr lang="tr-TR" sz="1200" b="1" dirty="0" smtClean="0">
+              <a:t> adlı fiziksel sunucuya karşılık gelir</a:t>
+            </a:r>
+            <a:endParaRPr lang="tr-TR" sz="1200" b="0" dirty="0" smtClean="0">
               <a:solidFill>
                 <a:schemeClr val="accent3">
                   <a:lumMod val="75000"/>
@@ -3752,115 +4033,155 @@
           <a:lstStyle/>
           <a:p>
             <a:r>
-              <a:rPr lang="tr-TR" sz="1200" b="1" baseline="0" dirty="0" smtClean="0">
+              <a:rPr lang="tr-TR" sz="1200" b="0" dirty="0" smtClean="0">
                 <a:solidFill>
                   <a:srgbClr val="7030A0"/>
                 </a:solidFill>
               </a:rPr>
-              <a:t>234.126.98.111</a:t>
-            </a:r>
-            <a:r>
-              <a:rPr lang="tr-TR" sz="1200" b="0" baseline="0" dirty="0" smtClean="0">
+              <a:t>DNS sorgusundan sonra URL’in dönüşeceği </a:t>
+            </a:r>
+            <a:r>
+              <a:rPr lang="tr-TR" sz="1200" b="0" dirty="0" smtClean="0">
                 <a:solidFill>
                   <a:srgbClr val="7030A0"/>
                 </a:solidFill>
               </a:rPr>
-              <a:t> IP adresi ağ üzerinde </a:t>
-            </a:r>
-            <a:r>
-              <a:rPr lang="tr-TR" sz="1200" b="1" baseline="0" dirty="0" smtClean="0">
-                <a:solidFill>
-                  <a:srgbClr val="7030A0"/>
-                </a:solidFill>
-              </a:rPr>
-              <a:t>www</a:t>
-            </a:r>
-            <a:r>
-              <a:rPr lang="tr-TR" sz="1200" b="0" baseline="0" dirty="0" smtClean="0">
-                <a:solidFill>
-                  <a:srgbClr val="7030A0"/>
-                </a:solidFill>
-              </a:rPr>
-              <a:t> adlı fiziksel sunucuya karşılık gelir.</a:t>
-            </a:r>
-          </a:p>
-          <a:p>
-            <a:r>
-              <a:rPr lang="tr-TR" sz="1200" b="0" baseline="0" dirty="0" smtClean="0">
-                <a:solidFill>
-                  <a:srgbClr val="7030A0"/>
-                </a:solidFill>
-              </a:rPr>
-              <a:t>Sunucuya </a:t>
-            </a:r>
-            <a:r>
-              <a:rPr lang="tr-TR" sz="1200" b="1" baseline="0" dirty="0" smtClean="0">
-                <a:solidFill>
-                  <a:srgbClr val="7030A0"/>
-                </a:solidFill>
-              </a:rPr>
-              <a:t>http </a:t>
-            </a:r>
-            <a:r>
-              <a:rPr lang="tr-TR" sz="1200" b="0" baseline="0" dirty="0" smtClean="0">
-                <a:solidFill>
-                  <a:srgbClr val="7030A0"/>
-                </a:solidFill>
-              </a:rPr>
-              <a:t>protokolü kullanılarak 80. kapıdan (port) ulaşılır.</a:t>
-            </a:r>
-          </a:p>
-          <a:p>
-            <a:r>
-              <a:rPr lang="tr-TR" sz="1200" b="0" baseline="0" dirty="0" smtClean="0">
-                <a:solidFill>
-                  <a:srgbClr val="7030A0"/>
-                </a:solidFill>
-              </a:rPr>
-              <a:t>80. port </a:t>
-            </a:r>
-            <a:r>
-              <a:rPr lang="tr-TR" sz="1200" b="1" baseline="0" dirty="0" smtClean="0">
-                <a:solidFill>
-                  <a:srgbClr val="7030A0"/>
-                </a:solidFill>
-              </a:rPr>
-              <a:t>http</a:t>
-            </a:r>
-            <a:r>
-              <a:rPr lang="tr-TR" sz="1200" b="0" baseline="0" dirty="0" smtClean="0">
-                <a:solidFill>
-                  <a:srgbClr val="7030A0"/>
-                </a:solidFill>
-              </a:rPr>
-              <a:t>  protokolü sunucusuna standart tarafından (IANA) atanmış varsayılan kapı </a:t>
-            </a:r>
-            <a:r>
-              <a:rPr lang="tr-TR" sz="1200" b="0" baseline="0" dirty="0" err="1" smtClean="0">
-                <a:solidFill>
-                  <a:srgbClr val="7030A0"/>
-                </a:solidFill>
-              </a:rPr>
-              <a:t>numasıdır</a:t>
-            </a:r>
-            <a:r>
-              <a:rPr lang="tr-TR" sz="1200" b="0" baseline="0" dirty="0" smtClean="0">
-                <a:solidFill>
-                  <a:srgbClr val="7030A0"/>
-                </a:solidFill>
-              </a:rPr>
-              <a:t>.</a:t>
-            </a:r>
-            <a:endParaRPr lang="tr-TR" sz="1200" b="1" dirty="0" smtClean="0">
+              <a:t>biçim…</a:t>
+            </a:r>
+            <a:endParaRPr lang="tr-TR" sz="1200" b="0" dirty="0" smtClean="0">
               <a:solidFill>
-                <a:schemeClr val="accent3">
-                  <a:lumMod val="75000"/>
-                </a:schemeClr>
+                <a:srgbClr val="7030A0"/>
               </a:solidFill>
             </a:endParaRPr>
           </a:p>
           <a:p>
-            <a:endParaRPr lang="tr-TR" sz="1200" b="0" dirty="0" smtClean="0">
+            <a:r>
+              <a:rPr lang="tr-TR" sz="1200" b="0" dirty="0" smtClean="0">
+                <a:solidFill>
+                  <a:srgbClr val="7030A0"/>
+                </a:solidFill>
+              </a:rPr>
+              <a:t>IP adresi</a:t>
+            </a:r>
+            <a:r>
+              <a:rPr lang="tr-TR" sz="1200" b="0" baseline="0" dirty="0" smtClean="0">
+                <a:solidFill>
+                  <a:srgbClr val="7030A0"/>
+                </a:solidFill>
+              </a:rPr>
+              <a:t> içeren URL geçerli bir URL biçimidir</a:t>
+            </a:r>
+            <a:r>
+              <a:rPr lang="tr-TR" sz="1200" b="0" baseline="0" dirty="0" smtClean="0">
+                <a:solidFill>
+                  <a:srgbClr val="7030A0"/>
+                </a:solidFill>
+              </a:rPr>
+              <a:t>.</a:t>
+            </a:r>
+          </a:p>
+          <a:p>
+            <a:r>
+              <a:rPr lang="tr-TR" sz="1200" b="1" baseline="0" dirty="0" smtClean="0">
+                <a:solidFill>
+                  <a:srgbClr val="7030A0"/>
+                </a:solidFill>
+              </a:rPr>
+              <a:t>234.126.98.111</a:t>
+            </a:r>
+            <a:r>
+              <a:rPr lang="tr-TR" sz="1200" b="0" baseline="0" dirty="0" smtClean="0">
+                <a:solidFill>
+                  <a:srgbClr val="7030A0"/>
+                </a:solidFill>
+              </a:rPr>
+              <a:t> IP adresi ağ üzerinde </a:t>
+            </a:r>
+            <a:r>
+              <a:rPr lang="tr-TR" sz="1200" b="1" baseline="0" dirty="0" smtClean="0">
+                <a:solidFill>
+                  <a:srgbClr val="7030A0"/>
+                </a:solidFill>
+              </a:rPr>
+              <a:t>gazete </a:t>
+            </a:r>
+            <a:r>
+              <a:rPr lang="tr-TR" sz="1200" b="0" baseline="0" dirty="0" smtClean="0">
+                <a:solidFill>
+                  <a:srgbClr val="7030A0"/>
+                </a:solidFill>
+              </a:rPr>
+              <a:t>adlı fiziksel sunucuya karşılık gelir</a:t>
+            </a:r>
+          </a:p>
+          <a:p>
+            <a:r>
+              <a:rPr lang="tr-TR" sz="1200" b="0" baseline="0" dirty="0" smtClean="0">
+                <a:solidFill>
+                  <a:srgbClr val="7030A0"/>
+                </a:solidFill>
+              </a:rPr>
+              <a:t>Sunucuya </a:t>
+            </a:r>
+            <a:r>
+              <a:rPr lang="tr-TR" sz="1200" b="1" baseline="0" dirty="0" smtClean="0">
+                <a:solidFill>
+                  <a:srgbClr val="7030A0"/>
+                </a:solidFill>
+              </a:rPr>
+              <a:t>http </a:t>
+            </a:r>
+            <a:r>
+              <a:rPr lang="tr-TR" sz="1200" b="0" baseline="0" dirty="0" smtClean="0">
+                <a:solidFill>
+                  <a:srgbClr val="7030A0"/>
+                </a:solidFill>
+              </a:rPr>
+              <a:t>protokolü kullanılarak 80. kapıdan (port) ulaşılmalıdır. </a:t>
+            </a:r>
+          </a:p>
+          <a:p>
+            <a:r>
+              <a:rPr lang="tr-TR" sz="1200" b="0" baseline="0" dirty="0" smtClean="0">
+                <a:solidFill>
+                  <a:srgbClr val="7030A0"/>
+                </a:solidFill>
+              </a:rPr>
+              <a:t>80. port </a:t>
+            </a:r>
+            <a:r>
+              <a:rPr lang="tr-TR" sz="1200" b="1" baseline="0" dirty="0" smtClean="0">
+                <a:solidFill>
+                  <a:srgbClr val="7030A0"/>
+                </a:solidFill>
+              </a:rPr>
+              <a:t>http</a:t>
+            </a:r>
+            <a:r>
+              <a:rPr lang="tr-TR" sz="1200" b="0" baseline="0" dirty="0" smtClean="0">
+                <a:solidFill>
+                  <a:srgbClr val="7030A0"/>
+                </a:solidFill>
+              </a:rPr>
+              <a:t>  protokolü sunucusuna standart tarafından (IANA) atanmış varsayılan kapı </a:t>
+            </a:r>
+            <a:r>
+              <a:rPr lang="tr-TR" sz="1200" b="0" baseline="0" dirty="0" err="1" smtClean="0">
+                <a:solidFill>
+                  <a:srgbClr val="7030A0"/>
+                </a:solidFill>
+              </a:rPr>
+              <a:t>numasıdır</a:t>
+            </a:r>
+            <a:r>
+              <a:rPr lang="tr-TR" sz="1200" b="0" baseline="0" dirty="0" smtClean="0">
+                <a:solidFill>
+                  <a:srgbClr val="7030A0"/>
+                </a:solidFill>
+              </a:rPr>
+              <a:t>.</a:t>
+            </a:r>
+            <a:endParaRPr lang="tr-TR" sz="1200" b="1" dirty="0" smtClean="0">
               <a:solidFill>
                 <a:schemeClr val="accent3">
                   <a:lumMod val="75000"/>
@@ -4281,7 +4602,7 @@
                   <a:srgbClr val="7030A0"/>
                 </a:solidFill>
               </a:rPr>
-              <a:t>gazete </a:t>
+              <a:t>www</a:t>
             </a:r>
             <a:r>
               <a:rPr lang="tr-TR" sz="1200" b="0" baseline="0" dirty="0" smtClean="0">
@@ -4289,7 +4610,7 @@
                   <a:srgbClr val="7030A0"/>
                 </a:solidFill>
               </a:rPr>
-              <a:t>adlı fiziksel sunucuya karşılık gelir.</a:t>
+              <a:t> adlı fiziksel sunucuya karşılık gelir.</a:t>
             </a:r>
           </a:p>
           <a:p>
@@ -4315,7 +4636,7 @@
                   <a:srgbClr val="7030A0"/>
                 </a:solidFill>
               </a:rPr>
-              <a:t>protokolü kullanılarak 80. kapıdan (port) ulaşılır. </a:t>
+              <a:t>protokolü kullanılarak 80. kapıdan (port) ulaşılır.</a:t>
             </a:r>
           </a:p>
           <a:p>
@@ -4514,51 +4835,124 @@
           <a:lstStyle/>
           <a:p>
             <a:r>
-              <a:rPr lang="tr-TR" b="0" dirty="0" smtClean="0"/>
-              <a:t>Sunumda görüntülenmeyen </a:t>
-            </a:r>
-            <a:r>
-              <a:rPr lang="tr-TR" b="1" dirty="0" smtClean="0"/>
-              <a:t>gazete</a:t>
-            </a:r>
-            <a:r>
-              <a:rPr lang="tr-TR" dirty="0" smtClean="0"/>
-              <a:t> «</a:t>
-            </a:r>
-            <a:r>
-              <a:rPr lang="tr-TR" dirty="0" smtClean="0"/>
-              <a:t>üst </a:t>
-            </a:r>
-            <a:r>
-              <a:rPr lang="tr-TR" dirty="0" smtClean="0"/>
-              <a:t>alanı» (top domain) </a:t>
-            </a:r>
-            <a:r>
-              <a:rPr lang="tr-TR" b="1" dirty="0" smtClean="0"/>
-              <a:t>com </a:t>
-            </a:r>
-            <a:r>
-              <a:rPr lang="tr-TR" b="0" dirty="0" smtClean="0"/>
-              <a:t>dur. </a:t>
-            </a:r>
-          </a:p>
-          <a:p>
-            <a:endParaRPr lang="tr-TR" b="0" dirty="0" smtClean="0"/>
-          </a:p>
-          <a:p>
-            <a:r>
-              <a:rPr lang="tr-TR" b="0" dirty="0" smtClean="0"/>
-              <a:t>version.gazete.com</a:t>
-            </a:r>
-          </a:p>
-          <a:p>
-            <a:r>
-              <a:rPr lang="tr-TR" b="0" dirty="0" smtClean="0"/>
-              <a:t>www.gazete.com</a:t>
-            </a:r>
-          </a:p>
-          <a:p>
-            <a:pPr marL="0" marR="0" indent="0" algn="l" defTabSz="914400" rtl="0" eaLnBrk="1" fontAlgn="auto" latinLnBrk="0" hangingPunct="1">
+              <a:rPr lang="tr-TR" sz="1200" b="1" baseline="0" dirty="0" smtClean="0">
+                <a:solidFill>
+                  <a:srgbClr val="7030A0"/>
+                </a:solidFill>
+              </a:rPr>
+              <a:t>234.126.98.111</a:t>
+            </a:r>
+            <a:r>
+              <a:rPr lang="tr-TR" sz="1200" b="0" baseline="0" dirty="0" smtClean="0">
+                <a:solidFill>
+                  <a:srgbClr val="7030A0"/>
+                </a:solidFill>
+              </a:rPr>
+              <a:t> IP adresi ağ üzerinde </a:t>
+            </a:r>
+            <a:r>
+              <a:rPr lang="tr-TR" sz="1200" b="1" baseline="0" dirty="0" smtClean="0">
+                <a:solidFill>
+                  <a:srgbClr val="7030A0"/>
+                </a:solidFill>
+              </a:rPr>
+              <a:t>gazete </a:t>
+            </a:r>
+            <a:r>
+              <a:rPr lang="tr-TR" sz="1200" b="0" baseline="0" dirty="0" smtClean="0">
+                <a:solidFill>
+                  <a:srgbClr val="7030A0"/>
+                </a:solidFill>
+              </a:rPr>
+              <a:t>adlı fiziksel sunucuya karşılık gelir.</a:t>
+            </a:r>
+          </a:p>
+          <a:p>
+            <a:r>
+              <a:rPr lang="tr-TR" sz="1200" b="0" baseline="0" dirty="0" smtClean="0">
+                <a:solidFill>
+                  <a:srgbClr val="7030A0"/>
+                </a:solidFill>
+              </a:rPr>
+              <a:t>Sunucuya </a:t>
+            </a:r>
+            <a:r>
+              <a:rPr lang="tr-TR" sz="1200" b="1" baseline="0" dirty="0" smtClean="0">
+                <a:solidFill>
+                  <a:srgbClr val="7030A0"/>
+                </a:solidFill>
+              </a:rPr>
+              <a:t>http </a:t>
+            </a:r>
+            <a:r>
+              <a:rPr lang="tr-TR" sz="1200" b="0" baseline="0" dirty="0" smtClean="0">
+                <a:solidFill>
+                  <a:srgbClr val="7030A0"/>
+                </a:solidFill>
+              </a:rPr>
+              <a:t>protokolü kullanılarak 80. kapıdan (port) ulaşılır. </a:t>
+            </a:r>
+          </a:p>
+          <a:p>
+            <a:r>
+              <a:rPr lang="tr-TR" sz="1200" b="0" baseline="0" dirty="0" smtClean="0">
+                <a:solidFill>
+                  <a:srgbClr val="7030A0"/>
+                </a:solidFill>
+              </a:rPr>
+              <a:t>80. port </a:t>
+            </a:r>
+            <a:r>
+              <a:rPr lang="tr-TR" sz="1200" b="1" baseline="0" dirty="0" smtClean="0">
+                <a:solidFill>
+                  <a:srgbClr val="7030A0"/>
+                </a:solidFill>
+              </a:rPr>
+              <a:t>http</a:t>
+            </a:r>
+            <a:r>
+              <a:rPr lang="tr-TR" sz="1200" b="0" baseline="0" dirty="0" smtClean="0">
+                <a:solidFill>
+                  <a:srgbClr val="7030A0"/>
+                </a:solidFill>
+              </a:rPr>
+              <a:t>  protokolü sunucusuna standart tarafından (IANA) atanmış varsayılan kapı </a:t>
+            </a:r>
+            <a:r>
+              <a:rPr lang="tr-TR" sz="1200" b="0" baseline="0" dirty="0" err="1" smtClean="0">
+                <a:solidFill>
+                  <a:srgbClr val="7030A0"/>
+                </a:solidFill>
+              </a:rPr>
+              <a:t>numasıdır</a:t>
+            </a:r>
+            <a:r>
+              <a:rPr lang="tr-TR" sz="1200" b="0" baseline="0" dirty="0" smtClean="0">
+                <a:solidFill>
+                  <a:srgbClr val="7030A0"/>
+                </a:solidFill>
+              </a:rPr>
+              <a:t>.</a:t>
+            </a:r>
+            <a:endParaRPr lang="tr-TR" sz="1200" b="1" dirty="0" smtClean="0">
+              <a:solidFill>
+                <a:schemeClr val="accent3">
+                  <a:lumMod val="75000"/>
+                </a:schemeClr>
+              </a:solidFill>
+            </a:endParaRPr>
+          </a:p>
+          <a:p>
+            <a:endParaRPr lang="tr-TR" sz="1200" b="0" dirty="0" smtClean="0">
+              <a:solidFill>
+                <a:schemeClr val="accent3">
+                  <a:lumMod val="75000"/>
+                </a:schemeClr>
+              </a:solidFill>
+            </a:endParaRPr>
+          </a:p>
+          <a:p>
+            <a:pPr marL="171450" marR="0" indent="-171450" algn="l" defTabSz="914400" rtl="0" eaLnBrk="1" fontAlgn="auto" latinLnBrk="0" hangingPunct="1">
               <a:lnSpc>
                 <a:spcPct val="100000"/>
               </a:lnSpc>
@@ -4570,77 +4964,47 @@
               </a:spcAft>
               <a:buClrTx/>
               <a:buSzTx/>
-              <a:buFontTx/>
-              <a:buNone/>
+              <a:buFont typeface="Arial" charset="0"/>
+              <a:buChar char="•"/>
               <a:tabLst/>
               <a:defRPr/>
             </a:pPr>
-            <a:r>
-              <a:rPr lang="tr-TR" b="0" dirty="0" smtClean="0"/>
-              <a:t>store.gazete.com</a:t>
-            </a:r>
-          </a:p>
-          <a:p>
-            <a:r>
-              <a:rPr lang="tr-TR" b="0" dirty="0" smtClean="0"/>
-              <a:t>mail.gazete.com</a:t>
-            </a:r>
-          </a:p>
-          <a:p>
-            <a:endParaRPr lang="tr-TR" b="0" dirty="0" smtClean="0"/>
-          </a:p>
-          <a:p>
-            <a:r>
-              <a:rPr lang="tr-TR" b="0" dirty="0" smtClean="0"/>
-              <a:t>Sunumda «Alt alanlar»</a:t>
-            </a:r>
-            <a:r>
-              <a:rPr lang="tr-TR" b="0" baseline="0" dirty="0" smtClean="0"/>
-              <a:t> (</a:t>
-            </a:r>
-            <a:r>
-              <a:rPr lang="tr-TR" b="0" baseline="0" dirty="0" err="1" smtClean="0"/>
-              <a:t>sub</a:t>
-            </a:r>
-            <a:r>
-              <a:rPr lang="tr-TR" b="0" baseline="0" dirty="0" smtClean="0"/>
-              <a:t> domain) doğrudan fiziksel sunuculara (sunucu ad ve IP </a:t>
-            </a:r>
-            <a:r>
-              <a:rPr lang="tr-TR" b="0" baseline="0" dirty="0" err="1" smtClean="0"/>
-              <a:t>adresilerin</a:t>
-            </a:r>
-            <a:r>
-              <a:rPr lang="tr-TR" b="0" baseline="0" dirty="0" smtClean="0"/>
-              <a:t>) karşılık gelir.</a:t>
-            </a:r>
-          </a:p>
-          <a:p>
-            <a:r>
-              <a:rPr lang="tr-TR" b="1" baseline="0" dirty="0" err="1" smtClean="0"/>
-              <a:t>version</a:t>
-            </a:r>
-            <a:endParaRPr lang="tr-TR" b="1" baseline="0" dirty="0" smtClean="0"/>
-          </a:p>
-          <a:p>
-            <a:r>
-              <a:rPr lang="tr-TR" b="1" dirty="0" smtClean="0"/>
-              <a:t>www</a:t>
-            </a:r>
-          </a:p>
-          <a:p>
-            <a:r>
-              <a:rPr lang="tr-TR" b="1" dirty="0" err="1" smtClean="0"/>
-              <a:t>Store</a:t>
-            </a:r>
-            <a:endParaRPr lang="tr-TR" b="1" dirty="0" smtClean="0"/>
-          </a:p>
-          <a:p>
-            <a:r>
-              <a:rPr lang="tr-TR" b="1" dirty="0" smtClean="0"/>
-              <a:t>mail</a:t>
-            </a:r>
-            <a:endParaRPr lang="tr-TR" b="1" dirty="0"/>
+            <a:endParaRPr lang="tr-TR" sz="1200" b="0" dirty="0" smtClean="0">
+              <a:solidFill>
+                <a:schemeClr val="accent3">
+                  <a:lumMod val="75000"/>
+                </a:schemeClr>
+              </a:solidFill>
+            </a:endParaRPr>
+          </a:p>
+          <a:p>
+            <a:pPr marL="171450" indent="-171450">
+              <a:buFont typeface="Arial" charset="0"/>
+              <a:buChar char="•"/>
+            </a:pPr>
+            <a:endParaRPr lang="tr-TR" sz="1200" b="0" dirty="0" smtClean="0">
+              <a:solidFill>
+                <a:schemeClr val="accent3">
+                  <a:lumMod val="75000"/>
+                </a:schemeClr>
+              </a:solidFill>
+            </a:endParaRPr>
+          </a:p>
+          <a:p>
+            <a:pPr marL="171450" indent="-171450">
+              <a:buFont typeface="Arial" charset="0"/>
+              <a:buChar char="•"/>
+            </a:pPr>
+            <a:endParaRPr lang="tr-TR" sz="1200" b="0" dirty="0" smtClean="0">
+              <a:solidFill>
+                <a:schemeClr val="accent3">
+                  <a:lumMod val="75000"/>
+                </a:schemeClr>
+              </a:solidFill>
+            </a:endParaRPr>
+          </a:p>
+          <a:p>
+            <a:endParaRPr lang="tr-TR" b="0" dirty="0"/>
           </a:p>
         </p:txBody>
       </p:sp>
@@ -4670,7 +5034,7 @@
     </p:spTree>
     <p:extLst>
       <p:ext uri="{BB962C8B-B14F-4D97-AF65-F5344CB8AC3E}">
-        <p14:creationId xmlns:p14="http://schemas.microsoft.com/office/powerpoint/2010/main" val="2780088302"/>
+        <p14:creationId xmlns:p14="http://schemas.microsoft.com/office/powerpoint/2010/main" val="1942680718"/>
       </p:ext>
     </p:extLst>
   </p:cSld>
@@ -4724,129 +5088,134 @@
           <a:bodyPr/>
           <a:lstStyle/>
           <a:p>
-            <a:pPr marL="228600" indent="-228600">
-              <a:buAutoNum type="arabicParenR"/>
+            <a:r>
+              <a:rPr lang="tr-TR" b="0" dirty="0" smtClean="0"/>
+              <a:t>Sunumda görüntülenmeyen </a:t>
+            </a:r>
+            <a:r>
+              <a:rPr lang="tr-TR" b="1" dirty="0" smtClean="0"/>
+              <a:t>gazete</a:t>
+            </a:r>
+            <a:r>
+              <a:rPr lang="tr-TR" dirty="0" smtClean="0"/>
+              <a:t> «</a:t>
+            </a:r>
+            <a:r>
+              <a:rPr lang="tr-TR" dirty="0" smtClean="0"/>
+              <a:t>üst </a:t>
+            </a:r>
+            <a:r>
+              <a:rPr lang="tr-TR" dirty="0" smtClean="0"/>
+              <a:t>alanı» (top domain) </a:t>
+            </a:r>
+            <a:r>
+              <a:rPr lang="tr-TR" b="1" dirty="0" smtClean="0"/>
+              <a:t>com </a:t>
+            </a:r>
+            <a:r>
+              <a:rPr lang="tr-TR" b="0" dirty="0" smtClean="0"/>
+              <a:t>dur. </a:t>
+            </a:r>
+          </a:p>
+          <a:p>
+            <a:endParaRPr lang="tr-TR" b="0" dirty="0" smtClean="0"/>
+          </a:p>
+          <a:p>
+            <a:r>
+              <a:rPr lang="tr-TR" b="0" dirty="0" smtClean="0"/>
+              <a:t>version.gazete.com</a:t>
+            </a:r>
+          </a:p>
+          <a:p>
+            <a:r>
+              <a:rPr lang="tr-TR" b="0" dirty="0" smtClean="0"/>
+              <a:t>www.gazete.com</a:t>
+            </a:r>
+          </a:p>
+          <a:p>
+            <a:pPr marL="0" marR="0" indent="0" algn="l" defTabSz="914400" rtl="0" eaLnBrk="1" fontAlgn="auto" latinLnBrk="0" hangingPunct="1">
+              <a:lnSpc>
+                <a:spcPct val="100000"/>
+              </a:lnSpc>
+              <a:spcBef>
+                <a:spcPts val="0"/>
+              </a:spcBef>
+              <a:spcAft>
+                <a:spcPts val="0"/>
+              </a:spcAft>
+              <a:buClrTx/>
+              <a:buSzTx/>
+              <a:buFontTx/>
+              <a:buNone/>
+              <a:tabLst/>
+              <a:defRPr/>
             </a:pPr>
             <a:r>
-              <a:rPr lang="tr-TR" sz="1200" b="0" baseline="0" dirty="0" smtClean="0">
-                <a:solidFill>
-                  <a:srgbClr val="7030A0"/>
-                </a:solidFill>
-              </a:rPr>
-              <a:t>DNS sorgusuyla (</a:t>
-            </a:r>
-            <a:r>
-              <a:rPr lang="tr-TR" sz="1200" b="0" baseline="0" dirty="0" err="1" smtClean="0">
-                <a:solidFill>
-                  <a:srgbClr val="7030A0"/>
-                </a:solidFill>
-              </a:rPr>
-              <a:t>nslookup</a:t>
-            </a:r>
-            <a:r>
-              <a:rPr lang="tr-TR" sz="1200" b="0" baseline="0" dirty="0" smtClean="0">
-                <a:solidFill>
-                  <a:srgbClr val="7030A0"/>
-                </a:solidFill>
-              </a:rPr>
-              <a:t> www.gazete.com) </a:t>
-            </a:r>
-            <a:r>
-              <a:rPr lang="tr-TR" sz="1200" b="1" baseline="0" dirty="0" smtClean="0">
-                <a:solidFill>
-                  <a:srgbClr val="7030A0"/>
-                </a:solidFill>
-              </a:rPr>
-              <a:t>234.126.98.111</a:t>
-            </a:r>
-            <a:r>
-              <a:rPr lang="tr-TR" sz="1200" b="0" baseline="0" dirty="0" smtClean="0">
-                <a:solidFill>
-                  <a:srgbClr val="7030A0"/>
-                </a:solidFill>
-              </a:rPr>
-              <a:t> IP adresli fiziksel sunucuyu bul</a:t>
-            </a:r>
-          </a:p>
-          <a:p>
-            <a:r>
-              <a:rPr lang="tr-TR" sz="1200" b="0" baseline="0" dirty="0" smtClean="0">
-                <a:solidFill>
-                  <a:srgbClr val="7030A0"/>
-                </a:solidFill>
-              </a:rPr>
-              <a:t>2) Sunucuya </a:t>
-            </a:r>
-            <a:r>
-              <a:rPr lang="tr-TR" sz="1200" b="1" baseline="0" dirty="0" smtClean="0">
-                <a:solidFill>
-                  <a:srgbClr val="7030A0"/>
-                </a:solidFill>
-              </a:rPr>
-              <a:t>http </a:t>
-            </a:r>
-            <a:r>
-              <a:rPr lang="tr-TR" sz="1200" b="0" baseline="0" dirty="0" smtClean="0">
-                <a:solidFill>
-                  <a:srgbClr val="7030A0"/>
-                </a:solidFill>
-              </a:rPr>
-              <a:t>protokolü kullanılarak 80. kapıdan (port) ulaş.</a:t>
-            </a:r>
-          </a:p>
-          <a:p>
-            <a:r>
-              <a:rPr lang="tr-TR" sz="1200" b="0" baseline="0" dirty="0" smtClean="0">
-                <a:solidFill>
-                  <a:srgbClr val="7030A0"/>
-                </a:solidFill>
-              </a:rPr>
-              <a:t>3) </a:t>
-            </a:r>
-            <a:r>
-              <a:rPr lang="tr-TR" sz="1200" b="1" baseline="0" dirty="0" smtClean="0">
-                <a:solidFill>
-                  <a:srgbClr val="7030A0"/>
-                </a:solidFill>
-              </a:rPr>
-              <a:t>http</a:t>
-            </a:r>
-            <a:r>
-              <a:rPr lang="tr-TR" sz="1200" b="0" baseline="0" dirty="0" smtClean="0">
-                <a:solidFill>
-                  <a:srgbClr val="7030A0"/>
-                </a:solidFill>
-              </a:rPr>
-              <a:t>  protokolünü kullanarak yolu verilen </a:t>
-            </a:r>
-            <a:r>
-              <a:rPr lang="tr-TR" sz="1200" b="1" baseline="0" dirty="0" smtClean="0">
-                <a:solidFill>
-                  <a:srgbClr val="7030A0"/>
-                </a:solidFill>
-              </a:rPr>
-              <a:t>/main/index.htm</a:t>
-            </a:r>
-            <a:r>
-              <a:rPr lang="tr-TR" sz="1200" b="0" baseline="0" dirty="0" smtClean="0">
-                <a:solidFill>
-                  <a:srgbClr val="7030A0"/>
-                </a:solidFill>
-              </a:rPr>
-              <a:t>  kaynağı iste.</a:t>
-            </a:r>
-          </a:p>
-          <a:p>
-            <a:endParaRPr lang="tr-TR" sz="1200" b="0" dirty="0" smtClean="0">
-              <a:solidFill>
-                <a:schemeClr val="accent3">
-                  <a:lumMod val="75000"/>
-                </a:schemeClr>
-              </a:solidFill>
-            </a:endParaRPr>
-          </a:p>
-          <a:p>
-            <a:endParaRPr lang="tr-TR" dirty="0"/>
+              <a:rPr lang="tr-TR" b="0" dirty="0" smtClean="0"/>
+              <a:t>store.gazete.com</a:t>
+            </a:r>
+          </a:p>
+          <a:p>
+            <a:r>
+              <a:rPr lang="tr-TR" b="0" dirty="0" smtClean="0"/>
+              <a:t>mail.gazete.com</a:t>
+            </a:r>
+          </a:p>
+          <a:p>
+            <a:endParaRPr lang="tr-TR" b="0" dirty="0" smtClean="0"/>
+          </a:p>
+          <a:p>
+            <a:r>
+              <a:rPr lang="tr-TR" b="0" dirty="0" smtClean="0"/>
+              <a:t>Sunumda «Alt alanlar»</a:t>
+            </a:r>
+            <a:r>
+              <a:rPr lang="tr-TR" b="0" baseline="0" dirty="0" smtClean="0"/>
+              <a:t> (</a:t>
+            </a:r>
+            <a:r>
+              <a:rPr lang="tr-TR" b="0" baseline="0" dirty="0" err="1" smtClean="0"/>
+              <a:t>sub</a:t>
+            </a:r>
+            <a:r>
+              <a:rPr lang="tr-TR" b="0" baseline="0" dirty="0" smtClean="0"/>
+              <a:t> domain) doğrudan fiziksel sunuculara (sunucu ad ve IP </a:t>
+            </a:r>
+            <a:r>
+              <a:rPr lang="tr-TR" b="0" baseline="0" dirty="0" err="1" smtClean="0"/>
+              <a:t>adresilerin</a:t>
+            </a:r>
+            <a:r>
+              <a:rPr lang="tr-TR" b="0" baseline="0" dirty="0" smtClean="0"/>
+              <a:t>) karşılık gelir.</a:t>
+            </a:r>
+          </a:p>
+          <a:p>
+            <a:r>
+              <a:rPr lang="tr-TR" b="1" baseline="0" dirty="0" err="1" smtClean="0"/>
+              <a:t>version</a:t>
+            </a:r>
+            <a:endParaRPr lang="tr-TR" b="1" baseline="0" dirty="0" smtClean="0"/>
+          </a:p>
+          <a:p>
+            <a:r>
+              <a:rPr lang="tr-TR" b="1" dirty="0" smtClean="0"/>
+              <a:t>www</a:t>
+            </a:r>
+          </a:p>
+          <a:p>
+            <a:r>
+              <a:rPr lang="tr-TR" b="1" dirty="0" err="1" smtClean="0"/>
+              <a:t>Store</a:t>
+            </a:r>
+            <a:endParaRPr lang="tr-TR" b="1" dirty="0" smtClean="0"/>
+          </a:p>
+          <a:p>
+            <a:r>
+              <a:rPr lang="tr-TR" b="1" dirty="0" smtClean="0"/>
+              <a:t>mail</a:t>
+            </a:r>
+            <a:endParaRPr lang="tr-TR" b="1" dirty="0"/>
           </a:p>
         </p:txBody>
       </p:sp>
@@ -4876,7 +5245,7 @@
     </p:spTree>
     <p:extLst>
       <p:ext uri="{BB962C8B-B14F-4D97-AF65-F5344CB8AC3E}">
-        <p14:creationId xmlns:p14="http://schemas.microsoft.com/office/powerpoint/2010/main" val="3144667311"/>
+        <p14:creationId xmlns:p14="http://schemas.microsoft.com/office/powerpoint/2010/main" val="2780088302"/>
       </p:ext>
     </p:extLst>
   </p:cSld>
@@ -4930,176 +5299,126 @@
           <a:bodyPr/>
           <a:lstStyle/>
           <a:p>
-            <a:r>
-              <a:rPr lang="tr-TR" b="1" dirty="0" err="1" smtClean="0"/>
-              <a:t>Absolute</a:t>
-            </a:r>
-            <a:r>
-              <a:rPr lang="tr-TR" b="1" dirty="0" smtClean="0"/>
-              <a:t> </a:t>
-            </a:r>
-            <a:r>
-              <a:rPr lang="tr-TR" b="1" dirty="0" err="1" smtClean="0"/>
-              <a:t>url</a:t>
-            </a:r>
-            <a:r>
-              <a:rPr lang="tr-TR" dirty="0" err="1" smtClean="0"/>
-              <a:t>’e</a:t>
-            </a:r>
-            <a:r>
-              <a:rPr lang="tr-TR" dirty="0" smtClean="0"/>
-              <a:t>  </a:t>
-            </a:r>
-            <a:r>
-              <a:rPr lang="tr-TR" b="1" dirty="0" err="1" smtClean="0"/>
-              <a:t>absolute</a:t>
-            </a:r>
-            <a:r>
-              <a:rPr lang="tr-TR" b="1" baseline="0" dirty="0" smtClean="0"/>
-              <a:t> link</a:t>
-            </a:r>
-            <a:r>
-              <a:rPr lang="tr-TR" baseline="0" dirty="0" smtClean="0"/>
-              <a:t> de denir</a:t>
-            </a:r>
-          </a:p>
-          <a:p>
-            <a:pPr marL="0" marR="0" indent="0" algn="l" defTabSz="914400" rtl="0" eaLnBrk="1" fontAlgn="auto" latinLnBrk="0" hangingPunct="1">
-              <a:lnSpc>
-                <a:spcPct val="100000"/>
-              </a:lnSpc>
-              <a:spcBef>
-                <a:spcPts val="0"/>
-              </a:spcBef>
-              <a:spcAft>
-                <a:spcPts val="0"/>
-              </a:spcAft>
-              <a:buClrTx/>
-              <a:buSzTx/>
-              <a:buFontTx/>
-              <a:buNone/>
-              <a:tabLst/>
-              <a:defRPr/>
+            <a:pPr marL="228600" indent="-228600">
+              <a:buAutoNum type="arabicParenR"/>
             </a:pPr>
             <a:r>
-              <a:rPr lang="tr-TR" b="1" dirty="0" err="1" smtClean="0"/>
-              <a:t>Relative</a:t>
-            </a:r>
-            <a:r>
-              <a:rPr lang="tr-TR" b="1" dirty="0" smtClean="0"/>
-              <a:t> </a:t>
-            </a:r>
-            <a:r>
-              <a:rPr lang="tr-TR" b="1" dirty="0" err="1" smtClean="0"/>
-              <a:t>url</a:t>
-            </a:r>
-            <a:r>
-              <a:rPr lang="tr-TR" dirty="0" err="1" smtClean="0"/>
-              <a:t>’e</a:t>
-            </a:r>
-            <a:r>
-              <a:rPr lang="tr-TR" dirty="0" smtClean="0"/>
-              <a:t>  </a:t>
-            </a:r>
-            <a:r>
-              <a:rPr lang="tr-TR" b="1" dirty="0" err="1" smtClean="0"/>
-              <a:t>relative</a:t>
-            </a:r>
-            <a:r>
-              <a:rPr lang="tr-TR" b="1" baseline="0" dirty="0" smtClean="0"/>
-              <a:t> link</a:t>
-            </a:r>
-            <a:r>
-              <a:rPr lang="tr-TR" baseline="0" dirty="0" smtClean="0"/>
-              <a:t> de denir</a:t>
-            </a:r>
-          </a:p>
-          <a:p>
-            <a:pPr marL="0" marR="0" indent="0" algn="l" defTabSz="914400" rtl="0" eaLnBrk="1" fontAlgn="auto" latinLnBrk="0" hangingPunct="1">
-              <a:lnSpc>
-                <a:spcPct val="100000"/>
-              </a:lnSpc>
-              <a:spcBef>
-                <a:spcPts val="0"/>
-              </a:spcBef>
-              <a:spcAft>
-                <a:spcPts val="0"/>
-              </a:spcAft>
-              <a:buClrTx/>
-              <a:buSzTx/>
-              <a:buFontTx/>
-              <a:buNone/>
-              <a:tabLst/>
-              <a:defRPr/>
-            </a:pPr>
-            <a:r>
-              <a:rPr lang="tr-TR" b="1" dirty="0" err="1" smtClean="0"/>
-              <a:t>Root</a:t>
-            </a:r>
-            <a:r>
-              <a:rPr lang="tr-TR" b="1" dirty="0" smtClean="0"/>
-              <a:t> </a:t>
-            </a:r>
-            <a:r>
-              <a:rPr lang="tr-TR" b="1" dirty="0" err="1" smtClean="0"/>
-              <a:t>relative</a:t>
-            </a:r>
-            <a:r>
-              <a:rPr lang="tr-TR" b="1" dirty="0" smtClean="0"/>
-              <a:t> </a:t>
-            </a:r>
-            <a:r>
-              <a:rPr lang="tr-TR" b="1" dirty="0" err="1" smtClean="0"/>
-              <a:t>url</a:t>
-            </a:r>
-            <a:r>
-              <a:rPr lang="tr-TR" dirty="0" err="1" smtClean="0"/>
-              <a:t>’e</a:t>
-            </a:r>
-            <a:r>
-              <a:rPr lang="tr-TR" dirty="0" smtClean="0"/>
-              <a:t>  </a:t>
-            </a:r>
-            <a:r>
-              <a:rPr lang="tr-TR" dirty="0" err="1" smtClean="0"/>
-              <a:t>root</a:t>
-            </a:r>
-            <a:r>
-              <a:rPr lang="tr-TR" dirty="0" smtClean="0"/>
-              <a:t> </a:t>
-            </a:r>
-            <a:r>
-              <a:rPr lang="tr-TR" b="1" dirty="0" err="1" smtClean="0"/>
-              <a:t>relative</a:t>
-            </a:r>
-            <a:r>
-              <a:rPr lang="tr-TR" b="1" baseline="0" dirty="0" smtClean="0"/>
-              <a:t> link</a:t>
-            </a:r>
-            <a:r>
-              <a:rPr lang="tr-TR" baseline="0" dirty="0" smtClean="0"/>
-              <a:t> de denir</a:t>
-            </a:r>
-          </a:p>
-          <a:p>
-            <a:pPr marL="0" marR="0" indent="0" algn="l" defTabSz="914400" rtl="0" eaLnBrk="1" fontAlgn="auto" latinLnBrk="0" hangingPunct="1">
-              <a:lnSpc>
-                <a:spcPct val="100000"/>
-              </a:lnSpc>
-              <a:spcBef>
-                <a:spcPts val="0"/>
-              </a:spcBef>
-              <a:spcAft>
-                <a:spcPts val="0"/>
-              </a:spcAft>
-              <a:buClrTx/>
-              <a:buSzTx/>
-              <a:buFontTx/>
-              <a:buNone/>
-              <a:tabLst/>
-              <a:defRPr/>
-            </a:pPr>
-            <a:endParaRPr lang="tr-TR" baseline="0" dirty="0" smtClean="0"/>
+              <a:rPr lang="tr-TR" sz="1200" b="0" baseline="0" dirty="0" smtClean="0">
+                <a:solidFill>
+                  <a:srgbClr val="7030A0"/>
+                </a:solidFill>
+              </a:rPr>
+              <a:t>DNS sorgusuyla (</a:t>
+            </a:r>
+            <a:r>
+              <a:rPr lang="tr-TR" sz="1200" b="0" baseline="0" dirty="0" err="1" smtClean="0">
+                <a:solidFill>
+                  <a:srgbClr val="7030A0"/>
+                </a:solidFill>
+              </a:rPr>
+              <a:t>nslookup</a:t>
+            </a:r>
+            <a:r>
+              <a:rPr lang="tr-TR" sz="1200" b="0" baseline="0" dirty="0" smtClean="0">
+                <a:solidFill>
+                  <a:srgbClr val="7030A0"/>
+                </a:solidFill>
+              </a:rPr>
+              <a:t> www.gazete.com) </a:t>
+            </a:r>
+            <a:r>
+              <a:rPr lang="tr-TR" sz="1200" b="1" baseline="0" dirty="0" smtClean="0">
+                <a:solidFill>
+                  <a:srgbClr val="7030A0"/>
+                </a:solidFill>
+              </a:rPr>
+              <a:t>234.126.98.111</a:t>
+            </a:r>
+            <a:r>
+              <a:rPr lang="tr-TR" sz="1200" b="0" baseline="0" dirty="0" smtClean="0">
+                <a:solidFill>
+                  <a:srgbClr val="7030A0"/>
+                </a:solidFill>
+              </a:rPr>
+              <a:t> IP adresli fiziksel sunucuyu bul</a:t>
+            </a:r>
+          </a:p>
+          <a:p>
+            <a:r>
+              <a:rPr lang="tr-TR" sz="1200" b="0" baseline="0" dirty="0" smtClean="0">
+                <a:solidFill>
+                  <a:srgbClr val="7030A0"/>
+                </a:solidFill>
+              </a:rPr>
+              <a:t>2) Sunucuya </a:t>
+            </a:r>
+            <a:r>
+              <a:rPr lang="tr-TR" sz="1200" b="1" baseline="0" dirty="0" smtClean="0">
+                <a:solidFill>
+                  <a:srgbClr val="7030A0"/>
+                </a:solidFill>
+              </a:rPr>
+              <a:t>http </a:t>
+            </a:r>
+            <a:r>
+              <a:rPr lang="tr-TR" sz="1200" b="0" baseline="0" dirty="0" smtClean="0">
+                <a:solidFill>
+                  <a:srgbClr val="7030A0"/>
+                </a:solidFill>
+              </a:rPr>
+              <a:t>protokolü kullanılarak 80. kapıdan (port) ulaş.</a:t>
+            </a:r>
+          </a:p>
+          <a:p>
+            <a:r>
+              <a:rPr lang="tr-TR" sz="1200" b="0" baseline="0" dirty="0" smtClean="0">
+                <a:solidFill>
+                  <a:srgbClr val="7030A0"/>
+                </a:solidFill>
+              </a:rPr>
+              <a:t>3) </a:t>
+            </a:r>
+            <a:r>
+              <a:rPr lang="tr-TR" sz="1200" b="1" baseline="0" dirty="0" smtClean="0">
+                <a:solidFill>
+                  <a:srgbClr val="7030A0"/>
+                </a:solidFill>
+              </a:rPr>
+              <a:t>http</a:t>
+            </a:r>
+            <a:r>
+              <a:rPr lang="tr-TR" sz="1200" b="0" baseline="0" dirty="0" smtClean="0">
+                <a:solidFill>
+                  <a:srgbClr val="7030A0"/>
+                </a:solidFill>
+              </a:rPr>
+              <a:t>  protokolünü kullanarak yolu verilen </a:t>
+            </a:r>
+            <a:r>
+              <a:rPr lang="tr-TR" sz="1200" b="1" baseline="0" dirty="0" smtClean="0">
+                <a:solidFill>
+                  <a:srgbClr val="7030A0"/>
+                </a:solidFill>
+              </a:rPr>
+              <a:t>/main/index.htm</a:t>
+            </a:r>
+            <a:r>
+              <a:rPr lang="tr-TR" sz="1200" b="0" baseline="0" dirty="0" smtClean="0">
+                <a:solidFill>
+                  <a:srgbClr val="7030A0"/>
+                </a:solidFill>
+              </a:rPr>
+              <a:t>  kaynağı iste.</a:t>
+            </a:r>
+          </a:p>
+          <a:p>
+            <a:endParaRPr lang="tr-TR" sz="1200" b="0" dirty="0" smtClean="0">
+              <a:solidFill>
+                <a:schemeClr val="accent3">
+                  <a:lumMod val="75000"/>
+                </a:schemeClr>
+              </a:solidFill>
+            </a:endParaRPr>
           </a:p>
           <a:p>
             <a:endParaRPr lang="tr-TR" dirty="0"/>
@@ -5132,7 +5451,7 @@
     </p:spTree>
     <p:extLst>
       <p:ext uri="{BB962C8B-B14F-4D97-AF65-F5344CB8AC3E}">
-        <p14:creationId xmlns:p14="http://schemas.microsoft.com/office/powerpoint/2010/main" val="2917319553"/>
+        <p14:creationId xmlns:p14="http://schemas.microsoft.com/office/powerpoint/2010/main" val="3144667311"/>
       </p:ext>
     </p:extLst>
   </p:cSld>
@@ -5187,41 +5506,40 @@
           <a:lstStyle/>
           <a:p>
             <a:r>
-              <a:rPr lang="tr-TR" sz="1200" b="0" dirty="0" smtClean="0">
-                <a:solidFill>
-                  <a:srgbClr val="7030A0"/>
-                </a:solidFill>
-              </a:rPr>
-              <a:t>DNS sorgusundan sonra URL’in dönüşeceği biçim </a:t>
-            </a:r>
-          </a:p>
-          <a:p>
-            <a:r>
-              <a:rPr lang="tr-TR" sz="1200" b="0" dirty="0" smtClean="0">
-                <a:solidFill>
-                  <a:srgbClr val="7030A0"/>
-                </a:solidFill>
-              </a:rPr>
-              <a:t>IP adresi</a:t>
-            </a:r>
-            <a:r>
-              <a:rPr lang="tr-TR" sz="1200" b="0" baseline="0" dirty="0" smtClean="0">
-                <a:solidFill>
-                  <a:srgbClr val="7030A0"/>
-                </a:solidFill>
-              </a:rPr>
-              <a:t> içeren URL geçerli bir URL biçimidir.</a:t>
-            </a:r>
-            <a:endParaRPr lang="tr-TR" sz="1200" b="0" dirty="0" smtClean="0">
-              <a:solidFill>
-                <a:schemeClr val="accent3">
-                  <a:lumMod val="75000"/>
-                </a:schemeClr>
-              </a:solidFill>
-            </a:endParaRPr>
-          </a:p>
-          <a:p>
-            <a:pPr marL="171450" marR="0" indent="-171450" algn="l" defTabSz="914400" rtl="0" eaLnBrk="1" fontAlgn="auto" latinLnBrk="0" hangingPunct="1">
+              <a:rPr lang="tr-TR" b="1" dirty="0" err="1" smtClean="0"/>
+              <a:t>Absolute</a:t>
+            </a:r>
+            <a:r>
+              <a:rPr lang="tr-TR" b="1" dirty="0" smtClean="0"/>
+              <a:t> </a:t>
+            </a:r>
+            <a:r>
+              <a:rPr lang="tr-TR" b="1" dirty="0" err="1" smtClean="0"/>
+              <a:t>url</a:t>
+            </a:r>
+            <a:r>
+              <a:rPr lang="tr-TR" dirty="0" err="1" smtClean="0"/>
+              <a:t>’e</a:t>
+            </a:r>
+            <a:r>
+              <a:rPr lang="tr-TR" dirty="0" smtClean="0"/>
+              <a:t>  </a:t>
+            </a:r>
+            <a:r>
+              <a:rPr lang="tr-TR" b="1" dirty="0" err="1" smtClean="0"/>
+              <a:t>absolute</a:t>
+            </a:r>
+            <a:r>
+              <a:rPr lang="tr-TR" b="1" baseline="0" dirty="0" smtClean="0"/>
+              <a:t> link</a:t>
+            </a:r>
+            <a:r>
+              <a:rPr lang="tr-TR" baseline="0" dirty="0" smtClean="0"/>
+              <a:t> de denir</a:t>
+            </a:r>
+          </a:p>
+          <a:p>
+            <a:pPr marL="0" marR="0" indent="0" algn="l" defTabSz="914400" rtl="0" eaLnBrk="1" fontAlgn="auto" latinLnBrk="0" hangingPunct="1">
               <a:lnSpc>
                 <a:spcPct val="100000"/>
               </a:lnSpc>
@@ -5233,47 +5551,133 @@
               </a:spcAft>
               <a:buClrTx/>
               <a:buSzTx/>
-              <a:buFont typeface="Arial" charset="0"/>
-              <a:buChar char="•"/>
+              <a:buFontTx/>
+              <a:buNone/>
               <a:tabLst/>
               <a:defRPr/>
             </a:pPr>
-            <a:endParaRPr lang="tr-TR" sz="1200" b="0" dirty="0" smtClean="0">
-              <a:solidFill>
-                <a:schemeClr val="accent3">
-                  <a:lumMod val="75000"/>
-                </a:schemeClr>
-              </a:solidFill>
-            </a:endParaRPr>
-          </a:p>
-          <a:p>
-            <a:pPr marL="171450" indent="-171450">
-              <a:buFont typeface="Arial" charset="0"/>
-              <a:buChar char="•"/>
+            <a:r>
+              <a:rPr lang="tr-TR" b="1" dirty="0" err="1" smtClean="0"/>
+              <a:t>Relative</a:t>
+            </a:r>
+            <a:r>
+              <a:rPr lang="tr-TR" b="1" dirty="0" smtClean="0"/>
+              <a:t> </a:t>
+            </a:r>
+            <a:r>
+              <a:rPr lang="tr-TR" b="1" dirty="0" err="1" smtClean="0"/>
+              <a:t>url</a:t>
+            </a:r>
+            <a:r>
+              <a:rPr lang="tr-TR" dirty="0" err="1" smtClean="0"/>
+              <a:t>’e</a:t>
+            </a:r>
+            <a:r>
+              <a:rPr lang="tr-TR" dirty="0" smtClean="0"/>
+              <a:t>  </a:t>
+            </a:r>
+            <a:r>
+              <a:rPr lang="tr-TR" b="1" dirty="0" err="1" smtClean="0"/>
+              <a:t>relative</a:t>
+            </a:r>
+            <a:r>
+              <a:rPr lang="tr-TR" b="1" baseline="0" dirty="0" smtClean="0"/>
+              <a:t> link</a:t>
+            </a:r>
+            <a:r>
+              <a:rPr lang="tr-TR" baseline="0" dirty="0" smtClean="0"/>
+              <a:t> de denir</a:t>
+            </a:r>
+          </a:p>
+          <a:p>
+            <a:pPr marL="0" marR="0" indent="0" algn="l" defTabSz="914400" rtl="0" eaLnBrk="1" fontAlgn="auto" latinLnBrk="0" hangingPunct="1">
+              <a:lnSpc>
+                <a:spcPct val="100000"/>
+              </a:lnSpc>
+              <a:spcBef>
+                <a:spcPts val="0"/>
+              </a:spcBef>
+              <a:spcAft>
+                <a:spcPts val="0"/>
+              </a:spcAft>
+              <a:buClrTx/>
+              <a:buSzTx/>
+              <a:buFontTx/>
+              <a:buNone/>
+              <a:tabLst/>
+              <a:defRPr/>
             </a:pPr>
-            <a:endParaRPr lang="tr-TR" sz="1200" b="0" dirty="0" smtClean="0">
-              <a:solidFill>
-                <a:schemeClr val="accent3">
-                  <a:lumMod val="75000"/>
-                </a:schemeClr>
-              </a:solidFill>
-            </a:endParaRPr>
-          </a:p>
-          <a:p>
-            <a:pPr marL="171450" indent="-171450">
-              <a:buFont typeface="Arial" charset="0"/>
-              <a:buChar char="•"/>
+            <a:r>
+              <a:rPr lang="tr-TR" b="1" dirty="0" err="1" smtClean="0"/>
+              <a:t>Root</a:t>
+            </a:r>
+            <a:r>
+              <a:rPr lang="tr-TR" b="1" dirty="0" smtClean="0"/>
+              <a:t> </a:t>
+            </a:r>
+            <a:r>
+              <a:rPr lang="tr-TR" b="1" dirty="0" err="1" smtClean="0"/>
+              <a:t>relative</a:t>
+            </a:r>
+            <a:r>
+              <a:rPr lang="tr-TR" b="1" dirty="0" smtClean="0"/>
+              <a:t> </a:t>
+            </a:r>
+            <a:r>
+              <a:rPr lang="tr-TR" b="1" dirty="0" err="1" smtClean="0"/>
+              <a:t>url</a:t>
+            </a:r>
+            <a:r>
+              <a:rPr lang="tr-TR" dirty="0" err="1" smtClean="0"/>
+              <a:t>’e</a:t>
+            </a:r>
+            <a:r>
+              <a:rPr lang="tr-TR" dirty="0" smtClean="0"/>
+              <a:t>  </a:t>
+            </a:r>
+            <a:r>
+              <a:rPr lang="tr-TR" dirty="0" err="1" smtClean="0"/>
+              <a:t>root</a:t>
+            </a:r>
+            <a:r>
+              <a:rPr lang="tr-TR" dirty="0" smtClean="0"/>
+              <a:t> </a:t>
+            </a:r>
+            <a:r>
+              <a:rPr lang="tr-TR" b="1" dirty="0" err="1" smtClean="0"/>
+              <a:t>relative</a:t>
+            </a:r>
+            <a:r>
+              <a:rPr lang="tr-TR" b="1" baseline="0" dirty="0" smtClean="0"/>
+              <a:t> link</a:t>
+            </a:r>
+            <a:r>
+              <a:rPr lang="tr-TR" baseline="0" dirty="0" smtClean="0"/>
+              <a:t> de denir</a:t>
+            </a:r>
+          </a:p>
+          <a:p>
+            <a:pPr marL="0" marR="0" indent="0" algn="l" defTabSz="914400" rtl="0" eaLnBrk="1" fontAlgn="auto" latinLnBrk="0" hangingPunct="1">
+              <a:lnSpc>
+                <a:spcPct val="100000"/>
+              </a:lnSpc>
+              <a:spcBef>
+                <a:spcPts val="0"/>
+              </a:spcBef>
+              <a:spcAft>
+                <a:spcPts val="0"/>
+              </a:spcAft>
+              <a:buClrTx/>
+              <a:buSzTx/>
+              <a:buFontTx/>
+              <a:buNone/>
+              <a:tabLst/>
+              <a:defRPr/>
             </a:pPr>
-            <a:endParaRPr lang="tr-TR" sz="1200" b="0" dirty="0" smtClean="0">
-              <a:solidFill>
-                <a:schemeClr val="accent3">
-                  <a:lumMod val="75000"/>
-                </a:schemeClr>
-              </a:solidFill>
-            </a:endParaRPr>
-          </a:p>
-          <a:p>
-            <a:endParaRPr lang="tr-TR" b="0" dirty="0"/>
+            <a:endParaRPr lang="tr-TR" baseline="0" dirty="0" smtClean="0"/>
+          </a:p>
+          <a:p>
+            <a:endParaRPr lang="tr-TR" dirty="0"/>
           </a:p>
         </p:txBody>
       </p:sp>
@@ -5303,7 +5707,7 @@
     </p:spTree>
     <p:extLst>
       <p:ext uri="{BB962C8B-B14F-4D97-AF65-F5344CB8AC3E}">
-        <p14:creationId xmlns:p14="http://schemas.microsoft.com/office/powerpoint/2010/main" val="1942680718"/>
+        <p14:creationId xmlns:p14="http://schemas.microsoft.com/office/powerpoint/2010/main" val="2917319553"/>
       </p:ext>
     </p:extLst>
   </p:cSld>
@@ -5357,103 +5761,39 @@
           <a:bodyPr/>
           <a:lstStyle/>
           <a:p>
-            <a:pPr marL="171450" marR="0" indent="-171450" algn="l" defTabSz="914400" rtl="0" eaLnBrk="1" fontAlgn="auto" latinLnBrk="0" hangingPunct="1">
-              <a:lnSpc>
-                <a:spcPct val="100000"/>
-              </a:lnSpc>
-              <a:spcBef>
-                <a:spcPts val="0"/>
-              </a:spcBef>
-              <a:spcAft>
-                <a:spcPts val="0"/>
-              </a:spcAft>
-              <a:buClrTx/>
-              <a:buSzTx/>
-              <a:buFont typeface="Arial" charset="0"/>
-              <a:buChar char="•"/>
-              <a:tabLst/>
-              <a:defRPr/>
-            </a:pPr>
-            <a:r>
-              <a:rPr lang="tr-TR" sz="1200" b="1" dirty="0" err="1" smtClean="0">
-                <a:solidFill>
-                  <a:schemeClr val="accent3">
-                    <a:lumMod val="75000"/>
-                  </a:schemeClr>
-                </a:solidFill>
-              </a:rPr>
-              <a:t>encodeURI</a:t>
-            </a:r>
-            <a:r>
-              <a:rPr lang="tr-TR" sz="1200" b="1" dirty="0" smtClean="0">
-                <a:solidFill>
-                  <a:schemeClr val="accent3">
-                    <a:lumMod val="75000"/>
-                  </a:schemeClr>
-                </a:solidFill>
-              </a:rPr>
-              <a:t>()</a:t>
-            </a:r>
             <a:r>
               <a:rPr lang="tr-TR" sz="1200" b="0" dirty="0" smtClean="0">
                 <a:solidFill>
-                  <a:schemeClr val="accent3">
-                    <a:lumMod val="75000"/>
-                  </a:schemeClr>
-                </a:solidFill>
-              </a:rPr>
-              <a:t> fonksiyonu</a:t>
+                  <a:srgbClr val="7030A0"/>
+                </a:solidFill>
+              </a:rPr>
+              <a:t>DNS sorgusundan sonra URL’in dönüşeceği biçim </a:t>
+            </a:r>
+          </a:p>
+          <a:p>
+            <a:r>
+              <a:rPr lang="tr-TR" sz="1200" b="0" dirty="0" smtClean="0">
+                <a:solidFill>
+                  <a:srgbClr val="7030A0"/>
+                </a:solidFill>
+              </a:rPr>
+              <a:t>IP adresi</a:t>
             </a:r>
             <a:r>
               <a:rPr lang="tr-TR" sz="1200" b="0" baseline="0" dirty="0" smtClean="0">
                 <a:solidFill>
-                  <a:schemeClr val="accent3">
-                    <a:lumMod val="75000"/>
-                  </a:schemeClr>
-                </a:solidFill>
-              </a:rPr>
-              <a:t> ile kodlanan URL </a:t>
-            </a:r>
-            <a:r>
-              <a:rPr lang="tr-TR" sz="1200" b="1" baseline="0" dirty="0" err="1" smtClean="0">
-                <a:solidFill>
-                  <a:schemeClr val="accent3">
-                    <a:lumMod val="75000"/>
-                  </a:schemeClr>
-                </a:solidFill>
-              </a:rPr>
-              <a:t>de</a:t>
-            </a:r>
-            <a:r>
-              <a:rPr lang="tr-TR" sz="1200" b="1" dirty="0" err="1" smtClean="0">
-                <a:solidFill>
-                  <a:schemeClr val="accent3">
-                    <a:lumMod val="75000"/>
-                  </a:schemeClr>
-                </a:solidFill>
-              </a:rPr>
-              <a:t>codeURI</a:t>
-            </a:r>
-            <a:r>
-              <a:rPr lang="tr-TR" sz="1200" b="1" dirty="0" smtClean="0">
-                <a:solidFill>
-                  <a:schemeClr val="accent3">
-                    <a:lumMod val="75000"/>
-                  </a:schemeClr>
-                </a:solidFill>
-              </a:rPr>
-              <a:t>()</a:t>
-            </a:r>
-            <a:r>
-              <a:rPr lang="tr-TR" sz="1200" b="0" dirty="0" smtClean="0">
-                <a:solidFill>
-                  <a:schemeClr val="accent3">
-                    <a:lumMod val="75000"/>
-                  </a:schemeClr>
-                </a:solidFill>
-              </a:rPr>
-              <a:t>  ile geri dönüştürülebilir.</a:t>
-            </a:r>
+                  <a:srgbClr val="7030A0"/>
+                </a:solidFill>
+              </a:rPr>
+              <a:t> içeren URL geçerli bir URL biçimidir.</a:t>
+            </a:r>
+            <a:endParaRPr lang="tr-TR" sz="1200" b="0" dirty="0" smtClean="0">
+              <a:solidFill>
+                <a:schemeClr val="accent3">
+                  <a:lumMod val="75000"/>
+                </a:schemeClr>
+              </a:solidFill>
+            </a:endParaRPr>
           </a:p>
           <a:p>
             <a:pPr marL="171450" marR="0" indent="-171450" algn="l" defTabSz="914400" rtl="0" eaLnBrk="1" fontAlgn="auto" latinLnBrk="0" hangingPunct="1">
@@ -5592,131 +5932,6 @@
           <a:bodyPr/>
           <a:lstStyle/>
           <a:p>
-            <a:pPr marL="171450" indent="-171450">
-              <a:buFont typeface="Arial" charset="0"/>
-              <a:buChar char="•"/>
-            </a:pPr>
-            <a:r>
-              <a:rPr lang="tr-TR" dirty="0" smtClean="0"/>
-              <a:t>Sanal kaynakların tamamı fiziksel olarak saklanmasa</a:t>
-            </a:r>
-            <a:r>
-              <a:rPr lang="tr-TR" baseline="0" dirty="0" smtClean="0"/>
-              <a:t> da bir kısmı fiziksel olarak sunucu tarafında saklanabilir. Örneğin bir kullanıcı ile ilgili profil bilgisi </a:t>
-            </a:r>
-            <a:r>
-              <a:rPr lang="tr-TR" baseline="0" dirty="0" err="1" smtClean="0"/>
-              <a:t>veritabanında</a:t>
-            </a:r>
-            <a:r>
-              <a:rPr lang="tr-TR" baseline="0" dirty="0" smtClean="0"/>
-              <a:t> kayıtlı olabilir. </a:t>
-            </a:r>
-          </a:p>
-          <a:p>
-            <a:endParaRPr lang="tr-TR" baseline="0" dirty="0" smtClean="0"/>
-          </a:p>
-          <a:p>
-            <a:pPr marL="171450" indent="-171450">
-              <a:buFont typeface="Arial" charset="0"/>
-              <a:buChar char="•"/>
-            </a:pPr>
-            <a:r>
-              <a:rPr lang="tr-TR" baseline="0" dirty="0" smtClean="0"/>
-              <a:t>Sunucu tarafına, kullanıcı ile ilgili bir «görüntüleme» isteği geldiğinde, kullanıcı bilgisi </a:t>
-            </a:r>
-            <a:r>
-              <a:rPr lang="tr-TR" baseline="0" dirty="0" err="1" smtClean="0"/>
-              <a:t>veritabanından</a:t>
-            </a:r>
-            <a:r>
-              <a:rPr lang="tr-TR" baseline="0" dirty="0" smtClean="0"/>
-              <a:t> alınarak «html şablonuna» yerleştirilir. Oluşan içerik (şablon + kullanıcı bilgisi) sunucu tarafından fiziksel bir dosyaymış gibi istemciye aktarılır.</a:t>
-            </a:r>
-          </a:p>
-          <a:p>
-            <a:pPr marL="171450" indent="-171450">
-              <a:buFont typeface="Arial" charset="0"/>
-              <a:buChar char="•"/>
-            </a:pPr>
-            <a:endParaRPr lang="tr-TR" baseline="0" dirty="0" smtClean="0"/>
-          </a:p>
-          <a:p>
-            <a:pPr marL="171450" indent="-171450">
-              <a:buFont typeface="Arial" charset="0"/>
-              <a:buChar char="•"/>
-            </a:pPr>
-            <a:r>
-              <a:rPr lang="tr-TR" baseline="0" dirty="0" smtClean="0"/>
-              <a:t>İstemcinin (</a:t>
-            </a:r>
-            <a:r>
-              <a:rPr lang="tr-TR" baseline="0" dirty="0" err="1" smtClean="0"/>
-              <a:t>örn</a:t>
-            </a:r>
-            <a:r>
-              <a:rPr lang="tr-TR" baseline="0" dirty="0" smtClean="0"/>
-              <a:t>: internet tarayıcı) bir kaynağın fiziksel mi yoksa sanal mı olduğunu ayırma şansı yoktur.</a:t>
-            </a:r>
-          </a:p>
-          <a:p>
-            <a:endParaRPr lang="tr-TR" baseline="0" dirty="0" smtClean="0"/>
-          </a:p>
-          <a:p>
-            <a:pPr marL="171450" indent="-171450">
-              <a:buFont typeface="Arial" charset="0"/>
-              <a:buChar char="•"/>
-            </a:pPr>
-            <a:r>
-              <a:rPr lang="tr-TR" baseline="0" dirty="0" smtClean="0"/>
-              <a:t>Bu ayrım sadece sunucu tarafında geçerlidir.</a:t>
-            </a:r>
-          </a:p>
-          <a:p>
-            <a:pPr marL="171450" indent="-171450">
-              <a:buFont typeface="Arial" charset="0"/>
-              <a:buChar char="•"/>
-            </a:pPr>
-            <a:endParaRPr lang="tr-TR" dirty="0" smtClean="0"/>
-          </a:p>
-          <a:p>
-            <a:pPr marL="171450" indent="-171450">
-              <a:buFont typeface="Arial" charset="0"/>
-              <a:buChar char="•"/>
-            </a:pPr>
-            <a:r>
-              <a:rPr lang="tr-TR" dirty="0" smtClean="0"/>
-              <a:t>Fiziksel</a:t>
-            </a:r>
-            <a:r>
-              <a:rPr lang="tr-TR" baseline="0" dirty="0" smtClean="0"/>
-              <a:t> kaynaklara daha yaygın olarak statik kaynaklar (</a:t>
-            </a:r>
-            <a:r>
-              <a:rPr lang="tr-TR" b="1" baseline="0" dirty="0" err="1" smtClean="0"/>
-              <a:t>static</a:t>
-            </a:r>
-            <a:r>
-              <a:rPr lang="tr-TR" b="1" baseline="0" dirty="0" smtClean="0"/>
-              <a:t> </a:t>
-            </a:r>
-            <a:r>
-              <a:rPr lang="tr-TR" b="1" baseline="0" dirty="0" err="1" smtClean="0"/>
-              <a:t>resources</a:t>
-            </a:r>
-            <a:r>
-              <a:rPr lang="tr-TR" baseline="0" dirty="0" smtClean="0"/>
-              <a:t>) denir.</a:t>
-            </a:r>
-          </a:p>
-          <a:p>
-            <a:pPr marL="171450" indent="-171450">
-              <a:buFont typeface="Arial" charset="0"/>
-              <a:buChar char="•"/>
-            </a:pPr>
-            <a:endParaRPr lang="tr-TR" baseline="0" dirty="0" smtClean="0"/>
-          </a:p>
-          <a:p>
             <a:pPr marL="171450" marR="0" indent="-171450" algn="l" defTabSz="914400" rtl="0" eaLnBrk="1" fontAlgn="auto" latinLnBrk="0" hangingPunct="1">
               <a:lnSpc>
                 <a:spcPct val="100000"/>
@@ -5735,46 +5950,140 @@
               <a:defRPr/>
             </a:pPr>
             <a:r>
-              <a:rPr lang="tr-TR" dirty="0" smtClean="0"/>
-              <a:t>Sanal</a:t>
-            </a:r>
-            <a:r>
-              <a:rPr lang="tr-TR" baseline="0" dirty="0" smtClean="0"/>
-              <a:t> kaynaklara daha yaygın olarak dinamik kaynaklar (</a:t>
-            </a:r>
-            <a:r>
-              <a:rPr lang="tr-TR" b="1" baseline="0" dirty="0" err="1" smtClean="0"/>
-              <a:t>dynamic</a:t>
-            </a:r>
-            <a:r>
-              <a:rPr lang="tr-TR" b="1" baseline="0" dirty="0" smtClean="0"/>
-              <a:t> </a:t>
-            </a:r>
-            <a:r>
-              <a:rPr lang="tr-TR" b="1" baseline="0" dirty="0" err="1" smtClean="0"/>
-              <a:t>resources</a:t>
-            </a:r>
-            <a:r>
-              <a:rPr lang="tr-TR" baseline="0" dirty="0" smtClean="0"/>
-              <a:t>) denir.</a:t>
-            </a:r>
+              <a:rPr lang="tr-TR" sz="1200" b="1" dirty="0" err="1" smtClean="0">
+                <a:solidFill>
+                  <a:schemeClr val="accent3">
+                    <a:lumMod val="75000"/>
+                  </a:schemeClr>
+                </a:solidFill>
+              </a:rPr>
+              <a:t>encodeURI</a:t>
+            </a:r>
+            <a:r>
+              <a:rPr lang="tr-TR" sz="1200" b="1" dirty="0" smtClean="0">
+                <a:solidFill>
+                  <a:schemeClr val="accent3">
+                    <a:lumMod val="75000"/>
+                  </a:schemeClr>
+                </a:solidFill>
+              </a:rPr>
+              <a:t>()</a:t>
+            </a:r>
+            <a:r>
+              <a:rPr lang="tr-TR" sz="1200" b="0" dirty="0" smtClean="0">
+                <a:solidFill>
+                  <a:schemeClr val="accent3">
+                    <a:lumMod val="75000"/>
+                  </a:schemeClr>
+                </a:solidFill>
+              </a:rPr>
+              <a:t> fonksiyonu</a:t>
+            </a:r>
+            <a:r>
+              <a:rPr lang="tr-TR" sz="1200" b="0" baseline="0" dirty="0" smtClean="0">
+                <a:solidFill>
+                  <a:schemeClr val="accent3">
+                    <a:lumMod val="75000"/>
+                  </a:schemeClr>
+                </a:solidFill>
+              </a:rPr>
+              <a:t> ile kodlanan URL </a:t>
+            </a:r>
+            <a:r>
+              <a:rPr lang="tr-TR" sz="1200" b="1" baseline="0" dirty="0" err="1" smtClean="0">
+                <a:solidFill>
+                  <a:schemeClr val="accent3">
+                    <a:lumMod val="75000"/>
+                  </a:schemeClr>
+                </a:solidFill>
+              </a:rPr>
+              <a:t>de</a:t>
+            </a:r>
+            <a:r>
+              <a:rPr lang="tr-TR" sz="1200" b="1" dirty="0" err="1" smtClean="0">
+                <a:solidFill>
+                  <a:schemeClr val="accent3">
+                    <a:lumMod val="75000"/>
+                  </a:schemeClr>
+                </a:solidFill>
+              </a:rPr>
+              <a:t>codeURI</a:t>
+            </a:r>
+            <a:r>
+              <a:rPr lang="tr-TR" sz="1200" b="1" dirty="0" smtClean="0">
+                <a:solidFill>
+                  <a:schemeClr val="accent3">
+                    <a:lumMod val="75000"/>
+                  </a:schemeClr>
+                </a:solidFill>
+              </a:rPr>
+              <a:t>()</a:t>
+            </a:r>
+            <a:r>
+              <a:rPr lang="tr-TR" sz="1200" b="0" dirty="0" smtClean="0">
+                <a:solidFill>
+                  <a:schemeClr val="accent3">
+                    <a:lumMod val="75000"/>
+                  </a:schemeClr>
+                </a:solidFill>
+              </a:rPr>
+              <a:t>  ile geri dönüştürülebilir.</a:t>
+            </a:r>
+          </a:p>
+          <a:p>
+            <a:pPr marL="171450" marR="0" indent="-171450" algn="l" defTabSz="914400" rtl="0" eaLnBrk="1" fontAlgn="auto" latinLnBrk="0" hangingPunct="1">
+              <a:lnSpc>
+                <a:spcPct val="100000"/>
+              </a:lnSpc>
+              <a:spcBef>
+                <a:spcPts val="0"/>
+              </a:spcBef>
+              <a:spcAft>
+                <a:spcPts val="0"/>
+              </a:spcAft>
+              <a:buClrTx/>
+              <a:buSzTx/>
+              <a:buFont typeface="Arial" charset="0"/>
+              <a:buChar char="•"/>
+              <a:tabLst/>
+              <a:defRPr/>
+            </a:pPr>
+            <a:endParaRPr lang="tr-TR" sz="1200" b="0" dirty="0" smtClean="0">
+              <a:solidFill>
+                <a:schemeClr val="accent3">
+                  <a:lumMod val="75000"/>
+                </a:schemeClr>
+              </a:solidFill>
+            </a:endParaRPr>
           </a:p>
           <a:p>
             <a:pPr marL="171450" indent="-171450">
               <a:buFont typeface="Arial" charset="0"/>
               <a:buChar char="•"/>
             </a:pPr>
-            <a:endParaRPr lang="tr-TR" baseline="0" dirty="0" smtClean="0"/>
+            <a:endParaRPr lang="tr-TR" sz="1200" b="0" dirty="0" smtClean="0">
+              <a:solidFill>
+                <a:schemeClr val="accent3">
+                  <a:lumMod val="75000"/>
+                </a:schemeClr>
+              </a:solidFill>
+            </a:endParaRPr>
           </a:p>
           <a:p>
             <a:pPr marL="171450" indent="-171450">
               <a:buFont typeface="Arial" charset="0"/>
               <a:buChar char="•"/>
             </a:pPr>
-            <a:endParaRPr lang="tr-TR" dirty="0" smtClean="0"/>
-          </a:p>
-          <a:p>
-            <a:endParaRPr lang="tr-TR" dirty="0"/>
+            <a:endParaRPr lang="tr-TR" sz="1200" b="0" dirty="0" smtClean="0">
+              <a:solidFill>
+                <a:schemeClr val="accent3">
+                  <a:lumMod val="75000"/>
+                </a:schemeClr>
+              </a:solidFill>
+            </a:endParaRPr>
+          </a:p>
+          <a:p>
+            <a:endParaRPr lang="tr-TR" b="0" dirty="0"/>
           </a:p>
         </p:txBody>
       </p:sp>
@@ -5804,7 +6113,7 @@
     </p:spTree>
     <p:extLst>
       <p:ext uri="{BB962C8B-B14F-4D97-AF65-F5344CB8AC3E}">
-        <p14:creationId xmlns:p14="http://schemas.microsoft.com/office/powerpoint/2010/main" val="4021739919"/>
+        <p14:creationId xmlns:p14="http://schemas.microsoft.com/office/powerpoint/2010/main" val="1942680718"/>
       </p:ext>
     </p:extLst>
   </p:cSld>
@@ -5956,7 +6265,7 @@
             </a:r>
             <a:r>
               <a:rPr lang="tr-TR" baseline="0" dirty="0" smtClean="0"/>
-              <a:t> kaynaklara daha yaygın olarak statik içerik (</a:t>
+              <a:t> kaynaklara daha yaygın olarak statik kaynaklar (</a:t>
             </a:r>
             <a:r>
               <a:rPr lang="tr-TR" b="1" baseline="0" dirty="0" err="1" smtClean="0"/>
@@ -5964,11 +6273,11 @@
             </a:r>
             <a:r>
               <a:rPr lang="tr-TR" b="1" baseline="0" dirty="0" smtClean="0"/>
-              <a:t>  </a:t>
+              <a:t> </a:t>
             </a:r>
             <a:r>
               <a:rPr lang="tr-TR" b="1" baseline="0" dirty="0" err="1" smtClean="0"/>
-              <a:t>content</a:t>
+              <a:t>resources</a:t>
             </a:r>
             <a:r>
               <a:rPr lang="tr-TR" baseline="0" dirty="0" smtClean="0"/>
@@ -6006,7 +6315,7 @@
             </a:r>
             <a:r>
               <a:rPr lang="tr-TR" baseline="0" dirty="0" smtClean="0"/>
-              <a:t> kaynaklara daha yaygın olarak dinamik içerik (</a:t>
+              <a:t> kaynaklara daha yaygın olarak dinamik kaynaklar (</a:t>
             </a:r>
             <a:r>
               <a:rPr lang="tr-TR" b="1" baseline="0" dirty="0" err="1" smtClean="0"/>
@@ -6018,7 +6327,7 @@
             </a:r>
             <a:r>
               <a:rPr lang="tr-TR" b="1" baseline="0" dirty="0" err="1" smtClean="0"/>
-              <a:t>content</a:t>
+              <a:t>resources</a:t>
             </a:r>
             <a:r>
               <a:rPr lang="tr-TR" baseline="0" dirty="0" smtClean="0"/>
@@ -6292,119 +6601,189 @@
           <a:bodyPr/>
           <a:lstStyle/>
           <a:p>
-            <a:r>
-              <a:rPr lang="tr-TR" dirty="0" err="1" smtClean="0"/>
-              <a:t>stateless</a:t>
-            </a:r>
+            <a:pPr marL="171450" indent="-171450">
+              <a:buFont typeface="Arial" charset="0"/>
+              <a:buChar char="•"/>
+            </a:pPr>
             <a:r>
               <a:rPr lang="tr-TR" dirty="0" smtClean="0"/>
-              <a:t> (durumsuz)</a:t>
-            </a:r>
-          </a:p>
-          <a:p>
-            <a:r>
-              <a:rPr lang="tr-TR" dirty="0" err="1" smtClean="0"/>
-              <a:t>request</a:t>
+              <a:t>Sanal kaynakların tamamı fiziksel olarak saklanmasa</a:t>
             </a:r>
             <a:r>
               <a:rPr lang="tr-TR" baseline="0" dirty="0" smtClean="0"/>
-              <a:t> – </a:t>
+              <a:t> da bir kısmı fiziksel olarak sunucu tarafında saklanabilir. Örneğin bir kullanıcı ile ilgili profil bilgisi </a:t>
             </a:r>
             <a:r>
               <a:rPr lang="tr-TR" baseline="0" dirty="0" err="1" smtClean="0"/>
-              <a:t>response</a:t>
+              <a:t>veritabanında</a:t>
             </a:r>
             <a:r>
               <a:rPr lang="tr-TR" baseline="0" dirty="0" smtClean="0"/>
-              <a:t> (istek - yanıt)</a:t>
-            </a:r>
-          </a:p>
-          <a:p>
+              <a:t> kayıtlı olabilir. </a:t>
+            </a:r>
+          </a:p>
+          <a:p>
+            <a:endParaRPr lang="tr-TR" baseline="0" dirty="0" smtClean="0"/>
+          </a:p>
+          <a:p>
+            <a:pPr marL="171450" indent="-171450">
+              <a:buFont typeface="Arial" charset="0"/>
+              <a:buChar char="•"/>
+            </a:pPr>
             <a:r>
               <a:rPr lang="tr-TR" baseline="0" dirty="0" smtClean="0"/>
-              <a:t>http  </a:t>
+              <a:t>Sunucu tarafına, kullanıcı ile ilgili bir «görüntüleme» isteği geldiğinde, kullanıcı bilgisi </a:t>
             </a:r>
             <a:r>
               <a:rPr lang="tr-TR" baseline="0" dirty="0" err="1" smtClean="0"/>
-              <a:t>method</a:t>
+              <a:t>veritabanından</a:t>
             </a:r>
             <a:r>
               <a:rPr lang="tr-TR" baseline="0" dirty="0" smtClean="0"/>
-              <a:t> «</a:t>
+              <a:t> alınarak «html şablonuna» yerleştirilir. Oluşan içerik (şablon + kullanıcı bilgisi) sunucu tarafından fiziksel bir dosyaymış gibi istemciye aktarılır.</a:t>
+            </a:r>
+          </a:p>
+          <a:p>
+            <a:pPr marL="171450" indent="-171450">
+              <a:buFont typeface="Arial" charset="0"/>
+              <a:buChar char="•"/>
+            </a:pPr>
+            <a:endParaRPr lang="tr-TR" baseline="0" dirty="0" smtClean="0"/>
+          </a:p>
+          <a:p>
+            <a:pPr marL="171450" indent="-171450">
+              <a:buFont typeface="Arial" charset="0"/>
+              <a:buChar char="•"/>
+            </a:pPr>
+            <a:r>
+              <a:rPr lang="tr-TR" baseline="0" dirty="0" smtClean="0"/>
+              <a:t>İstemcinin (</a:t>
             </a:r>
             <a:r>
               <a:rPr lang="tr-TR" baseline="0" dirty="0" err="1" smtClean="0"/>
-              <a:t>verb</a:t>
+              <a:t>örn</a:t>
             </a:r>
             <a:r>
               <a:rPr lang="tr-TR" baseline="0" dirty="0" smtClean="0"/>
-              <a:t>»</a:t>
-            </a:r>
-          </a:p>
-          <a:p>
-            <a:r>
-              <a:rPr lang="tr-TR" baseline="0" dirty="0" err="1" smtClean="0"/>
-              <a:t>Verb</a:t>
-            </a:r>
+              <a:t>: internet tarayıcı) bir kaynağın fiziksel mi yoksa sanal mı olduğunu ayırma şansı yoktur.</a:t>
+            </a:r>
+          </a:p>
+          <a:p>
+            <a:endParaRPr lang="tr-TR" baseline="0" dirty="0" smtClean="0"/>
+          </a:p>
+          <a:p>
+            <a:pPr marL="171450" indent="-171450">
+              <a:buFont typeface="Arial" charset="0"/>
+              <a:buChar char="•"/>
+            </a:pPr>
             <a:r>
               <a:rPr lang="tr-TR" baseline="0" dirty="0" smtClean="0"/>
-              <a:t> is a </a:t>
-            </a:r>
-            <a:r>
-              <a:rPr lang="tr-TR" baseline="0" dirty="0" err="1" smtClean="0"/>
-              <a:t>word</a:t>
+              <a:t>Bu ayrım sadece sunucu tarafında geçerlidir.</a:t>
+            </a:r>
+          </a:p>
+          <a:p>
+            <a:pPr marL="171450" indent="-171450">
+              <a:buFont typeface="Arial" charset="0"/>
+              <a:buChar char="•"/>
+            </a:pPr>
+            <a:endParaRPr lang="tr-TR" dirty="0" smtClean="0"/>
+          </a:p>
+          <a:p>
+            <a:pPr marL="171450" indent="-171450">
+              <a:buFont typeface="Arial" charset="0"/>
+              <a:buChar char="•"/>
+            </a:pPr>
+            <a:r>
+              <a:rPr lang="tr-TR" dirty="0" smtClean="0"/>
+              <a:t>Fiziksel</a:t>
             </a:r>
             <a:r>
               <a:rPr lang="tr-TR" baseline="0" dirty="0" smtClean="0"/>
-              <a:t> </a:t>
-            </a:r>
-            <a:r>
-              <a:rPr lang="tr-TR" baseline="0" dirty="0" err="1" smtClean="0"/>
-              <a:t>that</a:t>
+              <a:t> kaynaklara daha yaygın olarak statik içerik (</a:t>
+            </a:r>
+            <a:r>
+              <a:rPr lang="tr-TR" b="1" baseline="0" dirty="0" err="1" smtClean="0"/>
+              <a:t>static</a:t>
+            </a:r>
+            <a:r>
+              <a:rPr lang="tr-TR" b="1" baseline="0" dirty="0" smtClean="0"/>
+              <a:t>  </a:t>
+            </a:r>
+            <a:r>
+              <a:rPr lang="tr-TR" b="1" baseline="0" dirty="0" err="1" smtClean="0"/>
+              <a:t>content</a:t>
             </a:r>
             <a:r>
               <a:rPr lang="tr-TR" baseline="0" dirty="0" smtClean="0"/>
-              <a:t> </a:t>
-            </a:r>
-            <a:r>
-              <a:rPr lang="tr-TR" baseline="0" dirty="0" err="1" smtClean="0"/>
-              <a:t>conveys</a:t>
+              <a:t>) denir.</a:t>
+            </a:r>
+          </a:p>
+          <a:p>
+            <a:pPr marL="171450" indent="-171450">
+              <a:buFont typeface="Arial" charset="0"/>
+              <a:buChar char="•"/>
+            </a:pPr>
+            <a:endParaRPr lang="tr-TR" baseline="0" dirty="0" smtClean="0"/>
+          </a:p>
+          <a:p>
+            <a:pPr marL="171450" marR="0" indent="-171450" algn="l" defTabSz="914400" rtl="0" eaLnBrk="1" fontAlgn="auto" latinLnBrk="0" hangingPunct="1">
+              <a:lnSpc>
+                <a:spcPct val="100000"/>
+              </a:lnSpc>
+              <a:spcBef>
+                <a:spcPts val="0"/>
+              </a:spcBef>
+              <a:spcAft>
+                <a:spcPts val="0"/>
+              </a:spcAft>
+              <a:buClrTx/>
+              <a:buSzTx/>
+              <a:buFont typeface="Arial" charset="0"/>
+              <a:buChar char="•"/>
+              <a:tabLst/>
+              <a:defRPr/>
+            </a:pPr>
+            <a:r>
+              <a:rPr lang="tr-TR" dirty="0" smtClean="0"/>
+              <a:t>Sanal</a:t>
             </a:r>
             <a:r>
               <a:rPr lang="tr-TR" baseline="0" dirty="0" smtClean="0"/>
-              <a:t> </a:t>
+              <a:t> kaynaklara daha yaygın olarak dinamik içerik (</a:t>
             </a:r>
             <a:r>
               <a:rPr lang="tr-TR" b="1" baseline="0" dirty="0" err="1" smtClean="0"/>
-              <a:t>action</a:t>
+              <a:t>dynamic</a:t>
             </a:r>
             <a:r>
               <a:rPr lang="tr-TR" b="1" baseline="0" dirty="0" smtClean="0"/>
               <a:t> </a:t>
             </a:r>
             <a:r>
-              <a:rPr lang="tr-TR" b="0" baseline="0" dirty="0" smtClean="0"/>
-              <a:t>in</a:t>
-            </a:r>
-            <a:r>
-              <a:rPr lang="tr-TR" b="1" baseline="0" dirty="0" smtClean="0"/>
-              <a:t> </a:t>
-            </a:r>
-            <a:r>
-              <a:rPr lang="tr-TR" b="0" baseline="0" dirty="0" err="1" smtClean="0"/>
-              <a:t>syntax</a:t>
-            </a:r>
-            <a:r>
-              <a:rPr lang="tr-TR" b="0" baseline="0" smtClean="0"/>
-              <a:t> (eylem </a:t>
-            </a:r>
-            <a:r>
-              <a:rPr lang="tr-TR" b="0" baseline="0" dirty="0" smtClean="0"/>
-              <a:t>sözdiziminde hareket bildiren sözcüktür)</a:t>
-            </a:r>
-          </a:p>
-          <a:p>
-            <a:endParaRPr lang="tr-TR" b="0" dirty="0"/>
+              <a:rPr lang="tr-TR" b="1" baseline="0" dirty="0" err="1" smtClean="0"/>
+              <a:t>content</a:t>
+            </a:r>
+            <a:r>
+              <a:rPr lang="tr-TR" baseline="0" dirty="0" smtClean="0"/>
+              <a:t>) denir.</a:t>
+            </a:r>
+          </a:p>
+          <a:p>
+            <a:pPr marL="171450" indent="-171450">
+              <a:buFont typeface="Arial" charset="0"/>
+              <a:buChar char="•"/>
+            </a:pPr>
+            <a:endParaRPr lang="tr-TR" baseline="0" dirty="0" smtClean="0"/>
+          </a:p>
+          <a:p>
+            <a:pPr marL="171450" indent="-171450">
+              <a:buFont typeface="Arial" charset="0"/>
+              <a:buChar char="•"/>
+            </a:pPr>
+            <a:endParaRPr lang="tr-TR" dirty="0" smtClean="0"/>
+          </a:p>
+          <a:p>
+            <a:endParaRPr lang="tr-TR" dirty="0"/>
           </a:p>
         </p:txBody>
       </p:sp>
@@ -6426,6 +6805,202 @@
             <a:fld id="{B8FE99EC-B6B9-469D-A2EB-8DDD57864557}" type="slidenum">
               <a:rPr lang="tr-TR" smtClean="0"/>
               <a:t>32</a:t>
+            </a:fld>
+            <a:endParaRPr lang="tr-TR"/>
+          </a:p>
+        </p:txBody>
+      </p:sp>
+    </p:spTree>
+    <p:extLst>
+      <p:ext uri="{BB962C8B-B14F-4D97-AF65-F5344CB8AC3E}">
+        <p14:creationId xmlns:p14="http://schemas.microsoft.com/office/powerpoint/2010/main" val="4021739919"/>
+      </p:ext>
+    </p:extLst>
+  </p:cSld>
+  <p:clrMapOvr>
+    <a:masterClrMapping/>
+  </p:clrMapOvr>
+</p:notes>
+</file>
+
+<file path=ppt/notesSlides/notesSlide31.xml><?xml version="1.0" encoding="utf-8"?>
+<p:notes xmlns:a="http://schemas.openxmlformats.org/drawingml/2006/main" xmlns:r="http://schemas.openxmlformats.org/officeDocument/2006/relationships" xmlns:p="http://schemas.openxmlformats.org/presentationml/2006/main">
+  <p:cSld>
+    <p:spTree>
+      <p:nvGrpSpPr>
+        <p:cNvPr id="1" name=""/>
+        <p:cNvGrpSpPr/>
+        <p:nvPr/>
+      </p:nvGrpSpPr>
+      <p:grpSpPr>
+        <a:xfrm>
+          <a:off x="0" y="0"/>
+          <a:ext cx="0" cy="0"/>
+          <a:chOff x="0" y="0"/>
+          <a:chExt cx="0" cy="0"/>
+        </a:xfrm>
+      </p:grpSpPr>
+      <p:sp>
+        <p:nvSpPr>
+          <p:cNvPr id="2" name="Slayt Görüntüsü Yer Tutucusu 1"/>
+          <p:cNvSpPr>
+            <a:spLocks noGrp="1" noRot="1" noChangeAspect="1"/>
+          </p:cNvSpPr>
+          <p:nvPr>
+            <p:ph type="sldImg"/>
+          </p:nvPr>
+        </p:nvSpPr>
+        <p:spPr/>
+      </p:sp>
+      <p:sp>
+        <p:nvSpPr>
+          <p:cNvPr id="3" name="Not Yer Tutucusu 2"/>
+          <p:cNvSpPr>
+            <a:spLocks noGrp="1"/>
+          </p:cNvSpPr>
+          <p:nvPr>
+            <p:ph type="body" idx="1"/>
+          </p:nvPr>
+        </p:nvSpPr>
+        <p:spPr/>
+        <p:txBody>
+          <a:bodyPr/>
+          <a:lstStyle/>
+          <a:p>
+            <a:r>
+              <a:rPr lang="tr-TR" dirty="0" err="1" smtClean="0"/>
+              <a:t>stateless</a:t>
+            </a:r>
+            <a:r>
+              <a:rPr lang="tr-TR" dirty="0" smtClean="0"/>
+              <a:t> (durumsuz)</a:t>
+            </a:r>
+          </a:p>
+          <a:p>
+            <a:r>
+              <a:rPr lang="tr-TR" dirty="0" err="1" smtClean="0"/>
+              <a:t>request</a:t>
+            </a:r>
+            <a:r>
+              <a:rPr lang="tr-TR" baseline="0" dirty="0" smtClean="0"/>
+              <a:t> – </a:t>
+            </a:r>
+            <a:r>
+              <a:rPr lang="tr-TR" baseline="0" dirty="0" err="1" smtClean="0"/>
+              <a:t>response</a:t>
+            </a:r>
+            <a:r>
+              <a:rPr lang="tr-TR" baseline="0" dirty="0" smtClean="0"/>
+              <a:t> (istek - yanıt)</a:t>
+            </a:r>
+          </a:p>
+          <a:p>
+            <a:r>
+              <a:rPr lang="tr-TR" baseline="0" dirty="0" smtClean="0"/>
+              <a:t>http  </a:t>
+            </a:r>
+            <a:r>
+              <a:rPr lang="tr-TR" baseline="0" dirty="0" err="1" smtClean="0"/>
+              <a:t>method</a:t>
+            </a:r>
+            <a:r>
+              <a:rPr lang="tr-TR" baseline="0" dirty="0" smtClean="0"/>
+              <a:t> «</a:t>
+            </a:r>
+            <a:r>
+              <a:rPr lang="tr-TR" baseline="0" dirty="0" err="1" smtClean="0"/>
+              <a:t>verb</a:t>
+            </a:r>
+            <a:r>
+              <a:rPr lang="tr-TR" baseline="0" dirty="0" smtClean="0"/>
+              <a:t>»</a:t>
+            </a:r>
+          </a:p>
+          <a:p>
+            <a:r>
+              <a:rPr lang="tr-TR" baseline="0" dirty="0" err="1" smtClean="0"/>
+              <a:t>Verb</a:t>
+            </a:r>
+            <a:r>
+              <a:rPr lang="tr-TR" baseline="0" dirty="0" smtClean="0"/>
+              <a:t> is a </a:t>
+            </a:r>
+            <a:r>
+              <a:rPr lang="tr-TR" baseline="0" dirty="0" err="1" smtClean="0"/>
+              <a:t>word</a:t>
+            </a:r>
+            <a:r>
+              <a:rPr lang="tr-TR" baseline="0" dirty="0" smtClean="0"/>
+              <a:t> </a:t>
+            </a:r>
+            <a:r>
+              <a:rPr lang="tr-TR" baseline="0" dirty="0" err="1" smtClean="0"/>
+              <a:t>that</a:t>
+            </a:r>
+            <a:r>
+              <a:rPr lang="tr-TR" baseline="0" dirty="0" smtClean="0"/>
+              <a:t> </a:t>
+            </a:r>
+            <a:r>
+              <a:rPr lang="tr-TR" baseline="0" dirty="0" err="1" smtClean="0"/>
+              <a:t>conveys</a:t>
+            </a:r>
+            <a:r>
+              <a:rPr lang="tr-TR" baseline="0" dirty="0" smtClean="0"/>
+              <a:t> </a:t>
+            </a:r>
+            <a:r>
+              <a:rPr lang="tr-TR" b="1" baseline="0" dirty="0" err="1" smtClean="0"/>
+              <a:t>action</a:t>
+            </a:r>
+            <a:r>
+              <a:rPr lang="tr-TR" b="1" baseline="0" dirty="0" smtClean="0"/>
+              <a:t> </a:t>
+            </a:r>
+            <a:r>
+              <a:rPr lang="tr-TR" b="0" baseline="0" dirty="0" smtClean="0"/>
+              <a:t>in</a:t>
+            </a:r>
+            <a:r>
+              <a:rPr lang="tr-TR" b="1" baseline="0" dirty="0" smtClean="0"/>
+              <a:t> </a:t>
+            </a:r>
+            <a:r>
+              <a:rPr lang="tr-TR" b="0" baseline="0" dirty="0" err="1" smtClean="0"/>
+              <a:t>syntax</a:t>
+            </a:r>
+            <a:r>
+              <a:rPr lang="tr-TR" b="0" baseline="0" smtClean="0"/>
+              <a:t> (eylem </a:t>
+            </a:r>
+            <a:r>
+              <a:rPr lang="tr-TR" b="0" baseline="0" dirty="0" smtClean="0"/>
+              <a:t>sözdiziminde hareket bildiren sözcüktür)</a:t>
+            </a:r>
+          </a:p>
+          <a:p>
+            <a:endParaRPr lang="tr-TR" b="0" dirty="0"/>
+          </a:p>
+        </p:txBody>
+      </p:sp>
+      <p:sp>
+        <p:nvSpPr>
+          <p:cNvPr id="4" name="Slayt Numarası Yer Tutucusu 3"/>
+          <p:cNvSpPr>
+            <a:spLocks noGrp="1"/>
+          </p:cNvSpPr>
+          <p:nvPr>
+            <p:ph type="sldNum" sz="quarter" idx="10"/>
+          </p:nvPr>
+        </p:nvSpPr>
+        <p:spPr/>
+        <p:txBody>
+          <a:bodyPr/>
+          <a:lstStyle/>
+          <a:p>
+            <a:fld id="{B8FE99EC-B6B9-469D-A2EB-8DDD57864557}" type="slidenum">
+              <a:rPr lang="tr-TR" smtClean="0"/>
+              <a:t>33</a:t>
             </a:fld>
             <a:endParaRPr lang="tr-TR"/>
           </a:p>
@@ -13983,6 +14558,642 @@
             <p:ph idx="1"/>
           </p:nvPr>
         </p:nvSpPr>
+        <p:spPr/>
+        <p:txBody>
+          <a:bodyPr>
+            <a:normAutofit fontScale="92500" lnSpcReduction="10000"/>
+          </a:bodyPr>
+          <a:lstStyle/>
+          <a:p>
+            <a:pPr marL="0" indent="0">
+              <a:buNone/>
+            </a:pPr>
+            <a:r>
+              <a:rPr lang="tr-TR" sz="6000" b="1" dirty="0">
+                <a:solidFill>
+                  <a:schemeClr val="accent3">
+                    <a:lumMod val="60000"/>
+                    <a:lumOff val="40000"/>
+                  </a:schemeClr>
+                </a:solidFill>
+              </a:rPr>
+              <a:t>/</a:t>
+            </a:r>
+            <a:r>
+              <a:rPr lang="tr-TR" sz="6000" b="1" dirty="0" err="1" smtClean="0">
+                <a:solidFill>
+                  <a:schemeClr val="accent3">
+                    <a:lumMod val="60000"/>
+                    <a:lumOff val="40000"/>
+                  </a:schemeClr>
+                </a:solidFill>
+              </a:rPr>
+              <a:t>haber</a:t>
+            </a:r>
+            <a:r>
+              <a:rPr lang="tr-TR" sz="6000" b="1" dirty="0" err="1" smtClean="0">
+                <a:solidFill>
+                  <a:schemeClr val="accent6">
+                    <a:lumMod val="50000"/>
+                  </a:schemeClr>
+                </a:solidFill>
+              </a:rPr>
+              <a:t>?</a:t>
+            </a:r>
+            <a:r>
+              <a:rPr lang="tr-TR" sz="6000" b="1" dirty="0" err="1" smtClean="0">
+                <a:solidFill>
+                  <a:schemeClr val="accent6">
+                    <a:lumMod val="75000"/>
+                  </a:schemeClr>
+                </a:solidFill>
+              </a:rPr>
+              <a:t>id</a:t>
+            </a:r>
+            <a:r>
+              <a:rPr lang="tr-TR" sz="6000" b="1" dirty="0" smtClean="0">
+                <a:solidFill>
+                  <a:schemeClr val="accent6">
+                    <a:lumMod val="75000"/>
+                  </a:schemeClr>
+                </a:solidFill>
+              </a:rPr>
+              <a:t>=12</a:t>
+            </a:r>
+            <a:r>
+              <a:rPr lang="tr-TR" sz="6000" b="1" dirty="0" smtClean="0">
+                <a:solidFill>
+                  <a:schemeClr val="accent6">
+                    <a:lumMod val="50000"/>
+                  </a:schemeClr>
+                </a:solidFill>
+              </a:rPr>
+              <a:t>&amp;</a:t>
+            </a:r>
+            <a:r>
+              <a:rPr lang="tr-TR" sz="6000" b="1" dirty="0" smtClean="0">
+                <a:solidFill>
+                  <a:schemeClr val="accent6">
+                    <a:lumMod val="75000"/>
+                  </a:schemeClr>
+                </a:solidFill>
+              </a:rPr>
+              <a:t>all=</a:t>
+            </a:r>
+            <a:r>
+              <a:rPr lang="tr-TR" sz="6000" b="1" dirty="0" err="1" smtClean="0">
+                <a:solidFill>
+                  <a:schemeClr val="accent6">
+                    <a:lumMod val="75000"/>
+                  </a:schemeClr>
+                </a:solidFill>
+              </a:rPr>
+              <a:t>true</a:t>
+            </a:r>
+            <a:endParaRPr lang="tr-TR" sz="6000" b="1" dirty="0" smtClean="0">
+              <a:solidFill>
+                <a:schemeClr val="accent6">
+                  <a:lumMod val="75000"/>
+                </a:schemeClr>
+              </a:solidFill>
+            </a:endParaRPr>
+          </a:p>
+          <a:p>
+            <a:pPr marL="0" indent="0">
+              <a:buNone/>
+            </a:pPr>
+            <a:r>
+              <a:rPr lang="tr-TR" sz="2400" b="1" dirty="0">
+                <a:solidFill>
+                  <a:schemeClr val="accent6">
+                    <a:lumMod val="50000"/>
+                  </a:schemeClr>
+                </a:solidFill>
+              </a:rPr>
+              <a:t>a</a:t>
+            </a:r>
+            <a:r>
+              <a:rPr lang="tr-TR" sz="2400" b="1" dirty="0" smtClean="0">
+                <a:solidFill>
+                  <a:schemeClr val="accent6">
+                    <a:lumMod val="50000"/>
+                  </a:schemeClr>
+                </a:solidFill>
+              </a:rPr>
+              <a:t>yraçlar (</a:t>
+            </a:r>
+            <a:r>
+              <a:rPr lang="tr-TR" sz="2400" b="1" dirty="0" err="1" smtClean="0">
+                <a:solidFill>
+                  <a:schemeClr val="accent6">
+                    <a:lumMod val="50000"/>
+                  </a:schemeClr>
+                </a:solidFill>
+              </a:rPr>
+              <a:t>separators</a:t>
+            </a:r>
+            <a:r>
+              <a:rPr lang="tr-TR" sz="2400" b="1" dirty="0" smtClean="0">
+                <a:solidFill>
+                  <a:schemeClr val="accent6">
+                    <a:lumMod val="50000"/>
+                  </a:schemeClr>
+                </a:solidFill>
+              </a:rPr>
+              <a:t>)</a:t>
+            </a:r>
+          </a:p>
+          <a:p>
+            <a:pPr marL="0" indent="0">
+              <a:buNone/>
+            </a:pPr>
+            <a:r>
+              <a:rPr lang="tr-TR" sz="2400" b="1" dirty="0" smtClean="0">
+                <a:solidFill>
+                  <a:schemeClr val="accent6">
+                    <a:lumMod val="50000"/>
+                  </a:schemeClr>
+                </a:solidFill>
+              </a:rPr>
+              <a:t>   </a:t>
+            </a:r>
+            <a:r>
+              <a:rPr lang="tr-TR" sz="2600" b="1" dirty="0" smtClean="0">
+                <a:solidFill>
+                  <a:schemeClr val="accent6">
+                    <a:lumMod val="50000"/>
+                  </a:schemeClr>
+                </a:solidFill>
+              </a:rPr>
+              <a:t>?</a:t>
+            </a:r>
+            <a:r>
+              <a:rPr lang="tr-TR" sz="2400" b="1" dirty="0" smtClean="0">
+                <a:solidFill>
+                  <a:schemeClr val="accent6">
+                    <a:lumMod val="50000"/>
+                  </a:schemeClr>
+                </a:solidFill>
+              </a:rPr>
+              <a:t>    </a:t>
+            </a:r>
+            <a:r>
+              <a:rPr lang="tr-TR" sz="2400" dirty="0" smtClean="0">
+                <a:solidFill>
+                  <a:schemeClr val="accent6">
+                    <a:lumMod val="50000"/>
+                  </a:schemeClr>
+                </a:solidFill>
+              </a:rPr>
+              <a:t>ilk </a:t>
+            </a:r>
+            <a:r>
+              <a:rPr lang="tr-TR" sz="2400" dirty="0">
+                <a:solidFill>
+                  <a:schemeClr val="accent6">
+                    <a:lumMod val="50000"/>
+                  </a:schemeClr>
+                </a:solidFill>
+              </a:rPr>
+              <a:t>parametreyi </a:t>
+            </a:r>
+            <a:r>
+              <a:rPr lang="tr-TR" sz="2400" dirty="0" smtClean="0">
+                <a:solidFill>
+                  <a:schemeClr val="accent3">
+                    <a:lumMod val="75000"/>
+                  </a:schemeClr>
+                </a:solidFill>
+              </a:rPr>
+              <a:t>yoldan</a:t>
+            </a:r>
+            <a:r>
+              <a:rPr lang="tr-TR" sz="2400" dirty="0" smtClean="0">
+                <a:solidFill>
+                  <a:schemeClr val="accent6">
+                    <a:lumMod val="50000"/>
+                  </a:schemeClr>
+                </a:solidFill>
+              </a:rPr>
+              <a:t> ayırır.</a:t>
+            </a:r>
+          </a:p>
+          <a:p>
+            <a:pPr marL="0" indent="0">
+              <a:buNone/>
+            </a:pPr>
+            <a:r>
+              <a:rPr lang="tr-TR" sz="2400" b="1" dirty="0" smtClean="0">
+                <a:solidFill>
+                  <a:schemeClr val="accent6">
+                    <a:lumMod val="50000"/>
+                  </a:schemeClr>
+                </a:solidFill>
+              </a:rPr>
+              <a:t>   </a:t>
+            </a:r>
+            <a:r>
+              <a:rPr lang="tr-TR" sz="2600" b="1" dirty="0" smtClean="0">
+                <a:solidFill>
+                  <a:schemeClr val="accent6">
+                    <a:lumMod val="50000"/>
+                  </a:schemeClr>
+                </a:solidFill>
+              </a:rPr>
+              <a:t>&amp;</a:t>
+            </a:r>
+            <a:r>
+              <a:rPr lang="tr-TR" sz="2400" b="1" dirty="0" smtClean="0">
+                <a:solidFill>
+                  <a:schemeClr val="accent6">
+                    <a:lumMod val="50000"/>
+                  </a:schemeClr>
+                </a:solidFill>
+              </a:rPr>
+              <a:t>   </a:t>
+            </a:r>
+            <a:r>
+              <a:rPr lang="tr-TR" sz="2400" dirty="0" smtClean="0">
+                <a:solidFill>
+                  <a:schemeClr val="accent6">
+                    <a:lumMod val="50000"/>
+                  </a:schemeClr>
+                </a:solidFill>
+              </a:rPr>
+              <a:t>sonraki </a:t>
+            </a:r>
+            <a:r>
+              <a:rPr lang="tr-TR" sz="2400" dirty="0" err="1" smtClean="0">
+                <a:solidFill>
+                  <a:schemeClr val="accent6">
+                    <a:lumMod val="50000"/>
+                  </a:schemeClr>
+                </a:solidFill>
+              </a:rPr>
+              <a:t>paremetreleri</a:t>
+            </a:r>
+            <a:r>
+              <a:rPr lang="tr-TR" sz="2400" dirty="0" smtClean="0">
+                <a:solidFill>
+                  <a:schemeClr val="accent6">
+                    <a:lumMod val="50000"/>
+                  </a:schemeClr>
+                </a:solidFill>
+              </a:rPr>
+              <a:t> birbirinden ayırır.</a:t>
+            </a:r>
+            <a:endParaRPr lang="tr-TR" sz="2400" dirty="0" smtClean="0">
+              <a:solidFill>
+                <a:schemeClr val="accent6">
+                  <a:lumMod val="75000"/>
+                </a:schemeClr>
+              </a:solidFill>
+            </a:endParaRPr>
+          </a:p>
+          <a:p>
+            <a:pPr marL="0" indent="0">
+              <a:buNone/>
+            </a:pPr>
+            <a:r>
+              <a:rPr lang="tr-TR" sz="2400" dirty="0" smtClean="0">
+                <a:solidFill>
+                  <a:schemeClr val="accent6">
+                    <a:lumMod val="75000"/>
+                  </a:schemeClr>
+                </a:solidFill>
+              </a:rPr>
+              <a:t>parametreler (</a:t>
+            </a:r>
+            <a:r>
+              <a:rPr lang="tr-TR" sz="2400" dirty="0" err="1" smtClean="0">
+                <a:solidFill>
+                  <a:schemeClr val="accent6">
+                    <a:lumMod val="75000"/>
+                  </a:schemeClr>
+                </a:solidFill>
+              </a:rPr>
+              <a:t>parameters</a:t>
+            </a:r>
+            <a:r>
+              <a:rPr lang="tr-TR" sz="2400" dirty="0" smtClean="0">
+                <a:solidFill>
+                  <a:schemeClr val="accent6">
+                    <a:lumMod val="75000"/>
+                  </a:schemeClr>
+                </a:solidFill>
+              </a:rPr>
+              <a:t>)</a:t>
+            </a:r>
+          </a:p>
+          <a:p>
+            <a:pPr marL="0" indent="0">
+              <a:buNone/>
+            </a:pPr>
+            <a:r>
+              <a:rPr lang="tr-TR" sz="2400" b="1" dirty="0" smtClean="0">
+                <a:solidFill>
+                  <a:schemeClr val="accent6">
+                    <a:lumMod val="75000"/>
+                  </a:schemeClr>
+                </a:solidFill>
+              </a:rPr>
+              <a:t>   </a:t>
+            </a:r>
+            <a:r>
+              <a:rPr lang="tr-TR" sz="2400" b="1" dirty="0" err="1" smtClean="0">
+                <a:solidFill>
+                  <a:schemeClr val="accent6">
+                    <a:lumMod val="75000"/>
+                  </a:schemeClr>
+                </a:solidFill>
+              </a:rPr>
+              <a:t>id</a:t>
+            </a:r>
+            <a:r>
+              <a:rPr lang="tr-TR" sz="2400" b="1" dirty="0" smtClean="0">
+                <a:solidFill>
+                  <a:schemeClr val="accent6">
+                    <a:lumMod val="75000"/>
+                  </a:schemeClr>
+                </a:solidFill>
+              </a:rPr>
+              <a:t>=12</a:t>
+            </a:r>
+          </a:p>
+          <a:p>
+            <a:pPr marL="0" indent="0">
+              <a:buNone/>
+            </a:pPr>
+            <a:r>
+              <a:rPr lang="tr-TR" sz="2400" b="1" dirty="0" smtClean="0">
+                <a:solidFill>
+                  <a:schemeClr val="accent6">
+                    <a:lumMod val="75000"/>
+                  </a:schemeClr>
+                </a:solidFill>
+              </a:rPr>
+              <a:t>   </a:t>
+            </a:r>
+            <a:r>
+              <a:rPr lang="tr-TR" sz="2400" b="1" dirty="0" err="1" smtClean="0">
+                <a:solidFill>
+                  <a:schemeClr val="accent6">
+                    <a:lumMod val="75000"/>
+                  </a:schemeClr>
+                </a:solidFill>
+              </a:rPr>
+              <a:t>all</a:t>
+            </a:r>
+            <a:r>
+              <a:rPr lang="tr-TR" sz="2400" b="1" dirty="0" smtClean="0">
+                <a:solidFill>
+                  <a:schemeClr val="accent6">
+                    <a:lumMod val="75000"/>
+                  </a:schemeClr>
+                </a:solidFill>
+              </a:rPr>
+              <a:t>=</a:t>
+            </a:r>
+            <a:r>
+              <a:rPr lang="tr-TR" sz="2400" b="1" dirty="0" err="1" smtClean="0">
+                <a:solidFill>
+                  <a:schemeClr val="accent6">
+                    <a:lumMod val="75000"/>
+                  </a:schemeClr>
+                </a:solidFill>
+              </a:rPr>
+              <a:t>true</a:t>
+            </a:r>
+            <a:endParaRPr lang="tr-TR" sz="2400" b="1" dirty="0" smtClean="0">
+              <a:solidFill>
+                <a:schemeClr val="accent6">
+                  <a:lumMod val="75000"/>
+                </a:schemeClr>
+              </a:solidFill>
+            </a:endParaRPr>
+          </a:p>
+          <a:p>
+            <a:pPr marL="0" indent="0">
+              <a:buNone/>
+            </a:pPr>
+            <a:r>
+              <a:rPr lang="tr-TR" sz="2400" dirty="0" smtClean="0">
+                <a:solidFill>
+                  <a:schemeClr val="accent6">
+                    <a:lumMod val="75000"/>
+                  </a:schemeClr>
+                </a:solidFill>
+              </a:rPr>
+              <a:t>parametre: ad-değer çifti (name </a:t>
+            </a:r>
+            <a:r>
+              <a:rPr lang="tr-TR" sz="2400" dirty="0" err="1" smtClean="0">
+                <a:solidFill>
+                  <a:schemeClr val="accent6">
+                    <a:lumMod val="75000"/>
+                  </a:schemeClr>
+                </a:solidFill>
+              </a:rPr>
+              <a:t>value</a:t>
+            </a:r>
+            <a:r>
+              <a:rPr lang="tr-TR" sz="2400" dirty="0" smtClean="0">
+                <a:solidFill>
+                  <a:schemeClr val="accent6">
+                    <a:lumMod val="75000"/>
+                  </a:schemeClr>
+                </a:solidFill>
+              </a:rPr>
+              <a:t> </a:t>
+            </a:r>
+            <a:r>
+              <a:rPr lang="tr-TR" sz="2400" dirty="0" err="1" smtClean="0">
+                <a:solidFill>
+                  <a:schemeClr val="accent6">
+                    <a:lumMod val="75000"/>
+                  </a:schemeClr>
+                </a:solidFill>
+              </a:rPr>
+              <a:t>pair</a:t>
+            </a:r>
+            <a:r>
+              <a:rPr lang="tr-TR" sz="2400" dirty="0" smtClean="0">
+                <a:solidFill>
+                  <a:schemeClr val="accent6">
+                    <a:lumMod val="75000"/>
+                  </a:schemeClr>
+                </a:solidFill>
+              </a:rPr>
+              <a:t>)</a:t>
+            </a:r>
+          </a:p>
+          <a:p>
+            <a:pPr marL="0" indent="0">
+              <a:buNone/>
+            </a:pPr>
+            <a:r>
+              <a:rPr lang="tr-TR" sz="2400" b="1" dirty="0" smtClean="0">
+                <a:solidFill>
+                  <a:schemeClr val="accent6">
+                    <a:lumMod val="75000"/>
+                  </a:schemeClr>
+                </a:solidFill>
+              </a:rPr>
+              <a:t>   </a:t>
+            </a:r>
+            <a:r>
+              <a:rPr lang="tr-TR" sz="2400" b="1" dirty="0" err="1" smtClean="0">
+                <a:solidFill>
+                  <a:schemeClr val="accent6">
+                    <a:lumMod val="75000"/>
+                  </a:schemeClr>
+                </a:solidFill>
+              </a:rPr>
+              <a:t>id</a:t>
+            </a:r>
+            <a:endParaRPr lang="tr-TR" sz="2400" b="1" dirty="0" smtClean="0">
+              <a:solidFill>
+                <a:schemeClr val="accent6">
+                  <a:lumMod val="75000"/>
+                </a:schemeClr>
+              </a:solidFill>
+            </a:endParaRPr>
+          </a:p>
+          <a:p>
+            <a:pPr marL="0" indent="0">
+              <a:buNone/>
+            </a:pPr>
+            <a:r>
+              <a:rPr lang="tr-TR" sz="2400" b="1" dirty="0" smtClean="0">
+                <a:solidFill>
+                  <a:schemeClr val="accent6">
+                    <a:lumMod val="75000"/>
+                  </a:schemeClr>
+                </a:solidFill>
+              </a:rPr>
+              <a:t>   12</a:t>
+            </a:r>
+            <a:endParaRPr lang="tr-TR" sz="2400" b="1" dirty="0">
+              <a:solidFill>
+                <a:schemeClr val="accent6">
+                  <a:lumMod val="75000"/>
+                </a:schemeClr>
+              </a:solidFill>
+            </a:endParaRPr>
+          </a:p>
+          <a:p>
+            <a:pPr marL="0" indent="0">
+              <a:buNone/>
+            </a:pPr>
+            <a:endParaRPr lang="tr-TR" sz="2400" dirty="0"/>
+          </a:p>
+        </p:txBody>
+      </p:sp>
+      <p:sp>
+        <p:nvSpPr>
+          <p:cNvPr id="4" name="Başlık 1"/>
+          <p:cNvSpPr>
+            <a:spLocks noGrp="1"/>
+          </p:cNvSpPr>
+          <p:nvPr>
+            <p:ph type="title"/>
+          </p:nvPr>
+        </p:nvSpPr>
+        <p:spPr>
+          <a:xfrm>
+            <a:off x="457200" y="274638"/>
+            <a:ext cx="8229600" cy="1143000"/>
+          </a:xfrm>
+        </p:spPr>
+        <p:txBody>
+          <a:bodyPr>
+            <a:normAutofit fontScale="90000"/>
+          </a:bodyPr>
+          <a:lstStyle/>
+          <a:p>
+            <a:r>
+              <a:rPr lang="tr-TR" dirty="0"/>
+              <a:t> </a:t>
+            </a:r>
+            <a:r>
+              <a:rPr lang="tr-TR" b="1" dirty="0" smtClean="0"/>
+              <a:t>URL</a:t>
+            </a:r>
+            <a:br>
+              <a:rPr lang="tr-TR" b="1" dirty="0" smtClean="0"/>
+            </a:br>
+            <a:r>
+              <a:rPr lang="tr-TR" dirty="0" smtClean="0"/>
+              <a:t>Sorgu</a:t>
+            </a:r>
+            <a:r>
+              <a:rPr lang="tr-TR" b="1" dirty="0" smtClean="0"/>
+              <a:t> </a:t>
+            </a:r>
+            <a:r>
+              <a:rPr lang="tr-TR" dirty="0" smtClean="0"/>
+              <a:t>metni (</a:t>
+            </a:r>
+            <a:r>
+              <a:rPr lang="tr-TR" dirty="0" err="1" smtClean="0"/>
+              <a:t>query</a:t>
+            </a:r>
+            <a:r>
+              <a:rPr lang="tr-TR" dirty="0" smtClean="0"/>
+              <a:t> </a:t>
+            </a:r>
+            <a:r>
+              <a:rPr lang="tr-TR" dirty="0" err="1" smtClean="0"/>
+              <a:t>string</a:t>
+            </a:r>
+            <a:r>
+              <a:rPr lang="tr-TR" dirty="0" smtClean="0"/>
+              <a:t>)</a:t>
+            </a:r>
+            <a:endParaRPr lang="tr-TR" dirty="0"/>
+          </a:p>
+        </p:txBody>
+      </p:sp>
+    </p:spTree>
+    <p:extLst>
+      <p:ext uri="{BB962C8B-B14F-4D97-AF65-F5344CB8AC3E}">
+        <p14:creationId xmlns:p14="http://schemas.microsoft.com/office/powerpoint/2010/main" val="2802709267"/>
+      </p:ext>
+    </p:extLst>
+  </p:cSld>
+  <p:clrMapOvr>
+    <a:masterClrMapping/>
+  </p:clrMapOvr>
+</p:sld>
+</file>
+
+<file path=ppt/slides/slide14.xml><?xml version="1.0" encoding="utf-8"?>
+<p:sld xmlns:a="http://schemas.openxmlformats.org/drawingml/2006/main" xmlns:r="http://schemas.openxmlformats.org/officeDocument/2006/relationships" xmlns:p="http://schemas.openxmlformats.org/presentationml/2006/main">
+  <p:cSld>
+    <p:spTree>
+      <p:nvGrpSpPr>
+        <p:cNvPr id="1" name=""/>
+        <p:cNvGrpSpPr/>
+        <p:nvPr/>
+      </p:nvGrpSpPr>
+      <p:grpSpPr>
+        <a:xfrm>
+          <a:off x="0" y="0"/>
+          <a:ext cx="0" cy="0"/>
+          <a:chOff x="0" y="0"/>
+          <a:chExt cx="0" cy="0"/>
+        </a:xfrm>
+      </p:grpSpPr>
+      <p:sp>
+        <p:nvSpPr>
+          <p:cNvPr id="3" name="İçerik Yer Tutucusu 2"/>
+          <p:cNvSpPr>
+            <a:spLocks noGrp="1"/>
+          </p:cNvSpPr>
+          <p:nvPr>
+            <p:ph idx="1"/>
+          </p:nvPr>
+        </p:nvSpPr>
         <p:spPr>
           <a:xfrm>
             <a:off x="179512" y="1700809"/>
@@ -14719,7 +15930,7 @@
 </p:sld>
 </file>
 
-<file path=ppt/slides/slide14.xml><?xml version="1.0" encoding="utf-8"?>
+<file path=ppt/slides/slide15.xml><?xml version="1.0" encoding="utf-8"?>
 <p:sld xmlns:a="http://schemas.openxmlformats.org/drawingml/2006/main" xmlns:r="http://schemas.openxmlformats.org/officeDocument/2006/relationships" xmlns:p="http://schemas.openxmlformats.org/presentationml/2006/main">
   <p:cSld>
     <p:spTree>
@@ -14833,7 +16044,7 @@
 </p:sld>
 </file>
 
-<file path=ppt/slides/slide15.xml><?xml version="1.0" encoding="utf-8"?>
+<file path=ppt/slides/slide16.xml><?xml version="1.0" encoding="utf-8"?>
 <p:sld xmlns:a="http://schemas.openxmlformats.org/drawingml/2006/main" xmlns:r="http://schemas.openxmlformats.org/officeDocument/2006/relationships" xmlns:p="http://schemas.openxmlformats.org/presentationml/2006/main">
   <p:cSld>
     <p:spTree>
@@ -15094,7 +16305,7 @@
 </p:sld>
 </file>
 
-<file path=ppt/slides/slide16.xml><?xml version="1.0" encoding="utf-8"?>
+<file path=ppt/slides/slide17.xml><?xml version="1.0" encoding="utf-8"?>
 <p:sld xmlns:a="http://schemas.openxmlformats.org/drawingml/2006/main" xmlns:r="http://schemas.openxmlformats.org/officeDocument/2006/relationships" xmlns:p="http://schemas.openxmlformats.org/presentationml/2006/main">
   <p:cSld>
     <p:spTree>
@@ -15185,7 +16396,7 @@
 </p:sld>
 </file>
 
-<file path=ppt/slides/slide17.xml><?xml version="1.0" encoding="utf-8"?>
+<file path=ppt/slides/slide18.xml><?xml version="1.0" encoding="utf-8"?>
 <p:sld xmlns:a="http://schemas.openxmlformats.org/drawingml/2006/main" xmlns:r="http://schemas.openxmlformats.org/officeDocument/2006/relationships" xmlns:p="http://schemas.openxmlformats.org/presentationml/2006/main">
   <p:cSld>
     <p:spTree>
@@ -15284,7 +16495,7 @@
 </p:sld>
 </file>
 
-<file path=ppt/slides/slide18.xml><?xml version="1.0" encoding="utf-8"?>
+<file path=ppt/slides/slide19.xml><?xml version="1.0" encoding="utf-8"?>
 <p:sld xmlns:a="http://schemas.openxmlformats.org/drawingml/2006/main" xmlns:r="http://schemas.openxmlformats.org/officeDocument/2006/relationships" xmlns:p="http://schemas.openxmlformats.org/presentationml/2006/main">
   <p:cSld>
     <p:spTree>
@@ -15380,7 +16591,194 @@
 </p:sld>
 </file>
 
-<file path=ppt/slides/slide19.xml><?xml version="1.0" encoding="utf-8"?>
+<file path=ppt/slides/slide2.xml><?xml version="1.0" encoding="utf-8"?>
+<p:sld xmlns:a="http://schemas.openxmlformats.org/drawingml/2006/main" xmlns:r="http://schemas.openxmlformats.org/officeDocument/2006/relationships" xmlns:p="http://schemas.openxmlformats.org/presentationml/2006/main">
+  <p:cSld>
+    <p:spTree>
+      <p:nvGrpSpPr>
+        <p:cNvPr id="1" name=""/>
+        <p:cNvGrpSpPr/>
+        <p:nvPr/>
+      </p:nvGrpSpPr>
+      <p:grpSpPr>
+        <a:xfrm>
+          <a:off x="0" y="0"/>
+          <a:ext cx="0" cy="0"/>
+          <a:chOff x="0" y="0"/>
+          <a:chExt cx="0" cy="0"/>
+        </a:xfrm>
+      </p:grpSpPr>
+      <p:sp>
+        <p:nvSpPr>
+          <p:cNvPr id="2" name="Başlık 1"/>
+          <p:cNvSpPr>
+            <a:spLocks noGrp="1"/>
+          </p:cNvSpPr>
+          <p:nvPr>
+            <p:ph type="title"/>
+          </p:nvPr>
+        </p:nvSpPr>
+        <p:spPr/>
+        <p:txBody>
+          <a:bodyPr/>
+          <a:lstStyle/>
+          <a:p>
+            <a:r>
+              <a:rPr lang="tr-TR" dirty="0"/>
+              <a:t>Web adresi</a:t>
+            </a:r>
+          </a:p>
+        </p:txBody>
+      </p:sp>
+      <p:sp>
+        <p:nvSpPr>
+          <p:cNvPr id="3" name="İçerik Yer Tutucusu 2"/>
+          <p:cNvSpPr>
+            <a:spLocks noGrp="1"/>
+          </p:cNvSpPr>
+          <p:nvPr>
+            <p:ph idx="1"/>
+          </p:nvPr>
+        </p:nvSpPr>
+        <p:spPr>
+          <a:xfrm>
+            <a:off x="457200" y="1600201"/>
+            <a:ext cx="8229600" cy="964704"/>
+          </a:xfrm>
+        </p:spPr>
+        <p:txBody>
+          <a:bodyPr>
+            <a:normAutofit lnSpcReduction="10000"/>
+          </a:bodyPr>
+          <a:lstStyle/>
+          <a:p>
+            <a:pPr marL="0" indent="0">
+              <a:buNone/>
+            </a:pPr>
+            <a:r>
+              <a:rPr lang="tr-TR" sz="6000" b="1" dirty="0">
+                <a:solidFill>
+                  <a:srgbClr val="7030A0"/>
+                </a:solidFill>
+              </a:rPr>
+              <a:t>protocol</a:t>
+            </a:r>
+            <a:r>
+              <a:rPr lang="tr-TR" sz="6000" b="1" dirty="0"/>
+              <a:t>://</a:t>
+            </a:r>
+            <a:r>
+              <a:rPr lang="tr-TR" sz="6000" b="1" dirty="0">
+                <a:solidFill>
+                  <a:schemeClr val="accent2">
+                    <a:lumMod val="75000"/>
+                  </a:schemeClr>
+                </a:solidFill>
+              </a:rPr>
+              <a:t>domain</a:t>
+            </a:r>
+            <a:r>
+              <a:rPr lang="tr-TR" sz="6000" b="1" dirty="0"/>
+              <a:t>/</a:t>
+            </a:r>
+            <a:r>
+              <a:rPr lang="tr-TR" sz="6000" b="1" dirty="0">
+                <a:solidFill>
+                  <a:schemeClr val="accent3">
+                    <a:lumMod val="75000"/>
+                  </a:schemeClr>
+                </a:solidFill>
+              </a:rPr>
+              <a:t>path</a:t>
+            </a:r>
+          </a:p>
+          <a:p>
+            <a:endParaRPr lang="tr-TR" dirty="0"/>
+          </a:p>
+        </p:txBody>
+      </p:sp>
+      <p:sp>
+        <p:nvSpPr>
+          <p:cNvPr id="4" name="Dikdörtgen 3"/>
+          <p:cNvSpPr/>
+          <p:nvPr/>
+        </p:nvSpPr>
+        <p:spPr>
+          <a:xfrm>
+            <a:off x="467544" y="3284981"/>
+            <a:ext cx="8208912" cy="1015663"/>
+          </a:xfrm>
+          <a:prstGeom prst="rect">
+            <a:avLst/>
+          </a:prstGeom>
+        </p:spPr>
+        <p:txBody>
+          <a:bodyPr wrap="square">
+            <a:spAutoFit/>
+          </a:bodyPr>
+          <a:lstStyle/>
+          <a:p>
+            <a:r>
+              <a:rPr lang="tr-TR" sz="6000" b="1" dirty="0" smtClean="0">
+                <a:solidFill>
+                  <a:srgbClr val="7030A0"/>
+                </a:solidFill>
+              </a:rPr>
+              <a:t>protokol</a:t>
+            </a:r>
+            <a:r>
+              <a:rPr lang="tr-TR" sz="6000" b="1" dirty="0"/>
+              <a:t>://</a:t>
+            </a:r>
+            <a:r>
+              <a:rPr lang="tr-TR" sz="6000" b="1" dirty="0">
+                <a:solidFill>
+                  <a:schemeClr val="accent2">
+                    <a:lumMod val="75000"/>
+                  </a:schemeClr>
+                </a:solidFill>
+              </a:rPr>
+              <a:t>alan</a:t>
+            </a:r>
+            <a:r>
+              <a:rPr lang="tr-TR" sz="6000" b="1" dirty="0"/>
+              <a:t>/</a:t>
+            </a:r>
+            <a:r>
+              <a:rPr lang="tr-TR" sz="6000" b="1" dirty="0">
+                <a:solidFill>
+                  <a:schemeClr val="accent3">
+                    <a:lumMod val="75000"/>
+                  </a:schemeClr>
+                </a:solidFill>
+              </a:rPr>
+              <a:t>yol</a:t>
+            </a:r>
+            <a:endParaRPr lang="tr-TR" sz="6000" dirty="0">
+              <a:solidFill>
+                <a:schemeClr val="accent4">
+                  <a:lumMod val="60000"/>
+                  <a:lumOff val="40000"/>
+                </a:schemeClr>
+              </a:solidFill>
+            </a:endParaRPr>
+          </a:p>
+        </p:txBody>
+      </p:sp>
+    </p:spTree>
+    <p:extLst>
+      <p:ext uri="{BB962C8B-B14F-4D97-AF65-F5344CB8AC3E}">
+        <p14:creationId xmlns:p14="http://schemas.microsoft.com/office/powerpoint/2010/main" val="3533542889"/>
+      </p:ext>
+    </p:extLst>
+  </p:cSld>
+  <p:clrMapOvr>
+    <a:masterClrMapping/>
+  </p:clrMapOvr>
+</p:sld>
+</file>
+
+<file path=ppt/slides/slide20.xml><?xml version="1.0" encoding="utf-8"?>
 <p:sld xmlns:a="http://schemas.openxmlformats.org/drawingml/2006/main" xmlns:r="http://schemas.openxmlformats.org/officeDocument/2006/relationships" xmlns:p="http://schemas.openxmlformats.org/presentationml/2006/main">
   <p:cSld>
     <p:spTree>
@@ -15846,194 +17244,7 @@
 </p:sld>
 </file>
 
-<file path=ppt/slides/slide2.xml><?xml version="1.0" encoding="utf-8"?>
-<p:sld xmlns:a="http://schemas.openxmlformats.org/drawingml/2006/main" xmlns:r="http://schemas.openxmlformats.org/officeDocument/2006/relationships" xmlns:p="http://schemas.openxmlformats.org/presentationml/2006/main">
-  <p:cSld>
-    <p:spTree>
-      <p:nvGrpSpPr>
-        <p:cNvPr id="1" name=""/>
-        <p:cNvGrpSpPr/>
-        <p:nvPr/>
-      </p:nvGrpSpPr>
-      <p:grpSpPr>
-        <a:xfrm>
-          <a:off x="0" y="0"/>
-          <a:ext cx="0" cy="0"/>
-          <a:chOff x="0" y="0"/>
-          <a:chExt cx="0" cy="0"/>
-        </a:xfrm>
-      </p:grpSpPr>
-      <p:sp>
-        <p:nvSpPr>
-          <p:cNvPr id="2" name="Başlık 1"/>
-          <p:cNvSpPr>
-            <a:spLocks noGrp="1"/>
-          </p:cNvSpPr>
-          <p:nvPr>
-            <p:ph type="title"/>
-          </p:nvPr>
-        </p:nvSpPr>
-        <p:spPr/>
-        <p:txBody>
-          <a:bodyPr/>
-          <a:lstStyle/>
-          <a:p>
-            <a:r>
-              <a:rPr lang="tr-TR" dirty="0"/>
-              <a:t>Web adresi</a:t>
-            </a:r>
-          </a:p>
-        </p:txBody>
-      </p:sp>
-      <p:sp>
-        <p:nvSpPr>
-          <p:cNvPr id="3" name="İçerik Yer Tutucusu 2"/>
-          <p:cNvSpPr>
-            <a:spLocks noGrp="1"/>
-          </p:cNvSpPr>
-          <p:nvPr>
-            <p:ph idx="1"/>
-          </p:nvPr>
-        </p:nvSpPr>
-        <p:spPr>
-          <a:xfrm>
-            <a:off x="457200" y="1600201"/>
-            <a:ext cx="8229600" cy="964704"/>
-          </a:xfrm>
-        </p:spPr>
-        <p:txBody>
-          <a:bodyPr>
-            <a:normAutofit lnSpcReduction="10000"/>
-          </a:bodyPr>
-          <a:lstStyle/>
-          <a:p>
-            <a:pPr marL="0" indent="0">
-              <a:buNone/>
-            </a:pPr>
-            <a:r>
-              <a:rPr lang="tr-TR" sz="6000" b="1" dirty="0">
-                <a:solidFill>
-                  <a:srgbClr val="7030A0"/>
-                </a:solidFill>
-              </a:rPr>
-              <a:t>protocol</a:t>
-            </a:r>
-            <a:r>
-              <a:rPr lang="tr-TR" sz="6000" b="1" dirty="0"/>
-              <a:t>://</a:t>
-            </a:r>
-            <a:r>
-              <a:rPr lang="tr-TR" sz="6000" b="1" dirty="0">
-                <a:solidFill>
-                  <a:schemeClr val="accent2">
-                    <a:lumMod val="75000"/>
-                  </a:schemeClr>
-                </a:solidFill>
-              </a:rPr>
-              <a:t>domain</a:t>
-            </a:r>
-            <a:r>
-              <a:rPr lang="tr-TR" sz="6000" b="1" dirty="0"/>
-              <a:t>/</a:t>
-            </a:r>
-            <a:r>
-              <a:rPr lang="tr-TR" sz="6000" b="1" dirty="0">
-                <a:solidFill>
-                  <a:schemeClr val="accent3">
-                    <a:lumMod val="75000"/>
-                  </a:schemeClr>
-                </a:solidFill>
-              </a:rPr>
-              <a:t>path</a:t>
-            </a:r>
-          </a:p>
-          <a:p>
-            <a:endParaRPr lang="tr-TR" dirty="0"/>
-          </a:p>
-        </p:txBody>
-      </p:sp>
-      <p:sp>
-        <p:nvSpPr>
-          <p:cNvPr id="4" name="Dikdörtgen 3"/>
-          <p:cNvSpPr/>
-          <p:nvPr/>
-        </p:nvSpPr>
-        <p:spPr>
-          <a:xfrm>
-            <a:off x="467544" y="3284981"/>
-            <a:ext cx="8208912" cy="1015663"/>
-          </a:xfrm>
-          <a:prstGeom prst="rect">
-            <a:avLst/>
-          </a:prstGeom>
-        </p:spPr>
-        <p:txBody>
-          <a:bodyPr wrap="square">
-            <a:spAutoFit/>
-          </a:bodyPr>
-          <a:lstStyle/>
-          <a:p>
-            <a:r>
-              <a:rPr lang="tr-TR" sz="6000" b="1" dirty="0" smtClean="0">
-                <a:solidFill>
-                  <a:srgbClr val="7030A0"/>
-                </a:solidFill>
-              </a:rPr>
-              <a:t>protokol</a:t>
-            </a:r>
-            <a:r>
-              <a:rPr lang="tr-TR" sz="6000" b="1" dirty="0"/>
-              <a:t>://</a:t>
-            </a:r>
-            <a:r>
-              <a:rPr lang="tr-TR" sz="6000" b="1" dirty="0">
-                <a:solidFill>
-                  <a:schemeClr val="accent2">
-                    <a:lumMod val="75000"/>
-                  </a:schemeClr>
-                </a:solidFill>
-              </a:rPr>
-              <a:t>alan</a:t>
-            </a:r>
-            <a:r>
-              <a:rPr lang="tr-TR" sz="6000" b="1" dirty="0"/>
-              <a:t>/</a:t>
-            </a:r>
-            <a:r>
-              <a:rPr lang="tr-TR" sz="6000" b="1" dirty="0">
-                <a:solidFill>
-                  <a:schemeClr val="accent3">
-                    <a:lumMod val="75000"/>
-                  </a:schemeClr>
-                </a:solidFill>
-              </a:rPr>
-              <a:t>yol</a:t>
-            </a:r>
-            <a:endParaRPr lang="tr-TR" sz="6000" dirty="0">
-              <a:solidFill>
-                <a:schemeClr val="accent4">
-                  <a:lumMod val="60000"/>
-                  <a:lumOff val="40000"/>
-                </a:schemeClr>
-              </a:solidFill>
-            </a:endParaRPr>
-          </a:p>
-        </p:txBody>
-      </p:sp>
-    </p:spTree>
-    <p:extLst>
-      <p:ext uri="{BB962C8B-B14F-4D97-AF65-F5344CB8AC3E}">
-        <p14:creationId xmlns:p14="http://schemas.microsoft.com/office/powerpoint/2010/main" val="3533542889"/>
-      </p:ext>
-    </p:extLst>
-  </p:cSld>
-  <p:clrMapOvr>
-    <a:masterClrMapping/>
-  </p:clrMapOvr>
-</p:sld>
-</file>
-
-<file path=ppt/slides/slide20.xml><?xml version="1.0" encoding="utf-8"?>
+<file path=ppt/slides/slide21.xml><?xml version="1.0" encoding="utf-8"?>
 <p:sld xmlns:a="http://schemas.openxmlformats.org/drawingml/2006/main" xmlns:r="http://schemas.openxmlformats.org/officeDocument/2006/relationships" xmlns:p="http://schemas.openxmlformats.org/presentationml/2006/main">
   <p:cSld>
     <p:spTree>
@@ -16595,7 +17806,7 @@
 </p:sld>
 </file>
 
-<file path=ppt/slides/slide21.xml><?xml version="1.0" encoding="utf-8"?>
+<file path=ppt/slides/slide22.xml><?xml version="1.0" encoding="utf-8"?>
 <p:sld xmlns:a="http://schemas.openxmlformats.org/drawingml/2006/main" xmlns:r="http://schemas.openxmlformats.org/officeDocument/2006/relationships" xmlns:p="http://schemas.openxmlformats.org/presentationml/2006/main">
   <p:cSld>
     <p:spTree>
@@ -17153,7 +18364,7 @@
 </p:sld>
 </file>
 
-<file path=ppt/slides/slide22.xml><?xml version="1.0" encoding="utf-8"?>
+<file path=ppt/slides/slide23.xml><?xml version="1.0" encoding="utf-8"?>
 <p:sld xmlns:a="http://schemas.openxmlformats.org/drawingml/2006/main" xmlns:r="http://schemas.openxmlformats.org/officeDocument/2006/relationships" xmlns:p="http://schemas.openxmlformats.org/presentationml/2006/main">
   <p:cSld>
     <p:spTree>
@@ -17566,7 +18777,7 @@
 </p:sld>
 </file>
 
-<file path=ppt/slides/slide23.xml><?xml version="1.0" encoding="utf-8"?>
+<file path=ppt/slides/slide24.xml><?xml version="1.0" encoding="utf-8"?>
 <p:sld xmlns:a="http://schemas.openxmlformats.org/drawingml/2006/main" xmlns:r="http://schemas.openxmlformats.org/officeDocument/2006/relationships" xmlns:p="http://schemas.openxmlformats.org/presentationml/2006/main">
   <p:cSld>
     <p:spTree>
@@ -18113,7 +19324,7 @@
 </p:sld>
 </file>
 
-<file path=ppt/slides/slide24.xml><?xml version="1.0" encoding="utf-8"?>
+<file path=ppt/slides/slide25.xml><?xml version="1.0" encoding="utf-8"?>
 <p:sld xmlns:a="http://schemas.openxmlformats.org/drawingml/2006/main" xmlns:r="http://schemas.openxmlformats.org/officeDocument/2006/relationships" xmlns:p="http://schemas.openxmlformats.org/presentationml/2006/main">
   <p:cSld>
     <p:spTree>
@@ -18663,7 +19874,7 @@
 </p:sld>
 </file>
 
-<file path=ppt/slides/slide25.xml><?xml version="1.0" encoding="utf-8"?>
+<file path=ppt/slides/slide26.xml><?xml version="1.0" encoding="utf-8"?>
 <p:sld xmlns:a="http://schemas.openxmlformats.org/drawingml/2006/main" xmlns:r="http://schemas.openxmlformats.org/officeDocument/2006/relationships" xmlns:p="http://schemas.openxmlformats.org/presentationml/2006/main">
   <p:cSld>
     <p:spTree>
@@ -19273,340 +20484,6 @@
 </p:sld>
 </file>
 
-<file path=ppt/slides/slide26.xml><?xml version="1.0" encoding="utf-8"?>
-<p:sld xmlns:a="http://schemas.openxmlformats.org/drawingml/2006/main" xmlns:r="http://schemas.openxmlformats.org/officeDocument/2006/relationships" xmlns:p="http://schemas.openxmlformats.org/presentationml/2006/main">
-  <p:cSld>
-    <p:spTree>
-      <p:nvGrpSpPr>
-        <p:cNvPr id="1" name=""/>
-        <p:cNvGrpSpPr/>
-        <p:nvPr/>
-      </p:nvGrpSpPr>
-      <p:grpSpPr>
-        <a:xfrm>
-          <a:off x="0" y="0"/>
-          <a:ext cx="0" cy="0"/>
-          <a:chOff x="0" y="0"/>
-          <a:chExt cx="0" cy="0"/>
-        </a:xfrm>
-      </p:grpSpPr>
-      <p:sp>
-        <p:nvSpPr>
-          <p:cNvPr id="2" name="Başlık 1"/>
-          <p:cNvSpPr>
-            <a:spLocks noGrp="1"/>
-          </p:cNvSpPr>
-          <p:nvPr>
-            <p:ph type="title"/>
-          </p:nvPr>
-        </p:nvSpPr>
-        <p:spPr/>
-        <p:txBody>
-          <a:bodyPr/>
-          <a:lstStyle/>
-          <a:p>
-            <a:r>
-              <a:rPr lang="tr-TR" b="1" dirty="0" smtClean="0"/>
-              <a:t>URL: </a:t>
-            </a:r>
-            <a:r>
-              <a:rPr lang="tr-TR" dirty="0" smtClean="0">
-                <a:solidFill>
-                  <a:schemeClr val="accent3">
-                    <a:lumMod val="75000"/>
-                  </a:schemeClr>
-                </a:solidFill>
-              </a:rPr>
-              <a:t>Neyi</a:t>
-            </a:r>
-            <a:r>
-              <a:rPr lang="tr-TR" dirty="0">
-                <a:solidFill>
-                  <a:schemeClr val="accent3">
-                    <a:lumMod val="75000"/>
-                  </a:schemeClr>
-                </a:solidFill>
-              </a:rPr>
-              <a:t>?</a:t>
-            </a:r>
-            <a:r>
-              <a:rPr lang="tr-TR" dirty="0"/>
-              <a:t> </a:t>
-            </a:r>
-            <a:r>
-              <a:rPr lang="tr-TR" dirty="0">
-                <a:solidFill>
-                  <a:schemeClr val="tx2">
-                    <a:lumMod val="60000"/>
-                    <a:lumOff val="40000"/>
-                  </a:schemeClr>
-                </a:solidFill>
-              </a:rPr>
-              <a:t>Nereden?</a:t>
-            </a:r>
-            <a:r>
-              <a:rPr lang="tr-TR" dirty="0"/>
-              <a:t> </a:t>
-            </a:r>
-            <a:r>
-              <a:rPr lang="tr-TR" dirty="0">
-                <a:solidFill>
-                  <a:srgbClr val="7030A0"/>
-                </a:solidFill>
-              </a:rPr>
-              <a:t>Nasıl?</a:t>
-            </a:r>
-            <a:endParaRPr lang="tr-TR" dirty="0"/>
-          </a:p>
-        </p:txBody>
-      </p:sp>
-      <p:sp>
-        <p:nvSpPr>
-          <p:cNvPr id="3" name="İçerik Yer Tutucusu 2"/>
-          <p:cNvSpPr>
-            <a:spLocks noGrp="1"/>
-          </p:cNvSpPr>
-          <p:nvPr>
-            <p:ph idx="1"/>
-          </p:nvPr>
-        </p:nvSpPr>
-        <p:spPr>
-          <a:xfrm>
-            <a:off x="457200" y="1600200"/>
-            <a:ext cx="8507288" cy="4525963"/>
-          </a:xfrm>
-        </p:spPr>
-        <p:txBody>
-          <a:bodyPr/>
-          <a:lstStyle/>
-          <a:p>
-            <a:pPr marL="0" indent="0" algn="ctr">
-              <a:buNone/>
-            </a:pPr>
-            <a:r>
-              <a:rPr lang="tr-TR" sz="3600" b="1" dirty="0" smtClean="0">
-                <a:solidFill>
-                  <a:srgbClr val="7030A0"/>
-                </a:solidFill>
-              </a:rPr>
-              <a:t>protocol</a:t>
-            </a:r>
-            <a:r>
-              <a:rPr lang="tr-TR" sz="3600" b="1" dirty="0" smtClean="0"/>
-              <a:t>://</a:t>
-            </a:r>
-            <a:r>
-              <a:rPr lang="tr-TR" sz="3600" b="1" dirty="0" smtClean="0">
-                <a:solidFill>
-                  <a:schemeClr val="accent2">
-                    <a:lumMod val="75000"/>
-                  </a:schemeClr>
-                </a:solidFill>
-              </a:rPr>
-              <a:t>domain</a:t>
-            </a:r>
-            <a:r>
-              <a:rPr lang="tr-TR" sz="3600" b="1" dirty="0" smtClean="0"/>
-              <a:t>/</a:t>
-            </a:r>
-            <a:r>
-              <a:rPr lang="tr-TR" sz="3600" b="1" dirty="0" smtClean="0">
-                <a:solidFill>
-                  <a:schemeClr val="accent3">
-                    <a:lumMod val="75000"/>
-                  </a:schemeClr>
-                </a:solidFill>
-              </a:rPr>
-              <a:t>path</a:t>
-            </a:r>
-            <a:endParaRPr lang="tr-TR" sz="3600" b="1" dirty="0">
-              <a:solidFill>
-                <a:schemeClr val="accent3">
-                  <a:lumMod val="75000"/>
-                </a:schemeClr>
-              </a:solidFill>
-            </a:endParaRPr>
-          </a:p>
-          <a:p>
-            <a:pPr marL="0" indent="0">
-              <a:buNone/>
-            </a:pPr>
-            <a:r>
-              <a:rPr lang="tr-TR" sz="3600" b="1" dirty="0" smtClean="0">
-                <a:solidFill>
-                  <a:srgbClr val="7030A0"/>
-                </a:solidFill>
-              </a:rPr>
-              <a:t>http</a:t>
-            </a:r>
-            <a:r>
-              <a:rPr lang="tr-TR" sz="3600" b="1" dirty="0"/>
-              <a:t>://</a:t>
-            </a:r>
-            <a:r>
-              <a:rPr lang="tr-TR" sz="3600" b="1" dirty="0" smtClean="0">
-                <a:solidFill>
-                  <a:schemeClr val="accent2">
-                    <a:lumMod val="75000"/>
-                  </a:schemeClr>
-                </a:solidFill>
-              </a:rPr>
-              <a:t>www</a:t>
-            </a:r>
-            <a:r>
-              <a:rPr lang="tr-TR" sz="3600" b="1" dirty="0" smtClean="0"/>
-              <a:t>.</a:t>
-            </a:r>
-            <a:r>
-              <a:rPr lang="tr-TR" sz="3600" b="1" dirty="0" smtClean="0">
-                <a:solidFill>
-                  <a:schemeClr val="tx2">
-                    <a:lumMod val="60000"/>
-                    <a:lumOff val="40000"/>
-                  </a:schemeClr>
-                </a:solidFill>
-              </a:rPr>
-              <a:t>gazete.</a:t>
-            </a:r>
-            <a:r>
-              <a:rPr lang="tr-TR" sz="3600" b="1" dirty="0" smtClean="0">
-                <a:solidFill>
-                  <a:schemeClr val="tx2">
-                    <a:lumMod val="75000"/>
-                  </a:schemeClr>
-                </a:solidFill>
-              </a:rPr>
-              <a:t>com</a:t>
-            </a:r>
-            <a:r>
-              <a:rPr lang="tr-TR" sz="3600" b="1" dirty="0" smtClean="0"/>
-              <a:t>/</a:t>
-            </a:r>
-            <a:r>
-              <a:rPr lang="tr-TR" sz="3600" b="1" dirty="0" smtClean="0">
-                <a:solidFill>
-                  <a:schemeClr val="accent3">
-                    <a:lumMod val="75000"/>
-                  </a:schemeClr>
-                </a:solidFill>
-              </a:rPr>
-              <a:t>main</a:t>
-            </a:r>
-            <a:r>
-              <a:rPr lang="tr-TR" sz="3600" b="1" dirty="0" smtClean="0"/>
-              <a:t>/</a:t>
-            </a:r>
-            <a:r>
-              <a:rPr lang="tr-TR" sz="3600" b="1" dirty="0" smtClean="0">
-                <a:solidFill>
-                  <a:schemeClr val="accent3">
-                    <a:lumMod val="75000"/>
-                  </a:schemeClr>
-                </a:solidFill>
-              </a:rPr>
-              <a:t>index.htm</a:t>
-            </a:r>
-          </a:p>
-          <a:p>
-            <a:pPr marL="0" indent="0">
-              <a:buNone/>
-            </a:pPr>
-            <a:endParaRPr lang="tr-TR" sz="3600" b="1" dirty="0" smtClean="0">
-              <a:solidFill>
-                <a:schemeClr val="accent2">
-                  <a:lumMod val="75000"/>
-                </a:schemeClr>
-              </a:solidFill>
-            </a:endParaRPr>
-          </a:p>
-          <a:p>
-            <a:pPr marL="514350" indent="-514350">
-              <a:buFont typeface="+mj-lt"/>
-              <a:buAutoNum type="arabicPeriod"/>
-            </a:pPr>
-            <a:r>
-              <a:rPr lang="tr-TR" b="1" dirty="0" smtClean="0">
-                <a:solidFill>
-                  <a:schemeClr val="accent2">
-                    <a:lumMod val="75000"/>
-                  </a:schemeClr>
-                </a:solidFill>
-              </a:rPr>
-              <a:t>DNS sorgusuyla fiziksel sunucu IP adresini bul.</a:t>
-            </a:r>
-            <a:endParaRPr lang="tr-TR" b="1" dirty="0" smtClean="0">
-              <a:solidFill>
-                <a:srgbClr val="7030A0"/>
-              </a:solidFill>
-            </a:endParaRPr>
-          </a:p>
-          <a:p>
-            <a:pPr marL="514350" indent="-514350">
-              <a:buFont typeface="+mj-lt"/>
-              <a:buAutoNum type="arabicPeriod"/>
-            </a:pPr>
-            <a:r>
-              <a:rPr lang="tr-TR" b="1" dirty="0" smtClean="0">
-                <a:solidFill>
-                  <a:srgbClr val="7030A0"/>
-                </a:solidFill>
-              </a:rPr>
-              <a:t>http protokolünü kullanarak </a:t>
-            </a:r>
-            <a:r>
-              <a:rPr lang="tr-TR" b="1" dirty="0" smtClean="0">
-                <a:solidFill>
-                  <a:schemeClr val="accent2">
-                    <a:lumMod val="75000"/>
-                  </a:schemeClr>
-                </a:solidFill>
-              </a:rPr>
-              <a:t>sunucudan,</a:t>
-            </a:r>
-            <a:endParaRPr lang="tr-TR" b="1" dirty="0" smtClean="0">
-              <a:solidFill>
-                <a:schemeClr val="tx2">
-                  <a:lumMod val="75000"/>
-                </a:schemeClr>
-              </a:solidFill>
-            </a:endParaRPr>
-          </a:p>
-          <a:p>
-            <a:pPr marL="514350" indent="-514350">
-              <a:buFont typeface="+mj-lt"/>
-              <a:buAutoNum type="arabicPeriod"/>
-            </a:pPr>
-            <a:r>
-              <a:rPr lang="tr-TR" b="1" dirty="0" smtClean="0">
-                <a:solidFill>
-                  <a:schemeClr val="accent3">
-                    <a:lumMod val="75000"/>
-                  </a:schemeClr>
-                </a:solidFill>
-              </a:rPr>
-              <a:t>yolu verilen kaynağı </a:t>
-            </a:r>
-            <a:r>
-              <a:rPr lang="tr-TR" b="1" dirty="0" smtClean="0"/>
-              <a:t>iste.</a:t>
-            </a:r>
-            <a:endParaRPr lang="tr-TR" dirty="0"/>
-          </a:p>
-        </p:txBody>
-      </p:sp>
-    </p:spTree>
-    <p:extLst>
-      <p:ext uri="{BB962C8B-B14F-4D97-AF65-F5344CB8AC3E}">
-        <p14:creationId xmlns:p14="http://schemas.microsoft.com/office/powerpoint/2010/main" val="1981679850"/>
-      </p:ext>
-    </p:extLst>
-  </p:cSld>
-  <p:clrMapOvr>
-    <a:masterClrMapping/>
-  </p:clrMapOvr>
-</p:sld>
-</file>
-
 <file path=ppt/slides/slide27.xml><?xml version="1.0" encoding="utf-8"?>
 <p:sld xmlns:a="http://schemas.openxmlformats.org/drawingml/2006/main" xmlns:r="http://schemas.openxmlformats.org/officeDocument/2006/relationships" xmlns:p="http://schemas.openxmlformats.org/presentationml/2006/main">
   <p:cSld>
@@ -19626,6 +20503,76 @@
       </p:grpSpPr>
       <p:sp>
         <p:nvSpPr>
+          <p:cNvPr id="2" name="Başlık 1"/>
+          <p:cNvSpPr>
+            <a:spLocks noGrp="1"/>
+          </p:cNvSpPr>
+          <p:nvPr>
+            <p:ph type="title"/>
+          </p:nvPr>
+        </p:nvSpPr>
+        <p:spPr/>
+        <p:txBody>
+          <a:bodyPr/>
+          <a:lstStyle/>
+          <a:p>
+            <a:r>
+              <a:rPr lang="tr-TR" b="1" dirty="0" smtClean="0"/>
+              <a:t>URL: </a:t>
+            </a:r>
+            <a:r>
+              <a:rPr lang="tr-TR" dirty="0" smtClean="0">
+                <a:solidFill>
+                  <a:schemeClr val="accent3">
+                    <a:lumMod val="75000"/>
+                  </a:schemeClr>
+                </a:solidFill>
+              </a:rPr>
+              <a:t>Neyi</a:t>
+            </a:r>
+            <a:r>
+              <a:rPr lang="tr-TR" dirty="0">
+                <a:solidFill>
+                  <a:schemeClr val="accent3">
+                    <a:lumMod val="75000"/>
+                  </a:schemeClr>
+                </a:solidFill>
+              </a:rPr>
+              <a:t>?</a:t>
+            </a:r>
+            <a:r>
+              <a:rPr lang="tr-TR" dirty="0"/>
+              <a:t> </a:t>
+            </a:r>
+            <a:r>
+              <a:rPr lang="tr-TR" dirty="0">
+                <a:solidFill>
+                  <a:schemeClr val="tx2">
+                    <a:lumMod val="60000"/>
+                    <a:lumOff val="40000"/>
+                  </a:schemeClr>
+                </a:solidFill>
+              </a:rPr>
+              <a:t>Nereden?</a:t>
+            </a:r>
+            <a:r>
+              <a:rPr lang="tr-TR" dirty="0"/>
+              <a:t> </a:t>
+            </a:r>
+            <a:r>
+              <a:rPr lang="tr-TR" dirty="0">
+                <a:solidFill>
+                  <a:srgbClr val="7030A0"/>
+                </a:solidFill>
+              </a:rPr>
+              <a:t>Nasıl?</a:t>
+            </a:r>
+            <a:endParaRPr lang="tr-TR" dirty="0"/>
+          </a:p>
+        </p:txBody>
+      </p:sp>
+      <p:sp>
+        <p:nvSpPr>
           <p:cNvPr id="3" name="İçerik Yer Tutucusu 2"/>
           <p:cNvSpPr>
             <a:spLocks noGrp="1"/>
@@ -19634,43 +20581,169 @@
             <p:ph idx="1"/>
           </p:nvPr>
         </p:nvSpPr>
-        <p:spPr/>
+        <p:spPr>
+          <a:xfrm>
+            <a:off x="457200" y="1600200"/>
+            <a:ext cx="8507288" cy="4525963"/>
+          </a:xfrm>
+        </p:spPr>
         <p:txBody>
-          <a:bodyPr>
-            <a:normAutofit lnSpcReduction="10000"/>
-          </a:bodyPr>
+          <a:bodyPr/>
           <a:lstStyle/>
+          <a:p>
+            <a:pPr marL="0" indent="0" algn="ctr">
+              <a:buNone/>
+            </a:pPr>
+            <a:r>
+              <a:rPr lang="tr-TR" sz="3600" b="1" dirty="0" smtClean="0">
+                <a:solidFill>
+                  <a:srgbClr val="7030A0"/>
+                </a:solidFill>
+              </a:rPr>
+              <a:t>protocol</a:t>
+            </a:r>
+            <a:r>
+              <a:rPr lang="tr-TR" sz="3600" b="1" dirty="0" smtClean="0"/>
+              <a:t>://</a:t>
+            </a:r>
+            <a:r>
+              <a:rPr lang="tr-TR" sz="3600" b="1" dirty="0" smtClean="0">
+                <a:solidFill>
+                  <a:schemeClr val="accent2">
+                    <a:lumMod val="75000"/>
+                  </a:schemeClr>
+                </a:solidFill>
+              </a:rPr>
+              <a:t>domain</a:t>
+            </a:r>
+            <a:r>
+              <a:rPr lang="tr-TR" sz="3600" b="1" dirty="0" smtClean="0"/>
+              <a:t>/</a:t>
+            </a:r>
+            <a:r>
+              <a:rPr lang="tr-TR" sz="3600" b="1" dirty="0" smtClean="0">
+                <a:solidFill>
+                  <a:schemeClr val="accent3">
+                    <a:lumMod val="75000"/>
+                  </a:schemeClr>
+                </a:solidFill>
+              </a:rPr>
+              <a:t>path</a:t>
+            </a:r>
+            <a:endParaRPr lang="tr-TR" sz="3600" b="1" dirty="0">
+              <a:solidFill>
+                <a:schemeClr val="accent3">
+                  <a:lumMod val="75000"/>
+                </a:schemeClr>
+              </a:solidFill>
+            </a:endParaRPr>
+          </a:p>
           <a:p>
             <a:pPr marL="0" indent="0">
               <a:buNone/>
             </a:pPr>
             <a:r>
-              <a:rPr lang="tr-TR" dirty="0" smtClean="0"/>
-              <a:t>Mutlak </a:t>
-            </a:r>
-            <a:r>
-              <a:rPr lang="tr-TR" dirty="0" err="1" smtClean="0"/>
-              <a:t>url</a:t>
-            </a:r>
-            <a:r>
-              <a:rPr lang="tr-TR" dirty="0" smtClean="0"/>
-              <a:t> (</a:t>
-            </a:r>
-            <a:r>
-              <a:rPr lang="tr-TR" dirty="0" err="1" smtClean="0"/>
-              <a:t>absolute</a:t>
-            </a:r>
-            <a:r>
-              <a:rPr lang="tr-TR" dirty="0" smtClean="0"/>
-              <a:t> </a:t>
-            </a:r>
-            <a:r>
-              <a:rPr lang="tr-TR" dirty="0" err="1" smtClean="0"/>
-              <a:t>url</a:t>
-            </a:r>
-            <a:r>
-              <a:rPr lang="tr-TR" dirty="0" smtClean="0"/>
-              <a:t>)</a:t>
+              <a:rPr lang="tr-TR" sz="3600" b="1" dirty="0" smtClean="0">
+                <a:solidFill>
+                  <a:srgbClr val="7030A0"/>
+                </a:solidFill>
+              </a:rPr>
+              <a:t>http</a:t>
+            </a:r>
+            <a:r>
+              <a:rPr lang="tr-TR" sz="3600" b="1" dirty="0"/>
+              <a:t>://</a:t>
+            </a:r>
+            <a:r>
+              <a:rPr lang="tr-TR" sz="3600" b="1" dirty="0" smtClean="0">
+                <a:solidFill>
+                  <a:schemeClr val="accent2">
+                    <a:lumMod val="75000"/>
+                  </a:schemeClr>
+                </a:solidFill>
+              </a:rPr>
+              <a:t>www</a:t>
+            </a:r>
+            <a:r>
+              <a:rPr lang="tr-TR" sz="3600" b="1" dirty="0" smtClean="0"/>
+              <a:t>.</a:t>
+            </a:r>
+            <a:r>
+              <a:rPr lang="tr-TR" sz="3600" b="1" dirty="0" smtClean="0">
+                <a:solidFill>
+                  <a:schemeClr val="tx2">
+                    <a:lumMod val="60000"/>
+                    <a:lumOff val="40000"/>
+                  </a:schemeClr>
+                </a:solidFill>
+              </a:rPr>
+              <a:t>gazete.</a:t>
+            </a:r>
+            <a:r>
+              <a:rPr lang="tr-TR" sz="3600" b="1" dirty="0" smtClean="0">
+                <a:solidFill>
+                  <a:schemeClr val="tx2">
+                    <a:lumMod val="75000"/>
+                  </a:schemeClr>
+                </a:solidFill>
+              </a:rPr>
+              <a:t>com</a:t>
+            </a:r>
+            <a:r>
+              <a:rPr lang="tr-TR" sz="3600" b="1" dirty="0" smtClean="0"/>
+              <a:t>/</a:t>
+            </a:r>
+            <a:r>
+              <a:rPr lang="tr-TR" sz="3600" b="1" dirty="0" smtClean="0">
+                <a:solidFill>
+                  <a:schemeClr val="accent3">
+                    <a:lumMod val="75000"/>
+                  </a:schemeClr>
+                </a:solidFill>
+              </a:rPr>
+              <a:t>main</a:t>
+            </a:r>
+            <a:r>
+              <a:rPr lang="tr-TR" sz="3600" b="1" dirty="0" smtClean="0"/>
+              <a:t>/</a:t>
+            </a:r>
+            <a:r>
+              <a:rPr lang="tr-TR" sz="3600" b="1" dirty="0" smtClean="0">
+                <a:solidFill>
+                  <a:schemeClr val="accent3">
+                    <a:lumMod val="75000"/>
+                  </a:schemeClr>
+                </a:solidFill>
+              </a:rPr>
+              <a:t>index.htm</a:t>
+            </a:r>
+          </a:p>
+          <a:p>
+            <a:pPr marL="0" indent="0">
+              <a:buNone/>
+            </a:pPr>
+            <a:endParaRPr lang="tr-TR" sz="3600" b="1" dirty="0" smtClean="0">
+              <a:solidFill>
+                <a:schemeClr val="accent2">
+                  <a:lumMod val="75000"/>
+                </a:schemeClr>
+              </a:solidFill>
+            </a:endParaRPr>
+          </a:p>
+          <a:p>
+            <a:pPr marL="514350" indent="-514350">
+              <a:buFont typeface="+mj-lt"/>
+              <a:buAutoNum type="arabicPeriod"/>
+            </a:pPr>
+            <a:r>
+              <a:rPr lang="tr-TR" b="1" dirty="0" smtClean="0">
+                <a:solidFill>
+                  <a:schemeClr val="accent2">
+                    <a:lumMod val="75000"/>
+                  </a:schemeClr>
+                </a:solidFill>
+              </a:rPr>
+              <a:t>DNS sorgusuyla fiziksel sunucu IP adresini bul.</a:t>
             </a:r>
             <a:endParaRPr lang="tr-TR" b="1" dirty="0" smtClean="0">
               <a:solidFill>
@@ -19679,8 +20752,9 @@
             </a:endParaRPr>
           </a:p>
           <a:p>
-            <a:pPr marL="0" indent="0">
-              <a:buNone/>
+            <a:pPr marL="514350" indent="-514350">
+              <a:buFont typeface="+mj-lt"/>
+              <a:buAutoNum type="arabicPeriod"/>
             </a:pPr>
             <a:r>
               <a:rPr lang="tr-TR" b="1" dirty="0" smtClean="0">
@@ -19688,314 +20762,44 @@
                   <a:srgbClr val="7030A0"/>
                 </a:solidFill>
               </a:rPr>
-              <a:t>http</a:t>
-            </a:r>
-            <a:r>
-              <a:rPr lang="tr-TR" b="1" dirty="0"/>
-              <a:t>://</a:t>
-            </a:r>
-            <a:r>
-              <a:rPr lang="tr-TR" b="1" dirty="0">
+              <a:t>http protokolünü kullanarak </a:t>
+            </a:r>
+            <a:r>
+              <a:rPr lang="tr-TR" b="1" dirty="0" smtClean="0">
                 <a:solidFill>
                   <a:schemeClr val="accent2">
                     <a:lumMod val="75000"/>
                   </a:schemeClr>
                 </a:solidFill>
               </a:rPr>
-              <a:t>www</a:t>
-            </a:r>
-            <a:r>
-              <a:rPr lang="tr-TR" b="1" dirty="0"/>
-              <a:t>.</a:t>
-            </a:r>
-            <a:r>
-              <a:rPr lang="tr-TR" b="1" dirty="0">
-                <a:solidFill>
-                  <a:schemeClr val="tx2">
-                    <a:lumMod val="60000"/>
-                    <a:lumOff val="40000"/>
-                  </a:schemeClr>
-                </a:solidFill>
-              </a:rPr>
-              <a:t>gazete.</a:t>
-            </a:r>
-            <a:r>
-              <a:rPr lang="tr-TR" b="1" dirty="0">
-                <a:solidFill>
-                  <a:schemeClr val="tx2">
-                    <a:lumMod val="75000"/>
-                  </a:schemeClr>
-                </a:solidFill>
-              </a:rPr>
-              <a:t>com</a:t>
-            </a:r>
-            <a:r>
-              <a:rPr lang="tr-TR" b="1" dirty="0"/>
-              <a:t>/</a:t>
-            </a:r>
-            <a:r>
-              <a:rPr lang="tr-TR" b="1" dirty="0">
-                <a:solidFill>
-                  <a:schemeClr val="accent3">
-                    <a:lumMod val="75000"/>
-                  </a:schemeClr>
-                </a:solidFill>
-              </a:rPr>
-              <a:t>main</a:t>
-            </a:r>
-            <a:r>
-              <a:rPr lang="tr-TR" b="1" dirty="0"/>
-              <a:t>/</a:t>
-            </a:r>
-            <a:r>
-              <a:rPr lang="tr-TR" b="1" dirty="0">
-                <a:solidFill>
-                  <a:schemeClr val="accent3">
-                    <a:lumMod val="75000"/>
-                  </a:schemeClr>
-                </a:solidFill>
-              </a:rPr>
-              <a:t>index.htm</a:t>
-            </a:r>
-          </a:p>
-          <a:p>
-            <a:endParaRPr lang="tr-TR" dirty="0" smtClean="0"/>
-          </a:p>
-          <a:p>
-            <a:pPr marL="0" indent="0">
-              <a:buNone/>
+              <a:t>sunucudan,</a:t>
+            </a:r>
+            <a:endParaRPr lang="tr-TR" b="1" dirty="0" smtClean="0">
+              <a:solidFill>
+                <a:schemeClr val="tx2">
+                  <a:lumMod val="75000"/>
+                </a:schemeClr>
+              </a:solidFill>
+            </a:endParaRPr>
+          </a:p>
+          <a:p>
+            <a:pPr marL="514350" indent="-514350">
+              <a:buFont typeface="+mj-lt"/>
+              <a:buAutoNum type="arabicPeriod"/>
             </a:pPr>
             <a:r>
-              <a:rPr lang="tr-TR" dirty="0" smtClean="0"/>
-              <a:t>Göreli </a:t>
-            </a:r>
-            <a:r>
-              <a:rPr lang="tr-TR" dirty="0" err="1" smtClean="0"/>
-              <a:t>url</a:t>
-            </a:r>
-            <a:r>
-              <a:rPr lang="tr-TR" dirty="0" smtClean="0"/>
-              <a:t> (</a:t>
-            </a:r>
-            <a:r>
-              <a:rPr lang="tr-TR" dirty="0" err="1" smtClean="0"/>
-              <a:t>relative</a:t>
-            </a:r>
-            <a:r>
-              <a:rPr lang="tr-TR" dirty="0" smtClean="0"/>
-              <a:t> </a:t>
-            </a:r>
-            <a:r>
-              <a:rPr lang="tr-TR" dirty="0" err="1" smtClean="0"/>
-              <a:t>url</a:t>
-            </a:r>
-            <a:r>
-              <a:rPr lang="tr-TR" dirty="0" smtClean="0"/>
-              <a:t>)</a:t>
-            </a:r>
-          </a:p>
-          <a:p>
-            <a:pPr marL="0" indent="0">
-              <a:buNone/>
-            </a:pPr>
-            <a:r>
-              <a:rPr lang="tr-TR" b="1" dirty="0">
-                <a:solidFill>
-                  <a:schemeClr val="accent3">
-                    <a:lumMod val="75000"/>
-                  </a:schemeClr>
-                </a:solidFill>
-              </a:rPr>
-              <a:t>..</a:t>
+              <a:rPr lang="tr-TR" b="1" dirty="0" smtClean="0">
+                <a:solidFill>
+                  <a:schemeClr val="accent3">
+                    <a:lumMod val="75000"/>
+                  </a:schemeClr>
+                </a:solidFill>
+              </a:rPr>
+              <a:t>yolu verilen kaynağı </a:t>
             </a:r>
             <a:r>
               <a:rPr lang="tr-TR" b="1" dirty="0" smtClean="0"/>
-              <a:t>/</a:t>
-            </a:r>
-            <a:r>
-              <a:rPr lang="tr-TR" b="1" dirty="0" smtClean="0">
-                <a:solidFill>
-                  <a:schemeClr val="accent3">
-                    <a:lumMod val="75000"/>
-                  </a:schemeClr>
-                </a:solidFill>
-              </a:rPr>
-              <a:t>..</a:t>
-            </a:r>
-            <a:r>
-              <a:rPr lang="tr-TR" b="1" dirty="0" smtClean="0"/>
-              <a:t>/</a:t>
-            </a:r>
-            <a:r>
-              <a:rPr lang="tr-TR" b="1" dirty="0" smtClean="0">
-                <a:solidFill>
-                  <a:schemeClr val="accent3">
-                    <a:lumMod val="75000"/>
-                  </a:schemeClr>
-                </a:solidFill>
-              </a:rPr>
-              <a:t>main</a:t>
-            </a:r>
-            <a:r>
-              <a:rPr lang="tr-TR" b="1" dirty="0" smtClean="0"/>
-              <a:t>/</a:t>
-            </a:r>
-            <a:r>
-              <a:rPr lang="tr-TR" b="1" dirty="0" smtClean="0">
-                <a:solidFill>
-                  <a:schemeClr val="accent3">
-                    <a:lumMod val="75000"/>
-                  </a:schemeClr>
-                </a:solidFill>
-              </a:rPr>
-              <a:t>index.htm</a:t>
-            </a:r>
-          </a:p>
-          <a:p>
-            <a:pPr marL="0" indent="0">
-              <a:buNone/>
-            </a:pPr>
-            <a:endParaRPr lang="tr-TR" dirty="0" smtClean="0"/>
-          </a:p>
-          <a:p>
-            <a:pPr marL="0" indent="0">
-              <a:buNone/>
-            </a:pPr>
-            <a:r>
-              <a:rPr lang="tr-TR" dirty="0" smtClean="0"/>
-              <a:t>Kök göreli </a:t>
-            </a:r>
-            <a:r>
-              <a:rPr lang="tr-TR" dirty="0" err="1" smtClean="0"/>
-              <a:t>url</a:t>
-            </a:r>
-            <a:r>
-              <a:rPr lang="tr-TR" dirty="0" smtClean="0"/>
-              <a:t> (</a:t>
-            </a:r>
-            <a:r>
-              <a:rPr lang="tr-TR" dirty="0" err="1" smtClean="0"/>
-              <a:t>root</a:t>
-            </a:r>
-            <a:r>
-              <a:rPr lang="tr-TR" dirty="0" smtClean="0"/>
-              <a:t> </a:t>
-            </a:r>
-            <a:r>
-              <a:rPr lang="tr-TR" dirty="0" err="1" smtClean="0"/>
-              <a:t>relative</a:t>
-            </a:r>
-            <a:r>
-              <a:rPr lang="tr-TR" dirty="0" smtClean="0"/>
-              <a:t> </a:t>
-            </a:r>
-            <a:r>
-              <a:rPr lang="tr-TR" dirty="0" err="1"/>
-              <a:t>url</a:t>
-            </a:r>
-            <a:r>
-              <a:rPr lang="tr-TR" dirty="0"/>
-              <a:t>)</a:t>
-            </a:r>
-          </a:p>
-          <a:p>
-            <a:pPr marL="0" indent="0">
-              <a:buNone/>
-            </a:pPr>
-            <a:r>
-              <a:rPr lang="tr-TR" b="1" dirty="0" smtClean="0"/>
-              <a:t>/</a:t>
-            </a:r>
-            <a:r>
-              <a:rPr lang="tr-TR" b="1" dirty="0">
-                <a:solidFill>
-                  <a:schemeClr val="accent3">
-                    <a:lumMod val="75000"/>
-                  </a:schemeClr>
-                </a:solidFill>
-              </a:rPr>
-              <a:t>main</a:t>
-            </a:r>
-            <a:r>
-              <a:rPr lang="tr-TR" b="1" dirty="0"/>
-              <a:t>/</a:t>
-            </a:r>
-            <a:r>
-              <a:rPr lang="tr-TR" b="1" dirty="0">
-                <a:solidFill>
-                  <a:schemeClr val="accent3">
-                    <a:lumMod val="75000"/>
-                  </a:schemeClr>
-                </a:solidFill>
-              </a:rPr>
-              <a:t>index.htm</a:t>
-            </a:r>
-          </a:p>
-          <a:p>
-            <a:pPr marL="0" indent="0">
-              <a:buNone/>
-            </a:pPr>
-            <a:endParaRPr lang="tr-TR" dirty="0" smtClean="0"/>
-          </a:p>
-          <a:p>
-            <a:pPr marL="0" indent="0">
-              <a:buNone/>
-            </a:pPr>
-            <a:endParaRPr lang="tr-TR" dirty="0" smtClean="0"/>
-          </a:p>
-          <a:p>
-            <a:pPr marL="0" indent="0">
-              <a:buNone/>
-            </a:pPr>
-            <a:endParaRPr lang="tr-TR" dirty="0"/>
-          </a:p>
-        </p:txBody>
-      </p:sp>
-      <p:sp>
-        <p:nvSpPr>
-          <p:cNvPr id="5" name="Başlık 1"/>
-          <p:cNvSpPr txBox="1">
-            <a:spLocks/>
-          </p:cNvSpPr>
-          <p:nvPr/>
-        </p:nvSpPr>
-        <p:spPr>
-          <a:xfrm>
-            <a:off x="609600" y="427038"/>
-            <a:ext cx="8229600" cy="1143000"/>
-          </a:xfrm>
-          <a:prstGeom prst="rect">
-            <a:avLst/>
-          </a:prstGeom>
-        </p:spPr>
-        <p:txBody>
-          <a:bodyPr vert="horz" lIns="91440" tIns="45720" rIns="91440" bIns="45720" rtlCol="0" anchor="ctr">
-            <a:normAutofit/>
-          </a:bodyPr>
-          <a:lstStyle>
-            <a:lvl1pPr algn="ctr" defTabSz="914400" rtl="0" eaLnBrk="1" latinLnBrk="0" hangingPunct="1">
-              <a:spcBef>
-                <a:spcPct val="0"/>
-              </a:spcBef>
-              <a:buNone/>
-              <a:defRPr sz="4400" kern="1200">
-                <a:solidFill>
-                  <a:schemeClr val="tx1"/>
-                </a:solidFill>
-                <a:latin typeface="+mj-lt"/>
-                <a:ea typeface="+mj-ea"/>
-                <a:cs typeface="+mj-cs"/>
-              </a:defRPr>
-            </a:lvl1pPr>
-          </a:lstStyle>
-          <a:p>
-            <a:r>
-              <a:rPr lang="tr-TR" b="1" dirty="0" smtClean="0"/>
-              <a:t>URL: </a:t>
-            </a:r>
-            <a:r>
-              <a:rPr lang="tr-TR" dirty="0" smtClean="0"/>
-              <a:t>mutlak ve göreli</a:t>
+              <a:t>iste.</a:t>
             </a:r>
             <a:endParaRPr lang="tr-TR" dirty="0"/>
           </a:p>
@@ -20004,7 +20808,7 @@
     </p:spTree>
     <p:extLst>
       <p:ext uri="{BB962C8B-B14F-4D97-AF65-F5344CB8AC3E}">
-        <p14:creationId xmlns:p14="http://schemas.microsoft.com/office/powerpoint/2010/main" val="3748385937"/>
+        <p14:creationId xmlns:p14="http://schemas.microsoft.com/office/powerpoint/2010/main" val="1981679850"/>
       </p:ext>
     </p:extLst>
   </p:cSld>
@@ -20033,6 +20837,413 @@
       </p:grpSpPr>
       <p:sp>
         <p:nvSpPr>
+          <p:cNvPr id="3" name="İçerik Yer Tutucusu 2"/>
+          <p:cNvSpPr>
+            <a:spLocks noGrp="1"/>
+          </p:cNvSpPr>
+          <p:nvPr>
+            <p:ph idx="1"/>
+          </p:nvPr>
+        </p:nvSpPr>
+        <p:spPr/>
+        <p:txBody>
+          <a:bodyPr>
+            <a:normAutofit lnSpcReduction="10000"/>
+          </a:bodyPr>
+          <a:lstStyle/>
+          <a:p>
+            <a:pPr marL="0" indent="0">
+              <a:buNone/>
+            </a:pPr>
+            <a:r>
+              <a:rPr lang="tr-TR" dirty="0" smtClean="0"/>
+              <a:t>Mutlak </a:t>
+            </a:r>
+            <a:r>
+              <a:rPr lang="tr-TR" dirty="0" err="1" smtClean="0"/>
+              <a:t>url</a:t>
+            </a:r>
+            <a:r>
+              <a:rPr lang="tr-TR" dirty="0" smtClean="0"/>
+              <a:t> (</a:t>
+            </a:r>
+            <a:r>
+              <a:rPr lang="tr-TR" dirty="0" err="1" smtClean="0"/>
+              <a:t>absolute</a:t>
+            </a:r>
+            <a:r>
+              <a:rPr lang="tr-TR" dirty="0" smtClean="0"/>
+              <a:t> </a:t>
+            </a:r>
+            <a:r>
+              <a:rPr lang="tr-TR" dirty="0" err="1" smtClean="0"/>
+              <a:t>url</a:t>
+            </a:r>
+            <a:r>
+              <a:rPr lang="tr-TR" dirty="0" smtClean="0"/>
+              <a:t>)</a:t>
+            </a:r>
+            <a:endParaRPr lang="tr-TR" b="1" dirty="0" smtClean="0">
+              <a:solidFill>
+                <a:srgbClr val="7030A0"/>
+              </a:solidFill>
+            </a:endParaRPr>
+          </a:p>
+          <a:p>
+            <a:pPr marL="0" indent="0">
+              <a:buNone/>
+            </a:pPr>
+            <a:r>
+              <a:rPr lang="tr-TR" sz="3600" b="1" dirty="0" smtClean="0">
+                <a:solidFill>
+                  <a:srgbClr val="7030A0"/>
+                </a:solidFill>
+              </a:rPr>
+              <a:t>http</a:t>
+            </a:r>
+            <a:r>
+              <a:rPr lang="tr-TR" sz="3600" b="1" dirty="0"/>
+              <a:t>://</a:t>
+            </a:r>
+            <a:r>
+              <a:rPr lang="tr-TR" sz="3600" b="1" dirty="0">
+                <a:solidFill>
+                  <a:schemeClr val="accent2">
+                    <a:lumMod val="75000"/>
+                  </a:schemeClr>
+                </a:solidFill>
+              </a:rPr>
+              <a:t>www</a:t>
+            </a:r>
+            <a:r>
+              <a:rPr lang="tr-TR" sz="3600" b="1" dirty="0"/>
+              <a:t>.</a:t>
+            </a:r>
+            <a:r>
+              <a:rPr lang="tr-TR" sz="3600" b="1" dirty="0">
+                <a:solidFill>
+                  <a:schemeClr val="tx2">
+                    <a:lumMod val="60000"/>
+                    <a:lumOff val="40000"/>
+                  </a:schemeClr>
+                </a:solidFill>
+              </a:rPr>
+              <a:t>gazete.</a:t>
+            </a:r>
+            <a:r>
+              <a:rPr lang="tr-TR" sz="3600" b="1" dirty="0">
+                <a:solidFill>
+                  <a:schemeClr val="tx2">
+                    <a:lumMod val="75000"/>
+                  </a:schemeClr>
+                </a:solidFill>
+              </a:rPr>
+              <a:t>com</a:t>
+            </a:r>
+            <a:r>
+              <a:rPr lang="tr-TR" sz="3600" b="1" dirty="0"/>
+              <a:t>/</a:t>
+            </a:r>
+            <a:r>
+              <a:rPr lang="tr-TR" sz="3600" b="1" dirty="0">
+                <a:solidFill>
+                  <a:schemeClr val="accent3">
+                    <a:lumMod val="75000"/>
+                  </a:schemeClr>
+                </a:solidFill>
+              </a:rPr>
+              <a:t>main</a:t>
+            </a:r>
+            <a:r>
+              <a:rPr lang="tr-TR" sz="3600" b="1" dirty="0"/>
+              <a:t>/</a:t>
+            </a:r>
+            <a:r>
+              <a:rPr lang="tr-TR" sz="3600" b="1" dirty="0">
+                <a:solidFill>
+                  <a:schemeClr val="accent3">
+                    <a:lumMod val="75000"/>
+                  </a:schemeClr>
+                </a:solidFill>
+              </a:rPr>
+              <a:t>index.htm</a:t>
+            </a:r>
+          </a:p>
+          <a:p>
+            <a:endParaRPr lang="tr-TR" dirty="0" smtClean="0"/>
+          </a:p>
+          <a:p>
+            <a:pPr marL="0" indent="0">
+              <a:buNone/>
+            </a:pPr>
+            <a:r>
+              <a:rPr lang="tr-TR" dirty="0" smtClean="0"/>
+              <a:t>Göreli </a:t>
+            </a:r>
+            <a:r>
+              <a:rPr lang="tr-TR" dirty="0" err="1" smtClean="0"/>
+              <a:t>url</a:t>
+            </a:r>
+            <a:r>
+              <a:rPr lang="tr-TR" dirty="0" smtClean="0"/>
+              <a:t> (</a:t>
+            </a:r>
+            <a:r>
+              <a:rPr lang="tr-TR" dirty="0" err="1" smtClean="0"/>
+              <a:t>relative</a:t>
+            </a:r>
+            <a:r>
+              <a:rPr lang="tr-TR" dirty="0" smtClean="0"/>
+              <a:t> </a:t>
+            </a:r>
+            <a:r>
+              <a:rPr lang="tr-TR" dirty="0" err="1" smtClean="0"/>
+              <a:t>url</a:t>
+            </a:r>
+            <a:r>
+              <a:rPr lang="tr-TR" dirty="0" smtClean="0"/>
+              <a:t>)</a:t>
+            </a:r>
+          </a:p>
+          <a:p>
+            <a:pPr marL="0" indent="0">
+              <a:buNone/>
+            </a:pPr>
+            <a:r>
+              <a:rPr lang="tr-TR" sz="3600" b="1" dirty="0">
+                <a:solidFill>
+                  <a:schemeClr val="accent3">
+                    <a:lumMod val="75000"/>
+                  </a:schemeClr>
+                </a:solidFill>
+              </a:rPr>
+              <a:t>..</a:t>
+            </a:r>
+            <a:r>
+              <a:rPr lang="tr-TR" sz="3600" b="1" dirty="0" smtClean="0"/>
+              <a:t>/</a:t>
+            </a:r>
+            <a:r>
+              <a:rPr lang="tr-TR" sz="3600" b="1" dirty="0" smtClean="0">
+                <a:solidFill>
+                  <a:schemeClr val="accent3">
+                    <a:lumMod val="75000"/>
+                  </a:schemeClr>
+                </a:solidFill>
+              </a:rPr>
+              <a:t>..</a:t>
+            </a:r>
+            <a:r>
+              <a:rPr lang="tr-TR" sz="3600" b="1" dirty="0" smtClean="0"/>
+              <a:t>/</a:t>
+            </a:r>
+            <a:r>
+              <a:rPr lang="tr-TR" sz="3600" b="1" dirty="0" smtClean="0">
+                <a:solidFill>
+                  <a:schemeClr val="accent3">
+                    <a:lumMod val="75000"/>
+                  </a:schemeClr>
+                </a:solidFill>
+              </a:rPr>
+              <a:t>main</a:t>
+            </a:r>
+            <a:r>
+              <a:rPr lang="tr-TR" sz="3600" b="1" dirty="0" smtClean="0"/>
+              <a:t>/</a:t>
+            </a:r>
+            <a:r>
+              <a:rPr lang="tr-TR" sz="3600" b="1" dirty="0" smtClean="0">
+                <a:solidFill>
+                  <a:schemeClr val="accent3">
+                    <a:lumMod val="75000"/>
+                  </a:schemeClr>
+                </a:solidFill>
+              </a:rPr>
+              <a:t>index.htm</a:t>
+            </a:r>
+          </a:p>
+          <a:p>
+            <a:pPr marL="0" indent="0">
+              <a:buNone/>
+            </a:pPr>
+            <a:endParaRPr lang="tr-TR" dirty="0" smtClean="0"/>
+          </a:p>
+          <a:p>
+            <a:pPr marL="0" indent="0">
+              <a:buNone/>
+            </a:pPr>
+            <a:r>
+              <a:rPr lang="tr-TR" dirty="0" smtClean="0"/>
+              <a:t>Kök göreli </a:t>
+            </a:r>
+            <a:r>
+              <a:rPr lang="tr-TR" dirty="0" err="1" smtClean="0"/>
+              <a:t>url</a:t>
+            </a:r>
+            <a:r>
+              <a:rPr lang="tr-TR" dirty="0" smtClean="0"/>
+              <a:t> (</a:t>
+            </a:r>
+            <a:r>
+              <a:rPr lang="tr-TR" dirty="0" err="1" smtClean="0"/>
+              <a:t>root</a:t>
+            </a:r>
+            <a:r>
+              <a:rPr lang="tr-TR" dirty="0" smtClean="0"/>
+              <a:t> </a:t>
+            </a:r>
+            <a:r>
+              <a:rPr lang="tr-TR" dirty="0" err="1" smtClean="0"/>
+              <a:t>relative</a:t>
+            </a:r>
+            <a:r>
+              <a:rPr lang="tr-TR" dirty="0" smtClean="0"/>
+              <a:t> </a:t>
+            </a:r>
+            <a:r>
+              <a:rPr lang="tr-TR" dirty="0" err="1"/>
+              <a:t>url</a:t>
+            </a:r>
+            <a:r>
+              <a:rPr lang="tr-TR" dirty="0"/>
+              <a:t>)</a:t>
+            </a:r>
+          </a:p>
+          <a:p>
+            <a:pPr marL="0" indent="0">
+              <a:buNone/>
+            </a:pPr>
+            <a:r>
+              <a:rPr lang="tr-TR" sz="3600" b="1" dirty="0" smtClean="0"/>
+              <a:t>/</a:t>
+            </a:r>
+            <a:r>
+              <a:rPr lang="tr-TR" sz="3600" b="1" dirty="0">
+                <a:solidFill>
+                  <a:schemeClr val="accent3">
+                    <a:lumMod val="75000"/>
+                  </a:schemeClr>
+                </a:solidFill>
+              </a:rPr>
+              <a:t>main</a:t>
+            </a:r>
+            <a:r>
+              <a:rPr lang="tr-TR" sz="3600" b="1" dirty="0"/>
+              <a:t>/</a:t>
+            </a:r>
+            <a:r>
+              <a:rPr lang="tr-TR" sz="3600" b="1" dirty="0">
+                <a:solidFill>
+                  <a:schemeClr val="accent3">
+                    <a:lumMod val="75000"/>
+                  </a:schemeClr>
+                </a:solidFill>
+              </a:rPr>
+              <a:t>index.htm</a:t>
+            </a:r>
+          </a:p>
+          <a:p>
+            <a:pPr marL="0" indent="0">
+              <a:buNone/>
+            </a:pPr>
+            <a:endParaRPr lang="tr-TR" dirty="0" smtClean="0"/>
+          </a:p>
+          <a:p>
+            <a:pPr marL="0" indent="0">
+              <a:buNone/>
+            </a:pPr>
+            <a:endParaRPr lang="tr-TR" dirty="0" smtClean="0"/>
+          </a:p>
+          <a:p>
+            <a:pPr marL="0" indent="0">
+              <a:buNone/>
+            </a:pPr>
+            <a:endParaRPr lang="tr-TR" dirty="0"/>
+          </a:p>
+        </p:txBody>
+      </p:sp>
+      <p:sp>
+        <p:nvSpPr>
+          <p:cNvPr id="5" name="Başlık 1"/>
+          <p:cNvSpPr txBox="1">
+            <a:spLocks/>
+          </p:cNvSpPr>
+          <p:nvPr/>
+        </p:nvSpPr>
+        <p:spPr>
+          <a:xfrm>
+            <a:off x="609600" y="427038"/>
+            <a:ext cx="8229600" cy="1143000"/>
+          </a:xfrm>
+          <a:prstGeom prst="rect">
+            <a:avLst/>
+          </a:prstGeom>
+        </p:spPr>
+        <p:txBody>
+          <a:bodyPr vert="horz" lIns="91440" tIns="45720" rIns="91440" bIns="45720" rtlCol="0" anchor="ctr">
+            <a:normAutofit/>
+          </a:bodyPr>
+          <a:lstStyle>
+            <a:lvl1pPr algn="ctr" defTabSz="914400" rtl="0" eaLnBrk="1" latinLnBrk="0" hangingPunct="1">
+              <a:spcBef>
+                <a:spcPct val="0"/>
+              </a:spcBef>
+              <a:buNone/>
+              <a:defRPr sz="4400" kern="1200">
+                <a:solidFill>
+                  <a:schemeClr val="tx1"/>
+                </a:solidFill>
+                <a:latin typeface="+mj-lt"/>
+                <a:ea typeface="+mj-ea"/>
+                <a:cs typeface="+mj-cs"/>
+              </a:defRPr>
+            </a:lvl1pPr>
+          </a:lstStyle>
+          <a:p>
+            <a:r>
+              <a:rPr lang="tr-TR" b="1" dirty="0" smtClean="0"/>
+              <a:t>URL: </a:t>
+            </a:r>
+            <a:r>
+              <a:rPr lang="tr-TR" dirty="0" smtClean="0"/>
+              <a:t>mutlak ve göreli</a:t>
+            </a:r>
+            <a:endParaRPr lang="tr-TR" dirty="0"/>
+          </a:p>
+        </p:txBody>
+      </p:sp>
+    </p:spTree>
+    <p:extLst>
+      <p:ext uri="{BB962C8B-B14F-4D97-AF65-F5344CB8AC3E}">
+        <p14:creationId xmlns:p14="http://schemas.microsoft.com/office/powerpoint/2010/main" val="3748385937"/>
+      </p:ext>
+    </p:extLst>
+  </p:cSld>
+  <p:clrMapOvr>
+    <a:masterClrMapping/>
+  </p:clrMapOvr>
+</p:sld>
+</file>
+
+<file path=ppt/slides/slide29.xml><?xml version="1.0" encoding="utf-8"?>
+<p:sld xmlns:a="http://schemas.openxmlformats.org/drawingml/2006/main" xmlns:r="http://schemas.openxmlformats.org/officeDocument/2006/relationships" xmlns:p="http://schemas.openxmlformats.org/presentationml/2006/main">
+  <p:cSld>
+    <p:spTree>
+      <p:nvGrpSpPr>
+        <p:cNvPr id="1" name=""/>
+        <p:cNvGrpSpPr/>
+        <p:nvPr/>
+      </p:nvGrpSpPr>
+      <p:grpSpPr>
+        <a:xfrm>
+          <a:off x="0" y="0"/>
+          <a:ext cx="0" cy="0"/>
+          <a:chOff x="0" y="0"/>
+          <a:chExt cx="0" cy="0"/>
+        </a:xfrm>
+      </p:grpSpPr>
+      <p:sp>
+        <p:nvSpPr>
           <p:cNvPr id="5" name="İçerik Yer Tutucusu 2"/>
           <p:cNvSpPr txBox="1">
             <a:spLocks/>
@@ -20230,6 +21441,10 @@
               <a:rPr lang="tr-TR" b="1" dirty="0" smtClean="0"/>
               <a:t>URL</a:t>
             </a:r>
+            <a:r>
+              <a:rPr lang="tr-TR" b="1" dirty="0" smtClean="0"/>
+              <a:t/>
+            </a:r>
             <a:br>
               <a:rPr lang="tr-TR" b="1" dirty="0" smtClean="0"/>
             </a:br>
@@ -20387,636 +21602,6 @@
     <p:extLst>
       <p:ext uri="{BB962C8B-B14F-4D97-AF65-F5344CB8AC3E}">
         <p14:creationId xmlns:p14="http://schemas.microsoft.com/office/powerpoint/2010/main" val="3628597207"/>
-      </p:ext>
-    </p:extLst>
-  </p:cSld>
-  <p:clrMapOvr>
-    <a:masterClrMapping/>
-  </p:clrMapOvr>
-  <p:timing>
-    <p:tnLst>
-      <p:par>
-        <p:cTn id="1" dur="indefinite" restart="never" nodeType="tmRoot"/>
-      </p:par>
-    </p:tnLst>
-  </p:timing>
-</p:sld>
-</file>
-
-<file path=ppt/slides/slide29.xml><?xml version="1.0" encoding="utf-8"?>
-<p:sld xmlns:a="http://schemas.openxmlformats.org/drawingml/2006/main" xmlns:r="http://schemas.openxmlformats.org/officeDocument/2006/relationships" xmlns:p="http://schemas.openxmlformats.org/presentationml/2006/main">
-  <p:cSld>
-    <p:spTree>
-      <p:nvGrpSpPr>
-        <p:cNvPr id="1" name=""/>
-        <p:cNvGrpSpPr/>
-        <p:nvPr/>
-      </p:nvGrpSpPr>
-      <p:grpSpPr>
-        <a:xfrm>
-          <a:off x="0" y="0"/>
-          <a:ext cx="0" cy="0"/>
-          <a:chOff x="0" y="0"/>
-          <a:chExt cx="0" cy="0"/>
-        </a:xfrm>
-      </p:grpSpPr>
-      <p:sp>
-        <p:nvSpPr>
-          <p:cNvPr id="5" name="İçerik Yer Tutucusu 2"/>
-          <p:cNvSpPr txBox="1">
-            <a:spLocks/>
-          </p:cNvSpPr>
-          <p:nvPr/>
-        </p:nvSpPr>
-        <p:spPr>
-          <a:xfrm>
-            <a:off x="179512" y="1700809"/>
-            <a:ext cx="8867328" cy="4953018"/>
-          </a:xfrm>
-          <a:prstGeom prst="rect">
-            <a:avLst/>
-          </a:prstGeom>
-        </p:spPr>
-        <p:txBody>
-          <a:bodyPr vert="horz" lIns="91440" tIns="45720" rIns="91440" bIns="45720" rtlCol="0">
-            <a:normAutofit/>
-          </a:bodyPr>
-          <a:lstStyle>
-            <a:lvl1pPr marL="342900" indent="-342900" algn="l" defTabSz="914400" rtl="0" eaLnBrk="1" latinLnBrk="0" hangingPunct="1">
-              <a:spcBef>
-                <a:spcPct val="20000"/>
-              </a:spcBef>
-              <a:buFont typeface="Arial" pitchFamily="34" charset="0"/>
-              <a:buChar char="•"/>
-              <a:defRPr sz="3200" kern="1200">
-                <a:solidFill>
-                  <a:schemeClr val="tx1"/>
-                </a:solidFill>
-                <a:latin typeface="+mn-lt"/>
-                <a:ea typeface="+mn-ea"/>
-                <a:cs typeface="+mn-cs"/>
-              </a:defRPr>
-            </a:lvl1pPr>
-            <a:lvl2pPr marL="742950" indent="-285750" algn="l" defTabSz="914400" rtl="0" eaLnBrk="1" latinLnBrk="0" hangingPunct="1">
-              <a:spcBef>
-                <a:spcPct val="20000"/>
-              </a:spcBef>
-              <a:buFont typeface="Arial" pitchFamily="34" charset="0"/>
-              <a:buChar char="–"/>
-              <a:defRPr sz="2800" kern="1200">
-                <a:solidFill>
-                  <a:schemeClr val="tx1"/>
-                </a:solidFill>
-                <a:latin typeface="+mn-lt"/>
-                <a:ea typeface="+mn-ea"/>
-                <a:cs typeface="+mn-cs"/>
-              </a:defRPr>
-            </a:lvl2pPr>
-            <a:lvl3pPr marL="1143000" indent="-228600" algn="l" defTabSz="914400" rtl="0" eaLnBrk="1" latinLnBrk="0" hangingPunct="1">
-              <a:spcBef>
-                <a:spcPct val="20000"/>
-              </a:spcBef>
-              <a:buFont typeface="Arial" pitchFamily="34" charset="0"/>
-              <a:buChar char="•"/>
-              <a:defRPr sz="2400" kern="1200">
-                <a:solidFill>
-                  <a:schemeClr val="tx1"/>
-                </a:solidFill>
-                <a:latin typeface="+mn-lt"/>
-                <a:ea typeface="+mn-ea"/>
-                <a:cs typeface="+mn-cs"/>
-              </a:defRPr>
-            </a:lvl3pPr>
-            <a:lvl4pPr marL="1600200" indent="-228600" algn="l" defTabSz="914400" rtl="0" eaLnBrk="1" latinLnBrk="0" hangingPunct="1">
-              <a:spcBef>
-                <a:spcPct val="20000"/>
-              </a:spcBef>
-              <a:buFont typeface="Arial" pitchFamily="34" charset="0"/>
-              <a:buChar char="–"/>
-              <a:defRPr sz="2000" kern="1200">
-                <a:solidFill>
-                  <a:schemeClr val="tx1"/>
-                </a:solidFill>
-                <a:latin typeface="+mn-lt"/>
-                <a:ea typeface="+mn-ea"/>
-                <a:cs typeface="+mn-cs"/>
-              </a:defRPr>
-            </a:lvl4pPr>
-            <a:lvl5pPr marL="2057400" indent="-228600" algn="l" defTabSz="914400" rtl="0" eaLnBrk="1" latinLnBrk="0" hangingPunct="1">
-              <a:spcBef>
-                <a:spcPct val="20000"/>
-              </a:spcBef>
-              <a:buFont typeface="Arial" pitchFamily="34" charset="0"/>
-              <a:buChar char="»"/>
-              <a:defRPr sz="2000" kern="1200">
-                <a:solidFill>
-                  <a:schemeClr val="tx1"/>
-                </a:solidFill>
-                <a:latin typeface="+mn-lt"/>
-                <a:ea typeface="+mn-ea"/>
-                <a:cs typeface="+mn-cs"/>
-              </a:defRPr>
-            </a:lvl5pPr>
-            <a:lvl6pPr marL="2514600" indent="-228600" algn="l" defTabSz="914400" rtl="0" eaLnBrk="1" latinLnBrk="0" hangingPunct="1">
-              <a:spcBef>
-                <a:spcPct val="20000"/>
-              </a:spcBef>
-              <a:buFont typeface="Arial" pitchFamily="34" charset="0"/>
-              <a:buChar char="•"/>
-              <a:defRPr sz="2000" kern="1200">
-                <a:solidFill>
-                  <a:schemeClr val="tx1"/>
-                </a:solidFill>
-                <a:latin typeface="+mn-lt"/>
-                <a:ea typeface="+mn-ea"/>
-                <a:cs typeface="+mn-cs"/>
-              </a:defRPr>
-            </a:lvl6pPr>
-            <a:lvl7pPr marL="2971800" indent="-228600" algn="l" defTabSz="914400" rtl="0" eaLnBrk="1" latinLnBrk="0" hangingPunct="1">
-              <a:spcBef>
-                <a:spcPct val="20000"/>
-              </a:spcBef>
-              <a:buFont typeface="Arial" pitchFamily="34" charset="0"/>
-              <a:buChar char="•"/>
-              <a:defRPr sz="2000" kern="1200">
-                <a:solidFill>
-                  <a:schemeClr val="tx1"/>
-                </a:solidFill>
-                <a:latin typeface="+mn-lt"/>
-                <a:ea typeface="+mn-ea"/>
-                <a:cs typeface="+mn-cs"/>
-              </a:defRPr>
-            </a:lvl7pPr>
-            <a:lvl8pPr marL="3429000" indent="-228600" algn="l" defTabSz="914400" rtl="0" eaLnBrk="1" latinLnBrk="0" hangingPunct="1">
-              <a:spcBef>
-                <a:spcPct val="20000"/>
-              </a:spcBef>
-              <a:buFont typeface="Arial" pitchFamily="34" charset="0"/>
-              <a:buChar char="•"/>
-              <a:defRPr sz="2000" kern="1200">
-                <a:solidFill>
-                  <a:schemeClr val="tx1"/>
-                </a:solidFill>
-                <a:latin typeface="+mn-lt"/>
-                <a:ea typeface="+mn-ea"/>
-                <a:cs typeface="+mn-cs"/>
-              </a:defRPr>
-            </a:lvl8pPr>
-            <a:lvl9pPr marL="3886200" indent="-228600" algn="l" defTabSz="914400" rtl="0" eaLnBrk="1" latinLnBrk="0" hangingPunct="1">
-              <a:spcBef>
-                <a:spcPct val="20000"/>
-              </a:spcBef>
-              <a:buFont typeface="Arial" pitchFamily="34" charset="0"/>
-              <a:buChar char="•"/>
-              <a:defRPr sz="2000" kern="1200">
-                <a:solidFill>
-                  <a:schemeClr val="tx1"/>
-                </a:solidFill>
-                <a:latin typeface="+mn-lt"/>
-                <a:ea typeface="+mn-ea"/>
-                <a:cs typeface="+mn-cs"/>
-              </a:defRPr>
-            </a:lvl9pPr>
-          </a:lstStyle>
-          <a:p>
-            <a:pPr marL="0" indent="0">
-              <a:buFont typeface="Arial" pitchFamily="34" charset="0"/>
-              <a:buNone/>
-            </a:pPr>
-            <a:endParaRPr lang="tr-TR" b="1" dirty="0" smtClean="0">
-              <a:solidFill>
-                <a:schemeClr val="accent3">
-                  <a:lumMod val="75000"/>
-                </a:schemeClr>
-              </a:solidFill>
-            </a:endParaRPr>
-          </a:p>
-        </p:txBody>
-      </p:sp>
-      <p:sp>
-        <p:nvSpPr>
-          <p:cNvPr id="10" name="Başlık 1"/>
-          <p:cNvSpPr>
-            <a:spLocks noGrp="1"/>
-          </p:cNvSpPr>
-          <p:nvPr>
-            <p:ph type="title"/>
-          </p:nvPr>
-        </p:nvSpPr>
-        <p:spPr>
-          <a:xfrm>
-            <a:off x="457200" y="274638"/>
-            <a:ext cx="8229600" cy="1143000"/>
-          </a:xfrm>
-        </p:spPr>
-        <p:txBody>
-          <a:bodyPr>
-            <a:normAutofit fontScale="90000"/>
-          </a:bodyPr>
-          <a:lstStyle/>
-          <a:p>
-            <a:r>
-              <a:rPr lang="tr-TR" b="1" dirty="0" smtClean="0"/>
-              <a:t>URL</a:t>
-            </a:r>
-            <a:br>
-              <a:rPr lang="tr-TR" b="1" dirty="0" smtClean="0"/>
-            </a:br>
-            <a:r>
-              <a:rPr lang="tr-TR" dirty="0" err="1" smtClean="0"/>
-              <a:t>url</a:t>
-            </a:r>
-            <a:r>
-              <a:rPr lang="tr-TR" b="1" dirty="0" smtClean="0"/>
-              <a:t> </a:t>
-            </a:r>
-            <a:r>
-              <a:rPr lang="tr-TR" dirty="0" smtClean="0"/>
-              <a:t>kodlama</a:t>
-            </a:r>
-            <a:r>
-              <a:rPr lang="tr-TR" b="1" dirty="0" smtClean="0"/>
-              <a:t> (</a:t>
-            </a:r>
-            <a:r>
-              <a:rPr lang="tr-TR" b="1" dirty="0" err="1" smtClean="0"/>
-              <a:t>url</a:t>
-            </a:r>
-            <a:r>
-              <a:rPr lang="tr-TR" b="1" dirty="0" smtClean="0"/>
-              <a:t> </a:t>
-            </a:r>
-            <a:r>
-              <a:rPr lang="tr-TR" b="1" dirty="0" err="1" smtClean="0"/>
-              <a:t>encoding</a:t>
-            </a:r>
-            <a:r>
-              <a:rPr lang="tr-TR" b="1" dirty="0" smtClean="0"/>
-              <a:t>)</a:t>
-            </a:r>
-            <a:endParaRPr lang="tr-TR" dirty="0"/>
-          </a:p>
-        </p:txBody>
-      </p:sp>
-      <p:sp>
-        <p:nvSpPr>
-          <p:cNvPr id="11" name="Başlık 1"/>
-          <p:cNvSpPr txBox="1">
-            <a:spLocks/>
-          </p:cNvSpPr>
-          <p:nvPr/>
-        </p:nvSpPr>
-        <p:spPr>
-          <a:xfrm>
-            <a:off x="292696" y="1806180"/>
-            <a:ext cx="8640960" cy="4742275"/>
-          </a:xfrm>
-          <a:prstGeom prst="rect">
-            <a:avLst/>
-          </a:prstGeom>
-        </p:spPr>
-        <p:txBody>
-          <a:bodyPr vert="horz" lIns="91440" tIns="45720" rIns="91440" bIns="45720" rtlCol="0" anchor="t">
-            <a:normAutofit fontScale="97500"/>
-          </a:bodyPr>
-          <a:lstStyle>
-            <a:lvl1pPr algn="ctr" defTabSz="914400" rtl="0" eaLnBrk="1" latinLnBrk="0" hangingPunct="1">
-              <a:spcBef>
-                <a:spcPct val="0"/>
-              </a:spcBef>
-              <a:buNone/>
-              <a:defRPr sz="4400" kern="1200">
-                <a:solidFill>
-                  <a:schemeClr val="tx1"/>
-                </a:solidFill>
-                <a:latin typeface="+mj-lt"/>
-                <a:ea typeface="+mj-ea"/>
-                <a:cs typeface="+mj-cs"/>
-              </a:defRPr>
-            </a:lvl1pPr>
-          </a:lstStyle>
-          <a:p>
-            <a:pPr marL="342900" indent="-342900" algn="l">
-              <a:buFont typeface="Arial" pitchFamily="34" charset="0"/>
-              <a:buChar char="•"/>
-            </a:pPr>
-            <a:r>
-              <a:rPr lang="tr-TR" sz="4100" dirty="0" smtClean="0">
-                <a:solidFill>
-                  <a:srgbClr val="00B050"/>
-                </a:solidFill>
-              </a:rPr>
-              <a:t>A-Z</a:t>
-            </a:r>
-            <a:r>
-              <a:rPr lang="tr-TR" sz="4100" dirty="0" smtClean="0"/>
-              <a:t>, </a:t>
-            </a:r>
-            <a:r>
-              <a:rPr lang="tr-TR" sz="4100" dirty="0" smtClean="0">
-                <a:solidFill>
-                  <a:srgbClr val="00B050"/>
-                </a:solidFill>
-              </a:rPr>
-              <a:t>a-z</a:t>
-            </a:r>
-            <a:r>
-              <a:rPr lang="tr-TR" sz="4100" dirty="0" smtClean="0"/>
-              <a:t>, </a:t>
-            </a:r>
-            <a:r>
-              <a:rPr lang="tr-TR" sz="4100" dirty="0" smtClean="0">
-                <a:solidFill>
-                  <a:srgbClr val="00B050"/>
-                </a:solidFill>
-              </a:rPr>
-              <a:t>0-9</a:t>
-            </a:r>
-            <a:r>
-              <a:rPr lang="tr-TR" sz="4100" dirty="0" smtClean="0"/>
-              <a:t>, </a:t>
-            </a:r>
-            <a:r>
-              <a:rPr lang="tr-TR" sz="4100" dirty="0" smtClean="0">
-                <a:solidFill>
-                  <a:srgbClr val="00B050"/>
-                </a:solidFill>
-              </a:rPr>
-              <a:t>-._~:/?#[]@!$&amp;'()*+,;=</a:t>
-            </a:r>
-          </a:p>
-          <a:p>
-            <a:r>
-              <a:rPr lang="tr-TR" sz="2500" dirty="0" smtClean="0">
-                <a:solidFill>
-                  <a:srgbClr val="FF0000"/>
-                </a:solidFill>
-              </a:rPr>
-              <a:t>dışındaki tüm karakterler </a:t>
-            </a:r>
-            <a:r>
-              <a:rPr lang="tr-TR" sz="2500" dirty="0" smtClean="0">
-                <a:solidFill>
-                  <a:srgbClr val="00B050"/>
-                </a:solidFill>
-              </a:rPr>
-              <a:t>geçerli </a:t>
-            </a:r>
-            <a:r>
-              <a:rPr lang="tr-TR" sz="2500" dirty="0" err="1" smtClean="0">
-                <a:solidFill>
-                  <a:srgbClr val="00B050"/>
-                </a:solidFill>
-              </a:rPr>
-              <a:t>url</a:t>
-            </a:r>
-            <a:r>
-              <a:rPr lang="tr-TR" sz="2500" dirty="0" smtClean="0">
-                <a:solidFill>
-                  <a:srgbClr val="00B050"/>
-                </a:solidFill>
-              </a:rPr>
-              <a:t> karakterleriyle</a:t>
-            </a:r>
-            <a:r>
-              <a:rPr lang="tr-TR" sz="2500" dirty="0" smtClean="0">
-                <a:solidFill>
-                  <a:srgbClr val="FF0000"/>
-                </a:solidFill>
-              </a:rPr>
-              <a:t> kodlanır</a:t>
-            </a:r>
-          </a:p>
-          <a:p>
-            <a:endParaRPr lang="tr-TR" sz="2500" dirty="0" smtClean="0">
-              <a:solidFill>
-                <a:srgbClr val="FF0000"/>
-              </a:solidFill>
-            </a:endParaRPr>
-          </a:p>
-          <a:p>
-            <a:pPr marL="457200" indent="-457200" algn="l">
-              <a:buFont typeface="Arial" charset="0"/>
-              <a:buChar char="•"/>
-            </a:pPr>
-            <a:r>
-              <a:rPr lang="tr-TR" sz="2500" dirty="0" smtClean="0"/>
-              <a:t>Boşluk karakteri </a:t>
-            </a:r>
-            <a:r>
-              <a:rPr lang="tr-TR" sz="2500" dirty="0" smtClean="0">
-                <a:solidFill>
-                  <a:srgbClr val="00B050"/>
-                </a:solidFill>
-              </a:rPr>
-              <a:t>+ </a:t>
-            </a:r>
-            <a:r>
-              <a:rPr lang="tr-TR" sz="2500" dirty="0" smtClean="0"/>
-              <a:t>veya </a:t>
-            </a:r>
-            <a:r>
-              <a:rPr lang="tr-TR" sz="2500" dirty="0" smtClean="0">
-                <a:solidFill>
-                  <a:srgbClr val="00B050"/>
-                </a:solidFill>
-              </a:rPr>
-              <a:t>%20 </a:t>
-            </a:r>
-            <a:r>
-              <a:rPr lang="tr-TR" sz="2500" dirty="0" smtClean="0"/>
-              <a:t>karakterleri ile değiştirilir.</a:t>
-            </a:r>
-          </a:p>
-          <a:p>
-            <a:pPr marL="457200" indent="-457200" algn="l">
-              <a:buFont typeface="Arial" charset="0"/>
-              <a:buChar char="•"/>
-            </a:pPr>
-            <a:endParaRPr lang="tr-TR" sz="2500" dirty="0" smtClean="0"/>
-          </a:p>
-          <a:p>
-            <a:pPr marL="457200" indent="-457200" algn="l">
-              <a:buFont typeface="Arial" charset="0"/>
-              <a:buChar char="•"/>
-            </a:pPr>
-            <a:r>
-              <a:rPr lang="tr-TR" sz="2500" dirty="0" err="1" smtClean="0"/>
-              <a:t>Javascript</a:t>
-            </a:r>
-            <a:r>
-              <a:rPr lang="tr-TR" sz="2500" dirty="0" smtClean="0"/>
-              <a:t> </a:t>
-            </a:r>
-            <a:r>
-              <a:rPr lang="tr-TR" sz="2500" dirty="0" err="1" smtClean="0">
-                <a:solidFill>
-                  <a:schemeClr val="accent2">
-                    <a:lumMod val="50000"/>
-                  </a:schemeClr>
-                </a:solidFill>
-              </a:rPr>
-              <a:t>encodeURI</a:t>
-            </a:r>
-            <a:r>
-              <a:rPr lang="tr-TR" sz="2500" dirty="0" smtClean="0">
-                <a:solidFill>
-                  <a:schemeClr val="accent2">
-                    <a:lumMod val="50000"/>
-                  </a:schemeClr>
-                </a:solidFill>
-              </a:rPr>
-              <a:t>()</a:t>
-            </a:r>
-            <a:r>
-              <a:rPr lang="tr-TR" sz="2500" dirty="0" smtClean="0"/>
-              <a:t> «güvenli kodlanmış» </a:t>
-            </a:r>
-            <a:r>
-              <a:rPr lang="tr-TR" sz="2500" dirty="0" err="1" smtClean="0"/>
-              <a:t>url</a:t>
-            </a:r>
-            <a:r>
-              <a:rPr lang="tr-TR" sz="2500" dirty="0" smtClean="0"/>
-              <a:t> oluşturur</a:t>
-            </a:r>
-          </a:p>
-          <a:p>
-            <a:pPr marL="457200" indent="-457200" algn="l">
-              <a:buFont typeface="Arial" charset="0"/>
-              <a:buChar char="•"/>
-            </a:pPr>
-            <a:endParaRPr lang="tr-TR" sz="2500" dirty="0" smtClean="0"/>
-          </a:p>
-          <a:p>
-            <a:pPr marL="457200" indent="-457200" algn="l">
-              <a:buFont typeface="Arial" charset="0"/>
-              <a:buChar char="•"/>
-            </a:pPr>
-            <a:r>
-              <a:rPr lang="en-US" sz="2600" dirty="0" err="1">
-                <a:solidFill>
-                  <a:schemeClr val="accent2">
-                    <a:lumMod val="50000"/>
-                  </a:schemeClr>
-                </a:solidFill>
-              </a:rPr>
-              <a:t>encodeURI</a:t>
-            </a:r>
-            <a:r>
-              <a:rPr lang="en-US" sz="2600" dirty="0">
-                <a:solidFill>
-                  <a:schemeClr val="accent2">
-                    <a:lumMod val="50000"/>
-                  </a:schemeClr>
-                </a:solidFill>
-              </a:rPr>
-              <a:t>(</a:t>
-            </a:r>
-            <a:r>
-              <a:rPr lang="en-US" sz="2600" dirty="0">
-                <a:solidFill>
-                  <a:schemeClr val="tx2">
-                    <a:lumMod val="60000"/>
-                    <a:lumOff val="40000"/>
-                  </a:schemeClr>
-                </a:solidFill>
-              </a:rPr>
-              <a:t>"http://www.google.com/a file with spaces.html</a:t>
-            </a:r>
-            <a:r>
-              <a:rPr lang="en-US" sz="2600" dirty="0" smtClean="0">
-                <a:solidFill>
-                  <a:schemeClr val="tx2">
-                    <a:lumMod val="60000"/>
-                    <a:lumOff val="40000"/>
-                  </a:schemeClr>
-                </a:solidFill>
-              </a:rPr>
-              <a:t>"</a:t>
-            </a:r>
-            <a:r>
-              <a:rPr lang="en-US" sz="2600" dirty="0" smtClean="0">
-                <a:solidFill>
-                  <a:schemeClr val="accent2">
-                    <a:lumMod val="50000"/>
-                  </a:schemeClr>
-                </a:solidFill>
-              </a:rPr>
-              <a:t>)</a:t>
-            </a:r>
-            <a:endParaRPr lang="tr-TR" sz="2600" dirty="0" smtClean="0">
-              <a:solidFill>
-                <a:schemeClr val="accent2">
-                  <a:lumMod val="50000"/>
-                </a:schemeClr>
-              </a:solidFill>
-            </a:endParaRPr>
-          </a:p>
-          <a:p>
-            <a:pPr marL="457200" indent="-457200" algn="l">
-              <a:buFont typeface="Arial" charset="0"/>
-              <a:buChar char="•"/>
-            </a:pPr>
-            <a:endParaRPr lang="tr-TR" sz="2600" dirty="0" smtClean="0">
-              <a:solidFill>
-                <a:schemeClr val="accent2">
-                  <a:lumMod val="50000"/>
-                </a:schemeClr>
-              </a:solidFill>
-            </a:endParaRPr>
-          </a:p>
-          <a:p>
-            <a:pPr marL="457200" indent="-457200" algn="l">
-              <a:buFont typeface="Arial" charset="0"/>
-              <a:buChar char="•"/>
-            </a:pPr>
-            <a:r>
-              <a:rPr lang="tr-TR" sz="2600" dirty="0">
-                <a:solidFill>
-                  <a:schemeClr val="tx2">
-                    <a:lumMod val="60000"/>
-                    <a:lumOff val="40000"/>
-                  </a:schemeClr>
-                </a:solidFill>
-              </a:rPr>
-              <a:t>http://www.google.com/a%20file%20with%20spaces.html</a:t>
-            </a:r>
-            <a:endParaRPr lang="tr-TR" sz="2600" dirty="0" smtClean="0">
-              <a:solidFill>
-                <a:schemeClr val="tx2">
-                  <a:lumMod val="60000"/>
-                  <a:lumOff val="40000"/>
-                </a:schemeClr>
-              </a:solidFill>
-            </a:endParaRPr>
-          </a:p>
-          <a:p>
-            <a:pPr algn="l"/>
-            <a:endParaRPr lang="tr-TR" sz="3300" dirty="0">
-              <a:solidFill>
-                <a:srgbClr val="00B050"/>
-              </a:solidFill>
-            </a:endParaRPr>
-          </a:p>
-          <a:p>
-            <a:pPr algn="l"/>
-            <a:endParaRPr lang="tr-TR" sz="3300" dirty="0" smtClean="0">
-              <a:solidFill>
-                <a:srgbClr val="00B050"/>
-              </a:solidFill>
-            </a:endParaRPr>
-          </a:p>
-          <a:p>
-            <a:pPr algn="l"/>
-            <a:endParaRPr lang="tr-TR" sz="4000" dirty="0"/>
-          </a:p>
-        </p:txBody>
-      </p:sp>
-    </p:spTree>
-    <p:extLst>
-      <p:ext uri="{BB962C8B-B14F-4D97-AF65-F5344CB8AC3E}">
-        <p14:creationId xmlns:p14="http://schemas.microsoft.com/office/powerpoint/2010/main" val="2955180758"/>
       </p:ext>
     </p:extLst>
   </p:cSld>
@@ -21343,6 +21928,636 @@
       </p:grpSpPr>
       <p:sp>
         <p:nvSpPr>
+          <p:cNvPr id="5" name="İçerik Yer Tutucusu 2"/>
+          <p:cNvSpPr txBox="1">
+            <a:spLocks/>
+          </p:cNvSpPr>
+          <p:nvPr/>
+        </p:nvSpPr>
+        <p:spPr>
+          <a:xfrm>
+            <a:off x="179512" y="1700809"/>
+            <a:ext cx="8867328" cy="4953018"/>
+          </a:xfrm>
+          <a:prstGeom prst="rect">
+            <a:avLst/>
+          </a:prstGeom>
+        </p:spPr>
+        <p:txBody>
+          <a:bodyPr vert="horz" lIns="91440" tIns="45720" rIns="91440" bIns="45720" rtlCol="0">
+            <a:normAutofit/>
+          </a:bodyPr>
+          <a:lstStyle>
+            <a:lvl1pPr marL="342900" indent="-342900" algn="l" defTabSz="914400" rtl="0" eaLnBrk="1" latinLnBrk="0" hangingPunct="1">
+              <a:spcBef>
+                <a:spcPct val="20000"/>
+              </a:spcBef>
+              <a:buFont typeface="Arial" pitchFamily="34" charset="0"/>
+              <a:buChar char="•"/>
+              <a:defRPr sz="3200" kern="1200">
+                <a:solidFill>
+                  <a:schemeClr val="tx1"/>
+                </a:solidFill>
+                <a:latin typeface="+mn-lt"/>
+                <a:ea typeface="+mn-ea"/>
+                <a:cs typeface="+mn-cs"/>
+              </a:defRPr>
+            </a:lvl1pPr>
+            <a:lvl2pPr marL="742950" indent="-285750" algn="l" defTabSz="914400" rtl="0" eaLnBrk="1" latinLnBrk="0" hangingPunct="1">
+              <a:spcBef>
+                <a:spcPct val="20000"/>
+              </a:spcBef>
+              <a:buFont typeface="Arial" pitchFamily="34" charset="0"/>
+              <a:buChar char="–"/>
+              <a:defRPr sz="2800" kern="1200">
+                <a:solidFill>
+                  <a:schemeClr val="tx1"/>
+                </a:solidFill>
+                <a:latin typeface="+mn-lt"/>
+                <a:ea typeface="+mn-ea"/>
+                <a:cs typeface="+mn-cs"/>
+              </a:defRPr>
+            </a:lvl2pPr>
+            <a:lvl3pPr marL="1143000" indent="-228600" algn="l" defTabSz="914400" rtl="0" eaLnBrk="1" latinLnBrk="0" hangingPunct="1">
+              <a:spcBef>
+                <a:spcPct val="20000"/>
+              </a:spcBef>
+              <a:buFont typeface="Arial" pitchFamily="34" charset="0"/>
+              <a:buChar char="•"/>
+              <a:defRPr sz="2400" kern="1200">
+                <a:solidFill>
+                  <a:schemeClr val="tx1"/>
+                </a:solidFill>
+                <a:latin typeface="+mn-lt"/>
+                <a:ea typeface="+mn-ea"/>
+                <a:cs typeface="+mn-cs"/>
+              </a:defRPr>
+            </a:lvl3pPr>
+            <a:lvl4pPr marL="1600200" indent="-228600" algn="l" defTabSz="914400" rtl="0" eaLnBrk="1" latinLnBrk="0" hangingPunct="1">
+              <a:spcBef>
+                <a:spcPct val="20000"/>
+              </a:spcBef>
+              <a:buFont typeface="Arial" pitchFamily="34" charset="0"/>
+              <a:buChar char="–"/>
+              <a:defRPr sz="2000" kern="1200">
+                <a:solidFill>
+                  <a:schemeClr val="tx1"/>
+                </a:solidFill>
+                <a:latin typeface="+mn-lt"/>
+                <a:ea typeface="+mn-ea"/>
+                <a:cs typeface="+mn-cs"/>
+              </a:defRPr>
+            </a:lvl4pPr>
+            <a:lvl5pPr marL="2057400" indent="-228600" algn="l" defTabSz="914400" rtl="0" eaLnBrk="1" latinLnBrk="0" hangingPunct="1">
+              <a:spcBef>
+                <a:spcPct val="20000"/>
+              </a:spcBef>
+              <a:buFont typeface="Arial" pitchFamily="34" charset="0"/>
+              <a:buChar char="»"/>
+              <a:defRPr sz="2000" kern="1200">
+                <a:solidFill>
+                  <a:schemeClr val="tx1"/>
+                </a:solidFill>
+                <a:latin typeface="+mn-lt"/>
+                <a:ea typeface="+mn-ea"/>
+                <a:cs typeface="+mn-cs"/>
+              </a:defRPr>
+            </a:lvl5pPr>
+            <a:lvl6pPr marL="2514600" indent="-228600" algn="l" defTabSz="914400" rtl="0" eaLnBrk="1" latinLnBrk="0" hangingPunct="1">
+              <a:spcBef>
+                <a:spcPct val="20000"/>
+              </a:spcBef>
+              <a:buFont typeface="Arial" pitchFamily="34" charset="0"/>
+              <a:buChar char="•"/>
+              <a:defRPr sz="2000" kern="1200">
+                <a:solidFill>
+                  <a:schemeClr val="tx1"/>
+                </a:solidFill>
+                <a:latin typeface="+mn-lt"/>
+                <a:ea typeface="+mn-ea"/>
+                <a:cs typeface="+mn-cs"/>
+              </a:defRPr>
+            </a:lvl6pPr>
+            <a:lvl7pPr marL="2971800" indent="-228600" algn="l" defTabSz="914400" rtl="0" eaLnBrk="1" latinLnBrk="0" hangingPunct="1">
+              <a:spcBef>
+                <a:spcPct val="20000"/>
+              </a:spcBef>
+              <a:buFont typeface="Arial" pitchFamily="34" charset="0"/>
+              <a:buChar char="•"/>
+              <a:defRPr sz="2000" kern="1200">
+                <a:solidFill>
+                  <a:schemeClr val="tx1"/>
+                </a:solidFill>
+                <a:latin typeface="+mn-lt"/>
+                <a:ea typeface="+mn-ea"/>
+                <a:cs typeface="+mn-cs"/>
+              </a:defRPr>
+            </a:lvl7pPr>
+            <a:lvl8pPr marL="3429000" indent="-228600" algn="l" defTabSz="914400" rtl="0" eaLnBrk="1" latinLnBrk="0" hangingPunct="1">
+              <a:spcBef>
+                <a:spcPct val="20000"/>
+              </a:spcBef>
+              <a:buFont typeface="Arial" pitchFamily="34" charset="0"/>
+              <a:buChar char="•"/>
+              <a:defRPr sz="2000" kern="1200">
+                <a:solidFill>
+                  <a:schemeClr val="tx1"/>
+                </a:solidFill>
+                <a:latin typeface="+mn-lt"/>
+                <a:ea typeface="+mn-ea"/>
+                <a:cs typeface="+mn-cs"/>
+              </a:defRPr>
+            </a:lvl8pPr>
+            <a:lvl9pPr marL="3886200" indent="-228600" algn="l" defTabSz="914400" rtl="0" eaLnBrk="1" latinLnBrk="0" hangingPunct="1">
+              <a:spcBef>
+                <a:spcPct val="20000"/>
+              </a:spcBef>
+              <a:buFont typeface="Arial" pitchFamily="34" charset="0"/>
+              <a:buChar char="•"/>
+              <a:defRPr sz="2000" kern="1200">
+                <a:solidFill>
+                  <a:schemeClr val="tx1"/>
+                </a:solidFill>
+                <a:latin typeface="+mn-lt"/>
+                <a:ea typeface="+mn-ea"/>
+                <a:cs typeface="+mn-cs"/>
+              </a:defRPr>
+            </a:lvl9pPr>
+          </a:lstStyle>
+          <a:p>
+            <a:pPr marL="0" indent="0">
+              <a:buFont typeface="Arial" pitchFamily="34" charset="0"/>
+              <a:buNone/>
+            </a:pPr>
+            <a:endParaRPr lang="tr-TR" b="1" dirty="0" smtClean="0">
+              <a:solidFill>
+                <a:schemeClr val="accent3">
+                  <a:lumMod val="75000"/>
+                </a:schemeClr>
+              </a:solidFill>
+            </a:endParaRPr>
+          </a:p>
+        </p:txBody>
+      </p:sp>
+      <p:sp>
+        <p:nvSpPr>
+          <p:cNvPr id="10" name="Başlık 1"/>
+          <p:cNvSpPr>
+            <a:spLocks noGrp="1"/>
+          </p:cNvSpPr>
+          <p:nvPr>
+            <p:ph type="title"/>
+          </p:nvPr>
+        </p:nvSpPr>
+        <p:spPr>
+          <a:xfrm>
+            <a:off x="457200" y="274638"/>
+            <a:ext cx="8229600" cy="1143000"/>
+          </a:xfrm>
+        </p:spPr>
+        <p:txBody>
+          <a:bodyPr>
+            <a:normAutofit fontScale="90000"/>
+          </a:bodyPr>
+          <a:lstStyle/>
+          <a:p>
+            <a:r>
+              <a:rPr lang="tr-TR" b="1" dirty="0" smtClean="0"/>
+              <a:t>URL</a:t>
+            </a:r>
+            <a:br>
+              <a:rPr lang="tr-TR" b="1" dirty="0" smtClean="0"/>
+            </a:br>
+            <a:r>
+              <a:rPr lang="tr-TR" dirty="0" err="1" smtClean="0"/>
+              <a:t>url</a:t>
+            </a:r>
+            <a:r>
+              <a:rPr lang="tr-TR" b="1" dirty="0" smtClean="0"/>
+              <a:t> </a:t>
+            </a:r>
+            <a:r>
+              <a:rPr lang="tr-TR" dirty="0" smtClean="0"/>
+              <a:t>kodlama</a:t>
+            </a:r>
+            <a:r>
+              <a:rPr lang="tr-TR" b="1" dirty="0" smtClean="0"/>
+              <a:t> (</a:t>
+            </a:r>
+            <a:r>
+              <a:rPr lang="tr-TR" b="1" dirty="0" err="1" smtClean="0"/>
+              <a:t>url</a:t>
+            </a:r>
+            <a:r>
+              <a:rPr lang="tr-TR" b="1" dirty="0" smtClean="0"/>
+              <a:t> </a:t>
+            </a:r>
+            <a:r>
+              <a:rPr lang="tr-TR" b="1" dirty="0" err="1" smtClean="0"/>
+              <a:t>encoding</a:t>
+            </a:r>
+            <a:r>
+              <a:rPr lang="tr-TR" b="1" dirty="0" smtClean="0"/>
+              <a:t>)</a:t>
+            </a:r>
+            <a:endParaRPr lang="tr-TR" dirty="0"/>
+          </a:p>
+        </p:txBody>
+      </p:sp>
+      <p:sp>
+        <p:nvSpPr>
+          <p:cNvPr id="11" name="Başlık 1"/>
+          <p:cNvSpPr txBox="1">
+            <a:spLocks/>
+          </p:cNvSpPr>
+          <p:nvPr/>
+        </p:nvSpPr>
+        <p:spPr>
+          <a:xfrm>
+            <a:off x="292696" y="1806180"/>
+            <a:ext cx="8640960" cy="4742275"/>
+          </a:xfrm>
+          <a:prstGeom prst="rect">
+            <a:avLst/>
+          </a:prstGeom>
+        </p:spPr>
+        <p:txBody>
+          <a:bodyPr vert="horz" lIns="91440" tIns="45720" rIns="91440" bIns="45720" rtlCol="0" anchor="t">
+            <a:normAutofit fontScale="97500"/>
+          </a:bodyPr>
+          <a:lstStyle>
+            <a:lvl1pPr algn="ctr" defTabSz="914400" rtl="0" eaLnBrk="1" latinLnBrk="0" hangingPunct="1">
+              <a:spcBef>
+                <a:spcPct val="0"/>
+              </a:spcBef>
+              <a:buNone/>
+              <a:defRPr sz="4400" kern="1200">
+                <a:solidFill>
+                  <a:schemeClr val="tx1"/>
+                </a:solidFill>
+                <a:latin typeface="+mj-lt"/>
+                <a:ea typeface="+mj-ea"/>
+                <a:cs typeface="+mj-cs"/>
+              </a:defRPr>
+            </a:lvl1pPr>
+          </a:lstStyle>
+          <a:p>
+            <a:pPr marL="342900" indent="-342900" algn="l">
+              <a:buFont typeface="Arial" pitchFamily="34" charset="0"/>
+              <a:buChar char="•"/>
+            </a:pPr>
+            <a:r>
+              <a:rPr lang="tr-TR" sz="4100" dirty="0" smtClean="0">
+                <a:solidFill>
+                  <a:srgbClr val="00B050"/>
+                </a:solidFill>
+              </a:rPr>
+              <a:t>A-Z</a:t>
+            </a:r>
+            <a:r>
+              <a:rPr lang="tr-TR" sz="4100" dirty="0" smtClean="0"/>
+              <a:t>, </a:t>
+            </a:r>
+            <a:r>
+              <a:rPr lang="tr-TR" sz="4100" dirty="0" smtClean="0">
+                <a:solidFill>
+                  <a:srgbClr val="00B050"/>
+                </a:solidFill>
+              </a:rPr>
+              <a:t>a-z</a:t>
+            </a:r>
+            <a:r>
+              <a:rPr lang="tr-TR" sz="4100" dirty="0" smtClean="0"/>
+              <a:t>, </a:t>
+            </a:r>
+            <a:r>
+              <a:rPr lang="tr-TR" sz="4100" dirty="0" smtClean="0">
+                <a:solidFill>
+                  <a:srgbClr val="00B050"/>
+                </a:solidFill>
+              </a:rPr>
+              <a:t>0-9</a:t>
+            </a:r>
+            <a:r>
+              <a:rPr lang="tr-TR" sz="4100" dirty="0" smtClean="0"/>
+              <a:t>, </a:t>
+            </a:r>
+            <a:r>
+              <a:rPr lang="tr-TR" sz="4100" dirty="0" smtClean="0">
+                <a:solidFill>
+                  <a:srgbClr val="00B050"/>
+                </a:solidFill>
+              </a:rPr>
+              <a:t>-._~:/?#[]@!$&amp;'()*+,;=</a:t>
+            </a:r>
+          </a:p>
+          <a:p>
+            <a:r>
+              <a:rPr lang="tr-TR" sz="2500" dirty="0" smtClean="0">
+                <a:solidFill>
+                  <a:srgbClr val="FF0000"/>
+                </a:solidFill>
+              </a:rPr>
+              <a:t>dışındaki tüm karakterler </a:t>
+            </a:r>
+            <a:r>
+              <a:rPr lang="tr-TR" sz="2500" dirty="0" smtClean="0">
+                <a:solidFill>
+                  <a:srgbClr val="00B050"/>
+                </a:solidFill>
+              </a:rPr>
+              <a:t>geçerli </a:t>
+            </a:r>
+            <a:r>
+              <a:rPr lang="tr-TR" sz="2500" dirty="0" err="1" smtClean="0">
+                <a:solidFill>
+                  <a:srgbClr val="00B050"/>
+                </a:solidFill>
+              </a:rPr>
+              <a:t>url</a:t>
+            </a:r>
+            <a:r>
+              <a:rPr lang="tr-TR" sz="2500" dirty="0" smtClean="0">
+                <a:solidFill>
+                  <a:srgbClr val="00B050"/>
+                </a:solidFill>
+              </a:rPr>
+              <a:t> karakterleriyle</a:t>
+            </a:r>
+            <a:r>
+              <a:rPr lang="tr-TR" sz="2500" dirty="0" smtClean="0">
+                <a:solidFill>
+                  <a:srgbClr val="FF0000"/>
+                </a:solidFill>
+              </a:rPr>
+              <a:t> kodlanır</a:t>
+            </a:r>
+          </a:p>
+          <a:p>
+            <a:endParaRPr lang="tr-TR" sz="2500" dirty="0" smtClean="0">
+              <a:solidFill>
+                <a:srgbClr val="FF0000"/>
+              </a:solidFill>
+            </a:endParaRPr>
+          </a:p>
+          <a:p>
+            <a:pPr marL="457200" indent="-457200" algn="l">
+              <a:buFont typeface="Arial" charset="0"/>
+              <a:buChar char="•"/>
+            </a:pPr>
+            <a:r>
+              <a:rPr lang="tr-TR" sz="2500" dirty="0" smtClean="0"/>
+              <a:t>Boşluk karakteri </a:t>
+            </a:r>
+            <a:r>
+              <a:rPr lang="tr-TR" sz="2500" dirty="0" smtClean="0">
+                <a:solidFill>
+                  <a:srgbClr val="00B050"/>
+                </a:solidFill>
+              </a:rPr>
+              <a:t>+ </a:t>
+            </a:r>
+            <a:r>
+              <a:rPr lang="tr-TR" sz="2500" dirty="0" smtClean="0"/>
+              <a:t>veya </a:t>
+            </a:r>
+            <a:r>
+              <a:rPr lang="tr-TR" sz="2500" dirty="0" smtClean="0">
+                <a:solidFill>
+                  <a:srgbClr val="00B050"/>
+                </a:solidFill>
+              </a:rPr>
+              <a:t>%20 </a:t>
+            </a:r>
+            <a:r>
+              <a:rPr lang="tr-TR" sz="2500" dirty="0" smtClean="0"/>
+              <a:t>karakterleri ile değiştirilir.</a:t>
+            </a:r>
+          </a:p>
+          <a:p>
+            <a:pPr marL="457200" indent="-457200" algn="l">
+              <a:buFont typeface="Arial" charset="0"/>
+              <a:buChar char="•"/>
+            </a:pPr>
+            <a:endParaRPr lang="tr-TR" sz="2500" dirty="0" smtClean="0"/>
+          </a:p>
+          <a:p>
+            <a:pPr marL="457200" indent="-457200" algn="l">
+              <a:buFont typeface="Arial" charset="0"/>
+              <a:buChar char="•"/>
+            </a:pPr>
+            <a:r>
+              <a:rPr lang="tr-TR" sz="2500" dirty="0" err="1" smtClean="0"/>
+              <a:t>Javascript</a:t>
+            </a:r>
+            <a:r>
+              <a:rPr lang="tr-TR" sz="2500" dirty="0" smtClean="0"/>
+              <a:t> </a:t>
+            </a:r>
+            <a:r>
+              <a:rPr lang="tr-TR" sz="2500" dirty="0" err="1" smtClean="0">
+                <a:solidFill>
+                  <a:schemeClr val="accent2">
+                    <a:lumMod val="50000"/>
+                  </a:schemeClr>
+                </a:solidFill>
+              </a:rPr>
+              <a:t>encodeURI</a:t>
+            </a:r>
+            <a:r>
+              <a:rPr lang="tr-TR" sz="2500" dirty="0" smtClean="0">
+                <a:solidFill>
+                  <a:schemeClr val="accent2">
+                    <a:lumMod val="50000"/>
+                  </a:schemeClr>
+                </a:solidFill>
+              </a:rPr>
+              <a:t>()</a:t>
+            </a:r>
+            <a:r>
+              <a:rPr lang="tr-TR" sz="2500" dirty="0" smtClean="0"/>
+              <a:t> «güvenli kodlanmış» </a:t>
+            </a:r>
+            <a:r>
+              <a:rPr lang="tr-TR" sz="2500" dirty="0" err="1" smtClean="0"/>
+              <a:t>url</a:t>
+            </a:r>
+            <a:r>
+              <a:rPr lang="tr-TR" sz="2500" dirty="0" smtClean="0"/>
+              <a:t> oluşturur</a:t>
+            </a:r>
+          </a:p>
+          <a:p>
+            <a:pPr marL="457200" indent="-457200" algn="l">
+              <a:buFont typeface="Arial" charset="0"/>
+              <a:buChar char="•"/>
+            </a:pPr>
+            <a:endParaRPr lang="tr-TR" sz="2500" dirty="0" smtClean="0"/>
+          </a:p>
+          <a:p>
+            <a:pPr marL="457200" indent="-457200" algn="l">
+              <a:buFont typeface="Arial" charset="0"/>
+              <a:buChar char="•"/>
+            </a:pPr>
+            <a:r>
+              <a:rPr lang="en-US" sz="2600" dirty="0" err="1">
+                <a:solidFill>
+                  <a:schemeClr val="accent2">
+                    <a:lumMod val="50000"/>
+                  </a:schemeClr>
+                </a:solidFill>
+              </a:rPr>
+              <a:t>encodeURI</a:t>
+            </a:r>
+            <a:r>
+              <a:rPr lang="en-US" sz="2600" dirty="0">
+                <a:solidFill>
+                  <a:schemeClr val="accent2">
+                    <a:lumMod val="50000"/>
+                  </a:schemeClr>
+                </a:solidFill>
+              </a:rPr>
+              <a:t>(</a:t>
+            </a:r>
+            <a:r>
+              <a:rPr lang="en-US" sz="2600" dirty="0">
+                <a:solidFill>
+                  <a:schemeClr val="tx2">
+                    <a:lumMod val="60000"/>
+                    <a:lumOff val="40000"/>
+                  </a:schemeClr>
+                </a:solidFill>
+              </a:rPr>
+              <a:t>"http://www.google.com/a file with spaces.html</a:t>
+            </a:r>
+            <a:r>
+              <a:rPr lang="en-US" sz="2600" dirty="0" smtClean="0">
+                <a:solidFill>
+                  <a:schemeClr val="tx2">
+                    <a:lumMod val="60000"/>
+                    <a:lumOff val="40000"/>
+                  </a:schemeClr>
+                </a:solidFill>
+              </a:rPr>
+              <a:t>"</a:t>
+            </a:r>
+            <a:r>
+              <a:rPr lang="en-US" sz="2600" dirty="0" smtClean="0">
+                <a:solidFill>
+                  <a:schemeClr val="accent2">
+                    <a:lumMod val="50000"/>
+                  </a:schemeClr>
+                </a:solidFill>
+              </a:rPr>
+              <a:t>)</a:t>
+            </a:r>
+            <a:endParaRPr lang="tr-TR" sz="2600" dirty="0" smtClean="0">
+              <a:solidFill>
+                <a:schemeClr val="accent2">
+                  <a:lumMod val="50000"/>
+                </a:schemeClr>
+              </a:solidFill>
+            </a:endParaRPr>
+          </a:p>
+          <a:p>
+            <a:pPr marL="457200" indent="-457200" algn="l">
+              <a:buFont typeface="Arial" charset="0"/>
+              <a:buChar char="•"/>
+            </a:pPr>
+            <a:endParaRPr lang="tr-TR" sz="2600" dirty="0" smtClean="0">
+              <a:solidFill>
+                <a:schemeClr val="accent2">
+                  <a:lumMod val="50000"/>
+                </a:schemeClr>
+              </a:solidFill>
+            </a:endParaRPr>
+          </a:p>
+          <a:p>
+            <a:pPr marL="457200" indent="-457200" algn="l">
+              <a:buFont typeface="Arial" charset="0"/>
+              <a:buChar char="•"/>
+            </a:pPr>
+            <a:r>
+              <a:rPr lang="tr-TR" sz="2600" dirty="0">
+                <a:solidFill>
+                  <a:schemeClr val="tx2">
+                    <a:lumMod val="60000"/>
+                    <a:lumOff val="40000"/>
+                  </a:schemeClr>
+                </a:solidFill>
+              </a:rPr>
+              <a:t>http://www.google.com/a%20file%20with%20spaces.html</a:t>
+            </a:r>
+            <a:endParaRPr lang="tr-TR" sz="2600" dirty="0" smtClean="0">
+              <a:solidFill>
+                <a:schemeClr val="tx2">
+                  <a:lumMod val="60000"/>
+                  <a:lumOff val="40000"/>
+                </a:schemeClr>
+              </a:solidFill>
+            </a:endParaRPr>
+          </a:p>
+          <a:p>
+            <a:pPr algn="l"/>
+            <a:endParaRPr lang="tr-TR" sz="3300" dirty="0">
+              <a:solidFill>
+                <a:srgbClr val="00B050"/>
+              </a:solidFill>
+            </a:endParaRPr>
+          </a:p>
+          <a:p>
+            <a:pPr algn="l"/>
+            <a:endParaRPr lang="tr-TR" sz="3300" dirty="0" smtClean="0">
+              <a:solidFill>
+                <a:srgbClr val="00B050"/>
+              </a:solidFill>
+            </a:endParaRPr>
+          </a:p>
+          <a:p>
+            <a:pPr algn="l"/>
+            <a:endParaRPr lang="tr-TR" sz="4000" dirty="0"/>
+          </a:p>
+        </p:txBody>
+      </p:sp>
+    </p:spTree>
+    <p:extLst>
+      <p:ext uri="{BB962C8B-B14F-4D97-AF65-F5344CB8AC3E}">
+        <p14:creationId xmlns:p14="http://schemas.microsoft.com/office/powerpoint/2010/main" val="2955180758"/>
+      </p:ext>
+    </p:extLst>
+  </p:cSld>
+  <p:clrMapOvr>
+    <a:masterClrMapping/>
+  </p:clrMapOvr>
+  <p:timing>
+    <p:tnLst>
+      <p:par>
+        <p:cTn id="1" dur="indefinite" restart="never" nodeType="tmRoot"/>
+      </p:par>
+    </p:tnLst>
+  </p:timing>
+</p:sld>
+</file>
+
+<file path=ppt/slides/slide31.xml><?xml version="1.0" encoding="utf-8"?>
+<p:sld xmlns:a="http://schemas.openxmlformats.org/drawingml/2006/main" xmlns:r="http://schemas.openxmlformats.org/officeDocument/2006/relationships" xmlns:p="http://schemas.openxmlformats.org/presentationml/2006/main">
+  <p:cSld>
+    <p:spTree>
+      <p:nvGrpSpPr>
+        <p:cNvPr id="1" name=""/>
+        <p:cNvGrpSpPr/>
+        <p:nvPr/>
+      </p:nvGrpSpPr>
+      <p:grpSpPr>
+        <a:xfrm>
+          <a:off x="0" y="0"/>
+          <a:ext cx="0" cy="0"/>
+          <a:chOff x="0" y="0"/>
+          <a:chExt cx="0" cy="0"/>
+        </a:xfrm>
+      </p:grpSpPr>
+      <p:sp>
+        <p:nvSpPr>
           <p:cNvPr id="4" name="Başlık 1"/>
           <p:cNvSpPr txBox="1">
             <a:spLocks/>
@@ -21617,365 +22832,6 @@
     <p:extLst>
       <p:ext uri="{BB962C8B-B14F-4D97-AF65-F5344CB8AC3E}">
         <p14:creationId xmlns:p14="http://schemas.microsoft.com/office/powerpoint/2010/main" val="2940203914"/>
-      </p:ext>
-    </p:extLst>
-  </p:cSld>
-  <p:clrMapOvr>
-    <a:masterClrMapping/>
-  </p:clrMapOvr>
-</p:sld>
-</file>
-
-<file path=ppt/slides/slide31.xml><?xml version="1.0" encoding="utf-8"?>
-<p:sld xmlns:a="http://schemas.openxmlformats.org/drawingml/2006/main" xmlns:r="http://schemas.openxmlformats.org/officeDocument/2006/relationships" xmlns:p="http://schemas.openxmlformats.org/presentationml/2006/main">
-  <p:cSld>
-    <p:spTree>
-      <p:nvGrpSpPr>
-        <p:cNvPr id="1" name=""/>
-        <p:cNvGrpSpPr/>
-        <p:nvPr/>
-      </p:nvGrpSpPr>
-      <p:grpSpPr>
-        <a:xfrm>
-          <a:off x="0" y="0"/>
-          <a:ext cx="0" cy="0"/>
-          <a:chOff x="0" y="0"/>
-          <a:chExt cx="0" cy="0"/>
-        </a:xfrm>
-      </p:grpSpPr>
-      <p:sp>
-        <p:nvSpPr>
-          <p:cNvPr id="4" name="Başlık 1"/>
-          <p:cNvSpPr txBox="1">
-            <a:spLocks/>
-          </p:cNvSpPr>
-          <p:nvPr/>
-        </p:nvSpPr>
-        <p:spPr>
-          <a:xfrm>
-            <a:off x="301576" y="1052736"/>
-            <a:ext cx="8640960" cy="5472608"/>
-          </a:xfrm>
-          <a:prstGeom prst="rect">
-            <a:avLst/>
-          </a:prstGeom>
-        </p:spPr>
-        <p:txBody>
-          <a:bodyPr vert="horz" lIns="91440" tIns="45720" rIns="91440" bIns="45720" rtlCol="0" anchor="t">
-            <a:normAutofit fontScale="97500"/>
-          </a:bodyPr>
-          <a:lstStyle>
-            <a:lvl1pPr algn="ctr" defTabSz="914400" rtl="0" eaLnBrk="1" latinLnBrk="0" hangingPunct="1">
-              <a:spcBef>
-                <a:spcPct val="0"/>
-              </a:spcBef>
-              <a:buNone/>
-              <a:defRPr sz="4400" kern="1200">
-                <a:solidFill>
-                  <a:schemeClr val="tx1"/>
-                </a:solidFill>
-                <a:latin typeface="+mj-lt"/>
-                <a:ea typeface="+mj-ea"/>
-                <a:cs typeface="+mj-cs"/>
-              </a:defRPr>
-            </a:lvl1pPr>
-          </a:lstStyle>
-          <a:p>
-            <a:pPr algn="l"/>
-            <a:r>
-              <a:rPr lang="tr-TR" sz="4000" dirty="0" smtClean="0"/>
-              <a:t> </a:t>
-            </a:r>
-            <a:r>
-              <a:rPr lang="tr-TR" sz="4000" b="1" dirty="0" smtClean="0"/>
-              <a:t>Kaynaklar</a:t>
-            </a:r>
-            <a:r>
-              <a:rPr lang="tr-TR" sz="4000" dirty="0" smtClean="0"/>
-              <a:t> (</a:t>
-            </a:r>
-            <a:r>
-              <a:rPr lang="tr-TR" sz="4000" dirty="0" err="1" smtClean="0"/>
-              <a:t>resources</a:t>
-            </a:r>
-            <a:r>
-              <a:rPr lang="tr-TR" sz="4000" dirty="0" smtClean="0"/>
-              <a:t>)</a:t>
-            </a:r>
-          </a:p>
-          <a:p>
-            <a:pPr marL="342900" indent="-342900" algn="l">
-              <a:buFont typeface="Arial" pitchFamily="34" charset="0"/>
-              <a:buChar char="•"/>
-            </a:pPr>
-            <a:r>
-              <a:rPr lang="tr-TR" sz="2500" b="1" dirty="0" smtClean="0"/>
-              <a:t>Fiziksel kaynaklara </a:t>
-            </a:r>
-            <a:r>
-              <a:rPr lang="tr-TR" sz="2500" dirty="0" smtClean="0"/>
-              <a:t>daha</a:t>
-            </a:r>
-            <a:r>
-              <a:rPr lang="tr-TR" sz="2500" b="1" dirty="0" smtClean="0"/>
-              <a:t> </a:t>
-            </a:r>
-            <a:r>
-              <a:rPr lang="tr-TR" sz="2500" dirty="0" smtClean="0"/>
-              <a:t>yaygın olarak </a:t>
-            </a:r>
-            <a:r>
-              <a:rPr lang="tr-TR" sz="2500" b="1" dirty="0" smtClean="0"/>
-              <a:t>statik</a:t>
-            </a:r>
-            <a:r>
-              <a:rPr lang="tr-TR" sz="2500" dirty="0" smtClean="0"/>
-              <a:t> içerik denir.</a:t>
-            </a:r>
-          </a:p>
-          <a:p>
-            <a:pPr algn="l"/>
-            <a:r>
-              <a:rPr lang="tr-TR" sz="2500" dirty="0" smtClean="0"/>
-              <a:t>	S</a:t>
-            </a:r>
-            <a:r>
-              <a:rPr lang="tr-TR" sz="2100" dirty="0" smtClean="0"/>
-              <a:t>tatik içerik sunucu diskinde saklanır.</a:t>
-            </a:r>
-          </a:p>
-          <a:p>
-            <a:pPr algn="l"/>
-            <a:r>
-              <a:rPr lang="tr-TR" sz="2100" dirty="0"/>
-              <a:t>	</a:t>
-            </a:r>
-            <a:r>
-              <a:rPr lang="tr-TR" sz="2100" dirty="0" smtClean="0"/>
-              <a:t>Dosyalardan oluşur.</a:t>
-            </a:r>
-          </a:p>
-          <a:p>
-            <a:pPr algn="l"/>
-            <a:r>
-              <a:rPr lang="tr-TR" sz="2100" dirty="0"/>
-              <a:t>	</a:t>
-            </a:r>
-            <a:r>
-              <a:rPr lang="tr-TR" sz="2100" dirty="0" smtClean="0"/>
-              <a:t>İçeriği </a:t>
-            </a:r>
-            <a:r>
-              <a:rPr lang="tr-TR" sz="2100" b="1" dirty="0" smtClean="0"/>
-              <a:t>istek</a:t>
-            </a:r>
-            <a:r>
-              <a:rPr lang="tr-TR" sz="2100" dirty="0"/>
-              <a:t> </a:t>
-            </a:r>
-            <a:r>
-              <a:rPr lang="tr-TR" sz="2100" dirty="0" smtClean="0"/>
-              <a:t>halinde istemciye</a:t>
-            </a:r>
-            <a:r>
-              <a:rPr lang="tr-TR" sz="2100" b="1" dirty="0" smtClean="0"/>
-              <a:t> </a:t>
-            </a:r>
-            <a:r>
-              <a:rPr lang="tr-TR" sz="2100" dirty="0" smtClean="0"/>
-              <a:t>diskten</a:t>
-            </a:r>
-            <a:r>
-              <a:rPr lang="tr-TR" sz="2100" b="1" dirty="0" smtClean="0"/>
-              <a:t> </a:t>
-            </a:r>
-            <a:r>
-              <a:rPr lang="tr-TR" sz="2100" dirty="0" smtClean="0"/>
-              <a:t>aktarılır.</a:t>
-            </a:r>
-          </a:p>
-          <a:p>
-            <a:pPr algn="l"/>
-            <a:r>
-              <a:rPr lang="tr-TR" sz="2100" dirty="0" smtClean="0">
-                <a:solidFill>
-                  <a:schemeClr val="accent2">
-                    <a:lumMod val="75000"/>
-                  </a:schemeClr>
-                </a:solidFill>
-              </a:rPr>
-              <a:t>	http://www.sample.com/main/index.html</a:t>
-            </a:r>
-          </a:p>
-          <a:p>
-            <a:pPr algn="l"/>
-            <a:r>
-              <a:rPr lang="tr-TR" sz="2100" dirty="0" smtClean="0">
-                <a:solidFill>
-                  <a:schemeClr val="accent2">
-                    <a:lumMod val="75000"/>
-                  </a:schemeClr>
-                </a:solidFill>
-              </a:rPr>
-              <a:t>	http://www.sample.com/images/landscape.jpg</a:t>
-            </a:r>
-          </a:p>
-          <a:p>
-            <a:pPr algn="l"/>
-            <a:r>
-              <a:rPr lang="tr-TR" sz="2100" dirty="0" smtClean="0">
-                <a:solidFill>
-                  <a:schemeClr val="accent2">
-                    <a:lumMod val="75000"/>
-                  </a:schemeClr>
-                </a:solidFill>
-              </a:rPr>
-              <a:t>	ftp</a:t>
-            </a:r>
-            <a:r>
-              <a:rPr lang="tr-TR" sz="2100" dirty="0">
-                <a:solidFill>
-                  <a:schemeClr val="accent2">
-                    <a:lumMod val="75000"/>
-                  </a:schemeClr>
-                </a:solidFill>
-              </a:rPr>
-              <a:t>://</a:t>
-            </a:r>
-            <a:r>
-              <a:rPr lang="tr-TR" sz="2100" dirty="0" smtClean="0">
-                <a:solidFill>
-                  <a:schemeClr val="accent2">
-                    <a:lumMod val="75000"/>
-                  </a:schemeClr>
-                </a:solidFill>
-              </a:rPr>
-              <a:t>www.sample.com/files/list.txt</a:t>
-            </a:r>
-            <a:endParaRPr lang="tr-TR" sz="2100" dirty="0" smtClean="0"/>
-          </a:p>
-          <a:p>
-            <a:pPr marL="342900" indent="-342900" algn="l">
-              <a:buFont typeface="Arial" pitchFamily="34" charset="0"/>
-              <a:buChar char="•"/>
-            </a:pPr>
-            <a:r>
-              <a:rPr lang="tr-TR" sz="2500" b="1" dirty="0" smtClean="0"/>
-              <a:t>Sanal kaynaklara </a:t>
-            </a:r>
-            <a:r>
-              <a:rPr lang="tr-TR" sz="2500" dirty="0"/>
-              <a:t>daha</a:t>
-            </a:r>
-            <a:r>
-              <a:rPr lang="tr-TR" sz="2500" b="1" dirty="0"/>
-              <a:t> </a:t>
-            </a:r>
-            <a:r>
-              <a:rPr lang="tr-TR" sz="2500" dirty="0" smtClean="0"/>
-              <a:t>yaygın </a:t>
-            </a:r>
-            <a:r>
-              <a:rPr lang="tr-TR" sz="2500" dirty="0"/>
-              <a:t>olarak </a:t>
-            </a:r>
-            <a:r>
-              <a:rPr lang="tr-TR" sz="2500" b="1" dirty="0" smtClean="0"/>
-              <a:t>dinamik</a:t>
-            </a:r>
-            <a:r>
-              <a:rPr lang="tr-TR" sz="2500" dirty="0" smtClean="0"/>
-              <a:t> içerik denir.</a:t>
-            </a:r>
-          </a:p>
-          <a:p>
-            <a:pPr algn="l"/>
-            <a:r>
-              <a:rPr lang="tr-TR" sz="2500" dirty="0"/>
-              <a:t>	</a:t>
-            </a:r>
-            <a:r>
-              <a:rPr lang="tr-TR" sz="2100" dirty="0" smtClean="0"/>
-              <a:t>Dinamik içerik çeşitli kayıt ortamlarında saklanır veya üretilir.</a:t>
-            </a:r>
-          </a:p>
-          <a:p>
-            <a:pPr algn="l"/>
-            <a:r>
-              <a:rPr lang="tr-TR" sz="2100" dirty="0"/>
-              <a:t>	Verilerden oluşur.</a:t>
-            </a:r>
-          </a:p>
-          <a:p>
-            <a:pPr algn="l"/>
-            <a:r>
-              <a:rPr lang="tr-TR" sz="2100" dirty="0" smtClean="0"/>
-              <a:t>	İçeriği </a:t>
-            </a:r>
-            <a:r>
-              <a:rPr lang="tr-TR" sz="2100" b="1" dirty="0" smtClean="0"/>
-              <a:t>istek</a:t>
-            </a:r>
-            <a:r>
-              <a:rPr lang="tr-TR" sz="2100" dirty="0" smtClean="0"/>
-              <a:t> anında </a:t>
-            </a:r>
-            <a:r>
-              <a:rPr lang="tr-TR" sz="2100" b="1" dirty="0" smtClean="0"/>
-              <a:t>üretilerek</a:t>
-            </a:r>
-            <a:r>
-              <a:rPr lang="tr-TR" sz="2100" dirty="0" smtClean="0"/>
-              <a:t> istemciye aktarılır.</a:t>
-            </a:r>
-          </a:p>
-          <a:p>
-            <a:pPr algn="l"/>
-            <a:r>
-              <a:rPr lang="tr-TR" sz="2500" dirty="0"/>
-              <a:t>	</a:t>
-            </a:r>
-            <a:r>
-              <a:rPr lang="tr-TR" sz="2100" dirty="0" smtClean="0">
-                <a:solidFill>
-                  <a:schemeClr val="accent2">
-                    <a:lumMod val="75000"/>
-                  </a:schemeClr>
-                </a:solidFill>
-              </a:rPr>
-              <a:t>http://www.timeanddate.com/worldclock/turkey/istanbul</a:t>
-            </a:r>
-          </a:p>
-          <a:p>
-            <a:pPr algn="l"/>
-            <a:r>
-              <a:rPr lang="tr-TR" sz="2100" dirty="0" smtClean="0">
-                <a:solidFill>
-                  <a:schemeClr val="accent2">
-                    <a:lumMod val="75000"/>
-                  </a:schemeClr>
-                </a:solidFill>
-              </a:rPr>
-              <a:t>	http://www.sample.com/profile/user?id=1234</a:t>
-            </a:r>
-          </a:p>
-          <a:p>
-            <a:pPr algn="l"/>
-            <a:endParaRPr lang="tr-TR" sz="2500" dirty="0" smtClean="0"/>
-          </a:p>
-          <a:p>
-            <a:pPr marL="571500" indent="-571500" algn="l">
-              <a:buFont typeface="Arial" pitchFamily="34" charset="0"/>
-              <a:buChar char="•"/>
-            </a:pPr>
-            <a:endParaRPr lang="tr-TR" sz="4000" dirty="0"/>
-          </a:p>
-        </p:txBody>
-      </p:sp>
-    </p:spTree>
-    <p:extLst>
-      <p:ext uri="{BB962C8B-B14F-4D97-AF65-F5344CB8AC3E}">
-        <p14:creationId xmlns:p14="http://schemas.microsoft.com/office/powerpoint/2010/main" val="709934200"/>
       </p:ext>
     </p:extLst>
   </p:cSld>
@@ -22004,6 +22860,365 @@
       </p:grpSpPr>
       <p:sp>
         <p:nvSpPr>
+          <p:cNvPr id="4" name="Başlık 1"/>
+          <p:cNvSpPr txBox="1">
+            <a:spLocks/>
+          </p:cNvSpPr>
+          <p:nvPr/>
+        </p:nvSpPr>
+        <p:spPr>
+          <a:xfrm>
+            <a:off x="301576" y="1052736"/>
+            <a:ext cx="8640960" cy="5472608"/>
+          </a:xfrm>
+          <a:prstGeom prst="rect">
+            <a:avLst/>
+          </a:prstGeom>
+        </p:spPr>
+        <p:txBody>
+          <a:bodyPr vert="horz" lIns="91440" tIns="45720" rIns="91440" bIns="45720" rtlCol="0" anchor="t">
+            <a:normAutofit fontScale="97500"/>
+          </a:bodyPr>
+          <a:lstStyle>
+            <a:lvl1pPr algn="ctr" defTabSz="914400" rtl="0" eaLnBrk="1" latinLnBrk="0" hangingPunct="1">
+              <a:spcBef>
+                <a:spcPct val="0"/>
+              </a:spcBef>
+              <a:buNone/>
+              <a:defRPr sz="4400" kern="1200">
+                <a:solidFill>
+                  <a:schemeClr val="tx1"/>
+                </a:solidFill>
+                <a:latin typeface="+mj-lt"/>
+                <a:ea typeface="+mj-ea"/>
+                <a:cs typeface="+mj-cs"/>
+              </a:defRPr>
+            </a:lvl1pPr>
+          </a:lstStyle>
+          <a:p>
+            <a:pPr algn="l"/>
+            <a:r>
+              <a:rPr lang="tr-TR" sz="4000" dirty="0" smtClean="0"/>
+              <a:t> </a:t>
+            </a:r>
+            <a:r>
+              <a:rPr lang="tr-TR" sz="4000" b="1" dirty="0" smtClean="0"/>
+              <a:t>Kaynaklar</a:t>
+            </a:r>
+            <a:r>
+              <a:rPr lang="tr-TR" sz="4000" dirty="0" smtClean="0"/>
+              <a:t> (</a:t>
+            </a:r>
+            <a:r>
+              <a:rPr lang="tr-TR" sz="4000" dirty="0" err="1" smtClean="0"/>
+              <a:t>resources</a:t>
+            </a:r>
+            <a:r>
+              <a:rPr lang="tr-TR" sz="4000" dirty="0" smtClean="0"/>
+              <a:t>)</a:t>
+            </a:r>
+          </a:p>
+          <a:p>
+            <a:pPr marL="342900" indent="-342900" algn="l">
+              <a:buFont typeface="Arial" pitchFamily="34" charset="0"/>
+              <a:buChar char="•"/>
+            </a:pPr>
+            <a:r>
+              <a:rPr lang="tr-TR" sz="2500" b="1" dirty="0" smtClean="0"/>
+              <a:t>Fiziksel kaynaklara </a:t>
+            </a:r>
+            <a:r>
+              <a:rPr lang="tr-TR" sz="2500" dirty="0" smtClean="0"/>
+              <a:t>daha</a:t>
+            </a:r>
+            <a:r>
+              <a:rPr lang="tr-TR" sz="2500" b="1" dirty="0" smtClean="0"/>
+              <a:t> </a:t>
+            </a:r>
+            <a:r>
+              <a:rPr lang="tr-TR" sz="2500" dirty="0" smtClean="0"/>
+              <a:t>yaygın olarak </a:t>
+            </a:r>
+            <a:r>
+              <a:rPr lang="tr-TR" sz="2500" b="1" dirty="0" smtClean="0"/>
+              <a:t>statik</a:t>
+            </a:r>
+            <a:r>
+              <a:rPr lang="tr-TR" sz="2500" dirty="0" smtClean="0"/>
+              <a:t> içerik denir.</a:t>
+            </a:r>
+          </a:p>
+          <a:p>
+            <a:pPr algn="l"/>
+            <a:r>
+              <a:rPr lang="tr-TR" sz="2500" dirty="0" smtClean="0"/>
+              <a:t>	S</a:t>
+            </a:r>
+            <a:r>
+              <a:rPr lang="tr-TR" sz="2100" dirty="0" smtClean="0"/>
+              <a:t>tatik içerik sunucu diskinde saklanır.</a:t>
+            </a:r>
+          </a:p>
+          <a:p>
+            <a:pPr algn="l"/>
+            <a:r>
+              <a:rPr lang="tr-TR" sz="2100" dirty="0"/>
+              <a:t>	</a:t>
+            </a:r>
+            <a:r>
+              <a:rPr lang="tr-TR" sz="2100" dirty="0" smtClean="0"/>
+              <a:t>Dosyalardan oluşur.</a:t>
+            </a:r>
+          </a:p>
+          <a:p>
+            <a:pPr algn="l"/>
+            <a:r>
+              <a:rPr lang="tr-TR" sz="2100" dirty="0"/>
+              <a:t>	</a:t>
+            </a:r>
+            <a:r>
+              <a:rPr lang="tr-TR" sz="2100" dirty="0" smtClean="0"/>
+              <a:t>İçeriği </a:t>
+            </a:r>
+            <a:r>
+              <a:rPr lang="tr-TR" sz="2100" b="1" dirty="0" smtClean="0"/>
+              <a:t>istek</a:t>
+            </a:r>
+            <a:r>
+              <a:rPr lang="tr-TR" sz="2100" dirty="0"/>
+              <a:t> </a:t>
+            </a:r>
+            <a:r>
+              <a:rPr lang="tr-TR" sz="2100" dirty="0" smtClean="0"/>
+              <a:t>halinde istemciye</a:t>
+            </a:r>
+            <a:r>
+              <a:rPr lang="tr-TR" sz="2100" b="1" dirty="0" smtClean="0"/>
+              <a:t> </a:t>
+            </a:r>
+            <a:r>
+              <a:rPr lang="tr-TR" sz="2100" dirty="0" smtClean="0"/>
+              <a:t>diskten</a:t>
+            </a:r>
+            <a:r>
+              <a:rPr lang="tr-TR" sz="2100" b="1" dirty="0" smtClean="0"/>
+              <a:t> </a:t>
+            </a:r>
+            <a:r>
+              <a:rPr lang="tr-TR" sz="2100" dirty="0" smtClean="0"/>
+              <a:t>aktarılır.</a:t>
+            </a:r>
+          </a:p>
+          <a:p>
+            <a:pPr algn="l"/>
+            <a:r>
+              <a:rPr lang="tr-TR" sz="2100" dirty="0" smtClean="0">
+                <a:solidFill>
+                  <a:schemeClr val="accent2">
+                    <a:lumMod val="75000"/>
+                  </a:schemeClr>
+                </a:solidFill>
+              </a:rPr>
+              <a:t>	http://www.sample.com/main/index.html</a:t>
+            </a:r>
+          </a:p>
+          <a:p>
+            <a:pPr algn="l"/>
+            <a:r>
+              <a:rPr lang="tr-TR" sz="2100" dirty="0" smtClean="0">
+                <a:solidFill>
+                  <a:schemeClr val="accent2">
+                    <a:lumMod val="75000"/>
+                  </a:schemeClr>
+                </a:solidFill>
+              </a:rPr>
+              <a:t>	http://www.sample.com/images/landscape.jpg</a:t>
+            </a:r>
+          </a:p>
+          <a:p>
+            <a:pPr algn="l"/>
+            <a:r>
+              <a:rPr lang="tr-TR" sz="2100" dirty="0" smtClean="0">
+                <a:solidFill>
+                  <a:schemeClr val="accent2">
+                    <a:lumMod val="75000"/>
+                  </a:schemeClr>
+                </a:solidFill>
+              </a:rPr>
+              <a:t>	ftp</a:t>
+            </a:r>
+            <a:r>
+              <a:rPr lang="tr-TR" sz="2100" dirty="0">
+                <a:solidFill>
+                  <a:schemeClr val="accent2">
+                    <a:lumMod val="75000"/>
+                  </a:schemeClr>
+                </a:solidFill>
+              </a:rPr>
+              <a:t>://</a:t>
+            </a:r>
+            <a:r>
+              <a:rPr lang="tr-TR" sz="2100" dirty="0" smtClean="0">
+                <a:solidFill>
+                  <a:schemeClr val="accent2">
+                    <a:lumMod val="75000"/>
+                  </a:schemeClr>
+                </a:solidFill>
+              </a:rPr>
+              <a:t>www.sample.com/files/list.txt</a:t>
+            </a:r>
+            <a:endParaRPr lang="tr-TR" sz="2100" dirty="0" smtClean="0"/>
+          </a:p>
+          <a:p>
+            <a:pPr marL="342900" indent="-342900" algn="l">
+              <a:buFont typeface="Arial" pitchFamily="34" charset="0"/>
+              <a:buChar char="•"/>
+            </a:pPr>
+            <a:r>
+              <a:rPr lang="tr-TR" sz="2500" b="1" dirty="0" smtClean="0"/>
+              <a:t>Sanal kaynaklara </a:t>
+            </a:r>
+            <a:r>
+              <a:rPr lang="tr-TR" sz="2500" dirty="0"/>
+              <a:t>daha</a:t>
+            </a:r>
+            <a:r>
+              <a:rPr lang="tr-TR" sz="2500" b="1" dirty="0"/>
+              <a:t> </a:t>
+            </a:r>
+            <a:r>
+              <a:rPr lang="tr-TR" sz="2500" dirty="0" smtClean="0"/>
+              <a:t>yaygın </a:t>
+            </a:r>
+            <a:r>
+              <a:rPr lang="tr-TR" sz="2500" dirty="0"/>
+              <a:t>olarak </a:t>
+            </a:r>
+            <a:r>
+              <a:rPr lang="tr-TR" sz="2500" b="1" dirty="0" smtClean="0"/>
+              <a:t>dinamik</a:t>
+            </a:r>
+            <a:r>
+              <a:rPr lang="tr-TR" sz="2500" dirty="0" smtClean="0"/>
+              <a:t> içerik denir.</a:t>
+            </a:r>
+          </a:p>
+          <a:p>
+            <a:pPr algn="l"/>
+            <a:r>
+              <a:rPr lang="tr-TR" sz="2500" dirty="0"/>
+              <a:t>	</a:t>
+            </a:r>
+            <a:r>
+              <a:rPr lang="tr-TR" sz="2100" dirty="0" smtClean="0"/>
+              <a:t>Dinamik içerik çeşitli kayıt ortamlarında saklanır veya üretilir.</a:t>
+            </a:r>
+          </a:p>
+          <a:p>
+            <a:pPr algn="l"/>
+            <a:r>
+              <a:rPr lang="tr-TR" sz="2100" dirty="0"/>
+              <a:t>	Verilerden oluşur.</a:t>
+            </a:r>
+          </a:p>
+          <a:p>
+            <a:pPr algn="l"/>
+            <a:r>
+              <a:rPr lang="tr-TR" sz="2100" dirty="0" smtClean="0"/>
+              <a:t>	İçeriği </a:t>
+            </a:r>
+            <a:r>
+              <a:rPr lang="tr-TR" sz="2100" b="1" dirty="0" smtClean="0"/>
+              <a:t>istek</a:t>
+            </a:r>
+            <a:r>
+              <a:rPr lang="tr-TR" sz="2100" dirty="0" smtClean="0"/>
+              <a:t> anında </a:t>
+            </a:r>
+            <a:r>
+              <a:rPr lang="tr-TR" sz="2100" b="1" dirty="0" smtClean="0"/>
+              <a:t>üretilerek</a:t>
+            </a:r>
+            <a:r>
+              <a:rPr lang="tr-TR" sz="2100" dirty="0" smtClean="0"/>
+              <a:t> istemciye aktarılır.</a:t>
+            </a:r>
+          </a:p>
+          <a:p>
+            <a:pPr algn="l"/>
+            <a:r>
+              <a:rPr lang="tr-TR" sz="2500" dirty="0"/>
+              <a:t>	</a:t>
+            </a:r>
+            <a:r>
+              <a:rPr lang="tr-TR" sz="2100" dirty="0" smtClean="0">
+                <a:solidFill>
+                  <a:schemeClr val="accent2">
+                    <a:lumMod val="75000"/>
+                  </a:schemeClr>
+                </a:solidFill>
+              </a:rPr>
+              <a:t>http://www.timeanddate.com/worldclock/turkey/istanbul</a:t>
+            </a:r>
+          </a:p>
+          <a:p>
+            <a:pPr algn="l"/>
+            <a:r>
+              <a:rPr lang="tr-TR" sz="2100" dirty="0" smtClean="0">
+                <a:solidFill>
+                  <a:schemeClr val="accent2">
+                    <a:lumMod val="75000"/>
+                  </a:schemeClr>
+                </a:solidFill>
+              </a:rPr>
+              <a:t>	http://www.sample.com/profile/user?id=1234</a:t>
+            </a:r>
+          </a:p>
+          <a:p>
+            <a:pPr algn="l"/>
+            <a:endParaRPr lang="tr-TR" sz="2500" dirty="0" smtClean="0"/>
+          </a:p>
+          <a:p>
+            <a:pPr marL="571500" indent="-571500" algn="l">
+              <a:buFont typeface="Arial" pitchFamily="34" charset="0"/>
+              <a:buChar char="•"/>
+            </a:pPr>
+            <a:endParaRPr lang="tr-TR" sz="4000" dirty="0"/>
+          </a:p>
+        </p:txBody>
+      </p:sp>
+    </p:spTree>
+    <p:extLst>
+      <p:ext uri="{BB962C8B-B14F-4D97-AF65-F5344CB8AC3E}">
+        <p14:creationId xmlns:p14="http://schemas.microsoft.com/office/powerpoint/2010/main" val="709934200"/>
+      </p:ext>
+    </p:extLst>
+  </p:cSld>
+  <p:clrMapOvr>
+    <a:masterClrMapping/>
+  </p:clrMapOvr>
+</p:sld>
+</file>
+
+<file path=ppt/slides/slide33.xml><?xml version="1.0" encoding="utf-8"?>
+<p:sld xmlns:a="http://schemas.openxmlformats.org/drawingml/2006/main" xmlns:r="http://schemas.openxmlformats.org/officeDocument/2006/relationships" xmlns:p="http://schemas.openxmlformats.org/presentationml/2006/main">
+  <p:cSld>
+    <p:spTree>
+      <p:nvGrpSpPr>
+        <p:cNvPr id="1" name=""/>
+        <p:cNvGrpSpPr/>
+        <p:nvPr/>
+      </p:nvGrpSpPr>
+      <p:grpSpPr>
+        <a:xfrm>
+          <a:off x="0" y="0"/>
+          <a:ext cx="0" cy="0"/>
+          <a:chOff x="0" y="0"/>
+          <a:chExt cx="0" cy="0"/>
+        </a:xfrm>
+      </p:grpSpPr>
+      <p:sp>
+        <p:nvSpPr>
           <p:cNvPr id="2" name="Başlık 1"/>
           <p:cNvSpPr>
             <a:spLocks noGrp="1"/>
@@ -22017,26 +23232,6 @@
           <a:bodyPr/>
           <a:lstStyle/>
           <a:p>
-            <a:r>
-              <a:rPr lang="tr-TR" dirty="0" err="1" smtClean="0"/>
-              <a:t>hyper</a:t>
-            </a:r>
-            <a:r>
-              <a:rPr lang="tr-TR" dirty="0" smtClean="0"/>
-              <a:t> </a:t>
-            </a:r>
-            <a:r>
-              <a:rPr lang="tr-TR" dirty="0" err="1" smtClean="0"/>
-              <a:t>text</a:t>
-            </a:r>
-            <a:r>
-              <a:rPr lang="tr-TR" dirty="0" smtClean="0"/>
-              <a:t> transfer </a:t>
-            </a:r>
-            <a:r>
-              <a:rPr lang="tr-TR" dirty="0" err="1" smtClean="0"/>
-              <a:t>protocol</a:t>
-            </a:r>
             <a:endParaRPr lang="tr-TR" dirty="0"/>
           </a:p>
         </p:txBody>
@@ -22056,17 +23251,60 @@
           <a:bodyPr/>
           <a:lstStyle/>
           <a:p>
-            <a:r>
-              <a:rPr lang="tr-TR" dirty="0" smtClean="0"/>
-              <a:t>GET</a:t>
-            </a:r>
-          </a:p>
-          <a:p>
-            <a:r>
-              <a:rPr lang="tr-TR" dirty="0" smtClean="0"/>
-              <a:t>POST</a:t>
-            </a:r>
+            <a:pPr marL="0" indent="0">
+              <a:buNone/>
+            </a:pPr>
             <a:endParaRPr lang="tr-TR" dirty="0"/>
+          </a:p>
+        </p:txBody>
+      </p:sp>
+      <p:sp>
+        <p:nvSpPr>
+          <p:cNvPr id="4" name="Metin kutusu 3"/>
+          <p:cNvSpPr txBox="1"/>
+          <p:nvPr/>
+        </p:nvSpPr>
+        <p:spPr>
+          <a:xfrm>
+            <a:off x="1403648" y="2276872"/>
+            <a:ext cx="5976664" cy="646331"/>
+          </a:xfrm>
+          <a:prstGeom prst="rect">
+            <a:avLst/>
+          </a:prstGeom>
+          <a:noFill/>
+        </p:spPr>
+        <p:txBody>
+          <a:bodyPr wrap="square" rtlCol="0">
+            <a:spAutoFit/>
+          </a:bodyPr>
+          <a:lstStyle/>
+          <a:p>
+            <a:r>
+              <a:rPr lang="tr-TR" sz="3600" b="1" dirty="0">
+                <a:solidFill>
+                  <a:schemeClr val="accent3">
+                    <a:lumMod val="75000"/>
+                  </a:schemeClr>
+                </a:solidFill>
+              </a:rPr>
+              <a:t>main</a:t>
+            </a:r>
+            <a:r>
+              <a:rPr lang="tr-TR" sz="3600" b="1" dirty="0"/>
+              <a:t>/</a:t>
+            </a:r>
+            <a:r>
+              <a:rPr lang="tr-TR" sz="3600" b="1" dirty="0">
+                <a:solidFill>
+                  <a:schemeClr val="accent3">
+                    <a:lumMod val="75000"/>
+                  </a:schemeClr>
+                </a:solidFill>
+              </a:rPr>
+              <a:t>index.htm</a:t>
+            </a:r>
+            <a:endParaRPr lang="tr-TR" sz="3600" dirty="0"/>
           </a:p>
         </p:txBody>
       </p:sp>

--- a/AttendanceTracker/Web Adresi.pptx
+++ b/AttendanceTracker/Web Adresi.pptx
@@ -5,7 +5,7 @@
     <p:sldMasterId id="2147483648" r:id="rId1"/>
   </p:sldMasterIdLst>
   <p:notesMasterIdLst>
-    <p:notesMasterId r:id="rId34"/>
+    <p:notesMasterId r:id="rId35"/>
   </p:notesMasterIdLst>
   <p:sldIdLst>
     <p:sldId id="288" r:id="rId2"/>
@@ -35,11 +35,12 @@
     <p:sldId id="285" r:id="rId26"/>
     <p:sldId id="286" r:id="rId27"/>
     <p:sldId id="287" r:id="rId28"/>
-    <p:sldId id="289" r:id="rId29"/>
-    <p:sldId id="278" r:id="rId30"/>
-    <p:sldId id="279" r:id="rId31"/>
-    <p:sldId id="261" r:id="rId32"/>
-    <p:sldId id="277" r:id="rId33"/>
+    <p:sldId id="292" r:id="rId29"/>
+    <p:sldId id="289" r:id="rId30"/>
+    <p:sldId id="278" r:id="rId31"/>
+    <p:sldId id="279" r:id="rId32"/>
+    <p:sldId id="261" r:id="rId33"/>
+    <p:sldId id="277" r:id="rId34"/>
   </p:sldIdLst>
   <p:sldSz cx="9144000" cy="6858000" type="screen4x3"/>
   <p:notesSz cx="6858000" cy="9144000"/>
@@ -223,7 +224,7 @@
           <a:p>
             <a:fld id="{64B62F89-0884-4240-9CE5-9A2E3DB8BDF8}" type="datetimeFigureOut">
               <a:rPr lang="tr-TR" smtClean="0"/>
-              <a:t>14.4.2015</a:t>
+              <a:t>17.4.2015</a:t>
             </a:fld>
             <a:endParaRPr lang="tr-TR"/>
           </a:p>
@@ -1892,17 +1893,7 @@
                   </a:schemeClr>
                 </a:solidFill>
               </a:rPr>
-              <a:t> </a:t>
-            </a:r>
-            <a:r>
-              <a:rPr lang="tr-TR" sz="1200" b="0" dirty="0" smtClean="0">
-                <a:solidFill>
-                  <a:schemeClr val="accent3">
-                    <a:lumMod val="75000"/>
-                  </a:schemeClr>
-                </a:solidFill>
-              </a:rPr>
-              <a:t>(</a:t>
+              <a:t> (</a:t>
             </a:r>
             <a:r>
               <a:rPr lang="tr-TR" sz="1200" b="0" i="0" u="none" strike="noStrike" kern="1200" dirty="0" smtClean="0">
@@ -2164,17 +2155,7 @@
                   </a:schemeClr>
                 </a:solidFill>
               </a:rPr>
-              <a:t>http</a:t>
-            </a:r>
-            <a:r>
-              <a:rPr lang="tr-TR" sz="1200" b="0" dirty="0" smtClean="0">
-                <a:solidFill>
-                  <a:schemeClr val="accent3">
-                    <a:lumMod val="75000"/>
-                  </a:schemeClr>
-                </a:solidFill>
-              </a:rPr>
-              <a:t>://www.iana.org/assignments/service-names-port-numbers/service-names-port-numbers.xhtml</a:t>
+              <a:t>http://www.iana.org/assignments/service-names-port-numbers/service-names-port-numbers.xhtml</a:t>
             </a:r>
           </a:p>
         </p:txBody>
@@ -3343,15 +3324,7 @@
             </a:pPr>
             <a:r>
               <a:rPr lang="tr-TR" baseline="0" dirty="0" smtClean="0"/>
-              <a:t>Internet trafiğini yöneten </a:t>
-            </a:r>
-            <a:r>
-              <a:rPr lang="tr-TR" baseline="0" dirty="0" smtClean="0"/>
-              <a:t>yönlendirici </a:t>
-            </a:r>
-            <a:r>
-              <a:rPr lang="tr-TR" baseline="0" dirty="0" smtClean="0"/>
-              <a:t>donanımlar (</a:t>
+              <a:t>Internet trafiğini yöneten yönlendirici donanımlar (</a:t>
             </a:r>
             <a:r>
               <a:rPr lang="tr-TR" b="1" baseline="0" dirty="0" err="1" smtClean="0"/>
@@ -3915,7 +3888,15 @@
                   <a:srgbClr val="7030A0"/>
                 </a:solidFill>
               </a:rPr>
-              <a:t> adlı fiziksel sunucuya </a:t>
+              <a:t> adlı fiziksel sunucuya (</a:t>
+            </a:r>
+            <a:r>
+              <a:rPr lang="tr-TR" sz="1200" b="1" baseline="0" dirty="0" err="1" smtClean="0">
+                <a:solidFill>
+                  <a:srgbClr val="7030A0"/>
+                </a:solidFill>
+              </a:rPr>
+              <a:t>host</a:t>
             </a:r>
             <a:r>
               <a:rPr lang="tr-TR" sz="1200" b="0" baseline="0" dirty="0" smtClean="0">
@@ -3923,31 +3904,7 @@
                   <a:srgbClr val="7030A0"/>
                 </a:solidFill>
               </a:rPr>
-              <a:t>(</a:t>
-            </a:r>
-            <a:r>
-              <a:rPr lang="tr-TR" sz="1200" b="1" baseline="0" dirty="0" err="1" smtClean="0">
-                <a:solidFill>
-                  <a:srgbClr val="7030A0"/>
-                </a:solidFill>
-              </a:rPr>
-              <a:t>host</a:t>
-            </a:r>
-            <a:r>
-              <a:rPr lang="tr-TR" sz="1200" b="0" baseline="0" dirty="0" smtClean="0">
-                <a:solidFill>
-                  <a:srgbClr val="7030A0"/>
-                </a:solidFill>
-              </a:rPr>
-              <a:t>) karşılık </a:t>
-            </a:r>
-            <a:r>
-              <a:rPr lang="tr-TR" sz="1200" b="0" baseline="0" dirty="0" smtClean="0">
-                <a:solidFill>
-                  <a:srgbClr val="7030A0"/>
-                </a:solidFill>
-              </a:rPr>
-              <a:t>gelir.</a:t>
+              <a:t>) karşılık gelir.</a:t>
             </a:r>
           </a:p>
           <a:p>
@@ -4409,7 +4366,15 @@
                   <a:srgbClr val="7030A0"/>
                 </a:solidFill>
               </a:rPr>
-              <a:t> adlı fiziksel sunucuya </a:t>
+              <a:t> adlı fiziksel sunucuya (</a:t>
+            </a:r>
+            <a:r>
+              <a:rPr lang="tr-TR" sz="1200" b="1" baseline="0" dirty="0" err="1" smtClean="0">
+                <a:solidFill>
+                  <a:srgbClr val="7030A0"/>
+                </a:solidFill>
+              </a:rPr>
+              <a:t>host</a:t>
             </a:r>
             <a:r>
               <a:rPr lang="tr-TR" sz="1200" b="0" baseline="0" dirty="0" smtClean="0">
@@ -4417,31 +4382,7 @@
                   <a:srgbClr val="7030A0"/>
                 </a:solidFill>
               </a:rPr>
-              <a:t>(</a:t>
-            </a:r>
-            <a:r>
-              <a:rPr lang="tr-TR" sz="1200" b="1" baseline="0" dirty="0" err="1" smtClean="0">
-                <a:solidFill>
-                  <a:srgbClr val="7030A0"/>
-                </a:solidFill>
-              </a:rPr>
-              <a:t>host</a:t>
-            </a:r>
-            <a:r>
-              <a:rPr lang="tr-TR" sz="1200" b="0" baseline="0" dirty="0" smtClean="0">
-                <a:solidFill>
-                  <a:srgbClr val="7030A0"/>
-                </a:solidFill>
-              </a:rPr>
-              <a:t>) karşılık </a:t>
-            </a:r>
-            <a:r>
-              <a:rPr lang="tr-TR" sz="1200" b="0" baseline="0" dirty="0" smtClean="0">
-                <a:solidFill>
-                  <a:srgbClr val="7030A0"/>
-                </a:solidFill>
-              </a:rPr>
-              <a:t>gelir</a:t>
+              <a:t>) karşılık gelir</a:t>
             </a:r>
             <a:endParaRPr lang="tr-TR" sz="1200" b="0" dirty="0" smtClean="0">
               <a:solidFill>
@@ -5007,23 +4948,7 @@
                   <a:srgbClr val="7030A0"/>
                 </a:solidFill>
               </a:rPr>
-              <a:t>) </a:t>
-            </a:r>
-            <a:r>
-              <a:rPr lang="tr-TR" sz="1200" b="0" baseline="0" dirty="0" smtClean="0">
-                <a:solidFill>
-                  <a:srgbClr val="7030A0"/>
-                </a:solidFill>
-              </a:rPr>
-              <a:t>atanmış, </a:t>
-            </a:r>
-            <a:r>
-              <a:rPr lang="tr-TR" sz="1200" b="0" baseline="0" dirty="0" smtClean="0">
-                <a:solidFill>
-                  <a:srgbClr val="7030A0"/>
-                </a:solidFill>
-              </a:rPr>
-              <a:t>varsayılan kapı </a:t>
+              <a:t>) atanmış, varsayılan kapı </a:t>
             </a:r>
             <a:r>
               <a:rPr lang="tr-TR" sz="1200" b="0" baseline="0" dirty="0" err="1" smtClean="0">
@@ -5309,23 +5234,7 @@
                   <a:srgbClr val="7030A0"/>
                 </a:solidFill>
               </a:rPr>
-              <a:t>) </a:t>
-            </a:r>
-            <a:r>
-              <a:rPr lang="tr-TR" sz="1200" b="0" baseline="0" dirty="0" smtClean="0">
-                <a:solidFill>
-                  <a:srgbClr val="7030A0"/>
-                </a:solidFill>
-              </a:rPr>
-              <a:t>atanmış, varsayılan </a:t>
-            </a:r>
-            <a:r>
-              <a:rPr lang="tr-TR" sz="1200" b="0" baseline="0" dirty="0" smtClean="0">
-                <a:solidFill>
-                  <a:srgbClr val="7030A0"/>
-                </a:solidFill>
-              </a:rPr>
-              <a:t>kapı </a:t>
+              <a:t>) atanmış, varsayılan kapı </a:t>
             </a:r>
             <a:r>
               <a:rPr lang="tr-TR" sz="1200" b="0" baseline="0" dirty="0" err="1" smtClean="0">
@@ -5846,11 +5755,7 @@
             </a:r>
             <a:r>
               <a:rPr lang="tr-TR" b="0" baseline="0" dirty="0" smtClean="0"/>
-              <a:t>) doğrudan fiziksel sunuculara </a:t>
-            </a:r>
-            <a:r>
-              <a:rPr lang="tr-TR" b="0" baseline="0" dirty="0" smtClean="0"/>
-              <a:t>(</a:t>
+              <a:t>) doğrudan fiziksel sunuculara (</a:t>
             </a:r>
             <a:r>
               <a:rPr lang="tr-TR" b="1" baseline="0" dirty="0" err="1" smtClean="0"/>
@@ -5862,11 +5767,7 @@
             </a:r>
             <a:r>
               <a:rPr lang="tr-TR" b="0" baseline="0" dirty="0" smtClean="0"/>
-              <a:t>sunucu </a:t>
-            </a:r>
-            <a:r>
-              <a:rPr lang="tr-TR" b="0" baseline="0" dirty="0" smtClean="0"/>
-              <a:t>ad ve IP </a:t>
+              <a:t>sunucu ad ve IP </a:t>
             </a:r>
             <a:r>
               <a:rPr lang="tr-TR" b="0" baseline="0" dirty="0" err="1" smtClean="0"/>
@@ -5874,11 +5775,7 @@
             </a:r>
             <a:r>
               <a:rPr lang="tr-TR" b="0" baseline="0" dirty="0" smtClean="0"/>
-              <a:t>) </a:t>
-            </a:r>
-            <a:r>
-              <a:rPr lang="tr-TR" b="0" baseline="0" dirty="0" smtClean="0"/>
-              <a:t>karşılık gelir.</a:t>
+              <a:t>) karşılık gelir.</a:t>
             </a:r>
           </a:p>
           <a:p>
@@ -6039,7 +5936,15 @@
                   <a:srgbClr val="7030A0"/>
                 </a:solidFill>
               </a:rPr>
-              <a:t> IP adresli fiziksel </a:t>
+              <a:t> IP adresli fiziksel sunucuyu (</a:t>
+            </a:r>
+            <a:r>
+              <a:rPr lang="tr-TR" sz="1200" b="1" baseline="0" dirty="0" err="1" smtClean="0">
+                <a:solidFill>
+                  <a:srgbClr val="7030A0"/>
+                </a:solidFill>
+              </a:rPr>
+              <a:t>host</a:t>
             </a:r>
             <a:r>
               <a:rPr lang="tr-TR" sz="1200" b="0" baseline="0" dirty="0" smtClean="0">
@@ -6047,15 +5952,25 @@
                   <a:srgbClr val="7030A0"/>
                 </a:solidFill>
               </a:rPr>
-              <a:t>sunucuyu (</a:t>
-            </a:r>
-            <a:r>
-              <a:rPr lang="tr-TR" sz="1200" b="1" baseline="0" dirty="0" err="1" smtClean="0">
+              <a:t>) bul</a:t>
+            </a:r>
+          </a:p>
+          <a:p>
+            <a:r>
+              <a:rPr lang="tr-TR" sz="1200" b="0" baseline="0" dirty="0" smtClean="0">
                 <a:solidFill>
                   <a:srgbClr val="7030A0"/>
                 </a:solidFill>
               </a:rPr>
-              <a:t>host</a:t>
+              <a:t>2) Sunucuya </a:t>
+            </a:r>
+            <a:r>
+              <a:rPr lang="tr-TR" sz="1200" b="1" baseline="0" dirty="0" smtClean="0">
+                <a:solidFill>
+                  <a:srgbClr val="7030A0"/>
+                </a:solidFill>
+              </a:rPr>
+              <a:t>http </a:t>
             </a:r>
             <a:r>
               <a:rPr lang="tr-TR" sz="1200" b="0" baseline="0" dirty="0" smtClean="0">
@@ -6063,7 +5978,15 @@
                   <a:srgbClr val="7030A0"/>
                 </a:solidFill>
               </a:rPr>
-              <a:t>) </a:t>
+              <a:t>protokolü kullanılarak 80. kapıdan (</a:t>
+            </a:r>
+            <a:r>
+              <a:rPr lang="tr-TR" sz="1200" b="1" baseline="0" dirty="0" smtClean="0">
+                <a:solidFill>
+                  <a:srgbClr val="7030A0"/>
+                </a:solidFill>
+              </a:rPr>
+              <a:t>port</a:t>
             </a:r>
             <a:r>
               <a:rPr lang="tr-TR" sz="1200" b="0" baseline="0" dirty="0" smtClean="0">
@@ -6071,7 +5994,7 @@
                   <a:srgbClr val="7030A0"/>
                 </a:solidFill>
               </a:rPr>
-              <a:t>bul</a:t>
+              <a:t>) ulaş.</a:t>
             </a:r>
           </a:p>
           <a:p>
@@ -6081,7 +6004,7 @@
                   <a:srgbClr val="7030A0"/>
                 </a:solidFill>
               </a:rPr>
-              <a:t>2) Sunucuya </a:t>
+              <a:t>3) </a:t>
             </a:r>
             <a:r>
               <a:rPr lang="tr-TR" sz="1200" b="1" baseline="0" dirty="0" smtClean="0">
@@ -6089,7 +6012,7 @@
                   <a:srgbClr val="7030A0"/>
                 </a:solidFill>
               </a:rPr>
-              <a:t>http </a:t>
+              <a:t>http</a:t>
             </a:r>
             <a:r>
               <a:rPr lang="tr-TR" sz="1200" b="0" baseline="0" dirty="0" smtClean="0">
@@ -6097,7 +6020,7 @@
                   <a:srgbClr val="7030A0"/>
                 </a:solidFill>
               </a:rPr>
-              <a:t>protokolü kullanılarak 80. kapıdan (</a:t>
+              <a:t>  protokolünü kullanarak yolu verilen </a:t>
             </a:r>
             <a:r>
               <a:rPr lang="tr-TR" sz="1200" b="1" baseline="0" dirty="0" smtClean="0">
@@ -6105,7 +6028,7 @@
                   <a:srgbClr val="7030A0"/>
                 </a:solidFill>
               </a:rPr>
-              <a:t>port</a:t>
+              <a:t>/main/index.htm</a:t>
             </a:r>
             <a:r>
               <a:rPr lang="tr-TR" sz="1200" b="0" baseline="0" dirty="0" smtClean="0">
@@ -6113,79 +6036,24 @@
                   <a:srgbClr val="7030A0"/>
                 </a:solidFill>
               </a:rPr>
-              <a:t>) ulaş.</a:t>
-            </a:r>
-          </a:p>
-          <a:p>
+              <a:t>  kaynağı iste (</a:t>
+            </a:r>
+            <a:r>
+              <a:rPr lang="tr-TR" sz="1200" b="1" baseline="0" dirty="0" smtClean="0">
+                <a:solidFill>
+                  <a:srgbClr val="7030A0"/>
+                </a:solidFill>
+              </a:rPr>
+              <a:t>GET</a:t>
+            </a:r>
             <a:r>
               <a:rPr lang="tr-TR" sz="1200" b="0" baseline="0" dirty="0" smtClean="0">
                 <a:solidFill>
                   <a:srgbClr val="7030A0"/>
                 </a:solidFill>
               </a:rPr>
-              <a:t>3) </a:t>
-            </a:r>
-            <a:r>
-              <a:rPr lang="tr-TR" sz="1200" b="1" baseline="0" dirty="0" smtClean="0">
-                <a:solidFill>
-                  <a:srgbClr val="7030A0"/>
-                </a:solidFill>
-              </a:rPr>
-              <a:t>http</a:t>
-            </a:r>
-            <a:r>
-              <a:rPr lang="tr-TR" sz="1200" b="0" baseline="0" dirty="0" smtClean="0">
-                <a:solidFill>
-                  <a:srgbClr val="7030A0"/>
-                </a:solidFill>
-              </a:rPr>
-              <a:t>  protokolünü kullanarak yolu verilen </a:t>
-            </a:r>
-            <a:r>
-              <a:rPr lang="tr-TR" sz="1200" b="1" baseline="0" dirty="0" smtClean="0">
-                <a:solidFill>
-                  <a:srgbClr val="7030A0"/>
-                </a:solidFill>
-              </a:rPr>
-              <a:t>/main/index.htm</a:t>
-            </a:r>
-            <a:r>
-              <a:rPr lang="tr-TR" sz="1200" b="0" baseline="0" dirty="0" smtClean="0">
-                <a:solidFill>
-                  <a:srgbClr val="7030A0"/>
-                </a:solidFill>
-              </a:rPr>
-              <a:t>  kaynağı </a:t>
-            </a:r>
-            <a:r>
-              <a:rPr lang="tr-TR" sz="1200" b="0" baseline="0" dirty="0" smtClean="0">
-                <a:solidFill>
-                  <a:srgbClr val="7030A0"/>
-                </a:solidFill>
-              </a:rPr>
-              <a:t>iste (</a:t>
-            </a:r>
-            <a:r>
-              <a:rPr lang="tr-TR" sz="1200" b="1" baseline="0" dirty="0" smtClean="0">
-                <a:solidFill>
-                  <a:srgbClr val="7030A0"/>
-                </a:solidFill>
-              </a:rPr>
-              <a:t>GET</a:t>
-            </a:r>
-            <a:r>
-              <a:rPr lang="tr-TR" sz="1200" b="0" baseline="0" dirty="0" smtClean="0">
-                <a:solidFill>
-                  <a:srgbClr val="7030A0"/>
-                </a:solidFill>
-              </a:rPr>
               <a:t>).</a:t>
             </a:r>
-            <a:endParaRPr lang="tr-TR" sz="1200" b="0" baseline="0" dirty="0" smtClean="0">
-              <a:solidFill>
-                <a:srgbClr val="7030A0"/>
-              </a:solidFill>
-            </a:endParaRPr>
           </a:p>
           <a:p>
             <a:endParaRPr lang="tr-TR" sz="1200" b="0" dirty="0" smtClean="0">
@@ -6502,7 +6370,7 @@
           <a:p>
             <a:fld id="{B8FE99EC-B6B9-469D-A2EB-8DDD57864557}" type="slidenum">
               <a:rPr lang="tr-TR" smtClean="0"/>
-              <a:t>28</a:t>
+              <a:t>29</a:t>
             </a:fld>
             <a:endParaRPr lang="tr-TR"/>
           </a:p>
@@ -6673,7 +6541,7 @@
           <a:p>
             <a:fld id="{B8FE99EC-B6B9-469D-A2EB-8DDD57864557}" type="slidenum">
               <a:rPr lang="tr-TR" smtClean="0"/>
-              <a:t>29</a:t>
+              <a:t>30</a:t>
             </a:fld>
             <a:endParaRPr lang="tr-TR"/>
           </a:p>
@@ -6908,7 +6776,7 @@
           <a:p>
             <a:fld id="{B8FE99EC-B6B9-469D-A2EB-8DDD57864557}" type="slidenum">
               <a:rPr lang="tr-TR" smtClean="0"/>
-              <a:t>30</a:t>
+              <a:t>31</a:t>
             </a:fld>
             <a:endParaRPr lang="tr-TR"/>
           </a:p>
@@ -7342,7 +7210,7 @@
           <a:p>
             <a:fld id="{B8FE99EC-B6B9-469D-A2EB-8DDD57864557}" type="slidenum">
               <a:rPr lang="tr-TR" smtClean="0"/>
-              <a:t>31</a:t>
+              <a:t>32</a:t>
             </a:fld>
             <a:endParaRPr lang="tr-TR"/>
           </a:p>
@@ -7608,7 +7476,7 @@
           <a:p>
             <a:fld id="{B8FE99EC-B6B9-469D-A2EB-8DDD57864557}" type="slidenum">
               <a:rPr lang="tr-TR" smtClean="0"/>
-              <a:t>32</a:t>
+              <a:t>33</a:t>
             </a:fld>
             <a:endParaRPr lang="tr-TR"/>
           </a:p>
@@ -8991,13 +8859,8 @@
             </a:r>
             <a:r>
               <a:rPr lang="tr-TR" dirty="0" smtClean="0"/>
-              <a:t> </a:t>
-            </a:r>
-            <a:r>
-              <a:rPr lang="tr-TR" dirty="0" smtClean="0"/>
-              <a:t>domain</a:t>
-            </a:r>
-            <a:endParaRPr lang="tr-TR" dirty="0" smtClean="0"/>
+              <a:t> domain</a:t>
+            </a:r>
           </a:p>
           <a:p>
             <a:endParaRPr lang="tr-TR" dirty="0" smtClean="0"/>
@@ -10155,7 +10018,7 @@
           <a:p>
             <a:fld id="{6827CE42-24F3-4CA7-A515-413F09EE414E}" type="datetimeFigureOut">
               <a:rPr lang="tr-TR" smtClean="0"/>
-              <a:t>14.4.2015</a:t>
+              <a:t>17.4.2015</a:t>
             </a:fld>
             <a:endParaRPr lang="tr-TR" dirty="0"/>
           </a:p>
@@ -10325,7 +10188,7 @@
           <a:p>
             <a:fld id="{6827CE42-24F3-4CA7-A515-413F09EE414E}" type="datetimeFigureOut">
               <a:rPr lang="tr-TR" smtClean="0"/>
-              <a:t>14.4.2015</a:t>
+              <a:t>17.4.2015</a:t>
             </a:fld>
             <a:endParaRPr lang="tr-TR" dirty="0"/>
           </a:p>
@@ -10505,7 +10368,7 @@
           <a:p>
             <a:fld id="{6827CE42-24F3-4CA7-A515-413F09EE414E}" type="datetimeFigureOut">
               <a:rPr lang="tr-TR" smtClean="0"/>
-              <a:t>14.4.2015</a:t>
+              <a:t>17.4.2015</a:t>
             </a:fld>
             <a:endParaRPr lang="tr-TR" dirty="0"/>
           </a:p>
@@ -10675,7 +10538,7 @@
           <a:p>
             <a:fld id="{6827CE42-24F3-4CA7-A515-413F09EE414E}" type="datetimeFigureOut">
               <a:rPr lang="tr-TR" smtClean="0"/>
-              <a:t>14.4.2015</a:t>
+              <a:t>17.4.2015</a:t>
             </a:fld>
             <a:endParaRPr lang="tr-TR" dirty="0"/>
           </a:p>
@@ -10921,7 +10784,7 @@
           <a:p>
             <a:fld id="{6827CE42-24F3-4CA7-A515-413F09EE414E}" type="datetimeFigureOut">
               <a:rPr lang="tr-TR" smtClean="0"/>
-              <a:t>14.4.2015</a:t>
+              <a:t>17.4.2015</a:t>
             </a:fld>
             <a:endParaRPr lang="tr-TR" dirty="0"/>
           </a:p>
@@ -11209,7 +11072,7 @@
           <a:p>
             <a:fld id="{6827CE42-24F3-4CA7-A515-413F09EE414E}" type="datetimeFigureOut">
               <a:rPr lang="tr-TR" smtClean="0"/>
-              <a:t>14.4.2015</a:t>
+              <a:t>17.4.2015</a:t>
             </a:fld>
             <a:endParaRPr lang="tr-TR" dirty="0"/>
           </a:p>
@@ -11631,7 +11494,7 @@
           <a:p>
             <a:fld id="{6827CE42-24F3-4CA7-A515-413F09EE414E}" type="datetimeFigureOut">
               <a:rPr lang="tr-TR" smtClean="0"/>
-              <a:t>14.4.2015</a:t>
+              <a:t>17.4.2015</a:t>
             </a:fld>
             <a:endParaRPr lang="tr-TR" dirty="0"/>
           </a:p>
@@ -11749,7 +11612,7 @@
           <a:p>
             <a:fld id="{6827CE42-24F3-4CA7-A515-413F09EE414E}" type="datetimeFigureOut">
               <a:rPr lang="tr-TR" smtClean="0"/>
-              <a:t>14.4.2015</a:t>
+              <a:t>17.4.2015</a:t>
             </a:fld>
             <a:endParaRPr lang="tr-TR" dirty="0"/>
           </a:p>
@@ -11844,7 +11707,7 @@
           <a:p>
             <a:fld id="{6827CE42-24F3-4CA7-A515-413F09EE414E}" type="datetimeFigureOut">
               <a:rPr lang="tr-TR" smtClean="0"/>
-              <a:t>14.4.2015</a:t>
+              <a:t>17.4.2015</a:t>
             </a:fld>
             <a:endParaRPr lang="tr-TR" dirty="0"/>
           </a:p>
@@ -12121,7 +11984,7 @@
           <a:p>
             <a:fld id="{6827CE42-24F3-4CA7-A515-413F09EE414E}" type="datetimeFigureOut">
               <a:rPr lang="tr-TR" smtClean="0"/>
-              <a:t>14.4.2015</a:t>
+              <a:t>17.4.2015</a:t>
             </a:fld>
             <a:endParaRPr lang="tr-TR" dirty="0"/>
           </a:p>
@@ -12374,7 +12237,7 @@
           <a:p>
             <a:fld id="{6827CE42-24F3-4CA7-A515-413F09EE414E}" type="datetimeFigureOut">
               <a:rPr lang="tr-TR" smtClean="0"/>
-              <a:t>14.4.2015</a:t>
+              <a:t>17.4.2015</a:t>
             </a:fld>
             <a:endParaRPr lang="tr-TR" dirty="0"/>
           </a:p>
@@ -12587,7 +12450,7 @@
           <a:p>
             <a:fld id="{6827CE42-24F3-4CA7-A515-413F09EE414E}" type="datetimeFigureOut">
               <a:rPr lang="tr-TR" smtClean="0"/>
-              <a:t>14.4.2015</a:t>
+              <a:t>17.4.2015</a:t>
             </a:fld>
             <a:endParaRPr lang="tr-TR" dirty="0"/>
           </a:p>
@@ -14219,27 +14082,7 @@
                   </a:schemeClr>
                 </a:solidFill>
               </a:rPr>
-              <a:t>sonraki </a:t>
-            </a:r>
-            <a:r>
-              <a:rPr lang="tr-TR" sz="2400" dirty="0" smtClean="0">
-                <a:solidFill>
-                  <a:schemeClr val="accent6">
-                    <a:lumMod val="50000"/>
-                  </a:schemeClr>
-                </a:solidFill>
-              </a:rPr>
-              <a:t>parametreleri </a:t>
-            </a:r>
-            <a:r>
-              <a:rPr lang="tr-TR" sz="2400" dirty="0" smtClean="0">
-                <a:solidFill>
-                  <a:schemeClr val="accent6">
-                    <a:lumMod val="50000"/>
-                  </a:schemeClr>
-                </a:solidFill>
-              </a:rPr>
-              <a:t>birbirinden ayırır.</a:t>
+              <a:t>sonraki parametreleri birbirinden ayırır.</a:t>
             </a:r>
             <a:endParaRPr lang="tr-TR" sz="2400" dirty="0" smtClean="0">
               <a:solidFill>
@@ -21554,11 +21397,6 @@
               </a:rPr>
               <a:t>2</a:t>
             </a:r>
-            <a:endParaRPr lang="tr-TR" sz="4400" b="1" dirty="0">
-              <a:solidFill>
-                <a:srgbClr val="7030A0"/>
-              </a:solidFill>
-            </a:endParaRPr>
           </a:p>
         </p:txBody>
       </p:sp>
@@ -21676,6 +21514,882 @@
           <a:chExt cx="0" cy="0"/>
         </a:xfrm>
       </p:grpSpPr>
+      <p:pic>
+        <p:nvPicPr>
+          <p:cNvPr id="23" name="İçerik Yer Tutucusu 22"/>
+          <p:cNvPicPr>
+            <a:picLocks noGrp="1" noChangeAspect="1"/>
+          </p:cNvPicPr>
+          <p:nvPr>
+            <p:ph idx="1"/>
+          </p:nvPr>
+        </p:nvPicPr>
+        <p:blipFill>
+          <a:blip r:embed="rId2">
+            <a:extLst>
+              <a:ext uri="{28A0092B-C50C-407E-A947-70E740481C1C}">
+                <a14:useLocalDpi xmlns:a14="http://schemas.microsoft.com/office/drawing/2010/main" val="0"/>
+              </a:ext>
+            </a:extLst>
+          </a:blip>
+          <a:stretch>
+            <a:fillRect/>
+          </a:stretch>
+        </p:blipFill>
+        <p:spPr>
+          <a:xfrm>
+            <a:off x="5004048" y="3210808"/>
+            <a:ext cx="1072229" cy="1643351"/>
+          </a:xfrm>
+        </p:spPr>
+      </p:pic>
+      <p:sp>
+        <p:nvSpPr>
+          <p:cNvPr id="2" name="Başlık 1"/>
+          <p:cNvSpPr>
+            <a:spLocks noGrp="1"/>
+          </p:cNvSpPr>
+          <p:nvPr>
+            <p:ph type="title"/>
+          </p:nvPr>
+        </p:nvSpPr>
+        <p:spPr/>
+        <p:txBody>
+          <a:bodyPr/>
+          <a:lstStyle/>
+          <a:p>
+            <a:endParaRPr lang="tr-TR" dirty="0"/>
+          </a:p>
+        </p:txBody>
+      </p:sp>
+      <p:pic>
+        <p:nvPicPr>
+          <p:cNvPr id="9" name="İçerik Yer Tutucusu 5"/>
+          <p:cNvPicPr>
+            <a:picLocks noChangeAspect="1"/>
+          </p:cNvPicPr>
+          <p:nvPr/>
+        </p:nvPicPr>
+        <p:blipFill>
+          <a:blip r:embed="rId3" cstate="print">
+            <a:extLst>
+              <a:ext uri="{28A0092B-C50C-407E-A947-70E740481C1C}">
+                <a14:useLocalDpi xmlns:a14="http://schemas.microsoft.com/office/drawing/2010/main" val="0"/>
+              </a:ext>
+            </a:extLst>
+          </a:blip>
+          <a:stretch>
+            <a:fillRect/>
+          </a:stretch>
+        </p:blipFill>
+        <p:spPr>
+          <a:xfrm>
+            <a:off x="645800" y="2124154"/>
+            <a:ext cx="2801166" cy="1008112"/>
+          </a:xfrm>
+          <a:prstGeom prst="rect">
+            <a:avLst/>
+          </a:prstGeom>
+        </p:spPr>
+      </p:pic>
+      <p:sp>
+        <p:nvSpPr>
+          <p:cNvPr id="11" name="Yuvarlatılmış Dikdörtgen 10"/>
+          <p:cNvSpPr/>
+          <p:nvPr/>
+        </p:nvSpPr>
+        <p:spPr>
+          <a:xfrm>
+            <a:off x="2157968" y="2761766"/>
+            <a:ext cx="864096" cy="216024"/>
+          </a:xfrm>
+          <a:prstGeom prst="roundRect">
+            <a:avLst/>
+          </a:prstGeom>
+          <a:noFill/>
+        </p:spPr>
+        <p:style>
+          <a:lnRef idx="2">
+            <a:schemeClr val="accent1">
+              <a:shade val="50000"/>
+            </a:schemeClr>
+          </a:lnRef>
+          <a:fillRef idx="1">
+            <a:schemeClr val="accent1"/>
+          </a:fillRef>
+          <a:effectRef idx="0">
+            <a:schemeClr val="accent1"/>
+          </a:effectRef>
+          <a:fontRef idx="minor">
+            <a:schemeClr val="lt1"/>
+          </a:fontRef>
+        </p:style>
+        <p:txBody>
+          <a:bodyPr rtlCol="0" anchor="ctr"/>
+          <a:lstStyle/>
+          <a:p>
+            <a:pPr algn="ctr"/>
+            <a:endParaRPr lang="tr-TR"/>
+          </a:p>
+        </p:txBody>
+      </p:sp>
+      <p:sp>
+        <p:nvSpPr>
+          <p:cNvPr id="14" name="Metin kutusu 13"/>
+          <p:cNvSpPr txBox="1"/>
+          <p:nvPr/>
+        </p:nvSpPr>
+        <p:spPr>
+          <a:xfrm>
+            <a:off x="348754" y="3492981"/>
+            <a:ext cx="2842552" cy="261610"/>
+          </a:xfrm>
+          <a:prstGeom prst="rect">
+            <a:avLst/>
+          </a:prstGeom>
+          <a:noFill/>
+          <a:ln>
+            <a:solidFill>
+              <a:srgbClr val="7030A0"/>
+            </a:solidFill>
+            <a:prstDash val="dash"/>
+          </a:ln>
+        </p:spPr>
+        <p:txBody>
+          <a:bodyPr wrap="square" rtlCol="0">
+            <a:spAutoFit/>
+          </a:bodyPr>
+          <a:lstStyle/>
+          <a:p>
+            <a:pPr algn="ctr"/>
+            <a:r>
+              <a:rPr lang="tr-TR" sz="1100" dirty="0"/>
+              <a:t>GET</a:t>
+            </a:r>
+            <a:r>
+              <a:rPr lang="tr-TR" sz="1100" dirty="0">
+                <a:solidFill>
+                  <a:srgbClr val="0070C0"/>
+                </a:solidFill>
+              </a:rPr>
+              <a:t> </a:t>
+            </a:r>
+            <a:r>
+              <a:rPr lang="tr-TR" sz="1100" b="1" dirty="0">
+                <a:solidFill>
+                  <a:srgbClr val="7030A0"/>
+                </a:solidFill>
+              </a:rPr>
+              <a:t>http</a:t>
+            </a:r>
+            <a:r>
+              <a:rPr lang="tr-TR" sz="1100" b="1" dirty="0"/>
+              <a:t>://</a:t>
+            </a:r>
+            <a:r>
+              <a:rPr lang="tr-TR" sz="1100" b="1" dirty="0">
+                <a:solidFill>
+                  <a:schemeClr val="accent2">
+                    <a:lumMod val="75000"/>
+                  </a:schemeClr>
+                </a:solidFill>
+              </a:rPr>
+              <a:t>www</a:t>
+            </a:r>
+            <a:r>
+              <a:rPr lang="tr-TR" sz="1100" b="1" dirty="0"/>
+              <a:t>.</a:t>
+            </a:r>
+            <a:r>
+              <a:rPr lang="tr-TR" sz="1100" b="1" dirty="0">
+                <a:solidFill>
+                  <a:schemeClr val="tx2">
+                    <a:lumMod val="60000"/>
+                    <a:lumOff val="40000"/>
+                  </a:schemeClr>
+                </a:solidFill>
+              </a:rPr>
+              <a:t>gazete.com</a:t>
+            </a:r>
+            <a:r>
+              <a:rPr lang="tr-TR" sz="1100" b="1" dirty="0"/>
+              <a:t>/</a:t>
+            </a:r>
+            <a:r>
+              <a:rPr lang="tr-TR" sz="1100" dirty="0">
+                <a:solidFill>
+                  <a:schemeClr val="accent3">
+                    <a:lumMod val="75000"/>
+                  </a:schemeClr>
+                </a:solidFill>
+              </a:rPr>
+              <a:t>s</a:t>
+            </a:r>
+            <a:r>
+              <a:rPr lang="en-US" sz="1100" dirty="0" err="1">
+                <a:solidFill>
+                  <a:schemeClr val="accent3">
+                    <a:lumMod val="75000"/>
+                  </a:schemeClr>
+                </a:solidFill>
+              </a:rPr>
+              <a:t>tatic</a:t>
+            </a:r>
+            <a:r>
+              <a:rPr lang="tr-TR" sz="1100" dirty="0">
+                <a:solidFill>
+                  <a:schemeClr val="accent3">
+                    <a:lumMod val="75000"/>
+                  </a:schemeClr>
+                </a:solidFill>
+              </a:rPr>
+              <a:t>/</a:t>
+            </a:r>
+            <a:r>
+              <a:rPr lang="tr-TR" sz="1100" dirty="0" err="1">
+                <a:solidFill>
+                  <a:schemeClr val="accent3">
+                    <a:lumMod val="75000"/>
+                  </a:schemeClr>
+                </a:solidFill>
+              </a:rPr>
+              <a:t>bye</a:t>
+            </a:r>
+            <a:r>
+              <a:rPr lang="en-US" sz="1100" dirty="0">
+                <a:solidFill>
+                  <a:schemeClr val="accent3">
+                    <a:lumMod val="75000"/>
+                  </a:schemeClr>
+                </a:solidFill>
+              </a:rPr>
+              <a:t>.</a:t>
+            </a:r>
+            <a:r>
+              <a:rPr lang="tr-TR" sz="1100" dirty="0">
+                <a:solidFill>
+                  <a:schemeClr val="accent3">
+                    <a:lumMod val="75000"/>
+                  </a:schemeClr>
+                </a:solidFill>
+              </a:rPr>
+              <a:t>html</a:t>
+            </a:r>
+            <a:endParaRPr lang="tr-TR" sz="1100" dirty="0">
+              <a:solidFill>
+                <a:srgbClr val="0070C0"/>
+              </a:solidFill>
+            </a:endParaRPr>
+          </a:p>
+        </p:txBody>
+      </p:sp>
+      <p:cxnSp>
+        <p:nvCxnSpPr>
+          <p:cNvPr id="16" name="Düz Ok Bağlayıcısı 15"/>
+          <p:cNvCxnSpPr>
+            <a:stCxn id="11" idx="2"/>
+          </p:cNvCxnSpPr>
+          <p:nvPr/>
+        </p:nvCxnSpPr>
+        <p:spPr>
+          <a:xfrm>
+            <a:off x="2590016" y="2977790"/>
+            <a:ext cx="0" cy="491552"/>
+          </a:xfrm>
+          <a:prstGeom prst="straightConnector1">
+            <a:avLst/>
+          </a:prstGeom>
+          <a:ln w="19050">
+            <a:solidFill>
+              <a:schemeClr val="accent1">
+                <a:lumMod val="75000"/>
+              </a:schemeClr>
+            </a:solidFill>
+            <a:tailEnd type="arrow"/>
+          </a:ln>
+        </p:spPr>
+        <p:style>
+          <a:lnRef idx="1">
+            <a:schemeClr val="accent1"/>
+          </a:lnRef>
+          <a:fillRef idx="0">
+            <a:schemeClr val="accent1"/>
+          </a:fillRef>
+          <a:effectRef idx="0">
+            <a:schemeClr val="accent1"/>
+          </a:effectRef>
+          <a:fontRef idx="minor">
+            <a:schemeClr val="tx1"/>
+          </a:fontRef>
+        </p:style>
+      </p:cxnSp>
+      <p:cxnSp>
+        <p:nvCxnSpPr>
+          <p:cNvPr id="17" name="Düz Ok Bağlayıcısı 16"/>
+          <p:cNvCxnSpPr/>
+          <p:nvPr/>
+        </p:nvCxnSpPr>
+        <p:spPr>
+          <a:xfrm>
+            <a:off x="3223750" y="3623786"/>
+            <a:ext cx="1790684" cy="0"/>
+          </a:xfrm>
+          <a:prstGeom prst="straightConnector1">
+            <a:avLst/>
+          </a:prstGeom>
+          <a:ln w="19050">
+            <a:solidFill>
+              <a:srgbClr val="7030A0"/>
+            </a:solidFill>
+            <a:tailEnd type="arrow"/>
+          </a:ln>
+        </p:spPr>
+        <p:style>
+          <a:lnRef idx="1">
+            <a:schemeClr val="accent1"/>
+          </a:lnRef>
+          <a:fillRef idx="0">
+            <a:schemeClr val="accent1"/>
+          </a:fillRef>
+          <a:effectRef idx="0">
+            <a:schemeClr val="accent1"/>
+          </a:effectRef>
+          <a:fontRef idx="minor">
+            <a:schemeClr val="tx1"/>
+          </a:fontRef>
+        </p:style>
+      </p:cxnSp>
+      <p:cxnSp>
+        <p:nvCxnSpPr>
+          <p:cNvPr id="20" name="Düz Bağlayıcı 19"/>
+          <p:cNvCxnSpPr/>
+          <p:nvPr/>
+        </p:nvCxnSpPr>
+        <p:spPr>
+          <a:xfrm>
+            <a:off x="4008298" y="2149132"/>
+            <a:ext cx="72008" cy="3753118"/>
+          </a:xfrm>
+          <a:prstGeom prst="line">
+            <a:avLst/>
+          </a:prstGeom>
+          <a:ln w="28575">
+            <a:solidFill>
+              <a:srgbClr val="7030A0"/>
+            </a:solidFill>
+            <a:prstDash val="dash"/>
+          </a:ln>
+        </p:spPr>
+        <p:style>
+          <a:lnRef idx="1">
+            <a:schemeClr val="accent1"/>
+          </a:lnRef>
+          <a:fillRef idx="0">
+            <a:schemeClr val="accent1"/>
+          </a:fillRef>
+          <a:effectRef idx="0">
+            <a:schemeClr val="accent1"/>
+          </a:effectRef>
+          <a:fontRef idx="minor">
+            <a:schemeClr val="tx1"/>
+          </a:fontRef>
+        </p:style>
+      </p:cxnSp>
+      <p:sp>
+        <p:nvSpPr>
+          <p:cNvPr id="22" name="Metin kutusu 21"/>
+          <p:cNvSpPr txBox="1"/>
+          <p:nvPr/>
+        </p:nvSpPr>
+        <p:spPr>
+          <a:xfrm>
+            <a:off x="3609004" y="1677305"/>
+            <a:ext cx="843912" cy="461665"/>
+          </a:xfrm>
+          <a:prstGeom prst="rect">
+            <a:avLst/>
+          </a:prstGeom>
+          <a:noFill/>
+        </p:spPr>
+        <p:txBody>
+          <a:bodyPr wrap="square" rtlCol="0">
+            <a:spAutoFit/>
+          </a:bodyPr>
+          <a:lstStyle/>
+          <a:p>
+            <a:pPr algn="ctr"/>
+            <a:r>
+              <a:rPr lang="tr-TR" sz="2400" b="1" dirty="0" smtClean="0">
+                <a:solidFill>
+                  <a:srgbClr val="7030A0"/>
+                </a:solidFill>
+              </a:rPr>
+              <a:t>http</a:t>
+            </a:r>
+            <a:endParaRPr lang="tr-TR" sz="2400" b="1" dirty="0">
+              <a:solidFill>
+                <a:srgbClr val="7030A0"/>
+              </a:solidFill>
+            </a:endParaRPr>
+          </a:p>
+        </p:txBody>
+      </p:sp>
+      <p:sp>
+        <p:nvSpPr>
+          <p:cNvPr id="24" name="Metin kutusu 23"/>
+          <p:cNvSpPr txBox="1"/>
+          <p:nvPr/>
+        </p:nvSpPr>
+        <p:spPr>
+          <a:xfrm>
+            <a:off x="4823088" y="2728271"/>
+            <a:ext cx="1491228" cy="461665"/>
+          </a:xfrm>
+          <a:prstGeom prst="rect">
+            <a:avLst/>
+          </a:prstGeom>
+          <a:noFill/>
+        </p:spPr>
+        <p:txBody>
+          <a:bodyPr wrap="square" rtlCol="0">
+            <a:spAutoFit/>
+          </a:bodyPr>
+          <a:lstStyle/>
+          <a:p>
+            <a:pPr algn="ctr"/>
+            <a:r>
+              <a:rPr lang="tr-TR" sz="2400" b="1" dirty="0" smtClean="0">
+                <a:solidFill>
+                  <a:schemeClr val="accent2">
+                    <a:lumMod val="75000"/>
+                  </a:schemeClr>
+                </a:solidFill>
+              </a:rPr>
+              <a:t>www</a:t>
+            </a:r>
+            <a:endParaRPr lang="tr-TR" sz="2400" b="1" dirty="0">
+              <a:solidFill>
+                <a:schemeClr val="accent2">
+                  <a:lumMod val="75000"/>
+                </a:schemeClr>
+              </a:solidFill>
+            </a:endParaRPr>
+          </a:p>
+        </p:txBody>
+      </p:sp>
+      <p:pic>
+        <p:nvPicPr>
+          <p:cNvPr id="29" name="Resim 28"/>
+          <p:cNvPicPr>
+            <a:picLocks noChangeAspect="1"/>
+          </p:cNvPicPr>
+          <p:nvPr/>
+        </p:nvPicPr>
+        <p:blipFill>
+          <a:blip r:embed="rId4" cstate="print">
+            <a:extLst>
+              <a:ext uri="{28A0092B-C50C-407E-A947-70E740481C1C}">
+                <a14:useLocalDpi xmlns:a14="http://schemas.microsoft.com/office/drawing/2010/main" val="0"/>
+              </a:ext>
+            </a:extLst>
+          </a:blip>
+          <a:stretch>
+            <a:fillRect/>
+          </a:stretch>
+        </p:blipFill>
+        <p:spPr>
+          <a:xfrm>
+            <a:off x="6357084" y="3623786"/>
+            <a:ext cx="2223247" cy="936104"/>
+          </a:xfrm>
+          <a:prstGeom prst="rect">
+            <a:avLst/>
+          </a:prstGeom>
+        </p:spPr>
+      </p:pic>
+      <p:sp>
+        <p:nvSpPr>
+          <p:cNvPr id="30" name="Yuvarlatılmış Dikdörtgen 29"/>
+          <p:cNvSpPr/>
+          <p:nvPr/>
+        </p:nvSpPr>
+        <p:spPr>
+          <a:xfrm>
+            <a:off x="6307544" y="3515774"/>
+            <a:ext cx="2301719" cy="1152128"/>
+          </a:xfrm>
+          <a:prstGeom prst="roundRect">
+            <a:avLst/>
+          </a:prstGeom>
+          <a:noFill/>
+          <a:ln>
+            <a:solidFill>
+              <a:schemeClr val="accent3">
+                <a:lumMod val="75000"/>
+              </a:schemeClr>
+            </a:solidFill>
+          </a:ln>
+        </p:spPr>
+        <p:style>
+          <a:lnRef idx="2">
+            <a:schemeClr val="accent1">
+              <a:shade val="50000"/>
+            </a:schemeClr>
+          </a:lnRef>
+          <a:fillRef idx="1">
+            <a:schemeClr val="accent1"/>
+          </a:fillRef>
+          <a:effectRef idx="0">
+            <a:schemeClr val="accent1"/>
+          </a:effectRef>
+          <a:fontRef idx="minor">
+            <a:schemeClr val="lt1"/>
+          </a:fontRef>
+        </p:style>
+        <p:txBody>
+          <a:bodyPr rtlCol="0" anchor="ctr"/>
+          <a:lstStyle/>
+          <a:p>
+            <a:pPr algn="ctr"/>
+            <a:endParaRPr lang="tr-TR"/>
+          </a:p>
+        </p:txBody>
+      </p:sp>
+      <p:sp>
+        <p:nvSpPr>
+          <p:cNvPr id="31" name="Metin kutusu 30"/>
+          <p:cNvSpPr txBox="1"/>
+          <p:nvPr/>
+        </p:nvSpPr>
+        <p:spPr>
+          <a:xfrm>
+            <a:off x="6212294" y="3189936"/>
+            <a:ext cx="1720840" cy="369332"/>
+          </a:xfrm>
+          <a:prstGeom prst="rect">
+            <a:avLst/>
+          </a:prstGeom>
+          <a:noFill/>
+        </p:spPr>
+        <p:txBody>
+          <a:bodyPr wrap="square" rtlCol="0">
+            <a:spAutoFit/>
+          </a:bodyPr>
+          <a:lstStyle/>
+          <a:p>
+            <a:r>
+              <a:rPr lang="tr-TR" dirty="0" smtClean="0">
+                <a:solidFill>
+                  <a:schemeClr val="accent3">
+                    <a:lumMod val="75000"/>
+                  </a:schemeClr>
+                </a:solidFill>
+              </a:rPr>
+              <a:t>/</a:t>
+            </a:r>
+            <a:r>
+              <a:rPr lang="tr-TR" dirty="0" err="1" smtClean="0">
+                <a:solidFill>
+                  <a:schemeClr val="accent3">
+                    <a:lumMod val="75000"/>
+                  </a:schemeClr>
+                </a:solidFill>
+              </a:rPr>
+              <a:t>static</a:t>
+            </a:r>
+            <a:r>
+              <a:rPr lang="tr-TR" dirty="0" smtClean="0">
+                <a:solidFill>
+                  <a:schemeClr val="accent3">
+                    <a:lumMod val="75000"/>
+                  </a:schemeClr>
+                </a:solidFill>
+              </a:rPr>
+              <a:t>/bye.html</a:t>
+            </a:r>
+            <a:endParaRPr lang="tr-TR" dirty="0">
+              <a:solidFill>
+                <a:schemeClr val="accent3">
+                  <a:lumMod val="75000"/>
+                </a:schemeClr>
+              </a:solidFill>
+            </a:endParaRPr>
+          </a:p>
+        </p:txBody>
+      </p:sp>
+      <p:pic>
+        <p:nvPicPr>
+          <p:cNvPr id="36" name="Resim 35"/>
+          <p:cNvPicPr>
+            <a:picLocks noChangeAspect="1"/>
+          </p:cNvPicPr>
+          <p:nvPr/>
+        </p:nvPicPr>
+        <p:blipFill>
+          <a:blip r:embed="rId4" cstate="print">
+            <a:extLst>
+              <a:ext uri="{28A0092B-C50C-407E-A947-70E740481C1C}">
+                <a14:useLocalDpi xmlns:a14="http://schemas.microsoft.com/office/drawing/2010/main" val="0"/>
+              </a:ext>
+            </a:extLst>
+          </a:blip>
+          <a:stretch>
+            <a:fillRect/>
+          </a:stretch>
+        </p:blipFill>
+        <p:spPr>
+          <a:xfrm>
+            <a:off x="608443" y="4307862"/>
+            <a:ext cx="2223247" cy="936104"/>
+          </a:xfrm>
+          <a:prstGeom prst="rect">
+            <a:avLst/>
+          </a:prstGeom>
+        </p:spPr>
+      </p:pic>
+      <p:sp>
+        <p:nvSpPr>
+          <p:cNvPr id="37" name="Yuvarlatılmış Dikdörtgen 36"/>
+          <p:cNvSpPr/>
+          <p:nvPr/>
+        </p:nvSpPr>
+        <p:spPr>
+          <a:xfrm>
+            <a:off x="558903" y="4199850"/>
+            <a:ext cx="2572937" cy="1152128"/>
+          </a:xfrm>
+          <a:prstGeom prst="roundRect">
+            <a:avLst/>
+          </a:prstGeom>
+          <a:noFill/>
+          <a:ln>
+            <a:solidFill>
+              <a:srgbClr val="0070C0"/>
+            </a:solidFill>
+            <a:prstDash val="sysDot"/>
+          </a:ln>
+        </p:spPr>
+        <p:style>
+          <a:lnRef idx="2">
+            <a:schemeClr val="accent1">
+              <a:shade val="50000"/>
+            </a:schemeClr>
+          </a:lnRef>
+          <a:fillRef idx="1">
+            <a:schemeClr val="accent1"/>
+          </a:fillRef>
+          <a:effectRef idx="0">
+            <a:schemeClr val="accent1"/>
+          </a:effectRef>
+          <a:fontRef idx="minor">
+            <a:schemeClr val="lt1"/>
+          </a:fontRef>
+        </p:style>
+        <p:txBody>
+          <a:bodyPr rtlCol="0" anchor="ctr"/>
+          <a:lstStyle/>
+          <a:p>
+            <a:pPr algn="ctr"/>
+            <a:endParaRPr lang="tr-TR"/>
+          </a:p>
+        </p:txBody>
+      </p:sp>
+      <p:sp>
+        <p:nvSpPr>
+          <p:cNvPr id="47" name="Metin kutusu 46"/>
+          <p:cNvSpPr txBox="1"/>
+          <p:nvPr/>
+        </p:nvSpPr>
+        <p:spPr>
+          <a:xfrm>
+            <a:off x="3223750" y="3346784"/>
+            <a:ext cx="792088" cy="276999"/>
+          </a:xfrm>
+          <a:prstGeom prst="rect">
+            <a:avLst/>
+          </a:prstGeom>
+          <a:noFill/>
+        </p:spPr>
+        <p:txBody>
+          <a:bodyPr wrap="square" rtlCol="0">
+            <a:spAutoFit/>
+          </a:bodyPr>
+          <a:lstStyle/>
+          <a:p>
+            <a:pPr algn="ctr"/>
+            <a:r>
+              <a:rPr lang="tr-TR" sz="1200" b="1" dirty="0" err="1" smtClean="0">
+                <a:solidFill>
+                  <a:srgbClr val="7030A0"/>
+                </a:solidFill>
+              </a:rPr>
+              <a:t>request</a:t>
+            </a:r>
+            <a:endParaRPr lang="tr-TR" sz="1200" b="1" dirty="0">
+              <a:solidFill>
+                <a:srgbClr val="7030A0"/>
+              </a:solidFill>
+            </a:endParaRPr>
+          </a:p>
+        </p:txBody>
+      </p:sp>
+      <p:sp>
+        <p:nvSpPr>
+          <p:cNvPr id="49" name="Metin kutusu 48"/>
+          <p:cNvSpPr txBox="1"/>
+          <p:nvPr/>
+        </p:nvSpPr>
+        <p:spPr>
+          <a:xfrm>
+            <a:off x="4082992" y="3953338"/>
+            <a:ext cx="892245" cy="276999"/>
+          </a:xfrm>
+          <a:prstGeom prst="rect">
+            <a:avLst/>
+          </a:prstGeom>
+          <a:noFill/>
+        </p:spPr>
+        <p:txBody>
+          <a:bodyPr wrap="square" rtlCol="0">
+            <a:spAutoFit/>
+          </a:bodyPr>
+          <a:lstStyle/>
+          <a:p>
+            <a:pPr algn="ctr"/>
+            <a:r>
+              <a:rPr lang="tr-TR" sz="1200" b="1" dirty="0" err="1" smtClean="0">
+                <a:solidFill>
+                  <a:srgbClr val="7030A0"/>
+                </a:solidFill>
+              </a:rPr>
+              <a:t>response</a:t>
+            </a:r>
+            <a:endParaRPr lang="tr-TR" sz="1200" b="1" dirty="0">
+              <a:solidFill>
+                <a:srgbClr val="7030A0"/>
+              </a:solidFill>
+            </a:endParaRPr>
+          </a:p>
+        </p:txBody>
+      </p:sp>
+      <p:sp>
+        <p:nvSpPr>
+          <p:cNvPr id="53" name="Metin kutusu 52"/>
+          <p:cNvSpPr txBox="1"/>
+          <p:nvPr/>
+        </p:nvSpPr>
+        <p:spPr>
+          <a:xfrm>
+            <a:off x="5903106" y="1628800"/>
+            <a:ext cx="1264064" cy="369332"/>
+          </a:xfrm>
+          <a:prstGeom prst="rect">
+            <a:avLst/>
+          </a:prstGeom>
+          <a:noFill/>
+          <a:ln w="19050">
+            <a:solidFill>
+              <a:schemeClr val="tx2">
+                <a:lumMod val="60000"/>
+                <a:lumOff val="40000"/>
+              </a:schemeClr>
+            </a:solidFill>
+          </a:ln>
+        </p:spPr>
+        <p:txBody>
+          <a:bodyPr wrap="none" rtlCol="0">
+            <a:spAutoFit/>
+          </a:bodyPr>
+          <a:lstStyle/>
+          <a:p>
+            <a:r>
+              <a:rPr lang="tr-TR" b="1" dirty="0">
+                <a:solidFill>
+                  <a:schemeClr val="tx2">
+                    <a:lumMod val="60000"/>
+                    <a:lumOff val="40000"/>
+                  </a:schemeClr>
+                </a:solidFill>
+              </a:rPr>
+              <a:t>gazete.com</a:t>
+            </a:r>
+            <a:endParaRPr lang="tr-TR" dirty="0"/>
+          </a:p>
+        </p:txBody>
+      </p:sp>
+      <p:cxnSp>
+        <p:nvCxnSpPr>
+          <p:cNvPr id="68" name="Düz Ok Bağlayıcısı 67"/>
+          <p:cNvCxnSpPr/>
+          <p:nvPr/>
+        </p:nvCxnSpPr>
+        <p:spPr>
+          <a:xfrm flipH="1">
+            <a:off x="3172792" y="4226488"/>
+            <a:ext cx="1787587" cy="0"/>
+          </a:xfrm>
+          <a:prstGeom prst="straightConnector1">
+            <a:avLst/>
+          </a:prstGeom>
+          <a:ln w="19050">
+            <a:solidFill>
+              <a:srgbClr val="7030A0"/>
+            </a:solidFill>
+            <a:tailEnd type="arrow"/>
+          </a:ln>
+        </p:spPr>
+        <p:style>
+          <a:lnRef idx="1">
+            <a:schemeClr val="accent1"/>
+          </a:lnRef>
+          <a:fillRef idx="0">
+            <a:schemeClr val="accent1"/>
+          </a:fillRef>
+          <a:effectRef idx="0">
+            <a:schemeClr val="accent1"/>
+          </a:effectRef>
+          <a:fontRef idx="minor">
+            <a:schemeClr val="tx1"/>
+          </a:fontRef>
+        </p:style>
+      </p:cxnSp>
+    </p:spTree>
+    <p:extLst>
+      <p:ext uri="{BB962C8B-B14F-4D97-AF65-F5344CB8AC3E}">
+        <p14:creationId xmlns:p14="http://schemas.microsoft.com/office/powerpoint/2010/main" val="938899987"/>
+      </p:ext>
+    </p:extLst>
+  </p:cSld>
+  <p:clrMapOvr>
+    <a:masterClrMapping/>
+  </p:clrMapOvr>
+  <p:timing>
+    <p:tnLst>
+      <p:par>
+        <p:cTn id="1" dur="indefinite" restart="never" nodeType="tmRoot"/>
+      </p:par>
+    </p:tnLst>
+  </p:timing>
+</p:sld>
+</file>
+
+<file path=ppt/slides/slide29.xml><?xml version="1.0" encoding="utf-8"?>
+<p:sld xmlns:a="http://schemas.openxmlformats.org/drawingml/2006/main" xmlns:r="http://schemas.openxmlformats.org/officeDocument/2006/relationships" xmlns:p="http://schemas.openxmlformats.org/presentationml/2006/main">
+  <p:cSld>
+    <p:spTree>
+      <p:nvGrpSpPr>
+        <p:cNvPr id="1" name=""/>
+        <p:cNvGrpSpPr/>
+        <p:nvPr/>
+      </p:nvGrpSpPr>
+      <p:grpSpPr>
+        <a:xfrm>
+          <a:off x="0" y="0"/>
+          <a:ext cx="0" cy="0"/>
+          <a:chOff x="0" y="0"/>
+          <a:chExt cx="0" cy="0"/>
+        </a:xfrm>
+      </p:grpSpPr>
       <p:sp>
         <p:nvSpPr>
           <p:cNvPr id="3" name="İçerik Yer Tutucusu 2"/>
@@ -22063,395 +22777,6 @@
   <p:clrMapOvr>
     <a:masterClrMapping/>
   </p:clrMapOvr>
-</p:sld>
-</file>
-
-<file path=ppt/slides/slide29.xml><?xml version="1.0" encoding="utf-8"?>
-<p:sld xmlns:a="http://schemas.openxmlformats.org/drawingml/2006/main" xmlns:r="http://schemas.openxmlformats.org/officeDocument/2006/relationships" xmlns:p="http://schemas.openxmlformats.org/presentationml/2006/main">
-  <p:cSld>
-    <p:spTree>
-      <p:nvGrpSpPr>
-        <p:cNvPr id="1" name=""/>
-        <p:cNvGrpSpPr/>
-        <p:nvPr/>
-      </p:nvGrpSpPr>
-      <p:grpSpPr>
-        <a:xfrm>
-          <a:off x="0" y="0"/>
-          <a:ext cx="0" cy="0"/>
-          <a:chOff x="0" y="0"/>
-          <a:chExt cx="0" cy="0"/>
-        </a:xfrm>
-      </p:grpSpPr>
-      <p:sp>
-        <p:nvSpPr>
-          <p:cNvPr id="5" name="İçerik Yer Tutucusu 2"/>
-          <p:cNvSpPr txBox="1">
-            <a:spLocks/>
-          </p:cNvSpPr>
-          <p:nvPr/>
-        </p:nvSpPr>
-        <p:spPr>
-          <a:xfrm>
-            <a:off x="179512" y="1700809"/>
-            <a:ext cx="8867328" cy="4953018"/>
-          </a:xfrm>
-          <a:prstGeom prst="rect">
-            <a:avLst/>
-          </a:prstGeom>
-        </p:spPr>
-        <p:txBody>
-          <a:bodyPr vert="horz" lIns="91440" tIns="45720" rIns="91440" bIns="45720" rtlCol="0">
-            <a:normAutofit/>
-          </a:bodyPr>
-          <a:lstStyle>
-            <a:lvl1pPr marL="342900" indent="-342900" algn="l" defTabSz="914400" rtl="0" eaLnBrk="1" latinLnBrk="0" hangingPunct="1">
-              <a:spcBef>
-                <a:spcPct val="20000"/>
-              </a:spcBef>
-              <a:buFont typeface="Arial" pitchFamily="34" charset="0"/>
-              <a:buChar char="•"/>
-              <a:defRPr sz="3200" kern="1200">
-                <a:solidFill>
-                  <a:schemeClr val="tx1"/>
-                </a:solidFill>
-                <a:latin typeface="+mn-lt"/>
-                <a:ea typeface="+mn-ea"/>
-                <a:cs typeface="+mn-cs"/>
-              </a:defRPr>
-            </a:lvl1pPr>
-            <a:lvl2pPr marL="742950" indent="-285750" algn="l" defTabSz="914400" rtl="0" eaLnBrk="1" latinLnBrk="0" hangingPunct="1">
-              <a:spcBef>
-                <a:spcPct val="20000"/>
-              </a:spcBef>
-              <a:buFont typeface="Arial" pitchFamily="34" charset="0"/>
-              <a:buChar char="–"/>
-              <a:defRPr sz="2800" kern="1200">
-                <a:solidFill>
-                  <a:schemeClr val="tx1"/>
-                </a:solidFill>
-                <a:latin typeface="+mn-lt"/>
-                <a:ea typeface="+mn-ea"/>
-                <a:cs typeface="+mn-cs"/>
-              </a:defRPr>
-            </a:lvl2pPr>
-            <a:lvl3pPr marL="1143000" indent="-228600" algn="l" defTabSz="914400" rtl="0" eaLnBrk="1" latinLnBrk="0" hangingPunct="1">
-              <a:spcBef>
-                <a:spcPct val="20000"/>
-              </a:spcBef>
-              <a:buFont typeface="Arial" pitchFamily="34" charset="0"/>
-              <a:buChar char="•"/>
-              <a:defRPr sz="2400" kern="1200">
-                <a:solidFill>
-                  <a:schemeClr val="tx1"/>
-                </a:solidFill>
-                <a:latin typeface="+mn-lt"/>
-                <a:ea typeface="+mn-ea"/>
-                <a:cs typeface="+mn-cs"/>
-              </a:defRPr>
-            </a:lvl3pPr>
-            <a:lvl4pPr marL="1600200" indent="-228600" algn="l" defTabSz="914400" rtl="0" eaLnBrk="1" latinLnBrk="0" hangingPunct="1">
-              <a:spcBef>
-                <a:spcPct val="20000"/>
-              </a:spcBef>
-              <a:buFont typeface="Arial" pitchFamily="34" charset="0"/>
-              <a:buChar char="–"/>
-              <a:defRPr sz="2000" kern="1200">
-                <a:solidFill>
-                  <a:schemeClr val="tx1"/>
-                </a:solidFill>
-                <a:latin typeface="+mn-lt"/>
-                <a:ea typeface="+mn-ea"/>
-                <a:cs typeface="+mn-cs"/>
-              </a:defRPr>
-            </a:lvl4pPr>
-            <a:lvl5pPr marL="2057400" indent="-228600" algn="l" defTabSz="914400" rtl="0" eaLnBrk="1" latinLnBrk="0" hangingPunct="1">
-              <a:spcBef>
-                <a:spcPct val="20000"/>
-              </a:spcBef>
-              <a:buFont typeface="Arial" pitchFamily="34" charset="0"/>
-              <a:buChar char="»"/>
-              <a:defRPr sz="2000" kern="1200">
-                <a:solidFill>
-                  <a:schemeClr val="tx1"/>
-                </a:solidFill>
-                <a:latin typeface="+mn-lt"/>
-                <a:ea typeface="+mn-ea"/>
-                <a:cs typeface="+mn-cs"/>
-              </a:defRPr>
-            </a:lvl5pPr>
-            <a:lvl6pPr marL="2514600" indent="-228600" algn="l" defTabSz="914400" rtl="0" eaLnBrk="1" latinLnBrk="0" hangingPunct="1">
-              <a:spcBef>
-                <a:spcPct val="20000"/>
-              </a:spcBef>
-              <a:buFont typeface="Arial" pitchFamily="34" charset="0"/>
-              <a:buChar char="•"/>
-              <a:defRPr sz="2000" kern="1200">
-                <a:solidFill>
-                  <a:schemeClr val="tx1"/>
-                </a:solidFill>
-                <a:latin typeface="+mn-lt"/>
-                <a:ea typeface="+mn-ea"/>
-                <a:cs typeface="+mn-cs"/>
-              </a:defRPr>
-            </a:lvl6pPr>
-            <a:lvl7pPr marL="2971800" indent="-228600" algn="l" defTabSz="914400" rtl="0" eaLnBrk="1" latinLnBrk="0" hangingPunct="1">
-              <a:spcBef>
-                <a:spcPct val="20000"/>
-              </a:spcBef>
-              <a:buFont typeface="Arial" pitchFamily="34" charset="0"/>
-              <a:buChar char="•"/>
-              <a:defRPr sz="2000" kern="1200">
-                <a:solidFill>
-                  <a:schemeClr val="tx1"/>
-                </a:solidFill>
-                <a:latin typeface="+mn-lt"/>
-                <a:ea typeface="+mn-ea"/>
-                <a:cs typeface="+mn-cs"/>
-              </a:defRPr>
-            </a:lvl7pPr>
-            <a:lvl8pPr marL="3429000" indent="-228600" algn="l" defTabSz="914400" rtl="0" eaLnBrk="1" latinLnBrk="0" hangingPunct="1">
-              <a:spcBef>
-                <a:spcPct val="20000"/>
-              </a:spcBef>
-              <a:buFont typeface="Arial" pitchFamily="34" charset="0"/>
-              <a:buChar char="•"/>
-              <a:defRPr sz="2000" kern="1200">
-                <a:solidFill>
-                  <a:schemeClr val="tx1"/>
-                </a:solidFill>
-                <a:latin typeface="+mn-lt"/>
-                <a:ea typeface="+mn-ea"/>
-                <a:cs typeface="+mn-cs"/>
-              </a:defRPr>
-            </a:lvl8pPr>
-            <a:lvl9pPr marL="3886200" indent="-228600" algn="l" defTabSz="914400" rtl="0" eaLnBrk="1" latinLnBrk="0" hangingPunct="1">
-              <a:spcBef>
-                <a:spcPct val="20000"/>
-              </a:spcBef>
-              <a:buFont typeface="Arial" pitchFamily="34" charset="0"/>
-              <a:buChar char="•"/>
-              <a:defRPr sz="2000" kern="1200">
-                <a:solidFill>
-                  <a:schemeClr val="tx1"/>
-                </a:solidFill>
-                <a:latin typeface="+mn-lt"/>
-                <a:ea typeface="+mn-ea"/>
-                <a:cs typeface="+mn-cs"/>
-              </a:defRPr>
-            </a:lvl9pPr>
-          </a:lstStyle>
-          <a:p>
-            <a:pPr marL="0" indent="0">
-              <a:buFont typeface="Arial" pitchFamily="34" charset="0"/>
-              <a:buNone/>
-            </a:pPr>
-            <a:endParaRPr lang="tr-TR" b="1" dirty="0" smtClean="0">
-              <a:solidFill>
-                <a:schemeClr val="accent3">
-                  <a:lumMod val="75000"/>
-                </a:schemeClr>
-              </a:solidFill>
-            </a:endParaRPr>
-          </a:p>
-        </p:txBody>
-      </p:sp>
-      <p:sp>
-        <p:nvSpPr>
-          <p:cNvPr id="10" name="Başlık 1"/>
-          <p:cNvSpPr>
-            <a:spLocks noGrp="1"/>
-          </p:cNvSpPr>
-          <p:nvPr>
-            <p:ph type="title"/>
-          </p:nvPr>
-        </p:nvSpPr>
-        <p:spPr>
-          <a:xfrm>
-            <a:off x="457200" y="274638"/>
-            <a:ext cx="8229600" cy="1143000"/>
-          </a:xfrm>
-        </p:spPr>
-        <p:txBody>
-          <a:bodyPr>
-            <a:normAutofit fontScale="90000"/>
-          </a:bodyPr>
-          <a:lstStyle/>
-          <a:p>
-            <a:r>
-              <a:rPr lang="tr-TR" b="1" dirty="0" smtClean="0"/>
-              <a:t>URL</a:t>
-            </a:r>
-            <a:br>
-              <a:rPr lang="tr-TR" b="1" dirty="0" smtClean="0"/>
-            </a:br>
-            <a:r>
-              <a:rPr lang="tr-TR" dirty="0" smtClean="0"/>
-              <a:t>geçerli karakter kümesi</a:t>
-            </a:r>
-            <a:r>
-              <a:rPr lang="tr-TR" b="1" dirty="0" smtClean="0"/>
-              <a:t> </a:t>
-            </a:r>
-            <a:endParaRPr lang="tr-TR" dirty="0"/>
-          </a:p>
-        </p:txBody>
-      </p:sp>
-      <p:sp>
-        <p:nvSpPr>
-          <p:cNvPr id="11" name="Başlık 1"/>
-          <p:cNvSpPr txBox="1">
-            <a:spLocks/>
-          </p:cNvSpPr>
-          <p:nvPr/>
-        </p:nvSpPr>
-        <p:spPr>
-          <a:xfrm>
-            <a:off x="292696" y="1806180"/>
-            <a:ext cx="8640960" cy="4742275"/>
-          </a:xfrm>
-          <a:prstGeom prst="rect">
-            <a:avLst/>
-          </a:prstGeom>
-        </p:spPr>
-        <p:txBody>
-          <a:bodyPr vert="horz" lIns="91440" tIns="45720" rIns="91440" bIns="45720" rtlCol="0" anchor="t">
-            <a:normAutofit fontScale="97500"/>
-          </a:bodyPr>
-          <a:lstStyle>
-            <a:lvl1pPr algn="ctr" defTabSz="914400" rtl="0" eaLnBrk="1" latinLnBrk="0" hangingPunct="1">
-              <a:spcBef>
-                <a:spcPct val="0"/>
-              </a:spcBef>
-              <a:buNone/>
-              <a:defRPr sz="4400" kern="1200">
-                <a:solidFill>
-                  <a:schemeClr val="tx1"/>
-                </a:solidFill>
-                <a:latin typeface="+mj-lt"/>
-                <a:ea typeface="+mj-ea"/>
-                <a:cs typeface="+mj-cs"/>
-              </a:defRPr>
-            </a:lvl1pPr>
-          </a:lstStyle>
-          <a:p>
-            <a:pPr marL="342900" indent="-342900" algn="l">
-              <a:buFont typeface="Arial" pitchFamily="34" charset="0"/>
-              <a:buChar char="•"/>
-            </a:pPr>
-            <a:r>
-              <a:rPr lang="tr-TR" sz="4100" dirty="0" smtClean="0">
-                <a:solidFill>
-                  <a:schemeClr val="accent3">
-                    <a:lumMod val="50000"/>
-                  </a:schemeClr>
-                </a:solidFill>
-              </a:rPr>
-              <a:t>ABCDEFGHIJKLMNOPQRSTUVWXYZ</a:t>
-            </a:r>
-          </a:p>
-          <a:p>
-            <a:pPr marL="342900" indent="-342900" algn="l">
-              <a:buFont typeface="Arial" pitchFamily="34" charset="0"/>
-              <a:buChar char="•"/>
-            </a:pPr>
-            <a:r>
-              <a:rPr lang="tr-TR" sz="4100" dirty="0" err="1">
-                <a:solidFill>
-                  <a:schemeClr val="accent3">
-                    <a:lumMod val="50000"/>
-                  </a:schemeClr>
-                </a:solidFill>
-              </a:rPr>
-              <a:t>a</a:t>
-            </a:r>
-            <a:r>
-              <a:rPr lang="tr-TR" sz="4100" dirty="0" err="1" smtClean="0">
-                <a:solidFill>
-                  <a:schemeClr val="accent3">
-                    <a:lumMod val="50000"/>
-                  </a:schemeClr>
-                </a:solidFill>
-              </a:rPr>
-              <a:t>bcdefghijklmnopqrstuvwxyz</a:t>
-            </a:r>
-            <a:endParaRPr lang="tr-TR" sz="4100" dirty="0" smtClean="0">
-              <a:solidFill>
-                <a:schemeClr val="accent3">
-                  <a:lumMod val="50000"/>
-                </a:schemeClr>
-              </a:solidFill>
-            </a:endParaRPr>
-          </a:p>
-          <a:p>
-            <a:pPr marL="342900" indent="-342900" algn="l">
-              <a:buFont typeface="Arial" pitchFamily="34" charset="0"/>
-              <a:buChar char="•"/>
-            </a:pPr>
-            <a:r>
-              <a:rPr lang="tr-TR" sz="4100" dirty="0" smtClean="0">
-                <a:solidFill>
-                  <a:schemeClr val="accent3">
-                    <a:lumMod val="50000"/>
-                  </a:schemeClr>
-                </a:solidFill>
-              </a:rPr>
-              <a:t>0123456789</a:t>
-            </a:r>
-          </a:p>
-          <a:p>
-            <a:pPr marL="342900" indent="-342900" algn="l">
-              <a:buFont typeface="Arial" pitchFamily="34" charset="0"/>
-              <a:buChar char="•"/>
-            </a:pPr>
-            <a:r>
-              <a:rPr lang="tr-TR" sz="4100" dirty="0" smtClean="0">
-                <a:solidFill>
-                  <a:schemeClr val="accent3">
-                    <a:lumMod val="50000"/>
-                  </a:schemeClr>
-                </a:solidFill>
-              </a:rPr>
-              <a:t>-._~:/?#[]@!$&amp;'()*+,;=</a:t>
-            </a:r>
-          </a:p>
-          <a:p>
-            <a:pPr marL="342900" indent="-342900" algn="l">
-              <a:buFont typeface="Arial" pitchFamily="34" charset="0"/>
-              <a:buChar char="•"/>
-            </a:pPr>
-            <a:r>
-              <a:rPr lang="tr-TR" sz="4100" dirty="0" smtClean="0">
-                <a:solidFill>
-                  <a:srgbClr val="C00000"/>
-                </a:solidFill>
-              </a:rPr>
-              <a:t>kaynak adı - «tire» ile başlayamaz</a:t>
-            </a:r>
-          </a:p>
-          <a:p>
-            <a:pPr algn="l"/>
-            <a:endParaRPr lang="tr-TR" sz="4000" dirty="0"/>
-          </a:p>
-        </p:txBody>
-      </p:sp>
-    </p:spTree>
-    <p:extLst>
-      <p:ext uri="{BB962C8B-B14F-4D97-AF65-F5344CB8AC3E}">
-        <p14:creationId xmlns:p14="http://schemas.microsoft.com/office/powerpoint/2010/main" val="3628597207"/>
-      </p:ext>
-    </p:extLst>
-  </p:cSld>
-  <p:clrMapOvr>
-    <a:masterClrMapping/>
-  </p:clrMapOvr>
-  <p:timing>
-    <p:tnLst>
-      <p:par>
-        <p:cTn id="1" dur="indefinite" restart="never" nodeType="tmRoot"/>
-      </p:par>
-    </p:tnLst>
-  </p:timing>
 </p:sld>
 </file>
 
@@ -22966,36 +23291,12 @@
               <a:rPr lang="tr-TR" b="1" dirty="0" smtClean="0"/>
             </a:br>
             <a:r>
-              <a:rPr lang="tr-TR" dirty="0" err="1" smtClean="0"/>
-              <a:t>url</a:t>
+              <a:rPr lang="tr-TR" dirty="0" smtClean="0"/>
+              <a:t>geçerli karakter kümesi</a:t>
             </a:r>
             <a:r>
               <a:rPr lang="tr-TR" b="1" dirty="0" smtClean="0"/>
               <a:t> </a:t>
-            </a:r>
-            <a:r>
-              <a:rPr lang="tr-TR" dirty="0" smtClean="0"/>
-              <a:t>kodlama</a:t>
-            </a:r>
-            <a:r>
-              <a:rPr lang="tr-TR" b="1" dirty="0" smtClean="0"/>
-              <a:t> (</a:t>
-            </a:r>
-            <a:r>
-              <a:rPr lang="tr-TR" b="1" dirty="0" err="1" smtClean="0"/>
-              <a:t>url</a:t>
-            </a:r>
-            <a:r>
-              <a:rPr lang="tr-TR" b="1" dirty="0" smtClean="0"/>
-              <a:t> </a:t>
-            </a:r>
-            <a:r>
-              <a:rPr lang="tr-TR" b="1" dirty="0" err="1" smtClean="0"/>
-              <a:t>encoding</a:t>
-            </a:r>
-            <a:r>
-              <a:rPr lang="tr-TR" b="1" dirty="0" smtClean="0"/>
-              <a:t>)</a:t>
             </a:r>
             <a:endParaRPr lang="tr-TR" dirty="0"/>
           </a:p>
@@ -23046,309 +23347,92 @@
             <a:r>
               <a:rPr lang="tr-TR" sz="4100" dirty="0" smtClean="0">
                 <a:solidFill>
-                  <a:srgbClr val="00B050"/>
-                </a:solidFill>
-              </a:rPr>
-              <a:t>A-Z</a:t>
-            </a:r>
-            <a:r>
-              <a:rPr lang="tr-TR" sz="4100" dirty="0" smtClean="0"/>
-              <a:t>, </a:t>
-            </a:r>
-            <a:r>
-              <a:rPr lang="tr-TR" sz="4100" dirty="0" smtClean="0">
-                <a:solidFill>
-                  <a:srgbClr val="00B050"/>
-                </a:solidFill>
-              </a:rPr>
-              <a:t>a-z</a:t>
-            </a:r>
-            <a:r>
-              <a:rPr lang="tr-TR" sz="4100" dirty="0" smtClean="0"/>
-              <a:t>, </a:t>
-            </a:r>
-            <a:r>
-              <a:rPr lang="tr-TR" sz="4100" dirty="0" smtClean="0">
-                <a:solidFill>
-                  <a:srgbClr val="00B050"/>
-                </a:solidFill>
-              </a:rPr>
-              <a:t>0-9</a:t>
-            </a:r>
-            <a:r>
-              <a:rPr lang="tr-TR" sz="4100" dirty="0" smtClean="0"/>
-              <a:t>, </a:t>
-            </a:r>
-            <a:r>
-              <a:rPr lang="tr-TR" sz="4100" dirty="0" smtClean="0">
-                <a:solidFill>
-                  <a:srgbClr val="00B050"/>
-                </a:solidFill>
-              </a:rPr>
-              <a:t>-._~:/?#[]@!$&amp;'()*+,;=</a:t>
-            </a:r>
-          </a:p>
-          <a:p>
-            <a:r>
-              <a:rPr lang="tr-TR" sz="2500" dirty="0" smtClean="0">
-                <a:solidFill>
-                  <a:srgbClr val="FF0000"/>
-                </a:solidFill>
-              </a:rPr>
-              <a:t>dışındaki tüm karakterler </a:t>
-            </a:r>
-            <a:r>
-              <a:rPr lang="tr-TR" sz="2500" dirty="0" smtClean="0">
-                <a:solidFill>
-                  <a:srgbClr val="00B050"/>
-                </a:solidFill>
-              </a:rPr>
-              <a:t>geçerli </a:t>
-            </a:r>
-            <a:r>
-              <a:rPr lang="tr-TR" sz="2500" dirty="0" err="1" smtClean="0">
-                <a:solidFill>
-                  <a:srgbClr val="00B050"/>
-                </a:solidFill>
-              </a:rPr>
-              <a:t>url</a:t>
-            </a:r>
-            <a:r>
-              <a:rPr lang="tr-TR" sz="2500" dirty="0" smtClean="0">
-                <a:solidFill>
-                  <a:srgbClr val="00B050"/>
-                </a:solidFill>
-              </a:rPr>
-              <a:t> karakterleriyle</a:t>
-            </a:r>
-            <a:r>
-              <a:rPr lang="tr-TR" sz="2500" dirty="0" smtClean="0">
-                <a:solidFill>
-                  <a:srgbClr val="FF0000"/>
-                </a:solidFill>
-              </a:rPr>
-              <a:t> kodlanır</a:t>
-            </a:r>
-          </a:p>
-          <a:p>
-            <a:endParaRPr lang="tr-TR" sz="2500" dirty="0" smtClean="0">
-              <a:solidFill>
-                <a:srgbClr val="FF0000"/>
-              </a:solidFill>
-            </a:endParaRPr>
-          </a:p>
-          <a:p>
-            <a:pPr marL="457200" indent="-457200" algn="l">
-              <a:buFont typeface="Arial" charset="0"/>
+                  <a:schemeClr val="accent3">
+                    <a:lumMod val="50000"/>
+                  </a:schemeClr>
+                </a:solidFill>
+              </a:rPr>
+              <a:t>ABCDEFGHIJKLMNOPQRSTUVWXYZ</a:t>
+            </a:r>
+          </a:p>
+          <a:p>
+            <a:pPr marL="342900" indent="-342900" algn="l">
+              <a:buFont typeface="Arial" pitchFamily="34" charset="0"/>
               <a:buChar char="•"/>
             </a:pPr>
             <a:r>
-              <a:rPr lang="tr-TR" sz="2500" dirty="0" smtClean="0"/>
-              <a:t>Boşluk karakteri </a:t>
-            </a:r>
-            <a:r>
-              <a:rPr lang="tr-TR" sz="2500" dirty="0" smtClean="0">
-                <a:solidFill>
-                  <a:srgbClr val="00B050"/>
-                </a:solidFill>
-              </a:rPr>
-              <a:t>+ </a:t>
-            </a:r>
-            <a:r>
-              <a:rPr lang="tr-TR" sz="2500" dirty="0" smtClean="0"/>
-              <a:t>veya </a:t>
-            </a:r>
-            <a:r>
-              <a:rPr lang="tr-TR" sz="2500" dirty="0" smtClean="0">
-                <a:solidFill>
-                  <a:srgbClr val="00B050"/>
-                </a:solidFill>
-              </a:rPr>
-              <a:t>%20 </a:t>
-            </a:r>
-            <a:r>
-              <a:rPr lang="tr-TR" sz="2500" dirty="0" smtClean="0"/>
-              <a:t>karakterleri ile değiştirilir.</a:t>
-            </a:r>
-          </a:p>
-          <a:p>
-            <a:pPr marL="457200" indent="-457200" algn="l">
-              <a:buFont typeface="Arial" charset="0"/>
-              <a:buChar char="•"/>
-            </a:pPr>
-            <a:endParaRPr lang="tr-TR" sz="2500" dirty="0" smtClean="0"/>
-          </a:p>
-          <a:p>
-            <a:pPr marL="457200" indent="-457200" algn="l">
-              <a:buFont typeface="Arial" charset="0"/>
-              <a:buChar char="•"/>
-            </a:pPr>
-            <a:r>
-              <a:rPr lang="tr-TR" sz="2500" dirty="0" err="1" smtClean="0"/>
-              <a:t>Javascript</a:t>
-            </a:r>
-            <a:r>
-              <a:rPr lang="tr-TR" sz="2500" dirty="0" smtClean="0"/>
-              <a:t> </a:t>
-            </a:r>
-            <a:r>
-              <a:rPr lang="tr-TR" sz="2500" dirty="0" err="1" smtClean="0">
-                <a:solidFill>
-                  <a:schemeClr val="accent2">
+              <a:rPr lang="tr-TR" sz="4100" dirty="0" err="1">
+                <a:solidFill>
+                  <a:schemeClr val="accent3">
                     <a:lumMod val="50000"/>
                   </a:schemeClr>
                 </a:solidFill>
               </a:rPr>
-              <a:t>encodeURI</a:t>
-            </a:r>
-            <a:r>
-              <a:rPr lang="tr-TR" sz="2500" dirty="0" smtClean="0">
-                <a:solidFill>
-                  <a:schemeClr val="accent2">
+              <a:t>a</a:t>
+            </a:r>
+            <a:r>
+              <a:rPr lang="tr-TR" sz="4100" dirty="0" err="1" smtClean="0">
+                <a:solidFill>
+                  <a:schemeClr val="accent3">
                     <a:lumMod val="50000"/>
                   </a:schemeClr>
                 </a:solidFill>
               </a:rPr>
-              <a:t>()</a:t>
-            </a:r>
-            <a:r>
-              <a:rPr lang="tr-TR" sz="2500" dirty="0" smtClean="0"/>
-              <a:t> «güvenli kodlanmış» </a:t>
-            </a:r>
-            <a:r>
-              <a:rPr lang="tr-TR" sz="2500" dirty="0" err="1" smtClean="0"/>
-              <a:t>url</a:t>
-            </a:r>
-            <a:r>
-              <a:rPr lang="tr-TR" sz="2500" dirty="0" smtClean="0"/>
-              <a:t> oluşturur</a:t>
-            </a:r>
-          </a:p>
-          <a:p>
-            <a:pPr marL="457200" indent="-457200" algn="l">
-              <a:buFont typeface="Arial" charset="0"/>
-              <a:buChar char="•"/>
-            </a:pPr>
-            <a:endParaRPr lang="tr-TR" sz="2500" dirty="0" smtClean="0"/>
-          </a:p>
-          <a:p>
-            <a:pPr marL="457200" indent="-457200" algn="l">
-              <a:buFont typeface="Arial" charset="0"/>
-              <a:buChar char="•"/>
-            </a:pPr>
-            <a:r>
-              <a:rPr lang="en-US" sz="2600" dirty="0" err="1">
-                <a:solidFill>
-                  <a:schemeClr val="accent2">
-                    <a:lumMod val="50000"/>
-                  </a:schemeClr>
-                </a:solidFill>
-              </a:rPr>
-              <a:t>encodeURI</a:t>
-            </a:r>
-            <a:r>
-              <a:rPr lang="en-US" sz="2600" dirty="0">
-                <a:solidFill>
-                  <a:schemeClr val="accent2">
-                    <a:lumMod val="50000"/>
-                  </a:schemeClr>
-                </a:solidFill>
-              </a:rPr>
-              <a:t>(</a:t>
-            </a:r>
-            <a:r>
-              <a:rPr lang="en-US" sz="2600" dirty="0">
-                <a:solidFill>
-                  <a:schemeClr val="tx2">
-                    <a:lumMod val="60000"/>
-                    <a:lumOff val="40000"/>
-                  </a:schemeClr>
-                </a:solidFill>
-              </a:rPr>
-              <a:t>"http://www.google.com/a file with spaces.html</a:t>
-            </a:r>
-            <a:r>
-              <a:rPr lang="en-US" sz="2600" dirty="0" smtClean="0">
-                <a:solidFill>
-                  <a:schemeClr val="tx2">
-                    <a:lumMod val="60000"/>
-                    <a:lumOff val="40000"/>
-                  </a:schemeClr>
-                </a:solidFill>
-              </a:rPr>
-              <a:t>"</a:t>
-            </a:r>
-            <a:r>
-              <a:rPr lang="en-US" sz="2600" dirty="0" smtClean="0">
-                <a:solidFill>
-                  <a:schemeClr val="accent2">
-                    <a:lumMod val="50000"/>
-                  </a:schemeClr>
-                </a:solidFill>
-              </a:rPr>
-              <a:t>)</a:t>
-            </a:r>
-            <a:endParaRPr lang="tr-TR" sz="2600" dirty="0" smtClean="0">
+              <a:t>bcdefghijklmnopqrstuvwxyz</a:t>
+            </a:r>
+            <a:endParaRPr lang="tr-TR" sz="4100" dirty="0" smtClean="0">
               <a:solidFill>
-                <a:schemeClr val="accent2">
+                <a:schemeClr val="accent3">
                   <a:lumMod val="50000"/>
                 </a:schemeClr>
               </a:solidFill>
             </a:endParaRPr>
           </a:p>
           <a:p>
-            <a:pPr marL="457200" indent="-457200" algn="l">
-              <a:buFont typeface="Arial" charset="0"/>
+            <a:pPr marL="342900" indent="-342900" algn="l">
+              <a:buFont typeface="Arial" pitchFamily="34" charset="0"/>
               <a:buChar char="•"/>
             </a:pPr>
-            <a:endParaRPr lang="tr-TR" sz="2600" dirty="0" smtClean="0">
-              <a:solidFill>
-                <a:schemeClr val="accent2">
-                  <a:lumMod val="50000"/>
-                </a:schemeClr>
-              </a:solidFill>
-            </a:endParaRPr>
-          </a:p>
-          <a:p>
-            <a:pPr marL="457200" indent="-457200" algn="l">
-              <a:buFont typeface="Arial" charset="0"/>
+            <a:r>
+              <a:rPr lang="tr-TR" sz="4100" dirty="0" smtClean="0">
+                <a:solidFill>
+                  <a:schemeClr val="accent3">
+                    <a:lumMod val="50000"/>
+                  </a:schemeClr>
+                </a:solidFill>
+              </a:rPr>
+              <a:t>0123456789</a:t>
+            </a:r>
+          </a:p>
+          <a:p>
+            <a:pPr marL="342900" indent="-342900" algn="l">
+              <a:buFont typeface="Arial" pitchFamily="34" charset="0"/>
               <a:buChar char="•"/>
             </a:pPr>
             <a:r>
-              <a:rPr lang="tr-TR" sz="2600" dirty="0">
-                <a:solidFill>
-                  <a:schemeClr val="tx2">
-                    <a:lumMod val="60000"/>
-                    <a:lumOff val="40000"/>
-                  </a:schemeClr>
-                </a:solidFill>
-              </a:rPr>
-              <a:t>http://www.google.com/a%20file%20with%20spaces.html</a:t>
-            </a:r>
-            <a:endParaRPr lang="tr-TR" sz="2600" dirty="0" smtClean="0">
-              <a:solidFill>
-                <a:schemeClr val="tx2">
-                  <a:lumMod val="60000"/>
-                  <a:lumOff val="40000"/>
-                </a:schemeClr>
-              </a:solidFill>
-            </a:endParaRPr>
-          </a:p>
-          <a:p>
-            <a:pPr algn="l"/>
-            <a:endParaRPr lang="tr-TR" sz="3300" dirty="0">
-              <a:solidFill>
-                <a:srgbClr val="00B050"/>
-              </a:solidFill>
-            </a:endParaRPr>
-          </a:p>
-          <a:p>
-            <a:pPr algn="l"/>
-            <a:endParaRPr lang="tr-TR" sz="3300" dirty="0" smtClean="0">
-              <a:solidFill>
-                <a:srgbClr val="00B050"/>
-              </a:solidFill>
-            </a:endParaRPr>
+              <a:rPr lang="tr-TR" sz="4100" dirty="0" smtClean="0">
+                <a:solidFill>
+                  <a:schemeClr val="accent3">
+                    <a:lumMod val="50000"/>
+                  </a:schemeClr>
+                </a:solidFill>
+              </a:rPr>
+              <a:t>-._~:/?#[]@!$&amp;'()*+,;=</a:t>
+            </a:r>
+          </a:p>
+          <a:p>
+            <a:pPr marL="342900" indent="-342900" algn="l">
+              <a:buFont typeface="Arial" pitchFamily="34" charset="0"/>
+              <a:buChar char="•"/>
+            </a:pPr>
+            <a:r>
+              <a:rPr lang="tr-TR" sz="4100" dirty="0" smtClean="0">
+                <a:solidFill>
+                  <a:srgbClr val="C00000"/>
+                </a:solidFill>
+              </a:rPr>
+              <a:t>kaynak adı - «tire» ile başlayamaz</a:t>
+            </a:r>
           </a:p>
           <a:p>
             <a:pPr algn="l"/>
@@ -23359,7 +23443,7 @@
     </p:spTree>
     <p:extLst>
       <p:ext uri="{BB962C8B-B14F-4D97-AF65-F5344CB8AC3E}">
-        <p14:creationId xmlns:p14="http://schemas.microsoft.com/office/powerpoint/2010/main" val="2955180758"/>
+        <p14:creationId xmlns:p14="http://schemas.microsoft.com/office/powerpoint/2010/main" val="3628597207"/>
       </p:ext>
     </p:extLst>
   </p:cSld>
@@ -23395,6 +23479,636 @@
       </p:grpSpPr>
       <p:sp>
         <p:nvSpPr>
+          <p:cNvPr id="5" name="İçerik Yer Tutucusu 2"/>
+          <p:cNvSpPr txBox="1">
+            <a:spLocks/>
+          </p:cNvSpPr>
+          <p:nvPr/>
+        </p:nvSpPr>
+        <p:spPr>
+          <a:xfrm>
+            <a:off x="179512" y="1700809"/>
+            <a:ext cx="8867328" cy="4953018"/>
+          </a:xfrm>
+          <a:prstGeom prst="rect">
+            <a:avLst/>
+          </a:prstGeom>
+        </p:spPr>
+        <p:txBody>
+          <a:bodyPr vert="horz" lIns="91440" tIns="45720" rIns="91440" bIns="45720" rtlCol="0">
+            <a:normAutofit/>
+          </a:bodyPr>
+          <a:lstStyle>
+            <a:lvl1pPr marL="342900" indent="-342900" algn="l" defTabSz="914400" rtl="0" eaLnBrk="1" latinLnBrk="0" hangingPunct="1">
+              <a:spcBef>
+                <a:spcPct val="20000"/>
+              </a:spcBef>
+              <a:buFont typeface="Arial" pitchFamily="34" charset="0"/>
+              <a:buChar char="•"/>
+              <a:defRPr sz="3200" kern="1200">
+                <a:solidFill>
+                  <a:schemeClr val="tx1"/>
+                </a:solidFill>
+                <a:latin typeface="+mn-lt"/>
+                <a:ea typeface="+mn-ea"/>
+                <a:cs typeface="+mn-cs"/>
+              </a:defRPr>
+            </a:lvl1pPr>
+            <a:lvl2pPr marL="742950" indent="-285750" algn="l" defTabSz="914400" rtl="0" eaLnBrk="1" latinLnBrk="0" hangingPunct="1">
+              <a:spcBef>
+                <a:spcPct val="20000"/>
+              </a:spcBef>
+              <a:buFont typeface="Arial" pitchFamily="34" charset="0"/>
+              <a:buChar char="–"/>
+              <a:defRPr sz="2800" kern="1200">
+                <a:solidFill>
+                  <a:schemeClr val="tx1"/>
+                </a:solidFill>
+                <a:latin typeface="+mn-lt"/>
+                <a:ea typeface="+mn-ea"/>
+                <a:cs typeface="+mn-cs"/>
+              </a:defRPr>
+            </a:lvl2pPr>
+            <a:lvl3pPr marL="1143000" indent="-228600" algn="l" defTabSz="914400" rtl="0" eaLnBrk="1" latinLnBrk="0" hangingPunct="1">
+              <a:spcBef>
+                <a:spcPct val="20000"/>
+              </a:spcBef>
+              <a:buFont typeface="Arial" pitchFamily="34" charset="0"/>
+              <a:buChar char="•"/>
+              <a:defRPr sz="2400" kern="1200">
+                <a:solidFill>
+                  <a:schemeClr val="tx1"/>
+                </a:solidFill>
+                <a:latin typeface="+mn-lt"/>
+                <a:ea typeface="+mn-ea"/>
+                <a:cs typeface="+mn-cs"/>
+              </a:defRPr>
+            </a:lvl3pPr>
+            <a:lvl4pPr marL="1600200" indent="-228600" algn="l" defTabSz="914400" rtl="0" eaLnBrk="1" latinLnBrk="0" hangingPunct="1">
+              <a:spcBef>
+                <a:spcPct val="20000"/>
+              </a:spcBef>
+              <a:buFont typeface="Arial" pitchFamily="34" charset="0"/>
+              <a:buChar char="–"/>
+              <a:defRPr sz="2000" kern="1200">
+                <a:solidFill>
+                  <a:schemeClr val="tx1"/>
+                </a:solidFill>
+                <a:latin typeface="+mn-lt"/>
+                <a:ea typeface="+mn-ea"/>
+                <a:cs typeface="+mn-cs"/>
+              </a:defRPr>
+            </a:lvl4pPr>
+            <a:lvl5pPr marL="2057400" indent="-228600" algn="l" defTabSz="914400" rtl="0" eaLnBrk="1" latinLnBrk="0" hangingPunct="1">
+              <a:spcBef>
+                <a:spcPct val="20000"/>
+              </a:spcBef>
+              <a:buFont typeface="Arial" pitchFamily="34" charset="0"/>
+              <a:buChar char="»"/>
+              <a:defRPr sz="2000" kern="1200">
+                <a:solidFill>
+                  <a:schemeClr val="tx1"/>
+                </a:solidFill>
+                <a:latin typeface="+mn-lt"/>
+                <a:ea typeface="+mn-ea"/>
+                <a:cs typeface="+mn-cs"/>
+              </a:defRPr>
+            </a:lvl5pPr>
+            <a:lvl6pPr marL="2514600" indent="-228600" algn="l" defTabSz="914400" rtl="0" eaLnBrk="1" latinLnBrk="0" hangingPunct="1">
+              <a:spcBef>
+                <a:spcPct val="20000"/>
+              </a:spcBef>
+              <a:buFont typeface="Arial" pitchFamily="34" charset="0"/>
+              <a:buChar char="•"/>
+              <a:defRPr sz="2000" kern="1200">
+                <a:solidFill>
+                  <a:schemeClr val="tx1"/>
+                </a:solidFill>
+                <a:latin typeface="+mn-lt"/>
+                <a:ea typeface="+mn-ea"/>
+                <a:cs typeface="+mn-cs"/>
+              </a:defRPr>
+            </a:lvl6pPr>
+            <a:lvl7pPr marL="2971800" indent="-228600" algn="l" defTabSz="914400" rtl="0" eaLnBrk="1" latinLnBrk="0" hangingPunct="1">
+              <a:spcBef>
+                <a:spcPct val="20000"/>
+              </a:spcBef>
+              <a:buFont typeface="Arial" pitchFamily="34" charset="0"/>
+              <a:buChar char="•"/>
+              <a:defRPr sz="2000" kern="1200">
+                <a:solidFill>
+                  <a:schemeClr val="tx1"/>
+                </a:solidFill>
+                <a:latin typeface="+mn-lt"/>
+                <a:ea typeface="+mn-ea"/>
+                <a:cs typeface="+mn-cs"/>
+              </a:defRPr>
+            </a:lvl7pPr>
+            <a:lvl8pPr marL="3429000" indent="-228600" algn="l" defTabSz="914400" rtl="0" eaLnBrk="1" latinLnBrk="0" hangingPunct="1">
+              <a:spcBef>
+                <a:spcPct val="20000"/>
+              </a:spcBef>
+              <a:buFont typeface="Arial" pitchFamily="34" charset="0"/>
+              <a:buChar char="•"/>
+              <a:defRPr sz="2000" kern="1200">
+                <a:solidFill>
+                  <a:schemeClr val="tx1"/>
+                </a:solidFill>
+                <a:latin typeface="+mn-lt"/>
+                <a:ea typeface="+mn-ea"/>
+                <a:cs typeface="+mn-cs"/>
+              </a:defRPr>
+            </a:lvl8pPr>
+            <a:lvl9pPr marL="3886200" indent="-228600" algn="l" defTabSz="914400" rtl="0" eaLnBrk="1" latinLnBrk="0" hangingPunct="1">
+              <a:spcBef>
+                <a:spcPct val="20000"/>
+              </a:spcBef>
+              <a:buFont typeface="Arial" pitchFamily="34" charset="0"/>
+              <a:buChar char="•"/>
+              <a:defRPr sz="2000" kern="1200">
+                <a:solidFill>
+                  <a:schemeClr val="tx1"/>
+                </a:solidFill>
+                <a:latin typeface="+mn-lt"/>
+                <a:ea typeface="+mn-ea"/>
+                <a:cs typeface="+mn-cs"/>
+              </a:defRPr>
+            </a:lvl9pPr>
+          </a:lstStyle>
+          <a:p>
+            <a:pPr marL="0" indent="0">
+              <a:buFont typeface="Arial" pitchFamily="34" charset="0"/>
+              <a:buNone/>
+            </a:pPr>
+            <a:endParaRPr lang="tr-TR" b="1" dirty="0" smtClean="0">
+              <a:solidFill>
+                <a:schemeClr val="accent3">
+                  <a:lumMod val="75000"/>
+                </a:schemeClr>
+              </a:solidFill>
+            </a:endParaRPr>
+          </a:p>
+        </p:txBody>
+      </p:sp>
+      <p:sp>
+        <p:nvSpPr>
+          <p:cNvPr id="10" name="Başlık 1"/>
+          <p:cNvSpPr>
+            <a:spLocks noGrp="1"/>
+          </p:cNvSpPr>
+          <p:nvPr>
+            <p:ph type="title"/>
+          </p:nvPr>
+        </p:nvSpPr>
+        <p:spPr>
+          <a:xfrm>
+            <a:off x="457200" y="274638"/>
+            <a:ext cx="8229600" cy="1143000"/>
+          </a:xfrm>
+        </p:spPr>
+        <p:txBody>
+          <a:bodyPr>
+            <a:normAutofit fontScale="90000"/>
+          </a:bodyPr>
+          <a:lstStyle/>
+          <a:p>
+            <a:r>
+              <a:rPr lang="tr-TR" b="1" dirty="0" smtClean="0"/>
+              <a:t>URL</a:t>
+            </a:r>
+            <a:br>
+              <a:rPr lang="tr-TR" b="1" dirty="0" smtClean="0"/>
+            </a:br>
+            <a:r>
+              <a:rPr lang="tr-TR" dirty="0" err="1" smtClean="0"/>
+              <a:t>url</a:t>
+            </a:r>
+            <a:r>
+              <a:rPr lang="tr-TR" b="1" dirty="0" smtClean="0"/>
+              <a:t> </a:t>
+            </a:r>
+            <a:r>
+              <a:rPr lang="tr-TR" dirty="0" smtClean="0"/>
+              <a:t>kodlama</a:t>
+            </a:r>
+            <a:r>
+              <a:rPr lang="tr-TR" b="1" dirty="0" smtClean="0"/>
+              <a:t> (</a:t>
+            </a:r>
+            <a:r>
+              <a:rPr lang="tr-TR" b="1" dirty="0" err="1" smtClean="0"/>
+              <a:t>url</a:t>
+            </a:r>
+            <a:r>
+              <a:rPr lang="tr-TR" b="1" dirty="0" smtClean="0"/>
+              <a:t> </a:t>
+            </a:r>
+            <a:r>
+              <a:rPr lang="tr-TR" b="1" dirty="0" err="1" smtClean="0"/>
+              <a:t>encoding</a:t>
+            </a:r>
+            <a:r>
+              <a:rPr lang="tr-TR" b="1" dirty="0" smtClean="0"/>
+              <a:t>)</a:t>
+            </a:r>
+            <a:endParaRPr lang="tr-TR" dirty="0"/>
+          </a:p>
+        </p:txBody>
+      </p:sp>
+      <p:sp>
+        <p:nvSpPr>
+          <p:cNvPr id="11" name="Başlık 1"/>
+          <p:cNvSpPr txBox="1">
+            <a:spLocks/>
+          </p:cNvSpPr>
+          <p:nvPr/>
+        </p:nvSpPr>
+        <p:spPr>
+          <a:xfrm>
+            <a:off x="292696" y="1806180"/>
+            <a:ext cx="8640960" cy="4742275"/>
+          </a:xfrm>
+          <a:prstGeom prst="rect">
+            <a:avLst/>
+          </a:prstGeom>
+        </p:spPr>
+        <p:txBody>
+          <a:bodyPr vert="horz" lIns="91440" tIns="45720" rIns="91440" bIns="45720" rtlCol="0" anchor="t">
+            <a:normAutofit fontScale="97500"/>
+          </a:bodyPr>
+          <a:lstStyle>
+            <a:lvl1pPr algn="ctr" defTabSz="914400" rtl="0" eaLnBrk="1" latinLnBrk="0" hangingPunct="1">
+              <a:spcBef>
+                <a:spcPct val="0"/>
+              </a:spcBef>
+              <a:buNone/>
+              <a:defRPr sz="4400" kern="1200">
+                <a:solidFill>
+                  <a:schemeClr val="tx1"/>
+                </a:solidFill>
+                <a:latin typeface="+mj-lt"/>
+                <a:ea typeface="+mj-ea"/>
+                <a:cs typeface="+mj-cs"/>
+              </a:defRPr>
+            </a:lvl1pPr>
+          </a:lstStyle>
+          <a:p>
+            <a:pPr marL="342900" indent="-342900" algn="l">
+              <a:buFont typeface="Arial" pitchFamily="34" charset="0"/>
+              <a:buChar char="•"/>
+            </a:pPr>
+            <a:r>
+              <a:rPr lang="tr-TR" sz="4100" dirty="0" smtClean="0">
+                <a:solidFill>
+                  <a:srgbClr val="00B050"/>
+                </a:solidFill>
+              </a:rPr>
+              <a:t>A-Z</a:t>
+            </a:r>
+            <a:r>
+              <a:rPr lang="tr-TR" sz="4100" dirty="0" smtClean="0"/>
+              <a:t>, </a:t>
+            </a:r>
+            <a:r>
+              <a:rPr lang="tr-TR" sz="4100" dirty="0" smtClean="0">
+                <a:solidFill>
+                  <a:srgbClr val="00B050"/>
+                </a:solidFill>
+              </a:rPr>
+              <a:t>a-z</a:t>
+            </a:r>
+            <a:r>
+              <a:rPr lang="tr-TR" sz="4100" dirty="0" smtClean="0"/>
+              <a:t>, </a:t>
+            </a:r>
+            <a:r>
+              <a:rPr lang="tr-TR" sz="4100" dirty="0" smtClean="0">
+                <a:solidFill>
+                  <a:srgbClr val="00B050"/>
+                </a:solidFill>
+              </a:rPr>
+              <a:t>0-9</a:t>
+            </a:r>
+            <a:r>
+              <a:rPr lang="tr-TR" sz="4100" dirty="0" smtClean="0"/>
+              <a:t>, </a:t>
+            </a:r>
+            <a:r>
+              <a:rPr lang="tr-TR" sz="4100" dirty="0" smtClean="0">
+                <a:solidFill>
+                  <a:srgbClr val="00B050"/>
+                </a:solidFill>
+              </a:rPr>
+              <a:t>-._~:/?#[]@!$&amp;'()*+,;=</a:t>
+            </a:r>
+          </a:p>
+          <a:p>
+            <a:r>
+              <a:rPr lang="tr-TR" sz="2500" dirty="0" smtClean="0">
+                <a:solidFill>
+                  <a:srgbClr val="FF0000"/>
+                </a:solidFill>
+              </a:rPr>
+              <a:t>dışındaki tüm karakterler </a:t>
+            </a:r>
+            <a:r>
+              <a:rPr lang="tr-TR" sz="2500" dirty="0" smtClean="0">
+                <a:solidFill>
+                  <a:srgbClr val="00B050"/>
+                </a:solidFill>
+              </a:rPr>
+              <a:t>geçerli </a:t>
+            </a:r>
+            <a:r>
+              <a:rPr lang="tr-TR" sz="2500" dirty="0" err="1" smtClean="0">
+                <a:solidFill>
+                  <a:srgbClr val="00B050"/>
+                </a:solidFill>
+              </a:rPr>
+              <a:t>url</a:t>
+            </a:r>
+            <a:r>
+              <a:rPr lang="tr-TR" sz="2500" dirty="0" smtClean="0">
+                <a:solidFill>
+                  <a:srgbClr val="00B050"/>
+                </a:solidFill>
+              </a:rPr>
+              <a:t> karakterleriyle</a:t>
+            </a:r>
+            <a:r>
+              <a:rPr lang="tr-TR" sz="2500" dirty="0" smtClean="0">
+                <a:solidFill>
+                  <a:srgbClr val="FF0000"/>
+                </a:solidFill>
+              </a:rPr>
+              <a:t> kodlanır</a:t>
+            </a:r>
+          </a:p>
+          <a:p>
+            <a:endParaRPr lang="tr-TR" sz="2500" dirty="0" smtClean="0">
+              <a:solidFill>
+                <a:srgbClr val="FF0000"/>
+              </a:solidFill>
+            </a:endParaRPr>
+          </a:p>
+          <a:p>
+            <a:pPr marL="457200" indent="-457200" algn="l">
+              <a:buFont typeface="Arial" charset="0"/>
+              <a:buChar char="•"/>
+            </a:pPr>
+            <a:r>
+              <a:rPr lang="tr-TR" sz="2500" dirty="0" smtClean="0"/>
+              <a:t>Boşluk karakteri </a:t>
+            </a:r>
+            <a:r>
+              <a:rPr lang="tr-TR" sz="2500" dirty="0" smtClean="0">
+                <a:solidFill>
+                  <a:srgbClr val="00B050"/>
+                </a:solidFill>
+              </a:rPr>
+              <a:t>+ </a:t>
+            </a:r>
+            <a:r>
+              <a:rPr lang="tr-TR" sz="2500" dirty="0" smtClean="0"/>
+              <a:t>veya </a:t>
+            </a:r>
+            <a:r>
+              <a:rPr lang="tr-TR" sz="2500" dirty="0" smtClean="0">
+                <a:solidFill>
+                  <a:srgbClr val="00B050"/>
+                </a:solidFill>
+              </a:rPr>
+              <a:t>%20 </a:t>
+            </a:r>
+            <a:r>
+              <a:rPr lang="tr-TR" sz="2500" dirty="0" smtClean="0"/>
+              <a:t>karakterleri ile değiştirilir.</a:t>
+            </a:r>
+          </a:p>
+          <a:p>
+            <a:pPr marL="457200" indent="-457200" algn="l">
+              <a:buFont typeface="Arial" charset="0"/>
+              <a:buChar char="•"/>
+            </a:pPr>
+            <a:endParaRPr lang="tr-TR" sz="2500" dirty="0" smtClean="0"/>
+          </a:p>
+          <a:p>
+            <a:pPr marL="457200" indent="-457200" algn="l">
+              <a:buFont typeface="Arial" charset="0"/>
+              <a:buChar char="•"/>
+            </a:pPr>
+            <a:r>
+              <a:rPr lang="tr-TR" sz="2500" dirty="0" err="1" smtClean="0"/>
+              <a:t>Javascript</a:t>
+            </a:r>
+            <a:r>
+              <a:rPr lang="tr-TR" sz="2500" dirty="0" smtClean="0"/>
+              <a:t> </a:t>
+            </a:r>
+            <a:r>
+              <a:rPr lang="tr-TR" sz="2500" dirty="0" err="1" smtClean="0">
+                <a:solidFill>
+                  <a:schemeClr val="accent2">
+                    <a:lumMod val="50000"/>
+                  </a:schemeClr>
+                </a:solidFill>
+              </a:rPr>
+              <a:t>encodeURI</a:t>
+            </a:r>
+            <a:r>
+              <a:rPr lang="tr-TR" sz="2500" dirty="0" smtClean="0">
+                <a:solidFill>
+                  <a:schemeClr val="accent2">
+                    <a:lumMod val="50000"/>
+                  </a:schemeClr>
+                </a:solidFill>
+              </a:rPr>
+              <a:t>()</a:t>
+            </a:r>
+            <a:r>
+              <a:rPr lang="tr-TR" sz="2500" dirty="0" smtClean="0"/>
+              <a:t> «güvenli kodlanmış» </a:t>
+            </a:r>
+            <a:r>
+              <a:rPr lang="tr-TR" sz="2500" dirty="0" err="1" smtClean="0"/>
+              <a:t>url</a:t>
+            </a:r>
+            <a:r>
+              <a:rPr lang="tr-TR" sz="2500" dirty="0" smtClean="0"/>
+              <a:t> oluşturur</a:t>
+            </a:r>
+          </a:p>
+          <a:p>
+            <a:pPr marL="457200" indent="-457200" algn="l">
+              <a:buFont typeface="Arial" charset="0"/>
+              <a:buChar char="•"/>
+            </a:pPr>
+            <a:endParaRPr lang="tr-TR" sz="2500" dirty="0" smtClean="0"/>
+          </a:p>
+          <a:p>
+            <a:pPr marL="457200" indent="-457200" algn="l">
+              <a:buFont typeface="Arial" charset="0"/>
+              <a:buChar char="•"/>
+            </a:pPr>
+            <a:r>
+              <a:rPr lang="en-US" sz="2600" dirty="0" err="1">
+                <a:solidFill>
+                  <a:schemeClr val="accent2">
+                    <a:lumMod val="50000"/>
+                  </a:schemeClr>
+                </a:solidFill>
+              </a:rPr>
+              <a:t>encodeURI</a:t>
+            </a:r>
+            <a:r>
+              <a:rPr lang="en-US" sz="2600" dirty="0">
+                <a:solidFill>
+                  <a:schemeClr val="accent2">
+                    <a:lumMod val="50000"/>
+                  </a:schemeClr>
+                </a:solidFill>
+              </a:rPr>
+              <a:t>(</a:t>
+            </a:r>
+            <a:r>
+              <a:rPr lang="en-US" sz="2600" dirty="0">
+                <a:solidFill>
+                  <a:schemeClr val="tx2">
+                    <a:lumMod val="60000"/>
+                    <a:lumOff val="40000"/>
+                  </a:schemeClr>
+                </a:solidFill>
+              </a:rPr>
+              <a:t>"http://www.google.com/a file with spaces.html</a:t>
+            </a:r>
+            <a:r>
+              <a:rPr lang="en-US" sz="2600" dirty="0" smtClean="0">
+                <a:solidFill>
+                  <a:schemeClr val="tx2">
+                    <a:lumMod val="60000"/>
+                    <a:lumOff val="40000"/>
+                  </a:schemeClr>
+                </a:solidFill>
+              </a:rPr>
+              <a:t>"</a:t>
+            </a:r>
+            <a:r>
+              <a:rPr lang="en-US" sz="2600" dirty="0" smtClean="0">
+                <a:solidFill>
+                  <a:schemeClr val="accent2">
+                    <a:lumMod val="50000"/>
+                  </a:schemeClr>
+                </a:solidFill>
+              </a:rPr>
+              <a:t>)</a:t>
+            </a:r>
+            <a:endParaRPr lang="tr-TR" sz="2600" dirty="0" smtClean="0">
+              <a:solidFill>
+                <a:schemeClr val="accent2">
+                  <a:lumMod val="50000"/>
+                </a:schemeClr>
+              </a:solidFill>
+            </a:endParaRPr>
+          </a:p>
+          <a:p>
+            <a:pPr marL="457200" indent="-457200" algn="l">
+              <a:buFont typeface="Arial" charset="0"/>
+              <a:buChar char="•"/>
+            </a:pPr>
+            <a:endParaRPr lang="tr-TR" sz="2600" dirty="0" smtClean="0">
+              <a:solidFill>
+                <a:schemeClr val="accent2">
+                  <a:lumMod val="50000"/>
+                </a:schemeClr>
+              </a:solidFill>
+            </a:endParaRPr>
+          </a:p>
+          <a:p>
+            <a:pPr marL="457200" indent="-457200" algn="l">
+              <a:buFont typeface="Arial" charset="0"/>
+              <a:buChar char="•"/>
+            </a:pPr>
+            <a:r>
+              <a:rPr lang="tr-TR" sz="2600" dirty="0">
+                <a:solidFill>
+                  <a:schemeClr val="tx2">
+                    <a:lumMod val="60000"/>
+                    <a:lumOff val="40000"/>
+                  </a:schemeClr>
+                </a:solidFill>
+              </a:rPr>
+              <a:t>http://www.google.com/a%20file%20with%20spaces.html</a:t>
+            </a:r>
+            <a:endParaRPr lang="tr-TR" sz="2600" dirty="0" smtClean="0">
+              <a:solidFill>
+                <a:schemeClr val="tx2">
+                  <a:lumMod val="60000"/>
+                  <a:lumOff val="40000"/>
+                </a:schemeClr>
+              </a:solidFill>
+            </a:endParaRPr>
+          </a:p>
+          <a:p>
+            <a:pPr algn="l"/>
+            <a:endParaRPr lang="tr-TR" sz="3300" dirty="0">
+              <a:solidFill>
+                <a:srgbClr val="00B050"/>
+              </a:solidFill>
+            </a:endParaRPr>
+          </a:p>
+          <a:p>
+            <a:pPr algn="l"/>
+            <a:endParaRPr lang="tr-TR" sz="3300" dirty="0" smtClean="0">
+              <a:solidFill>
+                <a:srgbClr val="00B050"/>
+              </a:solidFill>
+            </a:endParaRPr>
+          </a:p>
+          <a:p>
+            <a:pPr algn="l"/>
+            <a:endParaRPr lang="tr-TR" sz="4000" dirty="0"/>
+          </a:p>
+        </p:txBody>
+      </p:sp>
+    </p:spTree>
+    <p:extLst>
+      <p:ext uri="{BB962C8B-B14F-4D97-AF65-F5344CB8AC3E}">
+        <p14:creationId xmlns:p14="http://schemas.microsoft.com/office/powerpoint/2010/main" val="2955180758"/>
+      </p:ext>
+    </p:extLst>
+  </p:cSld>
+  <p:clrMapOvr>
+    <a:masterClrMapping/>
+  </p:clrMapOvr>
+  <p:timing>
+    <p:tnLst>
+      <p:par>
+        <p:cTn id="1" dur="indefinite" restart="never" nodeType="tmRoot"/>
+      </p:par>
+    </p:tnLst>
+  </p:timing>
+</p:sld>
+</file>
+
+<file path=ppt/slides/slide32.xml><?xml version="1.0" encoding="utf-8"?>
+<p:sld xmlns:a="http://schemas.openxmlformats.org/drawingml/2006/main" xmlns:r="http://schemas.openxmlformats.org/officeDocument/2006/relationships" xmlns:p="http://schemas.openxmlformats.org/presentationml/2006/main">
+  <p:cSld>
+    <p:spTree>
+      <p:nvGrpSpPr>
+        <p:cNvPr id="1" name=""/>
+        <p:cNvGrpSpPr/>
+        <p:nvPr/>
+      </p:nvGrpSpPr>
+      <p:grpSpPr>
+        <a:xfrm>
+          <a:off x="0" y="0"/>
+          <a:ext cx="0" cy="0"/>
+          <a:chOff x="0" y="0"/>
+          <a:chExt cx="0" cy="0"/>
+        </a:xfrm>
+      </p:grpSpPr>
+      <p:sp>
+        <p:nvSpPr>
           <p:cNvPr id="4" name="Başlık 1"/>
           <p:cNvSpPr txBox="1">
             <a:spLocks/>
@@ -23678,7 +24392,7 @@
 </p:sld>
 </file>
 
-<file path=ppt/slides/slide32.xml><?xml version="1.0" encoding="utf-8"?>
+<file path=ppt/slides/slide33.xml><?xml version="1.0" encoding="utf-8"?>
 <p:sld xmlns:a="http://schemas.openxmlformats.org/drawingml/2006/main" xmlns:r="http://schemas.openxmlformats.org/officeDocument/2006/relationships" xmlns:p="http://schemas.openxmlformats.org/presentationml/2006/main">
   <p:cSld>
     <p:spTree>
